--- a/MachineLearning/LogisticRegression/LogisticRegression.pptx
+++ b/MachineLearning/LogisticRegression/LogisticRegression.pptx
@@ -5,7 +5,7 @@
     <p:sldMasterId id="2147483648" r:id="rId1"/>
   </p:sldMasterIdLst>
   <p:notesMasterIdLst>
-    <p:notesMasterId r:id="rId35"/>
+    <p:notesMasterId r:id="rId39"/>
   </p:notesMasterIdLst>
   <p:sldIdLst>
     <p:sldId id="256" r:id="rId2"/>
@@ -37,10 +37,14 @@
     <p:sldId id="322" r:id="rId28"/>
     <p:sldId id="323" r:id="rId29"/>
     <p:sldId id="324" r:id="rId30"/>
-    <p:sldId id="290" r:id="rId31"/>
-    <p:sldId id="270" r:id="rId32"/>
-    <p:sldId id="271" r:id="rId33"/>
-    <p:sldId id="269" r:id="rId34"/>
+    <p:sldId id="325" r:id="rId31"/>
+    <p:sldId id="326" r:id="rId32"/>
+    <p:sldId id="327" r:id="rId33"/>
+    <p:sldId id="328" r:id="rId34"/>
+    <p:sldId id="290" r:id="rId35"/>
+    <p:sldId id="270" r:id="rId36"/>
+    <p:sldId id="271" r:id="rId37"/>
+    <p:sldId id="269" r:id="rId38"/>
   </p:sldIdLst>
   <p:sldSz cx="9144000" cy="6858000" type="screen4x3"/>
   <p:notesSz cx="6858000" cy="9144000"/>
@@ -11960,16 +11964,14 @@
         </p:nvSpPr>
         <p:spPr/>
         <p:txBody>
-          <a:bodyPr>
-            <a:normAutofit/>
-          </a:bodyPr>
+          <a:bodyPr/>
           <a:lstStyle/>
           <a:p>
             <a:r>
-              <a:rPr lang="en-US" dirty="0" smtClean="0"/>
-              <a:t>Applications</a:t>
-            </a:r>
-            <a:endParaRPr lang="en-US" dirty="0"/>
+              <a:rPr lang="en-IN" dirty="0" smtClean="0"/>
+              <a:t>Regularization</a:t>
+            </a:r>
+            <a:endParaRPr lang="en-IN" dirty="0"/>
           </a:p>
         </p:txBody>
       </p:sp>
@@ -11983,66 +11985,30 @@
             <p:ph idx="1"/>
           </p:nvPr>
         </p:nvSpPr>
-        <p:spPr>
-          <a:xfrm>
-            <a:off x="304800" y="1600200"/>
-            <a:ext cx="8534400" cy="4525963"/>
-          </a:xfrm>
-        </p:spPr>
+        <p:spPr/>
         <p:txBody>
           <a:bodyPr/>
           <a:lstStyle/>
           <a:p>
             <a:r>
-              <a:rPr lang="en-US" dirty="0" smtClean="0"/>
-              <a:t>Inputs to response mapping</a:t>
-            </a:r>
-          </a:p>
-          <a:p>
-            <a:r>
-              <a:rPr lang="en-US" dirty="0" smtClean="0"/>
-              <a:t>Error reduction</a:t>
-            </a:r>
-          </a:p>
-          <a:p>
-            <a:r>
-              <a:rPr lang="en-US" dirty="0" smtClean="0"/>
-              <a:t>Prediction</a:t>
-            </a:r>
-          </a:p>
-          <a:p>
-            <a:pPr lvl="1"/>
-            <a:r>
-              <a:rPr lang="en-US" dirty="0" smtClean="0"/>
-              <a:t>House price prediction from observed dataset </a:t>
-            </a:r>
-          </a:p>
-          <a:p>
-            <a:r>
-              <a:rPr lang="en-US" dirty="0" smtClean="0"/>
-              <a:t>Forecasting</a:t>
-            </a:r>
-          </a:p>
-          <a:p>
-            <a:pPr lvl="1"/>
-            <a:r>
-              <a:rPr lang="en-US" dirty="0" smtClean="0"/>
-              <a:t>Weather forecasting from observed dataset</a:t>
-            </a:r>
-          </a:p>
-          <a:p>
-            <a:endParaRPr lang="en-US" dirty="0" smtClean="0"/>
-          </a:p>
-          <a:p>
-            <a:pPr lvl="1"/>
-            <a:endParaRPr lang="en-US" dirty="0" smtClean="0"/>
-          </a:p>
-          <a:p>
-            <a:endParaRPr lang="en-US" dirty="0" smtClean="0"/>
-          </a:p>
-          <a:p>
-            <a:pPr lvl="1"/>
-            <a:endParaRPr lang="en-US" baseline="-25000" dirty="0"/>
+              <a:rPr lang="en-IN" dirty="0" smtClean="0"/>
+              <a:t>Lasso regression</a:t>
+            </a:r>
+          </a:p>
+          <a:p>
+            <a:r>
+              <a:rPr lang="en-IN" dirty="0" smtClean="0"/>
+              <a:t>Ridge Regression</a:t>
+            </a:r>
+          </a:p>
+          <a:p>
+            <a:r>
+              <a:rPr lang="en-IN" dirty="0" smtClean="0"/>
+              <a:t>Elastic Net Regression</a:t>
+            </a:r>
+          </a:p>
+          <a:p>
+            <a:endParaRPr lang="en-IN" dirty="0"/>
           </a:p>
         </p:txBody>
       </p:sp>
@@ -12051,13 +12017,6 @@
   <p:clrMapOvr>
     <a:masterClrMapping/>
   </p:clrMapOvr>
-  <p:timing>
-    <p:tnLst>
-      <p:par>
-        <p:cTn id="1" dur="indefinite" restart="never" nodeType="tmRoot"/>
-      </p:par>
-    </p:tnLst>
-  </p:timing>
 </p:sld>
 </file>
 
@@ -12094,10 +12053,10 @@
           <a:lstStyle/>
           <a:p>
             <a:r>
-              <a:rPr lang="en-US" dirty="0" smtClean="0"/>
-              <a:t>Advantages</a:t>
-            </a:r>
-            <a:endParaRPr lang="en-US" dirty="0"/>
+              <a:rPr lang="en-IN" dirty="0" smtClean="0"/>
+              <a:t>Lasso Regression</a:t>
+            </a:r>
+            <a:endParaRPr lang="en-IN" dirty="0"/>
           </a:p>
         </p:txBody>
       </p:sp>
@@ -12118,7 +12077,50 @@
           </a:bodyPr>
           <a:lstStyle/>
           <a:p>
-            <a:endParaRPr lang="en-US" dirty="0"/>
+            <a:r>
+              <a:rPr lang="en-IN" dirty="0" smtClean="0"/>
+              <a:t>Least Absolute Shrinkage Selector Operator</a:t>
+            </a:r>
+          </a:p>
+          <a:p>
+            <a:r>
+              <a:rPr lang="en-IN" dirty="0" smtClean="0"/>
+              <a:t>L1 regularization technique</a:t>
+            </a:r>
+          </a:p>
+          <a:p>
+            <a:r>
+              <a:rPr lang="en-IN" smtClean="0"/>
+              <a:t>Reduce coefficients</a:t>
+            </a:r>
+            <a:endParaRPr lang="en-IN" dirty="0" smtClean="0"/>
+          </a:p>
+          <a:p>
+            <a:r>
+              <a:rPr lang="en-IN" dirty="0" smtClean="0"/>
+              <a:t>Feature selection</a:t>
+            </a:r>
+          </a:p>
+          <a:p>
+            <a:pPr lvl="1"/>
+            <a:r>
+              <a:rPr lang="en-IN" dirty="0" smtClean="0"/>
+              <a:t>Select important features </a:t>
+            </a:r>
+          </a:p>
+          <a:p>
+            <a:pPr lvl="1"/>
+            <a:r>
+              <a:rPr lang="en-IN" dirty="0" smtClean="0"/>
+              <a:t>Reduce coefficients of others to zero</a:t>
+            </a:r>
+          </a:p>
+          <a:p>
+            <a:r>
+              <a:rPr lang="en-IN" dirty="0" smtClean="0"/>
+              <a:t>Suitable for more number of features</a:t>
+            </a:r>
+            <a:endParaRPr lang="en-IN" dirty="0"/>
           </a:p>
         </p:txBody>
       </p:sp>
@@ -12127,13 +12129,6 @@
   <p:clrMapOvr>
     <a:masterClrMapping/>
   </p:clrMapOvr>
-  <p:timing>
-    <p:tnLst>
-      <p:par>
-        <p:cTn id="1" dur="indefinite" restart="never" nodeType="tmRoot"/>
-      </p:par>
-    </p:tnLst>
-  </p:timing>
 </p:sld>
 </file>
 
@@ -12170,10 +12165,10 @@
           <a:lstStyle/>
           <a:p>
             <a:r>
-              <a:rPr lang="en-US" dirty="0" smtClean="0"/>
-              <a:t>Disadvantages</a:t>
-            </a:r>
-            <a:endParaRPr lang="en-US" dirty="0"/>
+              <a:rPr lang="en-IN" dirty="0" smtClean="0"/>
+              <a:t>Ridge Regression</a:t>
+            </a:r>
+            <a:endParaRPr lang="en-IN" dirty="0"/>
           </a:p>
         </p:txBody>
       </p:sp>
@@ -12185,6 +12180,150 @@
           </p:cNvSpPr>
           <p:nvPr>
             <p:ph idx="1"/>
+          </p:nvPr>
+        </p:nvSpPr>
+        <p:spPr/>
+        <p:txBody>
+          <a:bodyPr/>
+          <a:lstStyle/>
+          <a:p>
+            <a:r>
+              <a:rPr lang="en-IN" dirty="0" smtClean="0"/>
+              <a:t>L2 regularization technique</a:t>
+            </a:r>
+          </a:p>
+          <a:p>
+            <a:r>
+              <a:rPr lang="en-IN" dirty="0" smtClean="0"/>
+              <a:t>Reduce coefficients</a:t>
+            </a:r>
+          </a:p>
+          <a:p>
+            <a:r>
+              <a:rPr lang="en-IN" dirty="0" smtClean="0"/>
+              <a:t>Reduce model complexity</a:t>
+            </a:r>
+          </a:p>
+          <a:p>
+            <a:r>
+              <a:rPr lang="en-IN" dirty="0" smtClean="0"/>
+              <a:t>Prevent </a:t>
+            </a:r>
+            <a:r>
+              <a:rPr lang="en-IN" dirty="0" err="1" smtClean="0"/>
+              <a:t>multicollinearity</a:t>
+            </a:r>
+            <a:r>
+              <a:rPr lang="en-IN" dirty="0" smtClean="0"/>
+              <a:t> </a:t>
+            </a:r>
+          </a:p>
+        </p:txBody>
+      </p:sp>
+    </p:spTree>
+  </p:cSld>
+  <p:clrMapOvr>
+    <a:masterClrMapping/>
+  </p:clrMapOvr>
+</p:sld>
+</file>
+
+<file path=ppt/slides/slide33.xml><?xml version="1.0" encoding="utf-8"?>
+<p:sld xmlns:a="http://schemas.openxmlformats.org/drawingml/2006/main" xmlns:r="http://schemas.openxmlformats.org/officeDocument/2006/relationships" xmlns:p="http://schemas.openxmlformats.org/presentationml/2006/main">
+  <p:cSld>
+    <p:spTree>
+      <p:nvGrpSpPr>
+        <p:cNvPr id="1" name=""/>
+        <p:cNvGrpSpPr/>
+        <p:nvPr/>
+      </p:nvGrpSpPr>
+      <p:grpSpPr>
+        <a:xfrm>
+          <a:off x="0" y="0"/>
+          <a:ext cx="0" cy="0"/>
+          <a:chOff x="0" y="0"/>
+          <a:chExt cx="0" cy="0"/>
+        </a:xfrm>
+      </p:grpSpPr>
+      <p:sp>
+        <p:nvSpPr>
+          <p:cNvPr id="2" name="Title 1"/>
+          <p:cNvSpPr>
+            <a:spLocks noGrp="1"/>
+          </p:cNvSpPr>
+          <p:nvPr>
+            <p:ph type="title"/>
+          </p:nvPr>
+        </p:nvSpPr>
+        <p:spPr/>
+        <p:txBody>
+          <a:bodyPr/>
+          <a:lstStyle/>
+          <a:p>
+            <a:r>
+              <a:rPr lang="en-IN" dirty="0" smtClean="0"/>
+              <a:t>Elastic Net Regression</a:t>
+            </a:r>
+            <a:endParaRPr lang="en-IN" dirty="0"/>
+          </a:p>
+        </p:txBody>
+      </p:sp>
+      <p:sp>
+        <p:nvSpPr>
+          <p:cNvPr id="3" name="Content Placeholder 2"/>
+          <p:cNvSpPr>
+            <a:spLocks noGrp="1"/>
+          </p:cNvSpPr>
+          <p:nvPr>
+            <p:ph idx="1"/>
+          </p:nvPr>
+        </p:nvSpPr>
+        <p:spPr/>
+        <p:txBody>
+          <a:bodyPr/>
+          <a:lstStyle/>
+          <a:p>
+            <a:r>
+              <a:rPr lang="en-IN" dirty="0" smtClean="0"/>
+              <a:t>L1 and L2 regularization technique</a:t>
+            </a:r>
+            <a:endParaRPr lang="en-IN" dirty="0"/>
+          </a:p>
+        </p:txBody>
+      </p:sp>
+    </p:spTree>
+  </p:cSld>
+  <p:clrMapOvr>
+    <a:masterClrMapping/>
+  </p:clrMapOvr>
+</p:sld>
+</file>
+
+<file path=ppt/slides/slide34.xml><?xml version="1.0" encoding="utf-8"?>
+<p:sld xmlns:a="http://schemas.openxmlformats.org/drawingml/2006/main" xmlns:r="http://schemas.openxmlformats.org/officeDocument/2006/relationships" xmlns:p="http://schemas.openxmlformats.org/presentationml/2006/main">
+  <p:cSld>
+    <p:spTree>
+      <p:nvGrpSpPr>
+        <p:cNvPr id="1" name=""/>
+        <p:cNvGrpSpPr/>
+        <p:nvPr/>
+      </p:nvGrpSpPr>
+      <p:grpSpPr>
+        <a:xfrm>
+          <a:off x="0" y="0"/>
+          <a:ext cx="0" cy="0"/>
+          <a:chOff x="0" y="0"/>
+          <a:chExt cx="0" cy="0"/>
+        </a:xfrm>
+      </p:grpSpPr>
+      <p:sp>
+        <p:nvSpPr>
+          <p:cNvPr id="2" name="Title 1"/>
+          <p:cNvSpPr>
+            <a:spLocks noGrp="1"/>
+          </p:cNvSpPr>
+          <p:nvPr>
+            <p:ph type="title"/>
           </p:nvPr>
         </p:nvSpPr>
         <p:spPr/>
@@ -12194,7 +12333,60 @@
           </a:bodyPr>
           <a:lstStyle/>
           <a:p>
+            <a:r>
+              <a:rPr lang="en-US" dirty="0" smtClean="0"/>
+              <a:t>Applications</a:t>
+            </a:r>
             <a:endParaRPr lang="en-US" dirty="0"/>
+          </a:p>
+        </p:txBody>
+      </p:sp>
+      <p:sp>
+        <p:nvSpPr>
+          <p:cNvPr id="3" name="Content Placeholder 2"/>
+          <p:cNvSpPr>
+            <a:spLocks noGrp="1"/>
+          </p:cNvSpPr>
+          <p:nvPr>
+            <p:ph idx="1"/>
+          </p:nvPr>
+        </p:nvSpPr>
+        <p:spPr>
+          <a:xfrm>
+            <a:off x="304800" y="1600200"/>
+            <a:ext cx="8534400" cy="4525963"/>
+          </a:xfrm>
+        </p:spPr>
+        <p:txBody>
+          <a:bodyPr/>
+          <a:lstStyle/>
+          <a:p>
+            <a:r>
+              <a:rPr lang="en-US" dirty="0" smtClean="0"/>
+              <a:t>Binary </a:t>
+            </a:r>
+            <a:r>
+              <a:rPr lang="en-US" dirty="0" smtClean="0"/>
+              <a:t>classification</a:t>
+            </a:r>
+          </a:p>
+          <a:p>
+            <a:r>
+              <a:rPr lang="en-IN" dirty="0" smtClean="0"/>
+              <a:t>Positive class and negative class</a:t>
+            </a:r>
+            <a:endParaRPr lang="en-US" dirty="0" smtClean="0"/>
+          </a:p>
+          <a:p>
+            <a:pPr lvl="1"/>
+            <a:endParaRPr lang="en-US" dirty="0" smtClean="0"/>
+          </a:p>
+          <a:p>
+            <a:endParaRPr lang="en-US" dirty="0" smtClean="0"/>
+          </a:p>
+          <a:p>
+            <a:pPr lvl="1"/>
+            <a:endParaRPr lang="en-US" baseline="-25000" dirty="0"/>
           </a:p>
         </p:txBody>
       </p:sp>
@@ -12213,7 +12405,263 @@
 </p:sld>
 </file>
 
-<file path=ppt/slides/slide33.xml><?xml version="1.0" encoding="utf-8"?>
+<file path=ppt/slides/slide35.xml><?xml version="1.0" encoding="utf-8"?>
+<p:sld xmlns:a="http://schemas.openxmlformats.org/drawingml/2006/main" xmlns:r="http://schemas.openxmlformats.org/officeDocument/2006/relationships" xmlns:p="http://schemas.openxmlformats.org/presentationml/2006/main">
+  <p:cSld>
+    <p:spTree>
+      <p:nvGrpSpPr>
+        <p:cNvPr id="1" name=""/>
+        <p:cNvGrpSpPr/>
+        <p:nvPr/>
+      </p:nvGrpSpPr>
+      <p:grpSpPr>
+        <a:xfrm>
+          <a:off x="0" y="0"/>
+          <a:ext cx="0" cy="0"/>
+          <a:chOff x="0" y="0"/>
+          <a:chExt cx="0" cy="0"/>
+        </a:xfrm>
+      </p:grpSpPr>
+      <p:sp>
+        <p:nvSpPr>
+          <p:cNvPr id="2" name="Title 1"/>
+          <p:cNvSpPr>
+            <a:spLocks noGrp="1"/>
+          </p:cNvSpPr>
+          <p:nvPr>
+            <p:ph type="title"/>
+          </p:nvPr>
+        </p:nvSpPr>
+        <p:spPr/>
+        <p:txBody>
+          <a:bodyPr/>
+          <a:lstStyle/>
+          <a:p>
+            <a:r>
+              <a:rPr lang="en-US" dirty="0" smtClean="0"/>
+              <a:t>Advantages</a:t>
+            </a:r>
+            <a:endParaRPr lang="en-US" dirty="0"/>
+          </a:p>
+        </p:txBody>
+      </p:sp>
+      <p:sp>
+        <p:nvSpPr>
+          <p:cNvPr id="3" name="Content Placeholder 2"/>
+          <p:cNvSpPr>
+            <a:spLocks noGrp="1"/>
+          </p:cNvSpPr>
+          <p:nvPr>
+            <p:ph idx="1"/>
+          </p:nvPr>
+        </p:nvSpPr>
+        <p:spPr/>
+        <p:txBody>
+          <a:bodyPr>
+            <a:normAutofit/>
+          </a:bodyPr>
+          <a:lstStyle/>
+          <a:p>
+            <a:r>
+              <a:rPr lang="en-IN" dirty="0" smtClean="0"/>
+              <a:t>Easy to </a:t>
+            </a:r>
+            <a:r>
+              <a:rPr lang="en-IN" dirty="0" smtClean="0"/>
+              <a:t>implement and interpret</a:t>
+            </a:r>
+          </a:p>
+          <a:p>
+            <a:r>
+              <a:rPr lang="en-IN" dirty="0" smtClean="0"/>
+              <a:t>Efficient </a:t>
+            </a:r>
+            <a:r>
+              <a:rPr lang="en-IN" dirty="0" smtClean="0"/>
+              <a:t>to </a:t>
+            </a:r>
+            <a:r>
+              <a:rPr lang="en-IN" dirty="0" smtClean="0"/>
+              <a:t>train</a:t>
+            </a:r>
+          </a:p>
+          <a:p>
+            <a:r>
+              <a:rPr lang="en-IN" dirty="0" smtClean="0"/>
+              <a:t>No assumptions about distributions of </a:t>
+            </a:r>
+            <a:r>
+              <a:rPr lang="en-IN" dirty="0" smtClean="0"/>
+              <a:t>classes</a:t>
+            </a:r>
+          </a:p>
+          <a:p>
+            <a:r>
+              <a:rPr lang="en-IN" dirty="0" smtClean="0"/>
+              <a:t>Can be extended to multiple </a:t>
+            </a:r>
+            <a:r>
+              <a:rPr lang="en-IN" dirty="0" smtClean="0"/>
+              <a:t>classes</a:t>
+            </a:r>
+          </a:p>
+          <a:p>
+            <a:r>
+              <a:rPr lang="en-IN" dirty="0" smtClean="0"/>
+              <a:t>Good accuracy for </a:t>
+            </a:r>
+            <a:r>
+              <a:rPr lang="en-IN" dirty="0" smtClean="0"/>
+              <a:t>linearly separable dataset</a:t>
+            </a:r>
+            <a:endParaRPr lang="en-US" dirty="0"/>
+          </a:p>
+        </p:txBody>
+      </p:sp>
+    </p:spTree>
+  </p:cSld>
+  <p:clrMapOvr>
+    <a:masterClrMapping/>
+  </p:clrMapOvr>
+  <p:timing>
+    <p:tnLst>
+      <p:par>
+        <p:cTn id="1" dur="indefinite" restart="never" nodeType="tmRoot"/>
+      </p:par>
+    </p:tnLst>
+  </p:timing>
+</p:sld>
+</file>
+
+<file path=ppt/slides/slide36.xml><?xml version="1.0" encoding="utf-8"?>
+<p:sld xmlns:a="http://schemas.openxmlformats.org/drawingml/2006/main" xmlns:r="http://schemas.openxmlformats.org/officeDocument/2006/relationships" xmlns:p="http://schemas.openxmlformats.org/presentationml/2006/main">
+  <p:cSld>
+    <p:spTree>
+      <p:nvGrpSpPr>
+        <p:cNvPr id="1" name=""/>
+        <p:cNvGrpSpPr/>
+        <p:nvPr/>
+      </p:nvGrpSpPr>
+      <p:grpSpPr>
+        <a:xfrm>
+          <a:off x="0" y="0"/>
+          <a:ext cx="0" cy="0"/>
+          <a:chOff x="0" y="0"/>
+          <a:chExt cx="0" cy="0"/>
+        </a:xfrm>
+      </p:grpSpPr>
+      <p:sp>
+        <p:nvSpPr>
+          <p:cNvPr id="2" name="Title 1"/>
+          <p:cNvSpPr>
+            <a:spLocks noGrp="1"/>
+          </p:cNvSpPr>
+          <p:nvPr>
+            <p:ph type="title"/>
+          </p:nvPr>
+        </p:nvSpPr>
+        <p:spPr/>
+        <p:txBody>
+          <a:bodyPr/>
+          <a:lstStyle/>
+          <a:p>
+            <a:r>
+              <a:rPr lang="en-US" dirty="0" smtClean="0"/>
+              <a:t>Disadvantages</a:t>
+            </a:r>
+            <a:endParaRPr lang="en-US" dirty="0"/>
+          </a:p>
+        </p:txBody>
+      </p:sp>
+      <p:sp>
+        <p:nvSpPr>
+          <p:cNvPr id="3" name="Content Placeholder 2"/>
+          <p:cNvSpPr>
+            <a:spLocks noGrp="1"/>
+          </p:cNvSpPr>
+          <p:nvPr>
+            <p:ph idx="1"/>
+          </p:nvPr>
+        </p:nvSpPr>
+        <p:spPr/>
+        <p:txBody>
+          <a:bodyPr>
+            <a:normAutofit/>
+          </a:bodyPr>
+          <a:lstStyle/>
+          <a:p>
+            <a:r>
+              <a:rPr lang="en-US" dirty="0" err="1" smtClean="0"/>
+              <a:t>Overfit</a:t>
+            </a:r>
+            <a:r>
+              <a:rPr lang="en-US" dirty="0" smtClean="0"/>
+              <a:t> for small dataset</a:t>
+            </a:r>
+          </a:p>
+          <a:p>
+            <a:r>
+              <a:rPr lang="en-US" dirty="0" smtClean="0"/>
+              <a:t>Construct linear </a:t>
+            </a:r>
+            <a:r>
+              <a:rPr lang="en-US" dirty="0" smtClean="0"/>
+              <a:t>boundaries</a:t>
+            </a:r>
+          </a:p>
+          <a:p>
+            <a:r>
+              <a:rPr lang="en-IN" dirty="0" smtClean="0"/>
+              <a:t>Assumption of linearity </a:t>
+            </a:r>
+          </a:p>
+          <a:p>
+            <a:pPr lvl="1"/>
+            <a:r>
+              <a:rPr lang="en-IN" dirty="0" smtClean="0"/>
+              <a:t>Independent variables</a:t>
+            </a:r>
+          </a:p>
+          <a:p>
+            <a:pPr lvl="1"/>
+            <a:r>
+              <a:rPr lang="en-IN" dirty="0" smtClean="0"/>
+              <a:t>Dependent </a:t>
+            </a:r>
+            <a:r>
+              <a:rPr lang="en-IN" dirty="0" smtClean="0"/>
+              <a:t>variables</a:t>
+            </a:r>
+          </a:p>
+          <a:p>
+            <a:r>
+              <a:rPr lang="en-IN" smtClean="0"/>
+              <a:t>Cannot solve non </a:t>
+            </a:r>
+            <a:r>
+              <a:rPr lang="en-IN" dirty="0" smtClean="0"/>
+              <a:t>linear problems</a:t>
+            </a:r>
+            <a:endParaRPr lang="en-IN" dirty="0" smtClean="0"/>
+          </a:p>
+        </p:txBody>
+      </p:sp>
+    </p:spTree>
+  </p:cSld>
+  <p:clrMapOvr>
+    <a:masterClrMapping/>
+  </p:clrMapOvr>
+  <p:timing>
+    <p:tnLst>
+      <p:par>
+        <p:cTn id="1" dur="indefinite" restart="never" nodeType="tmRoot"/>
+      </p:par>
+    </p:tnLst>
+  </p:timing>
+</p:sld>
+</file>
+
+<file path=ppt/slides/slide37.xml><?xml version="1.0" encoding="utf-8"?>
 <p:sld xmlns:a="http://schemas.openxmlformats.org/drawingml/2006/main" xmlns:r="http://schemas.openxmlformats.org/officeDocument/2006/relationships" xmlns:p="http://schemas.openxmlformats.org/presentationml/2006/main">
   <p:cSld>
     <p:spTree>

--- a/MachineLearning/LogisticRegression/LogisticRegression.pptx
+++ b/MachineLearning/LogisticRegression/LogisticRegression.pptx
@@ -5,7 +5,7 @@
     <p:sldMasterId id="2147483648" r:id="rId1"/>
   </p:sldMasterIdLst>
   <p:notesMasterIdLst>
-    <p:notesMasterId r:id="rId39"/>
+    <p:notesMasterId r:id="rId42"/>
   </p:notesMasterIdLst>
   <p:sldIdLst>
     <p:sldId id="256" r:id="rId2"/>
@@ -41,10 +41,13 @@
     <p:sldId id="326" r:id="rId32"/>
     <p:sldId id="327" r:id="rId33"/>
     <p:sldId id="328" r:id="rId34"/>
-    <p:sldId id="290" r:id="rId35"/>
-    <p:sldId id="270" r:id="rId36"/>
-    <p:sldId id="271" r:id="rId37"/>
-    <p:sldId id="269" r:id="rId38"/>
+    <p:sldId id="329" r:id="rId35"/>
+    <p:sldId id="330" r:id="rId36"/>
+    <p:sldId id="331" r:id="rId37"/>
+    <p:sldId id="290" r:id="rId38"/>
+    <p:sldId id="270" r:id="rId39"/>
+    <p:sldId id="271" r:id="rId40"/>
+    <p:sldId id="269" r:id="rId41"/>
   </p:sldIdLst>
   <p:sldSz cx="9144000" cy="6858000" type="screen4x3"/>
   <p:notesSz cx="6858000" cy="9144000"/>
@@ -143,6 +146,22 @@
       </a:defRPr>
     </a:lvl9pPr>
   </p:defaultTextStyle>
+  <p:extLst>
+    <p:ext uri="{EFAFB233-063F-42B5-8137-9DF3F51BA10A}">
+      <p15:sldGuideLst xmlns:p15="http://schemas.microsoft.com/office/powerpoint/2012/main">
+        <p15:guide id="1" orient="horz" pos="2160">
+          <p15:clr>
+            <a:srgbClr val="A4A3A4"/>
+          </p15:clr>
+        </p15:guide>
+        <p15:guide id="2" pos="2880">
+          <p15:clr>
+            <a:srgbClr val="A4A3A4"/>
+          </p15:clr>
+        </p15:guide>
+      </p15:sldGuideLst>
+    </p:ext>
+  </p:extLst>
 </p:presentation>
 </file>
 
@@ -229,7 +248,7 @@
             <a:fld id="{98BFDCCA-FFB9-49F6-B56E-F6432283D67C}" type="datetimeFigureOut">
               <a:rPr lang="en-US" smtClean="0"/>
               <a:pPr/>
-              <a:t>2/3/2023</a:t>
+              <a:t>2/5/2023</a:t>
             </a:fld>
             <a:endParaRPr lang="en-US"/>
           </a:p>
@@ -295,38 +314,37 @@
           <a:p>
             <a:pPr lvl="0"/>
             <a:r>
-              <a:rPr lang="en-US" smtClean="0"/>
+              <a:rPr lang="en-US"/>
               <a:t>Click to edit Master text styles</a:t>
             </a:r>
           </a:p>
           <a:p>
             <a:pPr lvl="1"/>
             <a:r>
-              <a:rPr lang="en-US" smtClean="0"/>
+              <a:rPr lang="en-US"/>
               <a:t>Second level</a:t>
             </a:r>
           </a:p>
           <a:p>
             <a:pPr lvl="2"/>
             <a:r>
-              <a:rPr lang="en-US" smtClean="0"/>
+              <a:rPr lang="en-US"/>
               <a:t>Third level</a:t>
             </a:r>
           </a:p>
           <a:p>
             <a:pPr lvl="3"/>
             <a:r>
-              <a:rPr lang="en-US" smtClean="0"/>
+              <a:rPr lang="en-US"/>
               <a:t>Fourth level</a:t>
             </a:r>
           </a:p>
           <a:p>
             <a:pPr lvl="4"/>
             <a:r>
-              <a:rPr lang="en-US" smtClean="0"/>
+              <a:rPr lang="en-US"/>
               <a:t>Fifth level</a:t>
             </a:r>
-            <a:endParaRPr lang="en-US"/>
           </a:p>
         </p:txBody>
       </p:sp>
@@ -533,10 +551,9 @@
           <a:lstStyle/>
           <a:p>
             <a:r>
-              <a:rPr lang="en-US" smtClean="0"/>
+              <a:rPr lang="en-US"/>
               <a:t>Click to edit Master title style</a:t>
             </a:r>
-            <a:endParaRPr lang="en-US"/>
           </a:p>
         </p:txBody>
       </p:sp>
@@ -652,10 +669,9 @@
           </a:lstStyle>
           <a:p>
             <a:r>
-              <a:rPr lang="en-US" smtClean="0"/>
+              <a:rPr lang="en-US"/>
               <a:t>Click to edit Master subtitle style</a:t>
             </a:r>
-            <a:endParaRPr lang="en-US"/>
           </a:p>
         </p:txBody>
       </p:sp>
@@ -677,7 +693,7 @@
             <a:fld id="{9099FEDA-6AC3-495C-A467-2B0399D71BB7}" type="datetimeFigureOut">
               <a:rPr lang="en-US" smtClean="0"/>
               <a:pPr/>
-              <a:t>2/3/2023</a:t>
+              <a:t>2/5/2023</a:t>
             </a:fld>
             <a:endParaRPr lang="en-US"/>
           </a:p>
@@ -767,10 +783,9 @@
           <a:lstStyle/>
           <a:p>
             <a:r>
-              <a:rPr lang="en-US" smtClean="0"/>
+              <a:rPr lang="en-US"/>
               <a:t>Click to edit Master title style</a:t>
             </a:r>
-            <a:endParaRPr lang="en-US"/>
           </a:p>
         </p:txBody>
       </p:sp>
@@ -791,38 +806,37 @@
           <a:p>
             <a:pPr lvl="0"/>
             <a:r>
-              <a:rPr lang="en-US" smtClean="0"/>
+              <a:rPr lang="en-US"/>
               <a:t>Click to edit Master text styles</a:t>
             </a:r>
           </a:p>
           <a:p>
             <a:pPr lvl="1"/>
             <a:r>
-              <a:rPr lang="en-US" smtClean="0"/>
+              <a:rPr lang="en-US"/>
               <a:t>Second level</a:t>
             </a:r>
           </a:p>
           <a:p>
             <a:pPr lvl="2"/>
             <a:r>
-              <a:rPr lang="en-US" smtClean="0"/>
+              <a:rPr lang="en-US"/>
               <a:t>Third level</a:t>
             </a:r>
           </a:p>
           <a:p>
             <a:pPr lvl="3"/>
             <a:r>
-              <a:rPr lang="en-US" smtClean="0"/>
+              <a:rPr lang="en-US"/>
               <a:t>Fourth level</a:t>
             </a:r>
           </a:p>
           <a:p>
             <a:pPr lvl="4"/>
             <a:r>
-              <a:rPr lang="en-US" smtClean="0"/>
+              <a:rPr lang="en-US"/>
               <a:t>Fifth level</a:t>
             </a:r>
-            <a:endParaRPr lang="en-US"/>
           </a:p>
         </p:txBody>
       </p:sp>
@@ -844,7 +858,7 @@
             <a:fld id="{9099FEDA-6AC3-495C-A467-2B0399D71BB7}" type="datetimeFigureOut">
               <a:rPr lang="en-US" smtClean="0"/>
               <a:pPr/>
-              <a:t>2/3/2023</a:t>
+              <a:t>2/5/2023</a:t>
             </a:fld>
             <a:endParaRPr lang="en-US"/>
           </a:p>
@@ -939,10 +953,9 @@
           <a:lstStyle/>
           <a:p>
             <a:r>
-              <a:rPr lang="en-US" smtClean="0"/>
+              <a:rPr lang="en-US"/>
               <a:t>Click to edit Master title style</a:t>
             </a:r>
-            <a:endParaRPr lang="en-US"/>
           </a:p>
         </p:txBody>
       </p:sp>
@@ -968,38 +981,37 @@
           <a:p>
             <a:pPr lvl="0"/>
             <a:r>
-              <a:rPr lang="en-US" smtClean="0"/>
+              <a:rPr lang="en-US"/>
               <a:t>Click to edit Master text styles</a:t>
             </a:r>
           </a:p>
           <a:p>
             <a:pPr lvl="1"/>
             <a:r>
-              <a:rPr lang="en-US" smtClean="0"/>
+              <a:rPr lang="en-US"/>
               <a:t>Second level</a:t>
             </a:r>
           </a:p>
           <a:p>
             <a:pPr lvl="2"/>
             <a:r>
-              <a:rPr lang="en-US" smtClean="0"/>
+              <a:rPr lang="en-US"/>
               <a:t>Third level</a:t>
             </a:r>
           </a:p>
           <a:p>
             <a:pPr lvl="3"/>
             <a:r>
-              <a:rPr lang="en-US" smtClean="0"/>
+              <a:rPr lang="en-US"/>
               <a:t>Fourth level</a:t>
             </a:r>
           </a:p>
           <a:p>
             <a:pPr lvl="4"/>
             <a:r>
-              <a:rPr lang="en-US" smtClean="0"/>
+              <a:rPr lang="en-US"/>
               <a:t>Fifth level</a:t>
             </a:r>
-            <a:endParaRPr lang="en-US"/>
           </a:p>
         </p:txBody>
       </p:sp>
@@ -1021,7 +1033,7 @@
             <a:fld id="{9099FEDA-6AC3-495C-A467-2B0399D71BB7}" type="datetimeFigureOut">
               <a:rPr lang="en-US" smtClean="0"/>
               <a:pPr/>
-              <a:t>2/3/2023</a:t>
+              <a:t>2/5/2023</a:t>
             </a:fld>
             <a:endParaRPr lang="en-US"/>
           </a:p>
@@ -1111,10 +1123,9 @@
           <a:lstStyle/>
           <a:p>
             <a:r>
-              <a:rPr lang="en-US" smtClean="0"/>
+              <a:rPr lang="en-US"/>
               <a:t>Click to edit Master title style</a:t>
             </a:r>
-            <a:endParaRPr lang="en-US"/>
           </a:p>
         </p:txBody>
       </p:sp>
@@ -1135,38 +1146,37 @@
           <a:p>
             <a:pPr lvl="0"/>
             <a:r>
-              <a:rPr lang="en-US" smtClean="0"/>
+              <a:rPr lang="en-US"/>
               <a:t>Click to edit Master text styles</a:t>
             </a:r>
           </a:p>
           <a:p>
             <a:pPr lvl="1"/>
             <a:r>
-              <a:rPr lang="en-US" smtClean="0"/>
+              <a:rPr lang="en-US"/>
               <a:t>Second level</a:t>
             </a:r>
           </a:p>
           <a:p>
             <a:pPr lvl="2"/>
             <a:r>
-              <a:rPr lang="en-US" smtClean="0"/>
+              <a:rPr lang="en-US"/>
               <a:t>Third level</a:t>
             </a:r>
           </a:p>
           <a:p>
             <a:pPr lvl="3"/>
             <a:r>
-              <a:rPr lang="en-US" smtClean="0"/>
+              <a:rPr lang="en-US"/>
               <a:t>Fourth level</a:t>
             </a:r>
           </a:p>
           <a:p>
             <a:pPr lvl="4"/>
             <a:r>
-              <a:rPr lang="en-US" smtClean="0"/>
+              <a:rPr lang="en-US"/>
               <a:t>Fifth level</a:t>
             </a:r>
-            <a:endParaRPr lang="en-US"/>
           </a:p>
         </p:txBody>
       </p:sp>
@@ -1188,7 +1198,7 @@
             <a:fld id="{9099FEDA-6AC3-495C-A467-2B0399D71BB7}" type="datetimeFigureOut">
               <a:rPr lang="en-US" smtClean="0"/>
               <a:pPr/>
-              <a:t>2/3/2023</a:t>
+              <a:t>2/5/2023</a:t>
             </a:fld>
             <a:endParaRPr lang="en-US"/>
           </a:p>
@@ -1287,10 +1297,9 @@
           </a:lstStyle>
           <a:p>
             <a:r>
-              <a:rPr lang="en-US" smtClean="0"/>
+              <a:rPr lang="en-US"/>
               <a:t>Click to edit Master title style</a:t>
             </a:r>
-            <a:endParaRPr lang="en-US"/>
           </a:p>
         </p:txBody>
       </p:sp>
@@ -1407,7 +1416,7 @@
           <a:p>
             <a:pPr lvl="0"/>
             <a:r>
-              <a:rPr lang="en-US" smtClean="0"/>
+              <a:rPr lang="en-US"/>
               <a:t>Click to edit Master text styles</a:t>
             </a:r>
           </a:p>
@@ -1431,7 +1440,7 @@
             <a:fld id="{9099FEDA-6AC3-495C-A467-2B0399D71BB7}" type="datetimeFigureOut">
               <a:rPr lang="en-US" smtClean="0"/>
               <a:pPr/>
-              <a:t>2/3/2023</a:t>
+              <a:t>2/5/2023</a:t>
             </a:fld>
             <a:endParaRPr lang="en-US"/>
           </a:p>
@@ -1521,10 +1530,9 @@
           <a:lstStyle/>
           <a:p>
             <a:r>
-              <a:rPr lang="en-US" smtClean="0"/>
+              <a:rPr lang="en-US"/>
               <a:t>Click to edit Master title style</a:t>
             </a:r>
-            <a:endParaRPr lang="en-US"/>
           </a:p>
         </p:txBody>
       </p:sp>
@@ -1578,38 +1586,37 @@
           <a:p>
             <a:pPr lvl="0"/>
             <a:r>
-              <a:rPr lang="en-US" smtClean="0"/>
+              <a:rPr lang="en-US"/>
               <a:t>Click to edit Master text styles</a:t>
             </a:r>
           </a:p>
           <a:p>
             <a:pPr lvl="1"/>
             <a:r>
-              <a:rPr lang="en-US" smtClean="0"/>
+              <a:rPr lang="en-US"/>
               <a:t>Second level</a:t>
             </a:r>
           </a:p>
           <a:p>
             <a:pPr lvl="2"/>
             <a:r>
-              <a:rPr lang="en-US" smtClean="0"/>
+              <a:rPr lang="en-US"/>
               <a:t>Third level</a:t>
             </a:r>
           </a:p>
           <a:p>
             <a:pPr lvl="3"/>
             <a:r>
-              <a:rPr lang="en-US" smtClean="0"/>
+              <a:rPr lang="en-US"/>
               <a:t>Fourth level</a:t>
             </a:r>
           </a:p>
           <a:p>
             <a:pPr lvl="4"/>
             <a:r>
-              <a:rPr lang="en-US" smtClean="0"/>
+              <a:rPr lang="en-US"/>
               <a:t>Fifth level</a:t>
             </a:r>
-            <a:endParaRPr lang="en-US"/>
           </a:p>
         </p:txBody>
       </p:sp>
@@ -1663,38 +1670,37 @@
           <a:p>
             <a:pPr lvl="0"/>
             <a:r>
-              <a:rPr lang="en-US" smtClean="0"/>
+              <a:rPr lang="en-US"/>
               <a:t>Click to edit Master text styles</a:t>
             </a:r>
           </a:p>
           <a:p>
             <a:pPr lvl="1"/>
             <a:r>
-              <a:rPr lang="en-US" smtClean="0"/>
+              <a:rPr lang="en-US"/>
               <a:t>Second level</a:t>
             </a:r>
           </a:p>
           <a:p>
             <a:pPr lvl="2"/>
             <a:r>
-              <a:rPr lang="en-US" smtClean="0"/>
+              <a:rPr lang="en-US"/>
               <a:t>Third level</a:t>
             </a:r>
           </a:p>
           <a:p>
             <a:pPr lvl="3"/>
             <a:r>
-              <a:rPr lang="en-US" smtClean="0"/>
+              <a:rPr lang="en-US"/>
               <a:t>Fourth level</a:t>
             </a:r>
           </a:p>
           <a:p>
             <a:pPr lvl="4"/>
             <a:r>
-              <a:rPr lang="en-US" smtClean="0"/>
+              <a:rPr lang="en-US"/>
               <a:t>Fifth level</a:t>
             </a:r>
-            <a:endParaRPr lang="en-US"/>
           </a:p>
         </p:txBody>
       </p:sp>
@@ -1716,7 +1722,7 @@
             <a:fld id="{9099FEDA-6AC3-495C-A467-2B0399D71BB7}" type="datetimeFigureOut">
               <a:rPr lang="en-US" smtClean="0"/>
               <a:pPr/>
-              <a:t>2/3/2023</a:t>
+              <a:t>2/5/2023</a:t>
             </a:fld>
             <a:endParaRPr lang="en-US"/>
           </a:p>
@@ -1810,10 +1816,9 @@
           </a:lstStyle>
           <a:p>
             <a:r>
-              <a:rPr lang="en-US" smtClean="0"/>
+              <a:rPr lang="en-US"/>
               <a:t>Click to edit Master title style</a:t>
             </a:r>
-            <a:endParaRPr lang="en-US"/>
           </a:p>
         </p:txBody>
       </p:sp>
@@ -1876,7 +1881,7 @@
           <a:p>
             <a:pPr lvl="0"/>
             <a:r>
-              <a:rPr lang="en-US" smtClean="0"/>
+              <a:rPr lang="en-US"/>
               <a:t>Click to edit Master text styles</a:t>
             </a:r>
           </a:p>
@@ -1932,38 +1937,37 @@
           <a:p>
             <a:pPr lvl="0"/>
             <a:r>
-              <a:rPr lang="en-US" smtClean="0"/>
+              <a:rPr lang="en-US"/>
               <a:t>Click to edit Master text styles</a:t>
             </a:r>
           </a:p>
           <a:p>
             <a:pPr lvl="1"/>
             <a:r>
-              <a:rPr lang="en-US" smtClean="0"/>
+              <a:rPr lang="en-US"/>
               <a:t>Second level</a:t>
             </a:r>
           </a:p>
           <a:p>
             <a:pPr lvl="2"/>
             <a:r>
-              <a:rPr lang="en-US" smtClean="0"/>
+              <a:rPr lang="en-US"/>
               <a:t>Third level</a:t>
             </a:r>
           </a:p>
           <a:p>
             <a:pPr lvl="3"/>
             <a:r>
-              <a:rPr lang="en-US" smtClean="0"/>
+              <a:rPr lang="en-US"/>
               <a:t>Fourth level</a:t>
             </a:r>
           </a:p>
           <a:p>
             <a:pPr lvl="4"/>
             <a:r>
-              <a:rPr lang="en-US" smtClean="0"/>
+              <a:rPr lang="en-US"/>
               <a:t>Fifth level</a:t>
             </a:r>
-            <a:endParaRPr lang="en-US"/>
           </a:p>
         </p:txBody>
       </p:sp>
@@ -2026,7 +2030,7 @@
           <a:p>
             <a:pPr lvl="0"/>
             <a:r>
-              <a:rPr lang="en-US" smtClean="0"/>
+              <a:rPr lang="en-US"/>
               <a:t>Click to edit Master text styles</a:t>
             </a:r>
           </a:p>
@@ -2082,38 +2086,37 @@
           <a:p>
             <a:pPr lvl="0"/>
             <a:r>
-              <a:rPr lang="en-US" smtClean="0"/>
+              <a:rPr lang="en-US"/>
               <a:t>Click to edit Master text styles</a:t>
             </a:r>
           </a:p>
           <a:p>
             <a:pPr lvl="1"/>
             <a:r>
-              <a:rPr lang="en-US" smtClean="0"/>
+              <a:rPr lang="en-US"/>
               <a:t>Second level</a:t>
             </a:r>
           </a:p>
           <a:p>
             <a:pPr lvl="2"/>
             <a:r>
-              <a:rPr lang="en-US" smtClean="0"/>
+              <a:rPr lang="en-US"/>
               <a:t>Third level</a:t>
             </a:r>
           </a:p>
           <a:p>
             <a:pPr lvl="3"/>
             <a:r>
-              <a:rPr lang="en-US" smtClean="0"/>
+              <a:rPr lang="en-US"/>
               <a:t>Fourth level</a:t>
             </a:r>
           </a:p>
           <a:p>
             <a:pPr lvl="4"/>
             <a:r>
-              <a:rPr lang="en-US" smtClean="0"/>
+              <a:rPr lang="en-US"/>
               <a:t>Fifth level</a:t>
             </a:r>
-            <a:endParaRPr lang="en-US"/>
           </a:p>
         </p:txBody>
       </p:sp>
@@ -2135,7 +2138,7 @@
             <a:fld id="{9099FEDA-6AC3-495C-A467-2B0399D71BB7}" type="datetimeFigureOut">
               <a:rPr lang="en-US" smtClean="0"/>
               <a:pPr/>
-              <a:t>2/3/2023</a:t>
+              <a:t>2/5/2023</a:t>
             </a:fld>
             <a:endParaRPr lang="en-US"/>
           </a:p>
@@ -2225,10 +2228,9 @@
           <a:lstStyle/>
           <a:p>
             <a:r>
-              <a:rPr lang="en-US" smtClean="0"/>
+              <a:rPr lang="en-US"/>
               <a:t>Click to edit Master title style</a:t>
             </a:r>
-            <a:endParaRPr lang="en-US"/>
           </a:p>
         </p:txBody>
       </p:sp>
@@ -2250,7 +2252,7 @@
             <a:fld id="{9099FEDA-6AC3-495C-A467-2B0399D71BB7}" type="datetimeFigureOut">
               <a:rPr lang="en-US" smtClean="0"/>
               <a:pPr/>
-              <a:t>2/3/2023</a:t>
+              <a:t>2/5/2023</a:t>
             </a:fld>
             <a:endParaRPr lang="en-US"/>
           </a:p>
@@ -2342,7 +2344,7 @@
             <a:fld id="{9099FEDA-6AC3-495C-A467-2B0399D71BB7}" type="datetimeFigureOut">
               <a:rPr lang="en-US" smtClean="0"/>
               <a:pPr/>
-              <a:t>2/3/2023</a:t>
+              <a:t>2/5/2023</a:t>
             </a:fld>
             <a:endParaRPr lang="en-US"/>
           </a:p>
@@ -2441,10 +2443,9 @@
           </a:lstStyle>
           <a:p>
             <a:r>
-              <a:rPr lang="en-US" smtClean="0"/>
+              <a:rPr lang="en-US"/>
               <a:t>Click to edit Master title style</a:t>
             </a:r>
-            <a:endParaRPr lang="en-US"/>
           </a:p>
         </p:txBody>
       </p:sp>
@@ -2498,38 +2499,37 @@
           <a:p>
             <a:pPr lvl="0"/>
             <a:r>
-              <a:rPr lang="en-US" smtClean="0"/>
+              <a:rPr lang="en-US"/>
               <a:t>Click to edit Master text styles</a:t>
             </a:r>
           </a:p>
           <a:p>
             <a:pPr lvl="1"/>
             <a:r>
-              <a:rPr lang="en-US" smtClean="0"/>
+              <a:rPr lang="en-US"/>
               <a:t>Second level</a:t>
             </a:r>
           </a:p>
           <a:p>
             <a:pPr lvl="2"/>
             <a:r>
-              <a:rPr lang="en-US" smtClean="0"/>
+              <a:rPr lang="en-US"/>
               <a:t>Third level</a:t>
             </a:r>
           </a:p>
           <a:p>
             <a:pPr lvl="3"/>
             <a:r>
-              <a:rPr lang="en-US" smtClean="0"/>
+              <a:rPr lang="en-US"/>
               <a:t>Fourth level</a:t>
             </a:r>
           </a:p>
           <a:p>
             <a:pPr lvl="4"/>
             <a:r>
-              <a:rPr lang="en-US" smtClean="0"/>
+              <a:rPr lang="en-US"/>
               <a:t>Fifth level</a:t>
             </a:r>
-            <a:endParaRPr lang="en-US"/>
           </a:p>
         </p:txBody>
       </p:sp>
@@ -2592,7 +2592,7 @@
           <a:p>
             <a:pPr lvl="0"/>
             <a:r>
-              <a:rPr lang="en-US" smtClean="0"/>
+              <a:rPr lang="en-US"/>
               <a:t>Click to edit Master text styles</a:t>
             </a:r>
           </a:p>
@@ -2616,7 +2616,7 @@
             <a:fld id="{9099FEDA-6AC3-495C-A467-2B0399D71BB7}" type="datetimeFigureOut">
               <a:rPr lang="en-US" smtClean="0"/>
               <a:pPr/>
-              <a:t>2/3/2023</a:t>
+              <a:t>2/5/2023</a:t>
             </a:fld>
             <a:endParaRPr lang="en-US"/>
           </a:p>
@@ -2715,10 +2715,9 @@
           </a:lstStyle>
           <a:p>
             <a:r>
-              <a:rPr lang="en-US" smtClean="0"/>
+              <a:rPr lang="en-US"/>
               <a:t>Click to edit Master title style</a:t>
             </a:r>
-            <a:endParaRPr lang="en-US"/>
           </a:p>
         </p:txBody>
       </p:sp>
@@ -2842,7 +2841,7 @@
           <a:p>
             <a:pPr lvl="0"/>
             <a:r>
-              <a:rPr lang="en-US" smtClean="0"/>
+              <a:rPr lang="en-US"/>
               <a:t>Click to edit Master text styles</a:t>
             </a:r>
           </a:p>
@@ -2866,7 +2865,7 @@
             <a:fld id="{9099FEDA-6AC3-495C-A467-2B0399D71BB7}" type="datetimeFigureOut">
               <a:rPr lang="en-US" smtClean="0"/>
               <a:pPr/>
-              <a:t>2/3/2023</a:t>
+              <a:t>2/5/2023</a:t>
             </a:fld>
             <a:endParaRPr lang="en-US"/>
           </a:p>
@@ -2971,10 +2970,9 @@
           <a:lstStyle/>
           <a:p>
             <a:r>
-              <a:rPr lang="en-US" smtClean="0"/>
+              <a:rPr lang="en-US"/>
               <a:t>Click to edit Master title style</a:t>
             </a:r>
-            <a:endParaRPr lang="en-US"/>
           </a:p>
         </p:txBody>
       </p:sp>
@@ -3005,38 +3003,37 @@
           <a:p>
             <a:pPr lvl="0"/>
             <a:r>
-              <a:rPr lang="en-US" smtClean="0"/>
+              <a:rPr lang="en-US"/>
               <a:t>Click to edit Master text styles</a:t>
             </a:r>
           </a:p>
           <a:p>
             <a:pPr lvl="1"/>
             <a:r>
-              <a:rPr lang="en-US" smtClean="0"/>
+              <a:rPr lang="en-US"/>
               <a:t>Second level</a:t>
             </a:r>
           </a:p>
           <a:p>
             <a:pPr lvl="2"/>
             <a:r>
-              <a:rPr lang="en-US" smtClean="0"/>
+              <a:rPr lang="en-US"/>
               <a:t>Third level</a:t>
             </a:r>
           </a:p>
           <a:p>
             <a:pPr lvl="3"/>
             <a:r>
-              <a:rPr lang="en-US" smtClean="0"/>
+              <a:rPr lang="en-US"/>
               <a:t>Fourth level</a:t>
             </a:r>
           </a:p>
           <a:p>
             <a:pPr lvl="4"/>
             <a:r>
-              <a:rPr lang="en-US" smtClean="0"/>
+              <a:rPr lang="en-US"/>
               <a:t>Fifth level</a:t>
             </a:r>
-            <a:endParaRPr lang="en-US"/>
           </a:p>
         </p:txBody>
       </p:sp>
@@ -3076,7 +3073,7 @@
             <a:fld id="{9099FEDA-6AC3-495C-A467-2B0399D71BB7}" type="datetimeFigureOut">
               <a:rPr lang="en-US" smtClean="0"/>
               <a:pPr/>
-              <a:t>2/3/2023</a:t>
+              <a:t>2/5/2023</a:t>
             </a:fld>
             <a:endParaRPr lang="en-US"/>
           </a:p>
@@ -3463,10 +3460,9 @@
           <a:lstStyle/>
           <a:p>
             <a:r>
-              <a:rPr lang="en-US" dirty="0" smtClean="0"/>
+              <a:rPr lang="en-US" dirty="0"/>
               <a:t>Logistic Regression</a:t>
             </a:r>
-            <a:endParaRPr lang="en-US" dirty="0"/>
           </a:p>
         </p:txBody>
       </p:sp>
@@ -3493,22 +3489,22 @@
           <a:lstStyle/>
           <a:p>
             <a:r>
-              <a:rPr lang="en-US" dirty="0" smtClean="0"/>
+              <a:rPr lang="en-US" dirty="0"/>
               <a:t>Pritam Prakash Shete</a:t>
             </a:r>
           </a:p>
           <a:p>
             <a:r>
-              <a:rPr lang="en-US" dirty="0" smtClean="0"/>
+              <a:rPr lang="en-US" dirty="0"/>
               <a:t>Computer Division, BARC </a:t>
             </a:r>
           </a:p>
           <a:p>
             <a:r>
-              <a:rPr lang="en-IN" dirty="0" smtClean="0"/>
+              <a:rPr lang="en-IN" dirty="0"/>
               <a:t>Centre for Excellence in Basic Sciences</a:t>
             </a:r>
-            <a:endParaRPr lang="en-US" dirty="0" smtClean="0"/>
+            <a:endParaRPr lang="en-US" dirty="0"/>
           </a:p>
           <a:p>
             <a:endParaRPr lang="en-US" dirty="0"/>
@@ -3520,13 +3516,6 @@
   <p:clrMapOvr>
     <a:masterClrMapping/>
   </p:clrMapOvr>
-  <p:timing>
-    <p:tnLst>
-      <p:par>
-        <p:cTn id="1" dur="indefinite" restart="never" nodeType="tmRoot"/>
-      </p:par>
-    </p:tnLst>
-  </p:timing>
 </p:sld>
 </file>
 
@@ -3565,14 +3554,9 @@
           <a:lstStyle/>
           <a:p>
             <a:r>
-              <a:rPr lang="en-US" dirty="0" smtClean="0"/>
-              <a:t>Logistic </a:t>
-            </a:r>
-            <a:r>
-              <a:rPr lang="en-US" dirty="0" smtClean="0"/>
-              <a:t>Regression</a:t>
-            </a:r>
-            <a:endParaRPr lang="en-US" dirty="0"/>
+              <a:rPr lang="en-US" dirty="0"/>
+              <a:t>Logistic Regression</a:t>
+            </a:r>
           </a:p>
         </p:txBody>
       </p:sp>
@@ -3599,74 +3583,74 @@
           <a:lstStyle/>
           <a:p>
             <a:r>
-              <a:rPr lang="en-US" dirty="0" smtClean="0"/>
+              <a:rPr lang="en-US" dirty="0"/>
               <a:t>Weights – W  </a:t>
             </a:r>
           </a:p>
           <a:p>
             <a:pPr lvl="1"/>
             <a:r>
-              <a:rPr lang="en-US" dirty="0" smtClean="0"/>
+              <a:rPr lang="en-US" dirty="0"/>
               <a:t>Vector</a:t>
             </a:r>
           </a:p>
           <a:p>
             <a:pPr lvl="1"/>
             <a:r>
-              <a:rPr lang="en-US" dirty="0" smtClean="0"/>
+              <a:rPr lang="en-US" dirty="0"/>
               <a:t>W </a:t>
             </a:r>
             <a:r>
-              <a:rPr lang="el-GR" dirty="0" smtClean="0"/>
+              <a:rPr lang="el-GR" dirty="0"/>
               <a:t>ε</a:t>
             </a:r>
             <a:r>
-              <a:rPr lang="en-US" dirty="0" smtClean="0"/>
+              <a:rPr lang="en-US" dirty="0"/>
               <a:t> R</a:t>
             </a:r>
           </a:p>
           <a:p>
             <a:pPr lvl="1"/>
             <a:r>
-              <a:rPr lang="en-US" dirty="0" smtClean="0"/>
+              <a:rPr lang="en-US" dirty="0"/>
               <a:t>Dimension – n</a:t>
             </a:r>
             <a:r>
-              <a:rPr lang="en-US" baseline="-25000" dirty="0" smtClean="0"/>
+              <a:rPr lang="en-US" baseline="-25000" dirty="0"/>
               <a:t>X </a:t>
             </a:r>
           </a:p>
           <a:p>
             <a:r>
-              <a:rPr lang="en-US" dirty="0" smtClean="0"/>
+              <a:rPr lang="en-US" dirty="0"/>
               <a:t>Bias – b  </a:t>
             </a:r>
           </a:p>
           <a:p>
             <a:pPr lvl="1"/>
             <a:r>
-              <a:rPr lang="en-US" dirty="0" smtClean="0"/>
+              <a:rPr lang="en-US" dirty="0"/>
               <a:t>Scalar</a:t>
             </a:r>
           </a:p>
           <a:p>
             <a:pPr lvl="1"/>
             <a:r>
-              <a:rPr lang="en-US" dirty="0" smtClean="0"/>
+              <a:rPr lang="en-US" dirty="0"/>
               <a:t>b </a:t>
             </a:r>
             <a:r>
-              <a:rPr lang="el-GR" dirty="0" smtClean="0"/>
+              <a:rPr lang="el-GR" dirty="0"/>
               <a:t>ε </a:t>
             </a:r>
             <a:r>
-              <a:rPr lang="en-US" dirty="0" smtClean="0"/>
+              <a:rPr lang="en-US" dirty="0"/>
               <a:t>R</a:t>
             </a:r>
           </a:p>
           <a:p>
             <a:r>
-              <a:rPr lang="en-US" dirty="0" smtClean="0">
+              <a:rPr lang="en-US" dirty="0">
                 <a:solidFill>
                   <a:srgbClr val="00B050"/>
                 </a:solidFill>
@@ -3674,7 +3658,7 @@
               <a:t>Z = W</a:t>
             </a:r>
             <a:r>
-              <a:rPr lang="en-US" baseline="30000" dirty="0" smtClean="0">
+              <a:rPr lang="en-US" baseline="30000" dirty="0">
                 <a:solidFill>
                   <a:srgbClr val="00B050"/>
                 </a:solidFill>
@@ -3682,7 +3666,7 @@
               <a:t>T</a:t>
             </a:r>
             <a:r>
-              <a:rPr lang="en-US" dirty="0" smtClean="0">
+              <a:rPr lang="en-US" dirty="0">
                 <a:solidFill>
                   <a:srgbClr val="00B050"/>
                 </a:solidFill>
@@ -3692,7 +3676,7 @@
           </a:p>
           <a:p>
             <a:r>
-              <a:rPr lang="en-US" dirty="0" smtClean="0">
+              <a:rPr lang="en-US" dirty="0">
                 <a:solidFill>
                   <a:srgbClr val="00B050"/>
                 </a:solidFill>
@@ -3700,7 +3684,7 @@
               <a:t>ŷ = </a:t>
             </a:r>
             <a:r>
-              <a:rPr lang="el-GR" dirty="0" smtClean="0">
+              <a:rPr lang="el-GR" dirty="0">
                 <a:solidFill>
                   <a:srgbClr val="00B050"/>
                 </a:solidFill>
@@ -3708,7 +3692,7 @@
               <a:t>σ</a:t>
             </a:r>
             <a:r>
-              <a:rPr lang="en-US" dirty="0" smtClean="0">
+              <a:rPr lang="en-US" dirty="0">
                 <a:solidFill>
                   <a:srgbClr val="00B050"/>
                 </a:solidFill>
@@ -3716,11 +3700,11 @@
               <a:t>(Z)</a:t>
             </a:r>
             <a:r>
-              <a:rPr lang="en-US" dirty="0" smtClean="0"/>
+              <a:rPr lang="en-US" dirty="0"/>
               <a:t> </a:t>
             </a:r>
             <a:r>
-              <a:rPr lang="en-US" dirty="0" smtClean="0">
+              <a:rPr lang="en-US" dirty="0">
                 <a:solidFill>
                   <a:srgbClr val="00B050"/>
                 </a:solidFill>
@@ -3770,14 +3754,13 @@
             <a:lstStyle/>
             <a:p>
               <a:r>
-                <a:rPr lang="en-US" sz="2400" b="1" dirty="0" smtClean="0"/>
+                <a:rPr lang="en-US" sz="2400" b="1" dirty="0"/>
                 <a:t>x</a:t>
               </a:r>
               <a:r>
-                <a:rPr lang="en-US" sz="2400" b="1" baseline="-25000" dirty="0" smtClean="0"/>
+                <a:rPr lang="en-US" sz="2400" b="1" baseline="-25000" dirty="0"/>
                 <a:t>1</a:t>
               </a:r>
-              <a:endParaRPr lang="en-US" sz="2400" b="1" baseline="-25000" dirty="0"/>
             </a:p>
           </p:txBody>
         </p:sp>
@@ -3804,14 +3787,13 @@
             <a:lstStyle/>
             <a:p>
               <a:r>
-                <a:rPr lang="en-US" sz="2400" b="1" dirty="0" smtClean="0"/>
+                <a:rPr lang="en-US" sz="2400" b="1" dirty="0"/>
                 <a:t>x</a:t>
               </a:r>
               <a:r>
-                <a:rPr lang="en-US" sz="2400" b="1" baseline="-25000" dirty="0" smtClean="0"/>
+                <a:rPr lang="en-US" sz="2400" b="1" baseline="-25000" dirty="0"/>
                 <a:t>2</a:t>
               </a:r>
-              <a:endParaRPr lang="en-US" sz="2400" b="1" baseline="-25000" dirty="0"/>
             </a:p>
           </p:txBody>
         </p:sp>
@@ -3838,14 +3820,13 @@
             <a:lstStyle/>
             <a:p>
               <a:r>
-                <a:rPr lang="en-US" sz="2400" b="1" dirty="0" smtClean="0"/>
+                <a:rPr lang="en-US" sz="2400" b="1" dirty="0"/>
                 <a:t>x</a:t>
               </a:r>
               <a:r>
-                <a:rPr lang="en-US" sz="2400" b="1" baseline="-25000" dirty="0" smtClean="0"/>
+                <a:rPr lang="en-US" sz="2400" b="1" baseline="-25000" dirty="0"/>
                 <a:t>3</a:t>
               </a:r>
-              <a:endParaRPr lang="en-US" sz="2400" b="1" baseline="-25000" dirty="0"/>
             </a:p>
           </p:txBody>
         </p:sp>
@@ -3920,10 +3901,9 @@
             <a:lstStyle/>
             <a:p>
               <a:r>
-                <a:rPr lang="en-US" sz="2400" b="1" dirty="0" smtClean="0"/>
+                <a:rPr lang="en-US" sz="2400" b="1" dirty="0"/>
                 <a:t>ŷ</a:t>
               </a:r>
-              <a:endParaRPr lang="en-US" sz="2400" b="1" dirty="0"/>
             </a:p>
           </p:txBody>
         </p:sp>
@@ -4102,14 +4082,13 @@
             <a:lstStyle/>
             <a:p>
               <a:r>
-                <a:rPr lang="en-US" sz="2400" b="1" dirty="0" smtClean="0"/>
+                <a:rPr lang="en-US" sz="2400" b="1" dirty="0"/>
                 <a:t>W</a:t>
               </a:r>
               <a:r>
-                <a:rPr lang="en-US" sz="2400" b="1" baseline="-25000" dirty="0" smtClean="0"/>
+                <a:rPr lang="en-US" sz="2400" b="1" baseline="-25000" dirty="0"/>
                 <a:t>1</a:t>
               </a:r>
-              <a:endParaRPr lang="en-US" sz="2400" b="1" baseline="-25000" dirty="0"/>
             </a:p>
           </p:txBody>
         </p:sp>
@@ -4136,14 +4115,13 @@
             <a:lstStyle/>
             <a:p>
               <a:r>
-                <a:rPr lang="en-US" sz="2400" b="1" dirty="0" smtClean="0"/>
+                <a:rPr lang="en-US" sz="2400" b="1" dirty="0"/>
                 <a:t>W</a:t>
               </a:r>
               <a:r>
-                <a:rPr lang="en-US" sz="2400" b="1" baseline="-25000" dirty="0" smtClean="0"/>
+                <a:rPr lang="en-US" sz="2400" b="1" baseline="-25000" dirty="0"/>
                 <a:t>2</a:t>
               </a:r>
-              <a:endParaRPr lang="en-US" sz="2400" b="1" baseline="-25000" dirty="0"/>
             </a:p>
           </p:txBody>
         </p:sp>
@@ -4170,14 +4148,13 @@
             <a:lstStyle/>
             <a:p>
               <a:r>
-                <a:rPr lang="en-US" sz="2400" b="1" dirty="0" smtClean="0"/>
+                <a:rPr lang="en-US" sz="2400" b="1" dirty="0"/>
                 <a:t>W</a:t>
               </a:r>
               <a:r>
-                <a:rPr lang="en-US" sz="2400" b="1" baseline="-25000" dirty="0" smtClean="0"/>
+                <a:rPr lang="en-US" sz="2400" b="1" baseline="-25000" dirty="0"/>
                 <a:t>3</a:t>
               </a:r>
-              <a:endParaRPr lang="en-US" sz="2400" b="1" baseline="-25000" dirty="0"/>
             </a:p>
           </p:txBody>
         </p:sp>
@@ -4204,7 +4181,7 @@
             <a:lstStyle/>
             <a:p>
               <a:r>
-                <a:rPr lang="en-US" sz="2400" b="1" dirty="0" smtClean="0"/>
+                <a:rPr lang="en-US" sz="2400" b="1" dirty="0"/>
                 <a:t>+b</a:t>
               </a:r>
               <a:endParaRPr lang="en-US" sz="2400" b="1" baseline="-25000" dirty="0"/>
@@ -4272,7 +4249,7 @@
             <a:lstStyle/>
             <a:p>
               <a:r>
-                <a:rPr lang="en-US" sz="2400" b="1" dirty="0" smtClean="0"/>
+                <a:rPr lang="en-US" sz="2400" b="1" dirty="0"/>
                 <a:t>activation</a:t>
               </a:r>
               <a:endParaRPr lang="en-US" sz="2400" b="1" baseline="-25000" dirty="0"/>
@@ -4285,13 +4262,6 @@
   <p:clrMapOvr>
     <a:masterClrMapping/>
   </p:clrMapOvr>
-  <p:timing>
-    <p:tnLst>
-      <p:par>
-        <p:cTn id="1" dur="indefinite" restart="never" nodeType="tmRoot"/>
-      </p:par>
-    </p:tnLst>
-  </p:timing>
 </p:sld>
 </file>
 
@@ -4330,14 +4300,9 @@
           <a:lstStyle/>
           <a:p>
             <a:r>
-              <a:rPr lang="en-US" dirty="0" smtClean="0"/>
-              <a:t>Logistic </a:t>
-            </a:r>
-            <a:r>
-              <a:rPr lang="en-US" dirty="0" smtClean="0"/>
-              <a:t>Regression</a:t>
-            </a:r>
-            <a:endParaRPr lang="en-US" dirty="0"/>
+              <a:rPr lang="en-US" dirty="0"/>
+              <a:t>Logistic Regression</a:t>
+            </a:r>
           </a:p>
         </p:txBody>
       </p:sp>
@@ -4359,74 +4324,74 @@
           <a:lstStyle/>
           <a:p>
             <a:r>
-              <a:rPr lang="en-US" dirty="0" smtClean="0"/>
+              <a:rPr lang="en-US" dirty="0"/>
               <a:t>Weights – W  </a:t>
             </a:r>
           </a:p>
           <a:p>
             <a:pPr lvl="1"/>
             <a:r>
-              <a:rPr lang="en-US" dirty="0" smtClean="0"/>
+              <a:rPr lang="en-US" dirty="0"/>
               <a:t>Vector</a:t>
             </a:r>
           </a:p>
           <a:p>
             <a:pPr lvl="1"/>
             <a:r>
-              <a:rPr lang="en-US" dirty="0" smtClean="0"/>
+              <a:rPr lang="en-US" dirty="0"/>
               <a:t>W </a:t>
             </a:r>
             <a:r>
-              <a:rPr lang="el-GR" dirty="0" smtClean="0"/>
+              <a:rPr lang="el-GR" dirty="0"/>
               <a:t>ε</a:t>
             </a:r>
             <a:r>
-              <a:rPr lang="en-US" dirty="0" smtClean="0"/>
+              <a:rPr lang="en-US" dirty="0"/>
               <a:t> R</a:t>
             </a:r>
           </a:p>
           <a:p>
             <a:pPr lvl="1"/>
             <a:r>
-              <a:rPr lang="en-US" dirty="0" smtClean="0"/>
+              <a:rPr lang="en-US" dirty="0"/>
               <a:t>Dimension – n</a:t>
             </a:r>
             <a:r>
-              <a:rPr lang="en-US" baseline="-25000" dirty="0" smtClean="0"/>
+              <a:rPr lang="en-US" baseline="-25000" dirty="0"/>
               <a:t>X </a:t>
             </a:r>
           </a:p>
           <a:p>
             <a:r>
-              <a:rPr lang="en-US" dirty="0" smtClean="0"/>
+              <a:rPr lang="en-US" dirty="0"/>
               <a:t>Bias – b  </a:t>
             </a:r>
           </a:p>
           <a:p>
             <a:pPr lvl="1"/>
             <a:r>
-              <a:rPr lang="en-US" dirty="0" smtClean="0"/>
+              <a:rPr lang="en-US" dirty="0"/>
               <a:t>Scalar</a:t>
             </a:r>
           </a:p>
           <a:p>
             <a:pPr lvl="1"/>
             <a:r>
-              <a:rPr lang="en-US" dirty="0" smtClean="0"/>
+              <a:rPr lang="en-US" dirty="0"/>
               <a:t>b </a:t>
             </a:r>
             <a:r>
-              <a:rPr lang="el-GR" dirty="0" smtClean="0"/>
+              <a:rPr lang="el-GR" dirty="0"/>
               <a:t>ε </a:t>
             </a:r>
             <a:r>
-              <a:rPr lang="en-US" dirty="0" smtClean="0"/>
+              <a:rPr lang="en-US" dirty="0"/>
               <a:t>R</a:t>
             </a:r>
           </a:p>
           <a:p>
             <a:r>
-              <a:rPr lang="en-US" dirty="0" smtClean="0">
+              <a:rPr lang="en-US" dirty="0">
                 <a:solidFill>
                   <a:srgbClr val="00B050"/>
                 </a:solidFill>
@@ -4434,7 +4399,7 @@
               <a:t>Z = W</a:t>
             </a:r>
             <a:r>
-              <a:rPr lang="en-US" baseline="30000" dirty="0" smtClean="0">
+              <a:rPr lang="en-US" baseline="30000" dirty="0">
                 <a:solidFill>
                   <a:srgbClr val="00B050"/>
                 </a:solidFill>
@@ -4442,7 +4407,7 @@
               <a:t>T</a:t>
             </a:r>
             <a:r>
-              <a:rPr lang="en-US" dirty="0" smtClean="0">
+              <a:rPr lang="en-US" dirty="0">
                 <a:solidFill>
                   <a:srgbClr val="00B050"/>
                 </a:solidFill>
@@ -4452,7 +4417,7 @@
           </a:p>
           <a:p>
             <a:r>
-              <a:rPr lang="en-US" dirty="0" smtClean="0">
+              <a:rPr lang="en-US" dirty="0">
                 <a:solidFill>
                   <a:srgbClr val="00B050"/>
                 </a:solidFill>
@@ -4470,13 +4435,6 @@
   <p:clrMapOvr>
     <a:masterClrMapping/>
   </p:clrMapOvr>
-  <p:timing>
-    <p:tnLst>
-      <p:par>
-        <p:cTn id="1" dur="indefinite" restart="never" nodeType="tmRoot"/>
-      </p:par>
-    </p:tnLst>
-  </p:timing>
 </p:sld>
 </file>
 
@@ -4515,10 +4473,9 @@
           <a:lstStyle/>
           <a:p>
             <a:r>
-              <a:rPr lang="en-US" dirty="0" smtClean="0"/>
+              <a:rPr lang="en-US" dirty="0"/>
               <a:t>Loss Function </a:t>
             </a:r>
-            <a:endParaRPr lang="en-US" dirty="0"/>
           </a:p>
         </p:txBody>
       </p:sp>
@@ -4540,151 +4497,151 @@
           <a:lstStyle/>
           <a:p>
             <a:r>
-              <a:rPr lang="en-US" dirty="0" smtClean="0"/>
+              <a:rPr lang="en-US" dirty="0"/>
               <a:t>Input dataset </a:t>
             </a:r>
           </a:p>
           <a:p>
             <a:pPr lvl="1"/>
             <a:r>
-              <a:rPr lang="en-US" dirty="0" smtClean="0"/>
+              <a:rPr lang="en-US" dirty="0"/>
               <a:t>{ (x</a:t>
             </a:r>
             <a:r>
-              <a:rPr lang="en-US" baseline="30000" dirty="0" smtClean="0"/>
+              <a:rPr lang="en-US" baseline="30000" dirty="0"/>
               <a:t>(1)</a:t>
             </a:r>
             <a:r>
-              <a:rPr lang="en-US" dirty="0" smtClean="0"/>
+              <a:rPr lang="en-US" dirty="0"/>
               <a:t>,y</a:t>
             </a:r>
             <a:r>
-              <a:rPr lang="en-US" baseline="30000" dirty="0" smtClean="0"/>
+              <a:rPr lang="en-US" baseline="30000" dirty="0"/>
               <a:t>(1)</a:t>
             </a:r>
             <a:r>
-              <a:rPr lang="en-US" dirty="0" smtClean="0"/>
+              <a:rPr lang="en-US" dirty="0"/>
               <a:t>), (x</a:t>
             </a:r>
             <a:r>
-              <a:rPr lang="en-US" baseline="30000" dirty="0" smtClean="0"/>
+              <a:rPr lang="en-US" baseline="30000" dirty="0"/>
               <a:t>(2)</a:t>
             </a:r>
             <a:r>
-              <a:rPr lang="en-US" dirty="0" smtClean="0"/>
+              <a:rPr lang="en-US" dirty="0"/>
               <a:t>,y</a:t>
             </a:r>
             <a:r>
-              <a:rPr lang="en-US" baseline="30000" dirty="0" smtClean="0"/>
+              <a:rPr lang="en-US" baseline="30000" dirty="0"/>
               <a:t>(2)</a:t>
             </a:r>
             <a:r>
-              <a:rPr lang="en-US" dirty="0" smtClean="0"/>
+              <a:rPr lang="en-US" dirty="0"/>
               <a:t>), …, (x</a:t>
             </a:r>
             <a:r>
-              <a:rPr lang="en-US" baseline="30000" dirty="0" smtClean="0"/>
+              <a:rPr lang="en-US" baseline="30000" dirty="0"/>
               <a:t>(m)</a:t>
             </a:r>
             <a:r>
-              <a:rPr lang="en-US" dirty="0" smtClean="0"/>
+              <a:rPr lang="en-US" dirty="0"/>
               <a:t>,y</a:t>
             </a:r>
             <a:r>
-              <a:rPr lang="en-US" baseline="30000" dirty="0" smtClean="0"/>
+              <a:rPr lang="en-US" baseline="30000" dirty="0"/>
               <a:t>(m)</a:t>
             </a:r>
             <a:r>
-              <a:rPr lang="en-US" dirty="0" smtClean="0"/>
+              <a:rPr lang="en-US" dirty="0"/>
               <a:t>)}</a:t>
             </a:r>
           </a:p>
           <a:p>
             <a:r>
-              <a:rPr lang="en-US" dirty="0" smtClean="0"/>
+              <a:rPr lang="en-US" dirty="0"/>
               <a:t>Equations</a:t>
             </a:r>
           </a:p>
           <a:p>
             <a:pPr lvl="1"/>
             <a:r>
-              <a:rPr lang="en-US" dirty="0" smtClean="0"/>
+              <a:rPr lang="en-US" dirty="0"/>
               <a:t>Z = W</a:t>
             </a:r>
             <a:r>
-              <a:rPr lang="en-US" baseline="30000" dirty="0" smtClean="0"/>
+              <a:rPr lang="en-US" baseline="30000" dirty="0"/>
               <a:t>T</a:t>
             </a:r>
             <a:r>
-              <a:rPr lang="en-US" dirty="0" smtClean="0"/>
+              <a:rPr lang="en-US" dirty="0"/>
               <a:t>X + b</a:t>
             </a:r>
           </a:p>
           <a:p>
             <a:pPr lvl="1"/>
             <a:r>
-              <a:rPr lang="en-US" dirty="0" smtClean="0"/>
+              <a:rPr lang="en-US" dirty="0"/>
               <a:t>ŷ = </a:t>
             </a:r>
             <a:r>
-              <a:rPr lang="el-GR" dirty="0" smtClean="0"/>
+              <a:rPr lang="el-GR" dirty="0"/>
               <a:t>σ</a:t>
             </a:r>
             <a:r>
-              <a:rPr lang="en-US" dirty="0" smtClean="0"/>
+              <a:rPr lang="en-US" dirty="0"/>
               <a:t>(Z) = y</a:t>
             </a:r>
             <a:r>
-              <a:rPr lang="en-US" baseline="-25000" dirty="0" smtClean="0"/>
+              <a:rPr lang="en-US" baseline="-25000" dirty="0"/>
               <a:t>p</a:t>
             </a:r>
           </a:p>
           <a:p>
             <a:r>
-              <a:rPr lang="en-US" dirty="0" smtClean="0"/>
+              <a:rPr lang="en-US" dirty="0"/>
               <a:t>Output </a:t>
             </a:r>
           </a:p>
           <a:p>
             <a:pPr lvl="1"/>
             <a:r>
-              <a:rPr lang="en-US" dirty="0" smtClean="0"/>
+              <a:rPr lang="en-US" dirty="0"/>
               <a:t>ŷ</a:t>
             </a:r>
             <a:r>
-              <a:rPr lang="en-US" baseline="30000" dirty="0" smtClean="0"/>
+              <a:rPr lang="en-US" baseline="30000" dirty="0"/>
               <a:t>(</a:t>
             </a:r>
             <a:r>
-              <a:rPr lang="en-US" baseline="30000" dirty="0" err="1" smtClean="0"/>
+              <a:rPr lang="en-US" baseline="30000" dirty="0" err="1"/>
               <a:t>i</a:t>
             </a:r>
             <a:r>
-              <a:rPr lang="en-US" baseline="30000" dirty="0" smtClean="0"/>
+              <a:rPr lang="en-US" baseline="30000" dirty="0"/>
               <a:t>) </a:t>
             </a:r>
             <a:r>
-              <a:rPr lang="en-US" dirty="0" smtClean="0"/>
+              <a:rPr lang="en-US" dirty="0"/>
               <a:t>~ y</a:t>
             </a:r>
             <a:r>
-              <a:rPr lang="en-US" baseline="30000" dirty="0" smtClean="0"/>
+              <a:rPr lang="en-US" baseline="30000" dirty="0"/>
               <a:t>(</a:t>
             </a:r>
             <a:r>
-              <a:rPr lang="en-US" baseline="30000" dirty="0" err="1" smtClean="0"/>
+              <a:rPr lang="en-US" baseline="30000" dirty="0" err="1"/>
               <a:t>i</a:t>
             </a:r>
             <a:r>
-              <a:rPr lang="en-US" baseline="30000" dirty="0" smtClean="0"/>
+              <a:rPr lang="en-US" baseline="30000" dirty="0"/>
               <a:t>)</a:t>
             </a:r>
-            <a:endParaRPr lang="en-US" dirty="0" smtClean="0"/>
+            <a:endParaRPr lang="en-US" dirty="0"/>
           </a:p>
           <a:p>
             <a:pPr lvl="1"/>
             <a:r>
-              <a:rPr lang="en-US" dirty="0" smtClean="0"/>
+              <a:rPr lang="en-US" dirty="0"/>
               <a:t>W and b</a:t>
             </a:r>
           </a:p>
@@ -4695,13 +4652,6 @@
   <p:clrMapOvr>
     <a:masterClrMapping/>
   </p:clrMapOvr>
-  <p:timing>
-    <p:tnLst>
-      <p:par>
-        <p:cTn id="1" dur="indefinite" restart="never" nodeType="tmRoot"/>
-      </p:par>
-    </p:tnLst>
-  </p:timing>
 </p:sld>
 </file>
 
@@ -4740,10 +4690,9 @@
           <a:lstStyle/>
           <a:p>
             <a:r>
-              <a:rPr lang="en-US" dirty="0" smtClean="0"/>
+              <a:rPr lang="en-US" dirty="0"/>
               <a:t>Loss Function </a:t>
             </a:r>
-            <a:endParaRPr lang="en-US" dirty="0"/>
           </a:p>
         </p:txBody>
       </p:sp>
@@ -4765,7 +4714,7 @@
           <a:lstStyle/>
           <a:p>
             <a:r>
-              <a:rPr lang="en-US" dirty="0" smtClean="0"/>
+              <a:rPr lang="en-US" dirty="0"/>
               <a:t>L(ŷ, y) = – y * log(ŷ) – (1 – y) * log(1 – ŷ)</a:t>
             </a:r>
           </a:p>
@@ -4776,13 +4725,6 @@
   <p:clrMapOvr>
     <a:masterClrMapping/>
   </p:clrMapOvr>
-  <p:timing>
-    <p:tnLst>
-      <p:par>
-        <p:cTn id="1" dur="indefinite" restart="never" nodeType="tmRoot"/>
-      </p:par>
-    </p:tnLst>
-  </p:timing>
 </p:sld>
 </file>
 
@@ -4821,10 +4763,9 @@
           <a:lstStyle/>
           <a:p>
             <a:r>
-              <a:rPr lang="en-US" dirty="0" smtClean="0"/>
+              <a:rPr lang="en-US" dirty="0"/>
               <a:t>Loss Function </a:t>
             </a:r>
-            <a:endParaRPr lang="en-US" dirty="0"/>
           </a:p>
         </p:txBody>
       </p:sp>
@@ -4846,7 +4787,7 @@
           <a:lstStyle/>
           <a:p>
             <a:r>
-              <a:rPr lang="en-US" dirty="0" smtClean="0"/>
+              <a:rPr lang="en-US" dirty="0"/>
               <a:t>L(ŷ, y) = – y * log(ŷ) – (1 – y) * log(1 – ŷ)</a:t>
             </a:r>
           </a:p>
@@ -4855,7 +4796,7 @@
               <a:buNone/>
             </a:pPr>
             <a:r>
-              <a:rPr lang="en-US" dirty="0" smtClean="0">
+              <a:rPr lang="en-US" dirty="0">
                 <a:solidFill>
                   <a:srgbClr val="00B050"/>
                 </a:solidFill>
@@ -4868,7 +4809,7 @@
               <a:buNone/>
             </a:pPr>
             <a:r>
-              <a:rPr lang="en-US" dirty="0" smtClean="0">
+              <a:rPr lang="en-US" dirty="0">
                 <a:solidFill>
                   <a:srgbClr val="00B050"/>
                 </a:solidFill>
@@ -4881,7 +4822,7 @@
               <a:buNone/>
             </a:pPr>
             <a:r>
-              <a:rPr lang="en-US" dirty="0" smtClean="0">
+              <a:rPr lang="en-US" dirty="0">
                 <a:solidFill>
                   <a:srgbClr val="00B050"/>
                 </a:solidFill>
@@ -4894,7 +4835,7 @@
               <a:buNone/>
             </a:pPr>
             <a:r>
-              <a:rPr lang="en-US" dirty="0" smtClean="0">
+              <a:rPr lang="en-US" dirty="0">
                 <a:solidFill>
                   <a:srgbClr val="00B050"/>
                 </a:solidFill>
@@ -4907,7 +4848,7 @@
               <a:buNone/>
             </a:pPr>
             <a:r>
-              <a:rPr lang="en-US" dirty="0" smtClean="0">
+              <a:rPr lang="en-US" dirty="0">
                 <a:solidFill>
                   <a:srgbClr val="00B050"/>
                 </a:solidFill>
@@ -4920,7 +4861,7 @@
               <a:buNone/>
             </a:pPr>
             <a:r>
-              <a:rPr lang="en-US" dirty="0" smtClean="0">
+              <a:rPr lang="en-US" dirty="0">
                 <a:solidFill>
                   <a:srgbClr val="00B050"/>
                 </a:solidFill>
@@ -4932,7 +4873,7 @@
             <a:pPr>
               <a:buNone/>
             </a:pPr>
-            <a:endParaRPr lang="en-US" dirty="0" smtClean="0"/>
+            <a:endParaRPr lang="en-US" dirty="0"/>
           </a:p>
         </p:txBody>
       </p:sp>
@@ -4941,13 +4882,6 @@
   <p:clrMapOvr>
     <a:masterClrMapping/>
   </p:clrMapOvr>
-  <p:timing>
-    <p:tnLst>
-      <p:par>
-        <p:cTn id="1" dur="indefinite" restart="never" nodeType="tmRoot"/>
-      </p:par>
-    </p:tnLst>
-  </p:timing>
 </p:sld>
 </file>
 
@@ -4986,10 +4920,9 @@
           <a:lstStyle/>
           <a:p>
             <a:r>
-              <a:rPr lang="en-US" dirty="0" smtClean="0"/>
+              <a:rPr lang="en-US" dirty="0"/>
               <a:t>Loss Function </a:t>
             </a:r>
-            <a:endParaRPr lang="en-US" dirty="0"/>
           </a:p>
         </p:txBody>
       </p:sp>
@@ -5011,7 +4944,7 @@
           <a:lstStyle/>
           <a:p>
             <a:r>
-              <a:rPr lang="en-US" dirty="0" smtClean="0"/>
+              <a:rPr lang="en-US" dirty="0"/>
               <a:t>L(ŷ, y) = – y * log(ŷ) – (1 – y) * log(1 – ŷ)</a:t>
             </a:r>
           </a:p>
@@ -5020,7 +4953,7 @@
               <a:buNone/>
             </a:pPr>
             <a:r>
-              <a:rPr lang="en-US" dirty="0" smtClean="0">
+              <a:rPr lang="en-US" dirty="0">
                 <a:solidFill>
                   <a:srgbClr val="00B050"/>
                 </a:solidFill>
@@ -5033,7 +4966,7 @@
               <a:buNone/>
             </a:pPr>
             <a:r>
-              <a:rPr lang="en-US" dirty="0" smtClean="0">
+              <a:rPr lang="en-US" dirty="0">
                 <a:solidFill>
                   <a:srgbClr val="00B050"/>
                 </a:solidFill>
@@ -5046,7 +4979,7 @@
               <a:buNone/>
             </a:pPr>
             <a:r>
-              <a:rPr lang="en-US" dirty="0" smtClean="0">
+              <a:rPr lang="en-US" dirty="0">
                 <a:solidFill>
                   <a:srgbClr val="00B050"/>
                 </a:solidFill>
@@ -5059,7 +4992,7 @@
               <a:buNone/>
             </a:pPr>
             <a:r>
-              <a:rPr lang="en-US" dirty="0" smtClean="0">
+              <a:rPr lang="en-US" dirty="0">
                 <a:solidFill>
                   <a:srgbClr val="00B050"/>
                 </a:solidFill>
@@ -5072,7 +5005,7 @@
               <a:buNone/>
             </a:pPr>
             <a:r>
-              <a:rPr lang="en-US" dirty="0" smtClean="0">
+              <a:rPr lang="en-US" dirty="0">
                 <a:solidFill>
                   <a:srgbClr val="00B050"/>
                 </a:solidFill>
@@ -5085,7 +5018,7 @@
               <a:buNone/>
             </a:pPr>
             <a:r>
-              <a:rPr lang="en-US" dirty="0" smtClean="0">
+              <a:rPr lang="en-US" dirty="0">
                 <a:solidFill>
                   <a:srgbClr val="00B050"/>
                 </a:solidFill>
@@ -5098,7 +5031,7 @@
               <a:buNone/>
             </a:pPr>
             <a:r>
-              <a:rPr lang="en-US" dirty="0" smtClean="0">
+              <a:rPr lang="en-US" dirty="0">
                 <a:solidFill>
                   <a:srgbClr val="00B050"/>
                 </a:solidFill>
@@ -5110,7 +5043,7 @@
             <a:pPr>
               <a:buNone/>
             </a:pPr>
-            <a:endParaRPr lang="en-US" dirty="0" smtClean="0"/>
+            <a:endParaRPr lang="en-US" dirty="0"/>
           </a:p>
         </p:txBody>
       </p:sp>
@@ -5119,13 +5052,6 @@
   <p:clrMapOvr>
     <a:masterClrMapping/>
   </p:clrMapOvr>
-  <p:timing>
-    <p:tnLst>
-      <p:par>
-        <p:cTn id="1" dur="indefinite" restart="never" nodeType="tmRoot"/>
-      </p:par>
-    </p:tnLst>
-  </p:timing>
 </p:sld>
 </file>
 
@@ -5164,10 +5090,9 @@
           <a:lstStyle/>
           <a:p>
             <a:r>
-              <a:rPr lang="en-US" dirty="0" smtClean="0"/>
+              <a:rPr lang="en-US" dirty="0"/>
               <a:t>Loss Function </a:t>
             </a:r>
-            <a:endParaRPr lang="en-US" dirty="0"/>
           </a:p>
         </p:txBody>
       </p:sp>
@@ -5189,138 +5114,138 @@
           <a:lstStyle/>
           <a:p>
             <a:r>
-              <a:rPr lang="en-US" dirty="0" smtClean="0"/>
+              <a:rPr lang="en-US" dirty="0"/>
               <a:t>Loss function</a:t>
             </a:r>
           </a:p>
           <a:p>
             <a:pPr lvl="1"/>
             <a:r>
-              <a:rPr lang="en-US" dirty="0" smtClean="0"/>
+              <a:rPr lang="en-US" dirty="0"/>
               <a:t>One sample – i</a:t>
             </a:r>
             <a:r>
-              <a:rPr lang="en-US" baseline="30000" dirty="0" smtClean="0"/>
+              <a:rPr lang="en-US" baseline="30000" dirty="0"/>
               <a:t>th</a:t>
             </a:r>
             <a:r>
-              <a:rPr lang="en-US" dirty="0" smtClean="0"/>
+              <a:rPr lang="en-US" dirty="0"/>
               <a:t> sample</a:t>
             </a:r>
           </a:p>
           <a:p>
             <a:pPr lvl="1"/>
             <a:r>
-              <a:rPr lang="en-US" dirty="0" smtClean="0"/>
+              <a:rPr lang="en-US" dirty="0"/>
               <a:t>L(ŷ</a:t>
             </a:r>
             <a:r>
-              <a:rPr lang="en-US" baseline="30000" dirty="0" smtClean="0"/>
+              <a:rPr lang="en-US" baseline="30000" dirty="0"/>
               <a:t>(</a:t>
             </a:r>
             <a:r>
-              <a:rPr lang="en-US" baseline="30000" dirty="0" err="1" smtClean="0"/>
+              <a:rPr lang="en-US" baseline="30000" dirty="0" err="1"/>
               <a:t>i</a:t>
             </a:r>
             <a:r>
-              <a:rPr lang="en-US" baseline="30000" dirty="0" smtClean="0"/>
+              <a:rPr lang="en-US" baseline="30000" dirty="0"/>
               <a:t>)</a:t>
             </a:r>
             <a:r>
-              <a:rPr lang="en-US" dirty="0" smtClean="0"/>
+              <a:rPr lang="en-US" dirty="0"/>
               <a:t>, y</a:t>
             </a:r>
             <a:r>
-              <a:rPr lang="en-US" baseline="30000" dirty="0" smtClean="0"/>
+              <a:rPr lang="en-US" baseline="30000" dirty="0"/>
               <a:t>(</a:t>
             </a:r>
             <a:r>
-              <a:rPr lang="en-US" baseline="30000" dirty="0" err="1" smtClean="0"/>
+              <a:rPr lang="en-US" baseline="30000" dirty="0" err="1"/>
               <a:t>i</a:t>
             </a:r>
             <a:r>
-              <a:rPr lang="en-US" baseline="30000" dirty="0" smtClean="0"/>
+              <a:rPr lang="en-US" baseline="30000" dirty="0"/>
               <a:t>)</a:t>
             </a:r>
             <a:r>
-              <a:rPr lang="en-US" dirty="0" smtClean="0"/>
+              <a:rPr lang="en-US" dirty="0"/>
               <a:t>) = – y</a:t>
             </a:r>
             <a:r>
-              <a:rPr lang="en-US" baseline="30000" dirty="0" smtClean="0"/>
+              <a:rPr lang="en-US" baseline="30000" dirty="0"/>
               <a:t>(</a:t>
             </a:r>
             <a:r>
-              <a:rPr lang="en-US" baseline="30000" dirty="0" err="1" smtClean="0"/>
+              <a:rPr lang="en-US" baseline="30000" dirty="0" err="1"/>
               <a:t>i</a:t>
             </a:r>
             <a:r>
-              <a:rPr lang="en-US" baseline="30000" dirty="0" smtClean="0"/>
+              <a:rPr lang="en-US" baseline="30000" dirty="0"/>
               <a:t>)</a:t>
             </a:r>
             <a:r>
-              <a:rPr lang="en-US" dirty="0" smtClean="0"/>
+              <a:rPr lang="en-US" dirty="0"/>
               <a:t> * log(ŷ</a:t>
             </a:r>
             <a:r>
-              <a:rPr lang="en-US" baseline="30000" dirty="0" smtClean="0"/>
+              <a:rPr lang="en-US" baseline="30000" dirty="0"/>
               <a:t>(</a:t>
             </a:r>
             <a:r>
-              <a:rPr lang="en-US" baseline="30000" dirty="0" err="1" smtClean="0"/>
+              <a:rPr lang="en-US" baseline="30000" dirty="0" err="1"/>
               <a:t>i</a:t>
             </a:r>
             <a:r>
-              <a:rPr lang="en-US" baseline="30000" dirty="0" smtClean="0"/>
+              <a:rPr lang="en-US" baseline="30000" dirty="0"/>
               <a:t>)</a:t>
             </a:r>
             <a:r>
-              <a:rPr lang="en-US" dirty="0" smtClean="0"/>
+              <a:rPr lang="en-US" dirty="0"/>
               <a:t>) – (1 – y</a:t>
             </a:r>
             <a:r>
-              <a:rPr lang="en-US" baseline="30000" dirty="0" smtClean="0"/>
+              <a:rPr lang="en-US" baseline="30000" dirty="0"/>
               <a:t>(</a:t>
             </a:r>
             <a:r>
-              <a:rPr lang="en-US" baseline="30000" dirty="0" err="1" smtClean="0"/>
+              <a:rPr lang="en-US" baseline="30000" dirty="0" err="1"/>
               <a:t>i</a:t>
             </a:r>
             <a:r>
-              <a:rPr lang="en-US" baseline="30000" dirty="0" smtClean="0"/>
+              <a:rPr lang="en-US" baseline="30000" dirty="0"/>
               <a:t>)</a:t>
             </a:r>
             <a:r>
-              <a:rPr lang="en-US" dirty="0" smtClean="0"/>
+              <a:rPr lang="en-US" dirty="0"/>
               <a:t>) * log(1 – ŷ</a:t>
             </a:r>
             <a:r>
-              <a:rPr lang="en-US" baseline="30000" dirty="0" smtClean="0"/>
+              <a:rPr lang="en-US" baseline="30000" dirty="0"/>
               <a:t>(</a:t>
             </a:r>
             <a:r>
-              <a:rPr lang="en-US" baseline="30000" dirty="0" err="1" smtClean="0"/>
+              <a:rPr lang="en-US" baseline="30000" dirty="0" err="1"/>
               <a:t>i</a:t>
             </a:r>
             <a:r>
-              <a:rPr lang="en-US" baseline="30000" dirty="0" smtClean="0"/>
+              <a:rPr lang="en-US" baseline="30000" dirty="0"/>
               <a:t>)</a:t>
             </a:r>
             <a:r>
-              <a:rPr lang="en-US" dirty="0" smtClean="0"/>
+              <a:rPr lang="en-US" dirty="0"/>
               <a:t>)</a:t>
             </a:r>
           </a:p>
           <a:p>
             <a:r>
-              <a:rPr lang="en-US" dirty="0" smtClean="0"/>
+              <a:rPr lang="en-US" dirty="0"/>
               <a:t>Cost function</a:t>
             </a:r>
           </a:p>
           <a:p>
             <a:pPr lvl="1"/>
             <a:r>
-              <a:rPr lang="en-US" dirty="0" smtClean="0"/>
+              <a:rPr lang="en-US" dirty="0"/>
               <a:t>Average of loss function for all samples</a:t>
             </a:r>
           </a:p>
@@ -5340,9 +5265,59 @@
         </p:xfrm>
         <a:graphic>
           <a:graphicData uri="http://schemas.openxmlformats.org/presentationml/2006/ole">
-            <p:oleObj spid="_x0000_s28674" name="Equation" r:id="rId3" imgW="3492360" imgH="888840" progId="Equation.3">
-              <p:embed/>
-            </p:oleObj>
+            <mc:AlternateContent xmlns:mc="http://schemas.openxmlformats.org/markup-compatibility/2006">
+              <mc:Choice xmlns:v="urn:schemas-microsoft-com:vml" Requires="v">
+                <p:oleObj spid="_x0000_s28674" name="Equation" r:id="rId2" imgW="3492360" imgH="888840" progId="Equation.3">
+                  <p:embed/>
+                </p:oleObj>
+              </mc:Choice>
+              <mc:Fallback>
+                <p:oleObj name="Equation" r:id="rId2" imgW="3492360" imgH="888840" progId="Equation.3">
+                  <p:embed/>
+                  <p:pic>
+                    <p:nvPicPr>
+                      <p:cNvPr id="0" name="Picture 2"/>
+                      <p:cNvPicPr>
+                        <a:picLocks noChangeAspect="1" noChangeArrowheads="1"/>
+                      </p:cNvPicPr>
+                      <p:nvPr/>
+                    </p:nvPicPr>
+                    <p:blipFill>
+                      <a:blip r:embed="rId3">
+                        <a:extLst>
+                          <a:ext uri="{28A0092B-C50C-407E-A947-70E740481C1C}">
+                            <a14:useLocalDpi xmlns:a14="http://schemas.microsoft.com/office/drawing/2010/main" val="0"/>
+                          </a:ext>
+                        </a:extLst>
+                      </a:blip>
+                      <a:srcRect/>
+                      <a:stretch>
+                        <a:fillRect/>
+                      </a:stretch>
+                    </p:blipFill>
+                    <p:spPr bwMode="auto">
+                      <a:xfrm>
+                        <a:off x="1219200" y="4634957"/>
+                        <a:ext cx="7162800" cy="1842043"/>
+                      </a:xfrm>
+                      <a:prstGeom prst="rect">
+                        <a:avLst/>
+                      </a:prstGeom>
+                      <a:noFill/>
+                      <a:extLst>
+                        <a:ext uri="{909E8E84-426E-40DD-AFC4-6F175D3DCCD1}">
+                          <a14:hiddenFill xmlns:a14="http://schemas.microsoft.com/office/drawing/2010/main">
+                            <a:solidFill>
+                              <a:srgbClr val="FFFFFF"/>
+                            </a:solidFill>
+                          </a14:hiddenFill>
+                        </a:ext>
+                      </a:extLst>
+                    </p:spPr>
+                  </p:pic>
+                </p:oleObj>
+              </mc:Fallback>
+            </mc:AlternateContent>
           </a:graphicData>
         </a:graphic>
       </p:graphicFrame>
@@ -5351,13 +5326,6 @@
   <p:clrMapOvr>
     <a:masterClrMapping/>
   </p:clrMapOvr>
-  <p:timing>
-    <p:tnLst>
-      <p:par>
-        <p:cTn id="1" dur="indefinite" restart="never" nodeType="tmRoot"/>
-      </p:par>
-    </p:tnLst>
-  </p:timing>
 </p:sld>
 </file>
 
@@ -5396,10 +5364,9 @@
           <a:lstStyle/>
           <a:p>
             <a:r>
-              <a:rPr lang="en-US" dirty="0" smtClean="0"/>
+              <a:rPr lang="en-US" dirty="0"/>
               <a:t>Gradient Descent </a:t>
             </a:r>
-            <a:endParaRPr lang="en-US" dirty="0"/>
           </a:p>
         </p:txBody>
       </p:sp>
@@ -5421,11 +5388,11 @@
           <a:lstStyle/>
           <a:p>
             <a:r>
-              <a:rPr lang="en-US" dirty="0" smtClean="0"/>
+              <a:rPr lang="en-US" dirty="0"/>
               <a:t>Input dataset – </a:t>
             </a:r>
             <a:r>
-              <a:rPr lang="en-US" dirty="0" smtClean="0">
+              <a:rPr lang="en-US" dirty="0">
                 <a:solidFill>
                   <a:srgbClr val="00B050"/>
                 </a:solidFill>
@@ -5433,7 +5400,7 @@
               <a:t>{ (x</a:t>
             </a:r>
             <a:r>
-              <a:rPr lang="en-US" baseline="30000" dirty="0" smtClean="0">
+              <a:rPr lang="en-US" baseline="30000" dirty="0">
                 <a:solidFill>
                   <a:srgbClr val="00B050"/>
                 </a:solidFill>
@@ -5441,7 +5408,7 @@
               <a:t>(1)</a:t>
             </a:r>
             <a:r>
-              <a:rPr lang="en-US" dirty="0" smtClean="0">
+              <a:rPr lang="en-US" dirty="0">
                 <a:solidFill>
                   <a:srgbClr val="00B050"/>
                 </a:solidFill>
@@ -5449,7 +5416,7 @@
               <a:t>,y</a:t>
             </a:r>
             <a:r>
-              <a:rPr lang="en-US" baseline="30000" dirty="0" smtClean="0">
+              <a:rPr lang="en-US" baseline="30000" dirty="0">
                 <a:solidFill>
                   <a:srgbClr val="00B050"/>
                 </a:solidFill>
@@ -5457,7 +5424,7 @@
               <a:t>(1)</a:t>
             </a:r>
             <a:r>
-              <a:rPr lang="en-US" dirty="0" smtClean="0">
+              <a:rPr lang="en-US" dirty="0">
                 <a:solidFill>
                   <a:srgbClr val="00B050"/>
                 </a:solidFill>
@@ -5465,7 +5432,7 @@
               <a:t>), (x</a:t>
             </a:r>
             <a:r>
-              <a:rPr lang="en-US" baseline="30000" dirty="0" smtClean="0">
+              <a:rPr lang="en-US" baseline="30000" dirty="0">
                 <a:solidFill>
                   <a:srgbClr val="00B050"/>
                 </a:solidFill>
@@ -5473,7 +5440,7 @@
               <a:t>(2)</a:t>
             </a:r>
             <a:r>
-              <a:rPr lang="en-US" dirty="0" smtClean="0">
+              <a:rPr lang="en-US" dirty="0">
                 <a:solidFill>
                   <a:srgbClr val="00B050"/>
                 </a:solidFill>
@@ -5481,7 +5448,7 @@
               <a:t>,y</a:t>
             </a:r>
             <a:r>
-              <a:rPr lang="en-US" baseline="30000" dirty="0" smtClean="0">
+              <a:rPr lang="en-US" baseline="30000" dirty="0">
                 <a:solidFill>
                   <a:srgbClr val="00B050"/>
                 </a:solidFill>
@@ -5489,7 +5456,7 @@
               <a:t>(2)</a:t>
             </a:r>
             <a:r>
-              <a:rPr lang="en-US" dirty="0" smtClean="0">
+              <a:rPr lang="en-US" dirty="0">
                 <a:solidFill>
                   <a:srgbClr val="00B050"/>
                 </a:solidFill>
@@ -5497,7 +5464,7 @@
               <a:t>), …, (x</a:t>
             </a:r>
             <a:r>
-              <a:rPr lang="en-US" baseline="30000" dirty="0" smtClean="0">
+              <a:rPr lang="en-US" baseline="30000" dirty="0">
                 <a:solidFill>
                   <a:srgbClr val="00B050"/>
                 </a:solidFill>
@@ -5505,7 +5472,7 @@
               <a:t>(m)</a:t>
             </a:r>
             <a:r>
-              <a:rPr lang="en-US" dirty="0" smtClean="0">
+              <a:rPr lang="en-US" dirty="0">
                 <a:solidFill>
                   <a:srgbClr val="00B050"/>
                 </a:solidFill>
@@ -5513,7 +5480,7 @@
               <a:t>,y</a:t>
             </a:r>
             <a:r>
-              <a:rPr lang="en-US" baseline="30000" dirty="0" smtClean="0">
+              <a:rPr lang="en-US" baseline="30000" dirty="0">
                 <a:solidFill>
                   <a:srgbClr val="00B050"/>
                 </a:solidFill>
@@ -5521,7 +5488,7 @@
               <a:t>(m)</a:t>
             </a:r>
             <a:r>
-              <a:rPr lang="en-US" dirty="0" smtClean="0">
+              <a:rPr lang="en-US" dirty="0">
                 <a:solidFill>
                   <a:srgbClr val="00B050"/>
                 </a:solidFill>
@@ -5531,11 +5498,11 @@
           </a:p>
           <a:p>
             <a:r>
-              <a:rPr lang="en-US" dirty="0" smtClean="0"/>
+              <a:rPr lang="en-US" dirty="0"/>
               <a:t>Equations  – </a:t>
             </a:r>
             <a:r>
-              <a:rPr lang="en-US" dirty="0" smtClean="0">
+              <a:rPr lang="en-US" dirty="0">
                 <a:solidFill>
                   <a:srgbClr val="0000FF"/>
                 </a:solidFill>
@@ -5543,7 +5510,7 @@
               <a:t>Z = W</a:t>
             </a:r>
             <a:r>
-              <a:rPr lang="en-US" baseline="30000" dirty="0" smtClean="0">
+              <a:rPr lang="en-US" baseline="30000" dirty="0">
                 <a:solidFill>
                   <a:srgbClr val="0000FF"/>
                 </a:solidFill>
@@ -5551,7 +5518,7 @@
               <a:t>T</a:t>
             </a:r>
             <a:r>
-              <a:rPr lang="en-US" dirty="0" smtClean="0">
+              <a:rPr lang="en-US" dirty="0">
                 <a:solidFill>
                   <a:srgbClr val="0000FF"/>
                 </a:solidFill>
@@ -5559,11 +5526,11 @@
               <a:t>X + b</a:t>
             </a:r>
             <a:r>
-              <a:rPr lang="en-US" dirty="0" smtClean="0"/>
+              <a:rPr lang="en-US" dirty="0"/>
               <a:t> and </a:t>
             </a:r>
             <a:r>
-              <a:rPr lang="en-US" dirty="0" smtClean="0">
+              <a:rPr lang="en-US" dirty="0">
                 <a:solidFill>
                   <a:srgbClr val="0000FF"/>
                 </a:solidFill>
@@ -5571,7 +5538,7 @@
               <a:t>ŷ = </a:t>
             </a:r>
             <a:r>
-              <a:rPr lang="el-GR" dirty="0" smtClean="0">
+              <a:rPr lang="el-GR" dirty="0">
                 <a:solidFill>
                   <a:srgbClr val="0000FF"/>
                 </a:solidFill>
@@ -5579,7 +5546,7 @@
               <a:t>σ</a:t>
             </a:r>
             <a:r>
-              <a:rPr lang="en-US" dirty="0" smtClean="0">
+              <a:rPr lang="en-US" dirty="0">
                 <a:solidFill>
                   <a:srgbClr val="0000FF"/>
                 </a:solidFill>
@@ -5587,7 +5554,7 @@
               <a:t>(Z) = </a:t>
             </a:r>
             <a:r>
-              <a:rPr lang="en-US" dirty="0" err="1" smtClean="0">
+              <a:rPr lang="en-US" dirty="0" err="1">
                 <a:solidFill>
                   <a:srgbClr val="0000FF"/>
                 </a:solidFill>
@@ -5595,14 +5562,14 @@
               <a:t>y</a:t>
             </a:r>
             <a:r>
-              <a:rPr lang="en-US" baseline="-25000" dirty="0" err="1" smtClean="0">
+              <a:rPr lang="en-US" baseline="-25000" dirty="0" err="1">
                 <a:solidFill>
                   <a:srgbClr val="0000FF"/>
                 </a:solidFill>
               </a:rPr>
               <a:t>p</a:t>
             </a:r>
-            <a:endParaRPr lang="en-US" baseline="-25000" dirty="0" smtClean="0">
+            <a:endParaRPr lang="en-US" baseline="-25000" dirty="0">
               <a:solidFill>
                 <a:srgbClr val="0000FF"/>
               </a:solidFill>
@@ -5610,11 +5577,11 @@
           </a:p>
           <a:p>
             <a:r>
-              <a:rPr lang="en-US" dirty="0" smtClean="0"/>
+              <a:rPr lang="en-US" dirty="0"/>
               <a:t>Loss function – </a:t>
             </a:r>
             <a:r>
-              <a:rPr lang="en-US" sz="3000" dirty="0" smtClean="0">
+              <a:rPr lang="en-US" sz="3000" dirty="0">
                 <a:solidFill>
                   <a:srgbClr val="FF0000"/>
                 </a:solidFill>
@@ -5624,7 +5591,7 @@
           </a:p>
           <a:p>
             <a:r>
-              <a:rPr lang="en-US" dirty="0" smtClean="0"/>
+              <a:rPr lang="en-US" dirty="0"/>
               <a:t>Cost function –  </a:t>
             </a:r>
           </a:p>
@@ -5632,57 +5599,56 @@
             <a:pPr lvl="1">
               <a:buNone/>
             </a:pPr>
-            <a:endParaRPr lang="en-US" dirty="0" smtClean="0"/>
-          </a:p>
-          <a:p>
-            <a:r>
-              <a:rPr lang="en-US" dirty="0" smtClean="0"/>
+            <a:endParaRPr lang="en-US" dirty="0"/>
+          </a:p>
+          <a:p>
+            <a:r>
+              <a:rPr lang="en-US" dirty="0"/>
               <a:t>Output </a:t>
             </a:r>
           </a:p>
           <a:p>
             <a:pPr lvl="1"/>
             <a:r>
-              <a:rPr lang="en-US" dirty="0" smtClean="0"/>
+              <a:rPr lang="en-US" dirty="0"/>
               <a:t>ŷ</a:t>
             </a:r>
             <a:r>
-              <a:rPr lang="en-US" baseline="30000" dirty="0" smtClean="0"/>
+              <a:rPr lang="en-US" baseline="30000" dirty="0"/>
               <a:t>(</a:t>
             </a:r>
             <a:r>
-              <a:rPr lang="en-US" baseline="30000" dirty="0" err="1" smtClean="0"/>
+              <a:rPr lang="en-US" baseline="30000" dirty="0" err="1"/>
               <a:t>i</a:t>
             </a:r>
             <a:r>
-              <a:rPr lang="en-US" baseline="30000" dirty="0" smtClean="0"/>
+              <a:rPr lang="en-US" baseline="30000" dirty="0"/>
               <a:t>) </a:t>
             </a:r>
             <a:r>
-              <a:rPr lang="en-US" dirty="0" smtClean="0"/>
+              <a:rPr lang="en-US" dirty="0"/>
               <a:t>~ y</a:t>
             </a:r>
             <a:r>
-              <a:rPr lang="en-US" baseline="30000" dirty="0" smtClean="0"/>
+              <a:rPr lang="en-US" baseline="30000" dirty="0"/>
               <a:t>(</a:t>
             </a:r>
             <a:r>
-              <a:rPr lang="en-US" baseline="30000" dirty="0" err="1" smtClean="0"/>
+              <a:rPr lang="en-US" baseline="30000" dirty="0" err="1"/>
               <a:t>i</a:t>
             </a:r>
             <a:r>
-              <a:rPr lang="en-US" baseline="30000" dirty="0" smtClean="0"/>
+              <a:rPr lang="en-US" baseline="30000" dirty="0"/>
               <a:t>)</a:t>
             </a:r>
-            <a:endParaRPr lang="en-US" dirty="0" smtClean="0"/>
+            <a:endParaRPr lang="en-US" dirty="0"/>
           </a:p>
           <a:p>
             <a:pPr lvl="1"/>
             <a:r>
-              <a:rPr lang="en-US" dirty="0" smtClean="0"/>
+              <a:rPr lang="en-US" dirty="0"/>
               <a:t>W and b – Minimize J(W, b)</a:t>
             </a:r>
-            <a:endParaRPr lang="en-US" dirty="0"/>
           </a:p>
         </p:txBody>
       </p:sp>
@@ -5700,9 +5666,59 @@
         </p:xfrm>
         <a:graphic>
           <a:graphicData uri="http://schemas.openxmlformats.org/presentationml/2006/ole">
-            <p:oleObj spid="_x0000_s29698" name="Equation" r:id="rId3" imgW="3492360" imgH="888840" progId="Equation.3">
-              <p:embed/>
-            </p:oleObj>
+            <mc:AlternateContent xmlns:mc="http://schemas.openxmlformats.org/markup-compatibility/2006">
+              <mc:Choice xmlns:v="urn:schemas-microsoft-com:vml" Requires="v">
+                <p:oleObj spid="_x0000_s29698" name="Equation" r:id="rId2" imgW="3492360" imgH="888840" progId="Equation.3">
+                  <p:embed/>
+                </p:oleObj>
+              </mc:Choice>
+              <mc:Fallback>
+                <p:oleObj name="Equation" r:id="rId2" imgW="3492360" imgH="888840" progId="Equation.3">
+                  <p:embed/>
+                  <p:pic>
+                    <p:nvPicPr>
+                      <p:cNvPr id="0" name="Picture 2"/>
+                      <p:cNvPicPr>
+                        <a:picLocks noChangeAspect="1" noChangeArrowheads="1"/>
+                      </p:cNvPicPr>
+                      <p:nvPr/>
+                    </p:nvPicPr>
+                    <p:blipFill>
+                      <a:blip r:embed="rId3">
+                        <a:extLst>
+                          <a:ext uri="{28A0092B-C50C-407E-A947-70E740481C1C}">
+                            <a14:useLocalDpi xmlns:a14="http://schemas.microsoft.com/office/drawing/2010/main" val="0"/>
+                          </a:ext>
+                        </a:extLst>
+                      </a:blip>
+                      <a:srcRect/>
+                      <a:stretch>
+                        <a:fillRect/>
+                      </a:stretch>
+                    </p:blipFill>
+                    <p:spPr bwMode="auto">
+                      <a:xfrm>
+                        <a:off x="3283957" y="3200400"/>
+                        <a:ext cx="5631443" cy="1447800"/>
+                      </a:xfrm>
+                      <a:prstGeom prst="rect">
+                        <a:avLst/>
+                      </a:prstGeom>
+                      <a:noFill/>
+                      <a:extLst>
+                        <a:ext uri="{909E8E84-426E-40DD-AFC4-6F175D3DCCD1}">
+                          <a14:hiddenFill xmlns:a14="http://schemas.microsoft.com/office/drawing/2010/main">
+                            <a:solidFill>
+                              <a:srgbClr val="FFFFFF"/>
+                            </a:solidFill>
+                          </a14:hiddenFill>
+                        </a:ext>
+                      </a:extLst>
+                    </p:spPr>
+                  </p:pic>
+                </p:oleObj>
+              </mc:Fallback>
+            </mc:AlternateContent>
           </a:graphicData>
         </a:graphic>
       </p:graphicFrame>
@@ -5711,13 +5727,6 @@
   <p:clrMapOvr>
     <a:masterClrMapping/>
   </p:clrMapOvr>
-  <p:timing>
-    <p:tnLst>
-      <p:par>
-        <p:cTn id="1" dur="indefinite" restart="never" nodeType="tmRoot"/>
-      </p:par>
-    </p:tnLst>
-  </p:timing>
 </p:sld>
 </file>
 
@@ -5780,10 +5789,9 @@
           <a:lstStyle/>
           <a:p>
             <a:r>
-              <a:rPr lang="en-US" dirty="0" smtClean="0"/>
+              <a:rPr lang="en-US" dirty="0"/>
               <a:t>Gradient Descent </a:t>
             </a:r>
-            <a:endParaRPr lang="en-US" dirty="0"/>
           </a:p>
         </p:txBody>
       </p:sp>
@@ -5803,18 +5811,18 @@
           <a:lstStyle/>
           <a:p>
             <a:r>
-              <a:rPr lang="en-US" dirty="0" smtClean="0"/>
+              <a:rPr lang="en-US" dirty="0"/>
               <a:t>Convex function </a:t>
             </a:r>
           </a:p>
           <a:p>
             <a:r>
-              <a:rPr lang="en-US" dirty="0" smtClean="0"/>
+              <a:rPr lang="en-US" dirty="0"/>
               <a:t>Global optimum</a:t>
             </a:r>
           </a:p>
           <a:p>
-            <a:endParaRPr lang="en-US" dirty="0" smtClean="0"/>
+            <a:endParaRPr lang="en-US" dirty="0"/>
           </a:p>
           <a:p>
             <a:endParaRPr lang="en-US" dirty="0"/>
@@ -5826,13 +5834,6 @@
   <p:clrMapOvr>
     <a:masterClrMapping/>
   </p:clrMapOvr>
-  <p:timing>
-    <p:tnLst>
-      <p:par>
-        <p:cTn id="1" dur="indefinite" restart="never" nodeType="tmRoot"/>
-      </p:par>
-    </p:tnLst>
-  </p:timing>
 </p:sld>
 </file>
 
@@ -5871,10 +5872,9 @@
           <a:lstStyle/>
           <a:p>
             <a:r>
-              <a:rPr lang="en-US" dirty="0" smtClean="0"/>
+              <a:rPr lang="en-US" dirty="0"/>
               <a:t>Gradient Descent</a:t>
             </a:r>
-            <a:endParaRPr lang="en-US" dirty="0"/>
           </a:p>
         </p:txBody>
       </p:sp>
@@ -5919,7 +5919,7 @@
               <a:defRPr/>
             </a:pPr>
             <a:r>
-              <a:rPr kumimoji="0" lang="en-US" sz="3200" b="0" i="0" u="none" strike="noStrike" kern="1200" cap="none" spc="0" normalizeH="0" baseline="0" noProof="0" dirty="0" smtClean="0">
+              <a:rPr kumimoji="0" lang="en-US" sz="3200" b="0" i="0" u="none" strike="noStrike" kern="1200" cap="none" spc="0" normalizeH="0" baseline="0" noProof="0" dirty="0">
                 <a:ln>
                   <a:noFill/>
                 </a:ln>
@@ -5945,31 +5945,31 @@
               <a:buChar char="–"/>
             </a:pPr>
             <a:r>
-              <a:rPr lang="en-US" sz="2800" dirty="0" smtClean="0"/>
+              <a:rPr lang="en-US" sz="2800" dirty="0"/>
               <a:t>Z</a:t>
             </a:r>
             <a:r>
-              <a:rPr lang="en-US" sz="2800" baseline="30000" dirty="0" smtClean="0"/>
+              <a:rPr lang="en-US" sz="2800" baseline="30000" dirty="0"/>
               <a:t>[1]</a:t>
             </a:r>
             <a:r>
-              <a:rPr lang="en-US" sz="2800" dirty="0" smtClean="0"/>
+              <a:rPr lang="en-US" sz="2800" dirty="0"/>
               <a:t>= W</a:t>
             </a:r>
             <a:r>
-              <a:rPr lang="en-US" sz="2800" baseline="30000" dirty="0" smtClean="0"/>
+              <a:rPr lang="en-US" sz="2800" baseline="30000" dirty="0"/>
               <a:t>[1]</a:t>
             </a:r>
             <a:r>
-              <a:rPr lang="en-US" sz="2800" dirty="0" smtClean="0"/>
+              <a:rPr lang="en-US" sz="2800" dirty="0"/>
               <a:t>a</a:t>
             </a:r>
             <a:r>
-              <a:rPr lang="en-US" sz="2800" baseline="30000" dirty="0" smtClean="0"/>
+              <a:rPr lang="en-US" sz="2800" baseline="30000" dirty="0"/>
               <a:t>[0] </a:t>
             </a:r>
             <a:r>
-              <a:rPr kumimoji="0" lang="en-US" sz="2800" b="0" i="0" u="none" strike="noStrike" kern="1200" cap="none" spc="0" normalizeH="0" baseline="0" noProof="0" dirty="0" smtClean="0">
+              <a:rPr kumimoji="0" lang="en-US" sz="2800" b="0" i="0" u="none" strike="noStrike" kern="1200" cap="none" spc="0" normalizeH="0" baseline="0" noProof="0" dirty="0">
                 <a:ln>
                   <a:noFill/>
                 </a:ln>
@@ -5986,7 +5986,7 @@
               <a:t>+ b</a:t>
             </a:r>
             <a:r>
-              <a:rPr kumimoji="0" lang="en-US" sz="2800" b="0" i="0" u="none" strike="noStrike" kern="1200" cap="none" spc="0" normalizeH="0" baseline="30000" noProof="0" dirty="0" smtClean="0">
+              <a:rPr kumimoji="0" lang="en-US" sz="2800" b="0" i="0" u="none" strike="noStrike" kern="1200" cap="none" spc="0" normalizeH="0" baseline="30000" noProof="0" dirty="0">
                 <a:ln>
                   <a:noFill/>
                 </a:ln>
@@ -6012,31 +6012,31 @@
               <a:buChar char="–"/>
             </a:pPr>
             <a:r>
-              <a:rPr lang="en-US" sz="2800" dirty="0" smtClean="0"/>
+              <a:rPr lang="en-US" sz="2800" dirty="0"/>
               <a:t>ŷ = a</a:t>
             </a:r>
             <a:r>
-              <a:rPr lang="en-US" sz="2800" baseline="30000" dirty="0" smtClean="0"/>
+              <a:rPr lang="en-US" sz="2800" baseline="30000" dirty="0"/>
               <a:t>[1]  </a:t>
             </a:r>
             <a:r>
-              <a:rPr lang="en-US" sz="2800" dirty="0" smtClean="0"/>
+              <a:rPr lang="en-US" sz="2800" dirty="0"/>
               <a:t>= </a:t>
             </a:r>
             <a:r>
-              <a:rPr lang="el-GR" sz="2800" dirty="0" smtClean="0"/>
+              <a:rPr lang="el-GR" sz="2800" dirty="0"/>
               <a:t>σ</a:t>
             </a:r>
             <a:r>
-              <a:rPr lang="en-US" sz="2800" dirty="0" smtClean="0"/>
+              <a:rPr lang="en-US" sz="2800" dirty="0"/>
               <a:t>(Z</a:t>
             </a:r>
             <a:r>
-              <a:rPr lang="en-US" sz="2800" baseline="30000" dirty="0" smtClean="0"/>
+              <a:rPr lang="en-US" sz="2800" baseline="30000" dirty="0"/>
               <a:t>[1]</a:t>
             </a:r>
             <a:r>
-              <a:rPr lang="en-US" sz="2800" dirty="0" smtClean="0"/>
+              <a:rPr lang="en-US" sz="2800" dirty="0"/>
               <a:t>)</a:t>
             </a:r>
           </a:p>
@@ -6049,39 +6049,39 @@
               <a:buChar char="–"/>
             </a:pPr>
             <a:r>
-              <a:rPr lang="en-US" sz="2800" dirty="0" smtClean="0"/>
+              <a:rPr lang="en-US" sz="2800" dirty="0"/>
               <a:t>L(ŷ</a:t>
             </a:r>
             <a:r>
-              <a:rPr lang="en-US" sz="2800" baseline="30000" dirty="0" smtClean="0"/>
+              <a:rPr lang="en-US" sz="2800" baseline="30000" dirty="0"/>
               <a:t>(</a:t>
             </a:r>
             <a:r>
-              <a:rPr lang="en-US" sz="2800" baseline="30000" dirty="0" err="1" smtClean="0"/>
+              <a:rPr lang="en-US" sz="2800" baseline="30000" dirty="0" err="1"/>
               <a:t>i</a:t>
             </a:r>
             <a:r>
-              <a:rPr lang="en-US" sz="2800" baseline="30000" dirty="0" smtClean="0"/>
+              <a:rPr lang="en-US" sz="2800" baseline="30000" dirty="0"/>
               <a:t>)</a:t>
             </a:r>
             <a:r>
-              <a:rPr lang="en-US" sz="2800" dirty="0" smtClean="0"/>
+              <a:rPr lang="en-US" sz="2800" dirty="0"/>
               <a:t>, y</a:t>
             </a:r>
             <a:r>
-              <a:rPr lang="en-US" sz="2800" baseline="30000" dirty="0" smtClean="0"/>
+              <a:rPr lang="en-US" sz="2800" baseline="30000" dirty="0"/>
               <a:t>(</a:t>
             </a:r>
             <a:r>
-              <a:rPr lang="en-US" sz="2800" baseline="30000" dirty="0" err="1" smtClean="0"/>
+              <a:rPr lang="en-US" sz="2800" baseline="30000" dirty="0" err="1"/>
               <a:t>i</a:t>
             </a:r>
             <a:r>
-              <a:rPr lang="en-US" sz="2800" baseline="30000" dirty="0" smtClean="0"/>
+              <a:rPr lang="en-US" sz="2800" baseline="30000" dirty="0"/>
               <a:t>)</a:t>
             </a:r>
             <a:r>
-              <a:rPr lang="en-US" sz="2800" dirty="0" smtClean="0"/>
+              <a:rPr lang="en-US" sz="2800" dirty="0"/>
               <a:t>)</a:t>
             </a:r>
           </a:p>
@@ -6094,23 +6094,23 @@
               <a:buChar char="–"/>
             </a:pPr>
             <a:r>
-              <a:rPr lang="en-US" sz="2800" dirty="0" smtClean="0"/>
+              <a:rPr lang="en-US" sz="2800" dirty="0"/>
               <a:t>J(W</a:t>
             </a:r>
             <a:r>
-              <a:rPr lang="en-US" sz="2800" baseline="30000" dirty="0" smtClean="0"/>
+              <a:rPr lang="en-US" sz="2800" baseline="30000" dirty="0"/>
               <a:t>[1]</a:t>
             </a:r>
             <a:r>
-              <a:rPr lang="en-US" sz="2800" dirty="0" smtClean="0"/>
+              <a:rPr lang="en-US" sz="2800" dirty="0"/>
               <a:t>, b</a:t>
             </a:r>
             <a:r>
-              <a:rPr lang="en-US" sz="2800" baseline="30000" dirty="0" smtClean="0"/>
+              <a:rPr lang="en-US" sz="2800" baseline="30000" dirty="0"/>
               <a:t>[1]</a:t>
             </a:r>
             <a:r>
-              <a:rPr lang="en-US" sz="2800" dirty="0" smtClean="0"/>
+              <a:rPr lang="en-US" sz="2800" dirty="0"/>
               <a:t>)</a:t>
             </a:r>
           </a:p>
@@ -6122,7 +6122,7 @@
               <a:buFont typeface="Arial" pitchFamily="34" charset="0"/>
               <a:buChar char="–"/>
             </a:pPr>
-            <a:endParaRPr kumimoji="0" lang="en-US" sz="2800" b="0" i="0" u="none" strike="noStrike" kern="1200" cap="none" spc="0" normalizeH="0" noProof="0" dirty="0" smtClean="0">
+            <a:endParaRPr kumimoji="0" lang="en-US" sz="2800" b="0" i="0" u="none" strike="noStrike" kern="1200" cap="none" spc="0" normalizeH="0" noProof="0" dirty="0">
               <a:ln>
                 <a:noFill/>
               </a:ln>
@@ -6155,7 +6155,7 @@
               <a:tabLst/>
               <a:defRPr/>
             </a:pPr>
-            <a:endParaRPr kumimoji="0" lang="en-US" sz="3200" b="0" i="0" u="none" strike="noStrike" kern="1200" cap="none" spc="0" normalizeH="0" baseline="0" noProof="0" dirty="0" smtClean="0">
+            <a:endParaRPr kumimoji="0" lang="en-US" sz="3200" b="0" i="0" u="none" strike="noStrike" kern="1200" cap="none" spc="0" normalizeH="0" baseline="0" noProof="0" dirty="0">
               <a:ln>
                 <a:noFill/>
               </a:ln>
@@ -6246,7 +6246,7 @@
               <a:defRPr/>
             </a:pPr>
             <a:r>
-              <a:rPr kumimoji="0" lang="en-US" sz="3200" b="0" i="0" u="none" strike="noStrike" kern="1200" cap="none" spc="0" normalizeH="0" baseline="0" noProof="0" dirty="0" smtClean="0">
+              <a:rPr kumimoji="0" lang="en-US" sz="3200" b="0" i="0" u="none" strike="noStrike" kern="1200" cap="none" spc="0" normalizeH="0" baseline="0" noProof="0" dirty="0">
                 <a:ln>
                   <a:noFill/>
                 </a:ln>
@@ -6281,7 +6281,7 @@
               <a:tabLst/>
               <a:defRPr/>
             </a:pPr>
-            <a:endParaRPr kumimoji="0" lang="en-US" sz="3200" b="0" i="0" u="none" strike="noStrike" kern="1200" cap="none" spc="0" normalizeH="0" baseline="0" noProof="0" dirty="0" smtClean="0">
+            <a:endParaRPr kumimoji="0" lang="en-US" sz="3200" b="0" i="0" u="none" strike="noStrike" kern="1200" cap="none" spc="0" normalizeH="0" baseline="0" noProof="0" dirty="0">
               <a:ln>
                 <a:noFill/>
               </a:ln>
@@ -6345,9 +6345,59 @@
         </p:xfrm>
         <a:graphic>
           <a:graphicData uri="http://schemas.openxmlformats.org/presentationml/2006/ole">
-            <p:oleObj spid="_x0000_s30722" name="Equation" r:id="rId3" imgW="901440" imgH="812520" progId="Equation.3">
-              <p:embed/>
-            </p:oleObj>
+            <mc:AlternateContent xmlns:mc="http://schemas.openxmlformats.org/markup-compatibility/2006">
+              <mc:Choice xmlns:v="urn:schemas-microsoft-com:vml" Requires="v">
+                <p:oleObj spid="_x0000_s30722" name="Equation" r:id="rId2" imgW="901440" imgH="812520" progId="Equation.3">
+                  <p:embed/>
+                </p:oleObj>
+              </mc:Choice>
+              <mc:Fallback>
+                <p:oleObj name="Equation" r:id="rId2" imgW="901440" imgH="812520" progId="Equation.3">
+                  <p:embed/>
+                  <p:pic>
+                    <p:nvPicPr>
+                      <p:cNvPr id="0" name="Picture 2"/>
+                      <p:cNvPicPr>
+                        <a:picLocks noChangeAspect="1" noChangeArrowheads="1"/>
+                      </p:cNvPicPr>
+                      <p:nvPr/>
+                    </p:nvPicPr>
+                    <p:blipFill>
+                      <a:blip r:embed="rId3">
+                        <a:extLst>
+                          <a:ext uri="{28A0092B-C50C-407E-A947-70E740481C1C}">
+                            <a14:useLocalDpi xmlns:a14="http://schemas.microsoft.com/office/drawing/2010/main" val="0"/>
+                          </a:ext>
+                        </a:extLst>
+                      </a:blip>
+                      <a:srcRect/>
+                      <a:stretch>
+                        <a:fillRect/>
+                      </a:stretch>
+                    </p:blipFill>
+                    <p:spPr bwMode="auto">
+                      <a:xfrm>
+                        <a:off x="4935538" y="2192338"/>
+                        <a:ext cx="1793875" cy="1616075"/>
+                      </a:xfrm>
+                      <a:prstGeom prst="rect">
+                        <a:avLst/>
+                      </a:prstGeom>
+                      <a:noFill/>
+                      <a:extLst>
+                        <a:ext uri="{909E8E84-426E-40DD-AFC4-6F175D3DCCD1}">
+                          <a14:hiddenFill xmlns:a14="http://schemas.microsoft.com/office/drawing/2010/main">
+                            <a:solidFill>
+                              <a:srgbClr val="FFFFFF"/>
+                            </a:solidFill>
+                          </a14:hiddenFill>
+                        </a:ext>
+                      </a:extLst>
+                    </p:spPr>
+                  </p:pic>
+                </p:oleObj>
+              </mc:Fallback>
+            </mc:AlternateContent>
           </a:graphicData>
         </a:graphic>
       </p:graphicFrame>
@@ -6356,13 +6406,6 @@
   <p:clrMapOvr>
     <a:masterClrMapping/>
   </p:clrMapOvr>
-  <p:timing>
-    <p:tnLst>
-      <p:par>
-        <p:cTn id="1" dur="indefinite" restart="never" nodeType="tmRoot"/>
-      </p:par>
-    </p:tnLst>
-  </p:timing>
 </p:sld>
 </file>
 
@@ -6399,10 +6442,9 @@
           <a:lstStyle/>
           <a:p>
             <a:r>
-              <a:rPr lang="en-US" dirty="0" smtClean="0"/>
+              <a:rPr lang="en-US" dirty="0"/>
               <a:t>Topics</a:t>
             </a:r>
-            <a:endParaRPr lang="en-US" dirty="0"/>
           </a:p>
         </p:txBody>
       </p:sp>
@@ -6424,54 +6466,45 @@
           <a:lstStyle/>
           <a:p>
             <a:r>
-              <a:rPr lang="en-US" dirty="0" smtClean="0"/>
-              <a:t>Supervised learning – </a:t>
-            </a:r>
-            <a:r>
-              <a:rPr lang="en-US" dirty="0" smtClean="0"/>
-              <a:t>Binary classification</a:t>
-            </a:r>
-            <a:endParaRPr lang="en-US" dirty="0" smtClean="0"/>
-          </a:p>
-          <a:p>
-            <a:r>
-              <a:rPr lang="en-US" dirty="0" smtClean="0"/>
+              <a:rPr lang="en-US" dirty="0"/>
+              <a:t>Supervised learning – Binary classification</a:t>
+            </a:r>
+          </a:p>
+          <a:p>
+            <a:r>
+              <a:rPr lang="en-US" dirty="0"/>
               <a:t>Logistic regression</a:t>
             </a:r>
-            <a:endParaRPr lang="en-US" dirty="0" smtClean="0"/>
-          </a:p>
-          <a:p>
-            <a:r>
-              <a:rPr lang="en-US" dirty="0" smtClean="0"/>
+          </a:p>
+          <a:p>
+            <a:r>
+              <a:rPr lang="en-US" dirty="0"/>
               <a:t>Sigmoid function</a:t>
             </a:r>
-            <a:endParaRPr lang="en-US" dirty="0" smtClean="0"/>
-          </a:p>
-          <a:p>
-            <a:r>
-              <a:rPr lang="en-US" dirty="0" smtClean="0"/>
+          </a:p>
+          <a:p>
+            <a:r>
+              <a:rPr lang="en-US" dirty="0"/>
               <a:t>Gradient descent</a:t>
             </a:r>
           </a:p>
           <a:p>
             <a:r>
-              <a:rPr lang="en-US" dirty="0" smtClean="0"/>
+              <a:rPr lang="en-US" dirty="0"/>
               <a:t>Applications</a:t>
             </a:r>
-            <a:endParaRPr lang="en-US" dirty="0" smtClean="0"/>
-          </a:p>
-          <a:p>
-            <a:r>
-              <a:rPr lang="en-US" dirty="0" smtClean="0"/>
+          </a:p>
+          <a:p>
+            <a:r>
+              <a:rPr lang="en-US" dirty="0"/>
               <a:t>Advantages </a:t>
             </a:r>
           </a:p>
           <a:p>
             <a:r>
-              <a:rPr lang="en-US" dirty="0" smtClean="0"/>
+              <a:rPr lang="en-US" dirty="0"/>
               <a:t>Disadvantages</a:t>
             </a:r>
-            <a:endParaRPr lang="en-US" dirty="0"/>
           </a:p>
         </p:txBody>
       </p:sp>
@@ -6480,13 +6513,6 @@
   <p:clrMapOvr>
     <a:masterClrMapping/>
   </p:clrMapOvr>
-  <p:timing>
-    <p:tnLst>
-      <p:par>
-        <p:cTn id="1" dur="indefinite" restart="never" nodeType="tmRoot"/>
-      </p:par>
-    </p:tnLst>
-  </p:timing>
 </p:sld>
 </file>
 
@@ -6525,10 +6551,9 @@
           <a:lstStyle/>
           <a:p>
             <a:r>
-              <a:rPr lang="en-US" dirty="0" smtClean="0"/>
+              <a:rPr lang="en-US" dirty="0"/>
               <a:t>Gradient Descent</a:t>
             </a:r>
-            <a:endParaRPr lang="en-US" dirty="0"/>
           </a:p>
         </p:txBody>
       </p:sp>
@@ -6573,7 +6598,7 @@
               <a:defRPr/>
             </a:pPr>
             <a:r>
-              <a:rPr kumimoji="0" lang="en-US" sz="3200" b="0" i="0" u="none" strike="noStrike" kern="1200" cap="none" spc="0" normalizeH="0" baseline="0" noProof="0" dirty="0" smtClean="0">
+              <a:rPr kumimoji="0" lang="en-US" sz="3200" b="0" i="0" u="none" strike="noStrike" kern="1200" cap="none" spc="0" normalizeH="0" baseline="0" noProof="0" dirty="0">
                 <a:ln>
                   <a:noFill/>
                 </a:ln>
@@ -6599,31 +6624,31 @@
               <a:buChar char="–"/>
             </a:pPr>
             <a:r>
-              <a:rPr lang="en-US" sz="2800" dirty="0" smtClean="0"/>
+              <a:rPr lang="en-US" sz="2800" dirty="0"/>
               <a:t>Z</a:t>
             </a:r>
             <a:r>
-              <a:rPr lang="en-US" sz="2800" baseline="30000" dirty="0" smtClean="0"/>
+              <a:rPr lang="en-US" sz="2800" baseline="30000" dirty="0"/>
               <a:t>[1]</a:t>
             </a:r>
             <a:r>
-              <a:rPr lang="en-US" sz="2800" dirty="0" smtClean="0"/>
+              <a:rPr lang="en-US" sz="2800" dirty="0"/>
               <a:t>= W</a:t>
             </a:r>
             <a:r>
-              <a:rPr lang="en-US" sz="2800" baseline="30000" dirty="0" smtClean="0"/>
+              <a:rPr lang="en-US" sz="2800" baseline="30000" dirty="0"/>
               <a:t>[1]</a:t>
             </a:r>
             <a:r>
-              <a:rPr lang="en-US" sz="2800" dirty="0" smtClean="0"/>
+              <a:rPr lang="en-US" sz="2800" dirty="0"/>
               <a:t>a</a:t>
             </a:r>
             <a:r>
-              <a:rPr lang="en-US" sz="2800" baseline="30000" dirty="0" smtClean="0"/>
+              <a:rPr lang="en-US" sz="2800" baseline="30000" dirty="0"/>
               <a:t>[0] </a:t>
             </a:r>
             <a:r>
-              <a:rPr kumimoji="0" lang="en-US" sz="2800" b="0" i="0" u="none" strike="noStrike" kern="1200" cap="none" spc="0" normalizeH="0" baseline="0" noProof="0" dirty="0" smtClean="0">
+              <a:rPr kumimoji="0" lang="en-US" sz="2800" b="0" i="0" u="none" strike="noStrike" kern="1200" cap="none" spc="0" normalizeH="0" baseline="0" noProof="0" dirty="0">
                 <a:ln>
                   <a:noFill/>
                 </a:ln>
@@ -6640,7 +6665,7 @@
               <a:t>+ b</a:t>
             </a:r>
             <a:r>
-              <a:rPr kumimoji="0" lang="en-US" sz="2800" b="0" i="0" u="none" strike="noStrike" kern="1200" cap="none" spc="0" normalizeH="0" baseline="30000" noProof="0" dirty="0" smtClean="0">
+              <a:rPr kumimoji="0" lang="en-US" sz="2800" b="0" i="0" u="none" strike="noStrike" kern="1200" cap="none" spc="0" normalizeH="0" baseline="30000" noProof="0" dirty="0">
                 <a:ln>
                   <a:noFill/>
                 </a:ln>
@@ -6666,31 +6691,31 @@
               <a:buChar char="–"/>
             </a:pPr>
             <a:r>
-              <a:rPr lang="en-US" sz="2800" dirty="0" smtClean="0"/>
+              <a:rPr lang="en-US" sz="2800" dirty="0"/>
               <a:t>ŷ = a</a:t>
             </a:r>
             <a:r>
-              <a:rPr lang="en-US" sz="2800" baseline="30000" dirty="0" smtClean="0"/>
+              <a:rPr lang="en-US" sz="2800" baseline="30000" dirty="0"/>
               <a:t>[1]  </a:t>
             </a:r>
             <a:r>
-              <a:rPr lang="en-US" sz="2800" dirty="0" smtClean="0"/>
+              <a:rPr lang="en-US" sz="2800" dirty="0"/>
               <a:t>= </a:t>
             </a:r>
             <a:r>
-              <a:rPr lang="el-GR" sz="2800" dirty="0" smtClean="0"/>
+              <a:rPr lang="el-GR" sz="2800" dirty="0"/>
               <a:t>σ</a:t>
             </a:r>
             <a:r>
-              <a:rPr lang="en-US" sz="2800" dirty="0" smtClean="0"/>
+              <a:rPr lang="en-US" sz="2800" dirty="0"/>
               <a:t>(Z</a:t>
             </a:r>
             <a:r>
-              <a:rPr lang="en-US" sz="2800" baseline="30000" dirty="0" smtClean="0"/>
+              <a:rPr lang="en-US" sz="2800" baseline="30000" dirty="0"/>
               <a:t>[1]</a:t>
             </a:r>
             <a:r>
-              <a:rPr lang="en-US" sz="2800" dirty="0" smtClean="0"/>
+              <a:rPr lang="en-US" sz="2800" dirty="0"/>
               <a:t>)</a:t>
             </a:r>
           </a:p>
@@ -6703,39 +6728,39 @@
               <a:buChar char="–"/>
             </a:pPr>
             <a:r>
-              <a:rPr lang="en-US" sz="2800" dirty="0" smtClean="0"/>
+              <a:rPr lang="en-US" sz="2800" dirty="0"/>
               <a:t>L(ŷ</a:t>
             </a:r>
             <a:r>
-              <a:rPr lang="en-US" sz="2800" baseline="30000" dirty="0" smtClean="0"/>
+              <a:rPr lang="en-US" sz="2800" baseline="30000" dirty="0"/>
               <a:t>(</a:t>
             </a:r>
             <a:r>
-              <a:rPr lang="en-US" sz="2800" baseline="30000" dirty="0" err="1" smtClean="0"/>
+              <a:rPr lang="en-US" sz="2800" baseline="30000" dirty="0" err="1"/>
               <a:t>i</a:t>
             </a:r>
             <a:r>
-              <a:rPr lang="en-US" sz="2800" baseline="30000" dirty="0" smtClean="0"/>
+              <a:rPr lang="en-US" sz="2800" baseline="30000" dirty="0"/>
               <a:t>)</a:t>
             </a:r>
             <a:r>
-              <a:rPr lang="en-US" sz="2800" dirty="0" smtClean="0"/>
+              <a:rPr lang="en-US" sz="2800" dirty="0"/>
               <a:t>, y</a:t>
             </a:r>
             <a:r>
-              <a:rPr lang="en-US" sz="2800" baseline="30000" dirty="0" smtClean="0"/>
+              <a:rPr lang="en-US" sz="2800" baseline="30000" dirty="0"/>
               <a:t>(</a:t>
             </a:r>
             <a:r>
-              <a:rPr lang="en-US" sz="2800" baseline="30000" dirty="0" err="1" smtClean="0"/>
+              <a:rPr lang="en-US" sz="2800" baseline="30000" dirty="0" err="1"/>
               <a:t>i</a:t>
             </a:r>
             <a:r>
-              <a:rPr lang="en-US" sz="2800" baseline="30000" dirty="0" smtClean="0"/>
+              <a:rPr lang="en-US" sz="2800" baseline="30000" dirty="0"/>
               <a:t>)</a:t>
             </a:r>
             <a:r>
-              <a:rPr lang="en-US" sz="2800" dirty="0" smtClean="0"/>
+              <a:rPr lang="en-US" sz="2800" dirty="0"/>
               <a:t>)</a:t>
             </a:r>
           </a:p>
@@ -6748,23 +6773,23 @@
               <a:buChar char="–"/>
             </a:pPr>
             <a:r>
-              <a:rPr lang="en-US" sz="2800" dirty="0" smtClean="0"/>
+              <a:rPr lang="en-US" sz="2800" dirty="0"/>
               <a:t>J(W</a:t>
             </a:r>
             <a:r>
-              <a:rPr lang="en-US" sz="2800" baseline="30000" dirty="0" smtClean="0"/>
+              <a:rPr lang="en-US" sz="2800" baseline="30000" dirty="0"/>
               <a:t>[1]</a:t>
             </a:r>
             <a:r>
-              <a:rPr lang="en-US" sz="2800" dirty="0" smtClean="0"/>
+              <a:rPr lang="en-US" sz="2800" dirty="0"/>
               <a:t>, b</a:t>
             </a:r>
             <a:r>
-              <a:rPr lang="en-US" sz="2800" baseline="30000" dirty="0" smtClean="0"/>
+              <a:rPr lang="en-US" sz="2800" baseline="30000" dirty="0"/>
               <a:t>[1]</a:t>
             </a:r>
             <a:r>
-              <a:rPr lang="en-US" sz="2800" dirty="0" smtClean="0"/>
+              <a:rPr lang="en-US" sz="2800" dirty="0"/>
               <a:t>)</a:t>
             </a:r>
           </a:p>
@@ -6776,7 +6801,7 @@
               <a:buFont typeface="Arial" pitchFamily="34" charset="0"/>
               <a:buChar char="–"/>
             </a:pPr>
-            <a:endParaRPr kumimoji="0" lang="en-US" sz="2800" b="0" i="0" u="none" strike="noStrike" kern="1200" cap="none" spc="0" normalizeH="0" noProof="0" dirty="0" smtClean="0">
+            <a:endParaRPr kumimoji="0" lang="en-US" sz="2800" b="0" i="0" u="none" strike="noStrike" kern="1200" cap="none" spc="0" normalizeH="0" noProof="0" dirty="0">
               <a:ln>
                 <a:noFill/>
               </a:ln>
@@ -6809,7 +6834,7 @@
               <a:tabLst/>
               <a:defRPr/>
             </a:pPr>
-            <a:endParaRPr kumimoji="0" lang="en-US" sz="3200" b="0" i="0" u="none" strike="noStrike" kern="1200" cap="none" spc="0" normalizeH="0" baseline="0" noProof="0" dirty="0" smtClean="0">
+            <a:endParaRPr kumimoji="0" lang="en-US" sz="3200" b="0" i="0" u="none" strike="noStrike" kern="1200" cap="none" spc="0" normalizeH="0" baseline="0" noProof="0" dirty="0">
               <a:ln>
                 <a:noFill/>
               </a:ln>
@@ -6900,7 +6925,7 @@
               <a:defRPr/>
             </a:pPr>
             <a:r>
-              <a:rPr kumimoji="0" lang="en-US" sz="3200" b="0" i="0" u="none" strike="noStrike" kern="1200" cap="none" spc="0" normalizeH="0" baseline="0" noProof="0" dirty="0" smtClean="0">
+              <a:rPr kumimoji="0" lang="en-US" sz="3200" b="0" i="0" u="none" strike="noStrike" kern="1200" cap="none" spc="0" normalizeH="0" baseline="0" noProof="0" dirty="0">
                 <a:ln>
                   <a:noFill/>
                 </a:ln>
@@ -6935,7 +6960,7 @@
               <a:tabLst/>
               <a:defRPr/>
             </a:pPr>
-            <a:endParaRPr kumimoji="0" lang="en-US" sz="3200" b="0" i="0" u="none" strike="noStrike" kern="1200" cap="none" spc="0" normalizeH="0" baseline="0" noProof="0" dirty="0" smtClean="0">
+            <a:endParaRPr kumimoji="0" lang="en-US" sz="3200" b="0" i="0" u="none" strike="noStrike" kern="1200" cap="none" spc="0" normalizeH="0" baseline="0" noProof="0" dirty="0">
               <a:ln>
                 <a:noFill/>
               </a:ln>
@@ -6999,9 +7024,59 @@
         </p:xfrm>
         <a:graphic>
           <a:graphicData uri="http://schemas.openxmlformats.org/presentationml/2006/ole">
-            <p:oleObj spid="_x0000_s31746" name="Equation" r:id="rId3" imgW="1371600" imgH="1269720" progId="Equation.3">
-              <p:embed/>
-            </p:oleObj>
+            <mc:AlternateContent xmlns:mc="http://schemas.openxmlformats.org/markup-compatibility/2006">
+              <mc:Choice xmlns:v="urn:schemas-microsoft-com:vml" Requires="v">
+                <p:oleObj spid="_x0000_s31746" name="Equation" r:id="rId2" imgW="1371600" imgH="1269720" progId="Equation.3">
+                  <p:embed/>
+                </p:oleObj>
+              </mc:Choice>
+              <mc:Fallback>
+                <p:oleObj name="Equation" r:id="rId2" imgW="1371600" imgH="1269720" progId="Equation.3">
+                  <p:embed/>
+                  <p:pic>
+                    <p:nvPicPr>
+                      <p:cNvPr id="0" name="Picture 2"/>
+                      <p:cNvPicPr>
+                        <a:picLocks noChangeAspect="1" noChangeArrowheads="1"/>
+                      </p:cNvPicPr>
+                      <p:nvPr/>
+                    </p:nvPicPr>
+                    <p:blipFill>
+                      <a:blip r:embed="rId3">
+                        <a:extLst>
+                          <a:ext uri="{28A0092B-C50C-407E-A947-70E740481C1C}">
+                            <a14:useLocalDpi xmlns:a14="http://schemas.microsoft.com/office/drawing/2010/main" val="0"/>
+                          </a:ext>
+                        </a:extLst>
+                      </a:blip>
+                      <a:srcRect/>
+                      <a:stretch>
+                        <a:fillRect/>
+                      </a:stretch>
+                    </p:blipFill>
+                    <p:spPr bwMode="auto">
+                      <a:xfrm>
+                        <a:off x="4935538" y="2192338"/>
+                        <a:ext cx="2728912" cy="2525712"/>
+                      </a:xfrm>
+                      <a:prstGeom prst="rect">
+                        <a:avLst/>
+                      </a:prstGeom>
+                      <a:noFill/>
+                      <a:extLst>
+                        <a:ext uri="{909E8E84-426E-40DD-AFC4-6F175D3DCCD1}">
+                          <a14:hiddenFill xmlns:a14="http://schemas.microsoft.com/office/drawing/2010/main">
+                            <a:solidFill>
+                              <a:srgbClr val="FFFFFF"/>
+                            </a:solidFill>
+                          </a14:hiddenFill>
+                        </a:ext>
+                      </a:extLst>
+                    </p:spPr>
+                  </p:pic>
+                </p:oleObj>
+              </mc:Fallback>
+            </mc:AlternateContent>
           </a:graphicData>
         </a:graphic>
       </p:graphicFrame>
@@ -7010,13 +7085,6 @@
   <p:clrMapOvr>
     <a:masterClrMapping/>
   </p:clrMapOvr>
-  <p:timing>
-    <p:tnLst>
-      <p:par>
-        <p:cTn id="1" dur="indefinite" restart="never" nodeType="tmRoot"/>
-      </p:par>
-    </p:tnLst>
-  </p:timing>
 </p:sld>
 </file>
 
@@ -7055,10 +7123,9 @@
           <a:lstStyle/>
           <a:p>
             <a:r>
-              <a:rPr lang="en-US" dirty="0" smtClean="0"/>
+              <a:rPr lang="en-US" dirty="0"/>
               <a:t>Gradient Descent</a:t>
             </a:r>
-            <a:endParaRPr lang="en-US" dirty="0"/>
           </a:p>
         </p:txBody>
       </p:sp>
@@ -7103,7 +7170,7 @@
               <a:defRPr/>
             </a:pPr>
             <a:r>
-              <a:rPr kumimoji="0" lang="en-US" sz="3200" b="0" i="0" u="none" strike="noStrike" kern="1200" cap="none" spc="0" normalizeH="0" baseline="0" noProof="0" dirty="0" smtClean="0">
+              <a:rPr kumimoji="0" lang="en-US" sz="3200" b="0" i="0" u="none" strike="noStrike" kern="1200" cap="none" spc="0" normalizeH="0" baseline="0" noProof="0" dirty="0">
                 <a:ln>
                   <a:noFill/>
                 </a:ln>
@@ -7129,31 +7196,31 @@
               <a:buChar char="–"/>
             </a:pPr>
             <a:r>
-              <a:rPr lang="en-US" sz="2800" dirty="0" smtClean="0"/>
+              <a:rPr lang="en-US" sz="2800" dirty="0"/>
               <a:t>Z</a:t>
             </a:r>
             <a:r>
-              <a:rPr lang="en-US" sz="2800" baseline="30000" dirty="0" smtClean="0"/>
+              <a:rPr lang="en-US" sz="2800" baseline="30000" dirty="0"/>
               <a:t>[1]</a:t>
             </a:r>
             <a:r>
-              <a:rPr lang="en-US" sz="2800" dirty="0" smtClean="0"/>
+              <a:rPr lang="en-US" sz="2800" dirty="0"/>
               <a:t>= W</a:t>
             </a:r>
             <a:r>
-              <a:rPr lang="en-US" sz="2800" baseline="30000" dirty="0" smtClean="0"/>
+              <a:rPr lang="en-US" sz="2800" baseline="30000" dirty="0"/>
               <a:t>[1]</a:t>
             </a:r>
             <a:r>
-              <a:rPr lang="en-US" sz="2800" dirty="0" smtClean="0"/>
+              <a:rPr lang="en-US" sz="2800" dirty="0"/>
               <a:t>a</a:t>
             </a:r>
             <a:r>
-              <a:rPr lang="en-US" sz="2800" baseline="30000" dirty="0" smtClean="0"/>
+              <a:rPr lang="en-US" sz="2800" baseline="30000" dirty="0"/>
               <a:t>[0] </a:t>
             </a:r>
             <a:r>
-              <a:rPr kumimoji="0" lang="en-US" sz="2800" b="0" i="0" u="none" strike="noStrike" kern="1200" cap="none" spc="0" normalizeH="0" baseline="0" noProof="0" dirty="0" smtClean="0">
+              <a:rPr kumimoji="0" lang="en-US" sz="2800" b="0" i="0" u="none" strike="noStrike" kern="1200" cap="none" spc="0" normalizeH="0" baseline="0" noProof="0" dirty="0">
                 <a:ln>
                   <a:noFill/>
                 </a:ln>
@@ -7170,7 +7237,7 @@
               <a:t>+ b</a:t>
             </a:r>
             <a:r>
-              <a:rPr kumimoji="0" lang="en-US" sz="2800" b="0" i="0" u="none" strike="noStrike" kern="1200" cap="none" spc="0" normalizeH="0" baseline="30000" noProof="0" dirty="0" smtClean="0">
+              <a:rPr kumimoji="0" lang="en-US" sz="2800" b="0" i="0" u="none" strike="noStrike" kern="1200" cap="none" spc="0" normalizeH="0" baseline="30000" noProof="0" dirty="0">
                 <a:ln>
                   <a:noFill/>
                 </a:ln>
@@ -7196,31 +7263,31 @@
               <a:buChar char="–"/>
             </a:pPr>
             <a:r>
-              <a:rPr lang="en-US" sz="2800" dirty="0" smtClean="0"/>
+              <a:rPr lang="en-US" sz="2800" dirty="0"/>
               <a:t>ŷ = a</a:t>
             </a:r>
             <a:r>
-              <a:rPr lang="en-US" sz="2800" baseline="30000" dirty="0" smtClean="0"/>
+              <a:rPr lang="en-US" sz="2800" baseline="30000" dirty="0"/>
               <a:t>[1]  </a:t>
             </a:r>
             <a:r>
-              <a:rPr lang="en-US" sz="2800" dirty="0" smtClean="0"/>
+              <a:rPr lang="en-US" sz="2800" dirty="0"/>
               <a:t>= </a:t>
             </a:r>
             <a:r>
-              <a:rPr lang="el-GR" sz="2800" dirty="0" smtClean="0"/>
+              <a:rPr lang="el-GR" sz="2800" dirty="0"/>
               <a:t>σ</a:t>
             </a:r>
             <a:r>
-              <a:rPr lang="en-US" sz="2800" dirty="0" smtClean="0"/>
+              <a:rPr lang="en-US" sz="2800" dirty="0"/>
               <a:t>(Z</a:t>
             </a:r>
             <a:r>
-              <a:rPr lang="en-US" sz="2800" baseline="30000" dirty="0" smtClean="0"/>
+              <a:rPr lang="en-US" sz="2800" baseline="30000" dirty="0"/>
               <a:t>[1]</a:t>
             </a:r>
             <a:r>
-              <a:rPr lang="en-US" sz="2800" dirty="0" smtClean="0"/>
+              <a:rPr lang="en-US" sz="2800" dirty="0"/>
               <a:t>)</a:t>
             </a:r>
           </a:p>
@@ -7233,39 +7300,39 @@
               <a:buChar char="–"/>
             </a:pPr>
             <a:r>
-              <a:rPr lang="en-US" sz="2800" dirty="0" smtClean="0"/>
+              <a:rPr lang="en-US" sz="2800" dirty="0"/>
               <a:t>L(ŷ</a:t>
             </a:r>
             <a:r>
-              <a:rPr lang="en-US" sz="2800" baseline="30000" dirty="0" smtClean="0"/>
+              <a:rPr lang="en-US" sz="2800" baseline="30000" dirty="0"/>
               <a:t>(</a:t>
             </a:r>
             <a:r>
-              <a:rPr lang="en-US" sz="2800" baseline="30000" dirty="0" err="1" smtClean="0"/>
+              <a:rPr lang="en-US" sz="2800" baseline="30000" dirty="0" err="1"/>
               <a:t>i</a:t>
             </a:r>
             <a:r>
-              <a:rPr lang="en-US" sz="2800" baseline="30000" dirty="0" smtClean="0"/>
+              <a:rPr lang="en-US" sz="2800" baseline="30000" dirty="0"/>
               <a:t>)</a:t>
             </a:r>
             <a:r>
-              <a:rPr lang="en-US" sz="2800" dirty="0" smtClean="0"/>
+              <a:rPr lang="en-US" sz="2800" dirty="0"/>
               <a:t>, y</a:t>
             </a:r>
             <a:r>
-              <a:rPr lang="en-US" sz="2800" baseline="30000" dirty="0" smtClean="0"/>
+              <a:rPr lang="en-US" sz="2800" baseline="30000" dirty="0"/>
               <a:t>(</a:t>
             </a:r>
             <a:r>
-              <a:rPr lang="en-US" sz="2800" baseline="30000" dirty="0" err="1" smtClean="0"/>
+              <a:rPr lang="en-US" sz="2800" baseline="30000" dirty="0" err="1"/>
               <a:t>i</a:t>
             </a:r>
             <a:r>
-              <a:rPr lang="en-US" sz="2800" baseline="30000" dirty="0" smtClean="0"/>
+              <a:rPr lang="en-US" sz="2800" baseline="30000" dirty="0"/>
               <a:t>)</a:t>
             </a:r>
             <a:r>
-              <a:rPr lang="en-US" sz="2800" dirty="0" smtClean="0"/>
+              <a:rPr lang="en-US" sz="2800" dirty="0"/>
               <a:t>)</a:t>
             </a:r>
           </a:p>
@@ -7278,26 +7345,26 @@
               <a:buChar char="–"/>
             </a:pPr>
             <a:r>
-              <a:rPr lang="en-US" sz="2800" dirty="0" smtClean="0"/>
+              <a:rPr lang="en-US" sz="2800" dirty="0"/>
               <a:t>J(W</a:t>
             </a:r>
             <a:r>
-              <a:rPr lang="en-US" sz="2800" baseline="30000" dirty="0" smtClean="0"/>
+              <a:rPr lang="en-US" sz="2800" baseline="30000" dirty="0"/>
               <a:t>[1]</a:t>
             </a:r>
             <a:r>
-              <a:rPr lang="en-US" sz="2800" dirty="0" smtClean="0"/>
+              <a:rPr lang="en-US" sz="2800" dirty="0"/>
               <a:t>, b</a:t>
             </a:r>
             <a:r>
-              <a:rPr lang="en-US" sz="2800" baseline="30000" dirty="0" smtClean="0"/>
+              <a:rPr lang="en-US" sz="2800" baseline="30000" dirty="0"/>
               <a:t>[1]</a:t>
             </a:r>
             <a:r>
-              <a:rPr lang="en-US" sz="2800" dirty="0" smtClean="0"/>
+              <a:rPr lang="en-US" sz="2800" dirty="0"/>
               <a:t>)</a:t>
             </a:r>
-            <a:endParaRPr kumimoji="0" lang="en-US" sz="2800" b="0" i="0" u="none" strike="noStrike" kern="1200" cap="none" spc="0" normalizeH="0" noProof="0" dirty="0" smtClean="0">
+            <a:endParaRPr kumimoji="0" lang="en-US" sz="2800" b="0" i="0" u="none" strike="noStrike" kern="1200" cap="none" spc="0" normalizeH="0" noProof="0" dirty="0">
               <a:ln>
                 <a:noFill/>
               </a:ln>
@@ -7330,7 +7397,7 @@
               <a:tabLst/>
               <a:defRPr/>
             </a:pPr>
-            <a:endParaRPr kumimoji="0" lang="en-US" sz="3200" b="0" i="0" u="none" strike="noStrike" kern="1200" cap="none" spc="0" normalizeH="0" baseline="0" noProof="0" dirty="0" smtClean="0">
+            <a:endParaRPr kumimoji="0" lang="en-US" sz="3200" b="0" i="0" u="none" strike="noStrike" kern="1200" cap="none" spc="0" normalizeH="0" baseline="0" noProof="0" dirty="0">
               <a:ln>
                 <a:noFill/>
               </a:ln>
@@ -7421,7 +7488,7 @@
               <a:defRPr/>
             </a:pPr>
             <a:r>
-              <a:rPr kumimoji="0" lang="en-US" sz="3200" b="0" i="0" u="none" strike="noStrike" kern="1200" cap="none" spc="0" normalizeH="0" baseline="0" noProof="0" dirty="0" smtClean="0">
+              <a:rPr kumimoji="0" lang="en-US" sz="3200" b="0" i="0" u="none" strike="noStrike" kern="1200" cap="none" spc="0" normalizeH="0" baseline="0" noProof="0" dirty="0">
                 <a:ln>
                   <a:noFill/>
                 </a:ln>
@@ -7456,7 +7523,7 @@
               <a:tabLst/>
               <a:defRPr/>
             </a:pPr>
-            <a:endParaRPr kumimoji="0" lang="en-US" sz="3200" b="0" i="0" u="none" strike="noStrike" kern="1200" cap="none" spc="0" normalizeH="0" baseline="0" noProof="0" dirty="0" smtClean="0">
+            <a:endParaRPr kumimoji="0" lang="en-US" sz="3200" b="0" i="0" u="none" strike="noStrike" kern="1200" cap="none" spc="0" normalizeH="0" baseline="0" noProof="0" dirty="0">
               <a:ln>
                 <a:noFill/>
               </a:ln>
@@ -7520,9 +7587,59 @@
         </p:xfrm>
         <a:graphic>
           <a:graphicData uri="http://schemas.openxmlformats.org/presentationml/2006/ole">
-            <p:oleObj spid="_x0000_s32770" name="Equation" r:id="rId3" imgW="1117440" imgH="812520" progId="Equation.3">
-              <p:embed/>
-            </p:oleObj>
+            <mc:AlternateContent xmlns:mc="http://schemas.openxmlformats.org/markup-compatibility/2006">
+              <mc:Choice xmlns:v="urn:schemas-microsoft-com:vml" Requires="v">
+                <p:oleObj spid="_x0000_s32770" name="Equation" r:id="rId2" imgW="1117440" imgH="812520" progId="Equation.3">
+                  <p:embed/>
+                </p:oleObj>
+              </mc:Choice>
+              <mc:Fallback>
+                <p:oleObj name="Equation" r:id="rId2" imgW="1117440" imgH="812520" progId="Equation.3">
+                  <p:embed/>
+                  <p:pic>
+                    <p:nvPicPr>
+                      <p:cNvPr id="0" name="Picture 2"/>
+                      <p:cNvPicPr>
+                        <a:picLocks noChangeAspect="1" noChangeArrowheads="1"/>
+                      </p:cNvPicPr>
+                      <p:nvPr/>
+                    </p:nvPicPr>
+                    <p:blipFill>
+                      <a:blip r:embed="rId3">
+                        <a:extLst>
+                          <a:ext uri="{28A0092B-C50C-407E-A947-70E740481C1C}">
+                            <a14:useLocalDpi xmlns:a14="http://schemas.microsoft.com/office/drawing/2010/main" val="0"/>
+                          </a:ext>
+                        </a:extLst>
+                      </a:blip>
+                      <a:srcRect/>
+                      <a:stretch>
+                        <a:fillRect/>
+                      </a:stretch>
+                    </p:blipFill>
+                    <p:spPr bwMode="auto">
+                      <a:xfrm>
+                        <a:off x="4935538" y="2192338"/>
+                        <a:ext cx="2222500" cy="1616075"/>
+                      </a:xfrm>
+                      <a:prstGeom prst="rect">
+                        <a:avLst/>
+                      </a:prstGeom>
+                      <a:noFill/>
+                      <a:extLst>
+                        <a:ext uri="{909E8E84-426E-40DD-AFC4-6F175D3DCCD1}">
+                          <a14:hiddenFill xmlns:a14="http://schemas.microsoft.com/office/drawing/2010/main">
+                            <a:solidFill>
+                              <a:srgbClr val="FFFFFF"/>
+                            </a:solidFill>
+                          </a14:hiddenFill>
+                        </a:ext>
+                      </a:extLst>
+                    </p:spPr>
+                  </p:pic>
+                </p:oleObj>
+              </mc:Fallback>
+            </mc:AlternateContent>
           </a:graphicData>
         </a:graphic>
       </p:graphicFrame>
@@ -7531,13 +7648,6 @@
   <p:clrMapOvr>
     <a:masterClrMapping/>
   </p:clrMapOvr>
-  <p:timing>
-    <p:tnLst>
-      <p:par>
-        <p:cTn id="1" dur="indefinite" restart="never" nodeType="tmRoot"/>
-      </p:par>
-    </p:tnLst>
-  </p:timing>
 </p:sld>
 </file>
 
@@ -7576,10 +7686,9 @@
           <a:lstStyle/>
           <a:p>
             <a:r>
-              <a:rPr lang="en-US" dirty="0" smtClean="0"/>
+              <a:rPr lang="en-US" dirty="0"/>
               <a:t>Gradient Descent</a:t>
             </a:r>
-            <a:endParaRPr lang="en-US" dirty="0"/>
           </a:p>
         </p:txBody>
       </p:sp>
@@ -7624,7 +7733,7 @@
               <a:defRPr/>
             </a:pPr>
             <a:r>
-              <a:rPr kumimoji="0" lang="en-US" sz="3200" b="0" i="0" u="none" strike="noStrike" kern="1200" cap="none" spc="0" normalizeH="0" baseline="0" noProof="0" dirty="0" smtClean="0">
+              <a:rPr kumimoji="0" lang="en-US" sz="3200" b="0" i="0" u="none" strike="noStrike" kern="1200" cap="none" spc="0" normalizeH="0" baseline="0" noProof="0" dirty="0">
                 <a:ln>
                   <a:noFill/>
                 </a:ln>
@@ -7650,31 +7759,31 @@
               <a:buChar char="–"/>
             </a:pPr>
             <a:r>
-              <a:rPr lang="en-US" sz="2800" dirty="0" smtClean="0"/>
+              <a:rPr lang="en-US" sz="2800" dirty="0"/>
               <a:t>Z</a:t>
             </a:r>
             <a:r>
-              <a:rPr lang="en-US" sz="2800" baseline="30000" dirty="0" smtClean="0"/>
+              <a:rPr lang="en-US" sz="2800" baseline="30000" dirty="0"/>
               <a:t>[1]</a:t>
             </a:r>
             <a:r>
-              <a:rPr lang="en-US" sz="2800" dirty="0" smtClean="0"/>
+              <a:rPr lang="en-US" sz="2800" dirty="0"/>
               <a:t>= W</a:t>
             </a:r>
             <a:r>
-              <a:rPr lang="en-US" sz="2800" baseline="30000" dirty="0" smtClean="0"/>
+              <a:rPr lang="en-US" sz="2800" baseline="30000" dirty="0"/>
               <a:t>[1]</a:t>
             </a:r>
             <a:r>
-              <a:rPr lang="en-US" sz="2800" dirty="0" smtClean="0"/>
+              <a:rPr lang="en-US" sz="2800" dirty="0"/>
               <a:t>a</a:t>
             </a:r>
             <a:r>
-              <a:rPr lang="en-US" sz="2800" baseline="30000" dirty="0" smtClean="0"/>
+              <a:rPr lang="en-US" sz="2800" baseline="30000" dirty="0"/>
               <a:t>[0] </a:t>
             </a:r>
             <a:r>
-              <a:rPr kumimoji="0" lang="en-US" sz="2800" b="0" i="0" u="none" strike="noStrike" kern="1200" cap="none" spc="0" normalizeH="0" baseline="0" noProof="0" dirty="0" smtClean="0">
+              <a:rPr kumimoji="0" lang="en-US" sz="2800" b="0" i="0" u="none" strike="noStrike" kern="1200" cap="none" spc="0" normalizeH="0" baseline="0" noProof="0" dirty="0">
                 <a:ln>
                   <a:noFill/>
                 </a:ln>
@@ -7691,7 +7800,7 @@
               <a:t>+ b</a:t>
             </a:r>
             <a:r>
-              <a:rPr kumimoji="0" lang="en-US" sz="2800" b="0" i="0" u="none" strike="noStrike" kern="1200" cap="none" spc="0" normalizeH="0" baseline="30000" noProof="0" dirty="0" smtClean="0">
+              <a:rPr kumimoji="0" lang="en-US" sz="2800" b="0" i="0" u="none" strike="noStrike" kern="1200" cap="none" spc="0" normalizeH="0" baseline="30000" noProof="0" dirty="0">
                 <a:ln>
                   <a:noFill/>
                 </a:ln>
@@ -7717,31 +7826,31 @@
               <a:buChar char="–"/>
             </a:pPr>
             <a:r>
-              <a:rPr lang="en-US" sz="2800" dirty="0" smtClean="0"/>
+              <a:rPr lang="en-US" sz="2800" dirty="0"/>
               <a:t>ŷ = a</a:t>
             </a:r>
             <a:r>
-              <a:rPr lang="en-US" sz="2800" baseline="30000" dirty="0" smtClean="0"/>
+              <a:rPr lang="en-US" sz="2800" baseline="30000" dirty="0"/>
               <a:t>[1]  </a:t>
             </a:r>
             <a:r>
-              <a:rPr lang="en-US" sz="2800" dirty="0" smtClean="0"/>
+              <a:rPr lang="en-US" sz="2800" dirty="0"/>
               <a:t>= </a:t>
             </a:r>
             <a:r>
-              <a:rPr lang="el-GR" sz="2800" dirty="0" smtClean="0"/>
+              <a:rPr lang="el-GR" sz="2800" dirty="0"/>
               <a:t>σ</a:t>
             </a:r>
             <a:r>
-              <a:rPr lang="en-US" sz="2800" dirty="0" smtClean="0"/>
+              <a:rPr lang="en-US" sz="2800" dirty="0"/>
               <a:t>(Z</a:t>
             </a:r>
             <a:r>
-              <a:rPr lang="en-US" sz="2800" baseline="30000" dirty="0" smtClean="0"/>
+              <a:rPr lang="en-US" sz="2800" baseline="30000" dirty="0"/>
               <a:t>[1]</a:t>
             </a:r>
             <a:r>
-              <a:rPr lang="en-US" sz="2800" dirty="0" smtClean="0"/>
+              <a:rPr lang="en-US" sz="2800" dirty="0"/>
               <a:t>)</a:t>
             </a:r>
           </a:p>
@@ -7754,39 +7863,39 @@
               <a:buChar char="–"/>
             </a:pPr>
             <a:r>
-              <a:rPr lang="en-US" sz="2800" dirty="0" smtClean="0"/>
+              <a:rPr lang="en-US" sz="2800" dirty="0"/>
               <a:t>L(ŷ</a:t>
             </a:r>
             <a:r>
-              <a:rPr lang="en-US" sz="2800" baseline="30000" dirty="0" smtClean="0"/>
+              <a:rPr lang="en-US" sz="2800" baseline="30000" dirty="0"/>
               <a:t>(</a:t>
             </a:r>
             <a:r>
-              <a:rPr lang="en-US" sz="2800" baseline="30000" dirty="0" err="1" smtClean="0"/>
+              <a:rPr lang="en-US" sz="2800" baseline="30000" dirty="0" err="1"/>
               <a:t>i</a:t>
             </a:r>
             <a:r>
-              <a:rPr lang="en-US" sz="2800" baseline="30000" dirty="0" smtClean="0"/>
+              <a:rPr lang="en-US" sz="2800" baseline="30000" dirty="0"/>
               <a:t>)</a:t>
             </a:r>
             <a:r>
-              <a:rPr lang="en-US" sz="2800" dirty="0" smtClean="0"/>
+              <a:rPr lang="en-US" sz="2800" dirty="0"/>
               <a:t>, y</a:t>
             </a:r>
             <a:r>
-              <a:rPr lang="en-US" sz="2800" baseline="30000" dirty="0" smtClean="0"/>
+              <a:rPr lang="en-US" sz="2800" baseline="30000" dirty="0"/>
               <a:t>(</a:t>
             </a:r>
             <a:r>
-              <a:rPr lang="en-US" sz="2800" baseline="30000" dirty="0" err="1" smtClean="0"/>
+              <a:rPr lang="en-US" sz="2800" baseline="30000" dirty="0" err="1"/>
               <a:t>i</a:t>
             </a:r>
             <a:r>
-              <a:rPr lang="en-US" sz="2800" baseline="30000" dirty="0" smtClean="0"/>
+              <a:rPr lang="en-US" sz="2800" baseline="30000" dirty="0"/>
               <a:t>)</a:t>
             </a:r>
             <a:r>
-              <a:rPr lang="en-US" sz="2800" dirty="0" smtClean="0"/>
+              <a:rPr lang="en-US" sz="2800" dirty="0"/>
               <a:t>)</a:t>
             </a:r>
           </a:p>
@@ -7799,26 +7908,26 @@
               <a:buChar char="–"/>
             </a:pPr>
             <a:r>
-              <a:rPr lang="en-US" sz="2800" dirty="0" smtClean="0"/>
+              <a:rPr lang="en-US" sz="2800" dirty="0"/>
               <a:t>J(W</a:t>
             </a:r>
             <a:r>
-              <a:rPr lang="en-US" sz="2800" baseline="30000" dirty="0" smtClean="0"/>
+              <a:rPr lang="en-US" sz="2800" baseline="30000" dirty="0"/>
               <a:t>[1]</a:t>
             </a:r>
             <a:r>
-              <a:rPr lang="en-US" sz="2800" dirty="0" smtClean="0"/>
+              <a:rPr lang="en-US" sz="2800" dirty="0"/>
               <a:t>, b</a:t>
             </a:r>
             <a:r>
-              <a:rPr lang="en-US" sz="2800" baseline="30000" dirty="0" smtClean="0"/>
+              <a:rPr lang="en-US" sz="2800" baseline="30000" dirty="0"/>
               <a:t>[1]</a:t>
             </a:r>
             <a:r>
-              <a:rPr lang="en-US" sz="2800" dirty="0" smtClean="0"/>
+              <a:rPr lang="en-US" sz="2800" dirty="0"/>
               <a:t>)</a:t>
             </a:r>
-            <a:endParaRPr kumimoji="0" lang="en-US" sz="2800" b="0" i="0" u="none" strike="noStrike" kern="1200" cap="none" spc="0" normalizeH="0" noProof="0" dirty="0" smtClean="0">
+            <a:endParaRPr kumimoji="0" lang="en-US" sz="2800" b="0" i="0" u="none" strike="noStrike" kern="1200" cap="none" spc="0" normalizeH="0" noProof="0" dirty="0">
               <a:ln>
                 <a:noFill/>
               </a:ln>
@@ -7851,7 +7960,7 @@
               <a:tabLst/>
               <a:defRPr/>
             </a:pPr>
-            <a:endParaRPr kumimoji="0" lang="en-US" sz="3200" b="0" i="0" u="none" strike="noStrike" kern="1200" cap="none" spc="0" normalizeH="0" baseline="0" noProof="0" dirty="0" smtClean="0">
+            <a:endParaRPr kumimoji="0" lang="en-US" sz="3200" b="0" i="0" u="none" strike="noStrike" kern="1200" cap="none" spc="0" normalizeH="0" baseline="0" noProof="0" dirty="0">
               <a:ln>
                 <a:noFill/>
               </a:ln>
@@ -7942,7 +8051,7 @@
               <a:defRPr/>
             </a:pPr>
             <a:r>
-              <a:rPr kumimoji="0" lang="en-US" sz="3200" b="0" i="0" u="none" strike="noStrike" kern="1200" cap="none" spc="0" normalizeH="0" baseline="0" noProof="0" dirty="0" smtClean="0">
+              <a:rPr kumimoji="0" lang="en-US" sz="3200" b="0" i="0" u="none" strike="noStrike" kern="1200" cap="none" spc="0" normalizeH="0" baseline="0" noProof="0" dirty="0">
                 <a:ln>
                   <a:noFill/>
                 </a:ln>
@@ -7977,7 +8086,7 @@
               <a:tabLst/>
               <a:defRPr/>
             </a:pPr>
-            <a:endParaRPr kumimoji="0" lang="en-US" sz="3200" b="0" i="0" u="none" strike="noStrike" kern="1200" cap="none" spc="0" normalizeH="0" baseline="0" noProof="0" dirty="0" smtClean="0">
+            <a:endParaRPr kumimoji="0" lang="en-US" sz="3200" b="0" i="0" u="none" strike="noStrike" kern="1200" cap="none" spc="0" normalizeH="0" baseline="0" noProof="0" dirty="0">
               <a:ln>
                 <a:noFill/>
               </a:ln>
@@ -8041,9 +8150,59 @@
         </p:xfrm>
         <a:graphic>
           <a:graphicData uri="http://schemas.openxmlformats.org/presentationml/2006/ole">
-            <p:oleObj spid="_x0000_s33794" name="Equation" r:id="rId3" imgW="1117440" imgH="393480" progId="Equation.3">
-              <p:embed/>
-            </p:oleObj>
+            <mc:AlternateContent xmlns:mc="http://schemas.openxmlformats.org/markup-compatibility/2006">
+              <mc:Choice xmlns:v="urn:schemas-microsoft-com:vml" Requires="v">
+                <p:oleObj spid="_x0000_s33794" name="Equation" r:id="rId2" imgW="1117440" imgH="393480" progId="Equation.3">
+                  <p:embed/>
+                </p:oleObj>
+              </mc:Choice>
+              <mc:Fallback>
+                <p:oleObj name="Equation" r:id="rId2" imgW="1117440" imgH="393480" progId="Equation.3">
+                  <p:embed/>
+                  <p:pic>
+                    <p:nvPicPr>
+                      <p:cNvPr id="0" name="Picture 2"/>
+                      <p:cNvPicPr>
+                        <a:picLocks noChangeAspect="1" noChangeArrowheads="1"/>
+                      </p:cNvPicPr>
+                      <p:nvPr/>
+                    </p:nvPicPr>
+                    <p:blipFill>
+                      <a:blip r:embed="rId3">
+                        <a:extLst>
+                          <a:ext uri="{28A0092B-C50C-407E-A947-70E740481C1C}">
+                            <a14:useLocalDpi xmlns:a14="http://schemas.microsoft.com/office/drawing/2010/main" val="0"/>
+                          </a:ext>
+                        </a:extLst>
+                      </a:blip>
+                      <a:srcRect/>
+                      <a:stretch>
+                        <a:fillRect/>
+                      </a:stretch>
+                    </p:blipFill>
+                    <p:spPr bwMode="auto">
+                      <a:xfrm>
+                        <a:off x="4935538" y="2192338"/>
+                        <a:ext cx="2222500" cy="782637"/>
+                      </a:xfrm>
+                      <a:prstGeom prst="rect">
+                        <a:avLst/>
+                      </a:prstGeom>
+                      <a:noFill/>
+                      <a:extLst>
+                        <a:ext uri="{909E8E84-426E-40DD-AFC4-6F175D3DCCD1}">
+                          <a14:hiddenFill xmlns:a14="http://schemas.microsoft.com/office/drawing/2010/main">
+                            <a:solidFill>
+                              <a:srgbClr val="FFFFFF"/>
+                            </a:solidFill>
+                          </a14:hiddenFill>
+                        </a:ext>
+                      </a:extLst>
+                    </p:spPr>
+                  </p:pic>
+                </p:oleObj>
+              </mc:Fallback>
+            </mc:AlternateContent>
           </a:graphicData>
         </a:graphic>
       </p:graphicFrame>
@@ -8052,13 +8211,6 @@
   <p:clrMapOvr>
     <a:masterClrMapping/>
   </p:clrMapOvr>
-  <p:timing>
-    <p:tnLst>
-      <p:par>
-        <p:cTn id="1" dur="indefinite" restart="never" nodeType="tmRoot"/>
-      </p:par>
-    </p:tnLst>
-  </p:timing>
 </p:sld>
 </file>
 
@@ -8097,10 +8249,9 @@
           <a:lstStyle/>
           <a:p>
             <a:r>
-              <a:rPr lang="en-US" dirty="0" smtClean="0"/>
+              <a:rPr lang="en-US" dirty="0"/>
               <a:t>Gradient Descent</a:t>
             </a:r>
-            <a:endParaRPr lang="en-US" dirty="0"/>
           </a:p>
         </p:txBody>
       </p:sp>
@@ -8145,7 +8296,7 @@
               <a:defRPr/>
             </a:pPr>
             <a:r>
-              <a:rPr kumimoji="0" lang="en-US" sz="3200" b="0" i="0" u="none" strike="noStrike" kern="1200" cap="none" spc="0" normalizeH="0" baseline="0" noProof="0" dirty="0" smtClean="0">
+              <a:rPr kumimoji="0" lang="en-US" sz="3200" b="0" i="0" u="none" strike="noStrike" kern="1200" cap="none" spc="0" normalizeH="0" baseline="0" noProof="0" dirty="0">
                 <a:ln>
                   <a:noFill/>
                 </a:ln>
@@ -8171,31 +8322,31 @@
               <a:buChar char="–"/>
             </a:pPr>
             <a:r>
-              <a:rPr lang="en-US" sz="2800" dirty="0" smtClean="0"/>
+              <a:rPr lang="en-US" sz="2800" dirty="0"/>
               <a:t>Z</a:t>
             </a:r>
             <a:r>
-              <a:rPr lang="en-US" sz="2800" baseline="30000" dirty="0" smtClean="0"/>
+              <a:rPr lang="en-US" sz="2800" baseline="30000" dirty="0"/>
               <a:t>[1]</a:t>
             </a:r>
             <a:r>
-              <a:rPr lang="en-US" sz="2800" dirty="0" smtClean="0"/>
+              <a:rPr lang="en-US" sz="2800" dirty="0"/>
               <a:t>= W</a:t>
             </a:r>
             <a:r>
-              <a:rPr lang="en-US" sz="2800" baseline="30000" dirty="0" smtClean="0"/>
+              <a:rPr lang="en-US" sz="2800" baseline="30000" dirty="0"/>
               <a:t>[1]</a:t>
             </a:r>
             <a:r>
-              <a:rPr lang="en-US" sz="2800" dirty="0" smtClean="0"/>
+              <a:rPr lang="en-US" sz="2800" dirty="0"/>
               <a:t>a</a:t>
             </a:r>
             <a:r>
-              <a:rPr lang="en-US" sz="2800" baseline="30000" dirty="0" smtClean="0"/>
+              <a:rPr lang="en-US" sz="2800" baseline="30000" dirty="0"/>
               <a:t>[0] </a:t>
             </a:r>
             <a:r>
-              <a:rPr kumimoji="0" lang="en-US" sz="2800" b="0" i="0" u="none" strike="noStrike" kern="1200" cap="none" spc="0" normalizeH="0" baseline="0" noProof="0" dirty="0" smtClean="0">
+              <a:rPr kumimoji="0" lang="en-US" sz="2800" b="0" i="0" u="none" strike="noStrike" kern="1200" cap="none" spc="0" normalizeH="0" baseline="0" noProof="0" dirty="0">
                 <a:ln>
                   <a:noFill/>
                 </a:ln>
@@ -8212,7 +8363,7 @@
               <a:t>+ b</a:t>
             </a:r>
             <a:r>
-              <a:rPr kumimoji="0" lang="en-US" sz="2800" b="0" i="0" u="none" strike="noStrike" kern="1200" cap="none" spc="0" normalizeH="0" baseline="30000" noProof="0" dirty="0" smtClean="0">
+              <a:rPr kumimoji="0" lang="en-US" sz="2800" b="0" i="0" u="none" strike="noStrike" kern="1200" cap="none" spc="0" normalizeH="0" baseline="30000" noProof="0" dirty="0">
                 <a:ln>
                   <a:noFill/>
                 </a:ln>
@@ -8238,31 +8389,31 @@
               <a:buChar char="–"/>
             </a:pPr>
             <a:r>
-              <a:rPr lang="en-US" sz="2800" dirty="0" smtClean="0"/>
+              <a:rPr lang="en-US" sz="2800" dirty="0"/>
               <a:t>ŷ = a</a:t>
             </a:r>
             <a:r>
-              <a:rPr lang="en-US" sz="2800" baseline="30000" dirty="0" smtClean="0"/>
+              <a:rPr lang="en-US" sz="2800" baseline="30000" dirty="0"/>
               <a:t>[1]  </a:t>
             </a:r>
             <a:r>
-              <a:rPr lang="en-US" sz="2800" dirty="0" smtClean="0"/>
+              <a:rPr lang="en-US" sz="2800" dirty="0"/>
               <a:t>= </a:t>
             </a:r>
             <a:r>
-              <a:rPr lang="el-GR" sz="2800" dirty="0" smtClean="0"/>
+              <a:rPr lang="el-GR" sz="2800" dirty="0"/>
               <a:t>σ</a:t>
             </a:r>
             <a:r>
-              <a:rPr lang="en-US" sz="2800" dirty="0" smtClean="0"/>
+              <a:rPr lang="en-US" sz="2800" dirty="0"/>
               <a:t>(Z</a:t>
             </a:r>
             <a:r>
-              <a:rPr lang="en-US" sz="2800" baseline="30000" dirty="0" smtClean="0"/>
+              <a:rPr lang="en-US" sz="2800" baseline="30000" dirty="0"/>
               <a:t>[1]</a:t>
             </a:r>
             <a:r>
-              <a:rPr lang="en-US" sz="2800" dirty="0" smtClean="0"/>
+              <a:rPr lang="en-US" sz="2800" dirty="0"/>
               <a:t>)</a:t>
             </a:r>
           </a:p>
@@ -8275,39 +8426,39 @@
               <a:buChar char="–"/>
             </a:pPr>
             <a:r>
-              <a:rPr lang="en-US" sz="2800" dirty="0" smtClean="0"/>
+              <a:rPr lang="en-US" sz="2800" dirty="0"/>
               <a:t>L(ŷ</a:t>
             </a:r>
             <a:r>
-              <a:rPr lang="en-US" sz="2800" baseline="30000" dirty="0" smtClean="0"/>
+              <a:rPr lang="en-US" sz="2800" baseline="30000" dirty="0"/>
               <a:t>(</a:t>
             </a:r>
             <a:r>
-              <a:rPr lang="en-US" sz="2800" baseline="30000" dirty="0" err="1" smtClean="0"/>
+              <a:rPr lang="en-US" sz="2800" baseline="30000" dirty="0" err="1"/>
               <a:t>i</a:t>
             </a:r>
             <a:r>
-              <a:rPr lang="en-US" sz="2800" baseline="30000" dirty="0" smtClean="0"/>
+              <a:rPr lang="en-US" sz="2800" baseline="30000" dirty="0"/>
               <a:t>)</a:t>
             </a:r>
             <a:r>
-              <a:rPr lang="en-US" sz="2800" dirty="0" smtClean="0"/>
+              <a:rPr lang="en-US" sz="2800" dirty="0"/>
               <a:t>, y</a:t>
             </a:r>
             <a:r>
-              <a:rPr lang="en-US" sz="2800" baseline="30000" dirty="0" smtClean="0"/>
+              <a:rPr lang="en-US" sz="2800" baseline="30000" dirty="0"/>
               <a:t>(</a:t>
             </a:r>
             <a:r>
-              <a:rPr lang="en-US" sz="2800" baseline="30000" dirty="0" err="1" smtClean="0"/>
+              <a:rPr lang="en-US" sz="2800" baseline="30000" dirty="0" err="1"/>
               <a:t>i</a:t>
             </a:r>
             <a:r>
-              <a:rPr lang="en-US" sz="2800" baseline="30000" dirty="0" smtClean="0"/>
+              <a:rPr lang="en-US" sz="2800" baseline="30000" dirty="0"/>
               <a:t>)</a:t>
             </a:r>
             <a:r>
-              <a:rPr lang="en-US" sz="2800" dirty="0" smtClean="0"/>
+              <a:rPr lang="en-US" sz="2800" dirty="0"/>
               <a:t>)</a:t>
             </a:r>
           </a:p>
@@ -8320,26 +8471,26 @@
               <a:buChar char="–"/>
             </a:pPr>
             <a:r>
-              <a:rPr lang="en-US" sz="2800" dirty="0" smtClean="0"/>
+              <a:rPr lang="en-US" sz="2800" dirty="0"/>
               <a:t>J(W</a:t>
             </a:r>
             <a:r>
-              <a:rPr lang="en-US" sz="2800" baseline="30000" dirty="0" smtClean="0"/>
+              <a:rPr lang="en-US" sz="2800" baseline="30000" dirty="0"/>
               <a:t>[1]</a:t>
             </a:r>
             <a:r>
-              <a:rPr lang="en-US" sz="2800" dirty="0" smtClean="0"/>
+              <a:rPr lang="en-US" sz="2800" dirty="0"/>
               <a:t>, b</a:t>
             </a:r>
             <a:r>
-              <a:rPr lang="en-US" sz="2800" baseline="30000" dirty="0" smtClean="0"/>
+              <a:rPr lang="en-US" sz="2800" baseline="30000" dirty="0"/>
               <a:t>[1]</a:t>
             </a:r>
             <a:r>
-              <a:rPr lang="en-US" sz="2800" dirty="0" smtClean="0"/>
+              <a:rPr lang="en-US" sz="2800" dirty="0"/>
               <a:t>)</a:t>
             </a:r>
-            <a:endParaRPr kumimoji="0" lang="en-US" sz="2800" b="0" i="0" u="none" strike="noStrike" kern="1200" cap="none" spc="0" normalizeH="0" noProof="0" dirty="0" smtClean="0">
+            <a:endParaRPr kumimoji="0" lang="en-US" sz="2800" b="0" i="0" u="none" strike="noStrike" kern="1200" cap="none" spc="0" normalizeH="0" noProof="0" dirty="0">
               <a:ln>
                 <a:noFill/>
               </a:ln>
@@ -8372,7 +8523,7 @@
               <a:tabLst/>
               <a:defRPr/>
             </a:pPr>
-            <a:endParaRPr kumimoji="0" lang="en-US" sz="3200" b="0" i="0" u="none" strike="noStrike" kern="1200" cap="none" spc="0" normalizeH="0" baseline="0" noProof="0" dirty="0" smtClean="0">
+            <a:endParaRPr kumimoji="0" lang="en-US" sz="3200" b="0" i="0" u="none" strike="noStrike" kern="1200" cap="none" spc="0" normalizeH="0" baseline="0" noProof="0" dirty="0">
               <a:ln>
                 <a:noFill/>
               </a:ln>
@@ -8463,7 +8614,7 @@
               <a:defRPr/>
             </a:pPr>
             <a:r>
-              <a:rPr kumimoji="0" lang="en-US" sz="3200" b="0" i="0" u="none" strike="noStrike" kern="1200" cap="none" spc="0" normalizeH="0" baseline="0" noProof="0" dirty="0" smtClean="0">
+              <a:rPr kumimoji="0" lang="en-US" sz="3200" b="0" i="0" u="none" strike="noStrike" kern="1200" cap="none" spc="0" normalizeH="0" baseline="0" noProof="0" dirty="0">
                 <a:ln>
                   <a:noFill/>
                 </a:ln>
@@ -8498,7 +8649,7 @@
               <a:tabLst/>
               <a:defRPr/>
             </a:pPr>
-            <a:endParaRPr kumimoji="0" lang="en-US" sz="3200" b="0" i="0" u="none" strike="noStrike" kern="1200" cap="none" spc="0" normalizeH="0" baseline="0" noProof="0" dirty="0" smtClean="0">
+            <a:endParaRPr kumimoji="0" lang="en-US" sz="3200" b="0" i="0" u="none" strike="noStrike" kern="1200" cap="none" spc="0" normalizeH="0" baseline="0" noProof="0" dirty="0">
               <a:ln>
                 <a:noFill/>
               </a:ln>
@@ -8562,9 +8713,59 @@
         </p:xfrm>
         <a:graphic>
           <a:graphicData uri="http://schemas.openxmlformats.org/presentationml/2006/ole">
-            <p:oleObj spid="_x0000_s34818" name="Equation" r:id="rId3" imgW="1574640" imgH="1054080" progId="Equation.3">
-              <p:embed/>
-            </p:oleObj>
+            <mc:AlternateContent xmlns:mc="http://schemas.openxmlformats.org/markup-compatibility/2006">
+              <mc:Choice xmlns:v="urn:schemas-microsoft-com:vml" Requires="v">
+                <p:oleObj spid="_x0000_s34818" name="Equation" r:id="rId2" imgW="1574640" imgH="1054080" progId="Equation.3">
+                  <p:embed/>
+                </p:oleObj>
+              </mc:Choice>
+              <mc:Fallback>
+                <p:oleObj name="Equation" r:id="rId2" imgW="1574640" imgH="1054080" progId="Equation.3">
+                  <p:embed/>
+                  <p:pic>
+                    <p:nvPicPr>
+                      <p:cNvPr id="0" name="Picture 2"/>
+                      <p:cNvPicPr>
+                        <a:picLocks noChangeAspect="1" noChangeArrowheads="1"/>
+                      </p:cNvPicPr>
+                      <p:nvPr/>
+                    </p:nvPicPr>
+                    <p:blipFill>
+                      <a:blip r:embed="rId3">
+                        <a:extLst>
+                          <a:ext uri="{28A0092B-C50C-407E-A947-70E740481C1C}">
+                            <a14:useLocalDpi xmlns:a14="http://schemas.microsoft.com/office/drawing/2010/main" val="0"/>
+                          </a:ext>
+                        </a:extLst>
+                      </a:blip>
+                      <a:srcRect/>
+                      <a:stretch>
+                        <a:fillRect/>
+                      </a:stretch>
+                    </p:blipFill>
+                    <p:spPr bwMode="auto">
+                      <a:xfrm>
+                        <a:off x="4935538" y="2192338"/>
+                        <a:ext cx="3132137" cy="2095500"/>
+                      </a:xfrm>
+                      <a:prstGeom prst="rect">
+                        <a:avLst/>
+                      </a:prstGeom>
+                      <a:noFill/>
+                      <a:extLst>
+                        <a:ext uri="{909E8E84-426E-40DD-AFC4-6F175D3DCCD1}">
+                          <a14:hiddenFill xmlns:a14="http://schemas.microsoft.com/office/drawing/2010/main">
+                            <a:solidFill>
+                              <a:srgbClr val="FFFFFF"/>
+                            </a:solidFill>
+                          </a14:hiddenFill>
+                        </a:ext>
+                      </a:extLst>
+                    </p:spPr>
+                  </p:pic>
+                </p:oleObj>
+              </mc:Fallback>
+            </mc:AlternateContent>
           </a:graphicData>
         </a:graphic>
       </p:graphicFrame>
@@ -8573,13 +8774,6 @@
   <p:clrMapOvr>
     <a:masterClrMapping/>
   </p:clrMapOvr>
-  <p:timing>
-    <p:tnLst>
-      <p:par>
-        <p:cTn id="1" dur="indefinite" restart="never" nodeType="tmRoot"/>
-      </p:par>
-    </p:tnLst>
-  </p:timing>
 </p:sld>
 </file>
 
@@ -8618,10 +8812,9 @@
           <a:lstStyle/>
           <a:p>
             <a:r>
-              <a:rPr lang="en-US" dirty="0" smtClean="0"/>
+              <a:rPr lang="en-US" dirty="0"/>
               <a:t>Gradient Descent</a:t>
             </a:r>
-            <a:endParaRPr lang="en-US" dirty="0"/>
           </a:p>
         </p:txBody>
       </p:sp>
@@ -8666,7 +8859,7 @@
               <a:defRPr/>
             </a:pPr>
             <a:r>
-              <a:rPr kumimoji="0" lang="en-US" sz="3200" b="0" i="0" u="none" strike="noStrike" kern="1200" cap="none" spc="0" normalizeH="0" baseline="0" noProof="0" dirty="0" smtClean="0">
+              <a:rPr kumimoji="0" lang="en-US" sz="3200" b="0" i="0" u="none" strike="noStrike" kern="1200" cap="none" spc="0" normalizeH="0" baseline="0" noProof="0" dirty="0">
                 <a:ln>
                   <a:noFill/>
                 </a:ln>
@@ -8692,31 +8885,31 @@
               <a:buChar char="–"/>
             </a:pPr>
             <a:r>
-              <a:rPr lang="en-US" sz="2800" dirty="0" smtClean="0"/>
+              <a:rPr lang="en-US" sz="2800" dirty="0"/>
               <a:t>Z</a:t>
             </a:r>
             <a:r>
-              <a:rPr lang="en-US" sz="2800" baseline="30000" dirty="0" smtClean="0"/>
+              <a:rPr lang="en-US" sz="2800" baseline="30000" dirty="0"/>
               <a:t>[1]</a:t>
             </a:r>
             <a:r>
-              <a:rPr lang="en-US" sz="2800" dirty="0" smtClean="0"/>
+              <a:rPr lang="en-US" sz="2800" dirty="0"/>
               <a:t>= W</a:t>
             </a:r>
             <a:r>
-              <a:rPr lang="en-US" sz="2800" baseline="30000" dirty="0" smtClean="0"/>
+              <a:rPr lang="en-US" sz="2800" baseline="30000" dirty="0"/>
               <a:t>[1]</a:t>
             </a:r>
             <a:r>
-              <a:rPr lang="en-US" sz="2800" dirty="0" smtClean="0"/>
+              <a:rPr lang="en-US" sz="2800" dirty="0"/>
               <a:t>a</a:t>
             </a:r>
             <a:r>
-              <a:rPr lang="en-US" sz="2800" baseline="30000" dirty="0" smtClean="0"/>
+              <a:rPr lang="en-US" sz="2800" baseline="30000" dirty="0"/>
               <a:t>[0] </a:t>
             </a:r>
             <a:r>
-              <a:rPr kumimoji="0" lang="en-US" sz="2800" b="0" i="0" u="none" strike="noStrike" kern="1200" cap="none" spc="0" normalizeH="0" baseline="0" noProof="0" dirty="0" smtClean="0">
+              <a:rPr kumimoji="0" lang="en-US" sz="2800" b="0" i="0" u="none" strike="noStrike" kern="1200" cap="none" spc="0" normalizeH="0" baseline="0" noProof="0" dirty="0">
                 <a:ln>
                   <a:noFill/>
                 </a:ln>
@@ -8733,7 +8926,7 @@
               <a:t>+ b</a:t>
             </a:r>
             <a:r>
-              <a:rPr kumimoji="0" lang="en-US" sz="2800" b="0" i="0" u="none" strike="noStrike" kern="1200" cap="none" spc="0" normalizeH="0" baseline="30000" noProof="0" dirty="0" smtClean="0">
+              <a:rPr kumimoji="0" lang="en-US" sz="2800" b="0" i="0" u="none" strike="noStrike" kern="1200" cap="none" spc="0" normalizeH="0" baseline="30000" noProof="0" dirty="0">
                 <a:ln>
                   <a:noFill/>
                 </a:ln>
@@ -8759,31 +8952,31 @@
               <a:buChar char="–"/>
             </a:pPr>
             <a:r>
-              <a:rPr lang="en-US" sz="2800" dirty="0" smtClean="0"/>
+              <a:rPr lang="en-US" sz="2800" dirty="0"/>
               <a:t>ŷ = a</a:t>
             </a:r>
             <a:r>
-              <a:rPr lang="en-US" sz="2800" baseline="30000" dirty="0" smtClean="0"/>
+              <a:rPr lang="en-US" sz="2800" baseline="30000" dirty="0"/>
               <a:t>[1]  </a:t>
             </a:r>
             <a:r>
-              <a:rPr lang="en-US" sz="2800" dirty="0" smtClean="0"/>
+              <a:rPr lang="en-US" sz="2800" dirty="0"/>
               <a:t>= </a:t>
             </a:r>
             <a:r>
-              <a:rPr lang="el-GR" sz="2800" dirty="0" smtClean="0"/>
+              <a:rPr lang="el-GR" sz="2800" dirty="0"/>
               <a:t>σ</a:t>
             </a:r>
             <a:r>
-              <a:rPr lang="en-US" sz="2800" dirty="0" smtClean="0"/>
+              <a:rPr lang="en-US" sz="2800" dirty="0"/>
               <a:t>(Z</a:t>
             </a:r>
             <a:r>
-              <a:rPr lang="en-US" sz="2800" baseline="30000" dirty="0" smtClean="0"/>
+              <a:rPr lang="en-US" sz="2800" baseline="30000" dirty="0"/>
               <a:t>[1]</a:t>
             </a:r>
             <a:r>
-              <a:rPr lang="en-US" sz="2800" dirty="0" smtClean="0"/>
+              <a:rPr lang="en-US" sz="2800" dirty="0"/>
               <a:t>)</a:t>
             </a:r>
           </a:p>
@@ -8796,39 +8989,39 @@
               <a:buChar char="–"/>
             </a:pPr>
             <a:r>
-              <a:rPr lang="en-US" sz="2800" dirty="0" smtClean="0"/>
+              <a:rPr lang="en-US" sz="2800" dirty="0"/>
               <a:t>L(ŷ</a:t>
             </a:r>
             <a:r>
-              <a:rPr lang="en-US" sz="2800" baseline="30000" dirty="0" smtClean="0"/>
+              <a:rPr lang="en-US" sz="2800" baseline="30000" dirty="0"/>
               <a:t>(</a:t>
             </a:r>
             <a:r>
-              <a:rPr lang="en-US" sz="2800" baseline="30000" dirty="0" err="1" smtClean="0"/>
+              <a:rPr lang="en-US" sz="2800" baseline="30000" dirty="0" err="1"/>
               <a:t>i</a:t>
             </a:r>
             <a:r>
-              <a:rPr lang="en-US" sz="2800" baseline="30000" dirty="0" smtClean="0"/>
+              <a:rPr lang="en-US" sz="2800" baseline="30000" dirty="0"/>
               <a:t>)</a:t>
             </a:r>
             <a:r>
-              <a:rPr lang="en-US" sz="2800" dirty="0" smtClean="0"/>
+              <a:rPr lang="en-US" sz="2800" dirty="0"/>
               <a:t>, y</a:t>
             </a:r>
             <a:r>
-              <a:rPr lang="en-US" sz="2800" baseline="30000" dirty="0" smtClean="0"/>
+              <a:rPr lang="en-US" sz="2800" baseline="30000" dirty="0"/>
               <a:t>(</a:t>
             </a:r>
             <a:r>
-              <a:rPr lang="en-US" sz="2800" baseline="30000" dirty="0" err="1" smtClean="0"/>
+              <a:rPr lang="en-US" sz="2800" baseline="30000" dirty="0" err="1"/>
               <a:t>i</a:t>
             </a:r>
             <a:r>
-              <a:rPr lang="en-US" sz="2800" baseline="30000" dirty="0" smtClean="0"/>
+              <a:rPr lang="en-US" sz="2800" baseline="30000" dirty="0"/>
               <a:t>)</a:t>
             </a:r>
             <a:r>
-              <a:rPr lang="en-US" sz="2800" dirty="0" smtClean="0"/>
+              <a:rPr lang="en-US" sz="2800" dirty="0"/>
               <a:t>)</a:t>
             </a:r>
           </a:p>
@@ -8841,26 +9034,26 @@
               <a:buChar char="–"/>
             </a:pPr>
             <a:r>
-              <a:rPr lang="en-US" sz="2800" dirty="0" smtClean="0"/>
+              <a:rPr lang="en-US" sz="2800" dirty="0"/>
               <a:t>J(W</a:t>
             </a:r>
             <a:r>
-              <a:rPr lang="en-US" sz="2800" baseline="30000" dirty="0" smtClean="0"/>
+              <a:rPr lang="en-US" sz="2800" baseline="30000" dirty="0"/>
               <a:t>[1]</a:t>
             </a:r>
             <a:r>
-              <a:rPr lang="en-US" sz="2800" dirty="0" smtClean="0"/>
+              <a:rPr lang="en-US" sz="2800" dirty="0"/>
               <a:t>, b</a:t>
             </a:r>
             <a:r>
-              <a:rPr lang="en-US" sz="2800" baseline="30000" dirty="0" smtClean="0"/>
+              <a:rPr lang="en-US" sz="2800" baseline="30000" dirty="0"/>
               <a:t>[1]</a:t>
             </a:r>
             <a:r>
-              <a:rPr lang="en-US" sz="2800" dirty="0" smtClean="0"/>
+              <a:rPr lang="en-US" sz="2800" dirty="0"/>
               <a:t>)</a:t>
             </a:r>
-            <a:endParaRPr kumimoji="0" lang="en-US" sz="2800" b="0" i="0" u="none" strike="noStrike" kern="1200" cap="none" spc="0" normalizeH="0" noProof="0" dirty="0" smtClean="0">
+            <a:endParaRPr kumimoji="0" lang="en-US" sz="2800" b="0" i="0" u="none" strike="noStrike" kern="1200" cap="none" spc="0" normalizeH="0" noProof="0" dirty="0">
               <a:ln>
                 <a:noFill/>
               </a:ln>
@@ -8893,7 +9086,7 @@
               <a:tabLst/>
               <a:defRPr/>
             </a:pPr>
-            <a:endParaRPr kumimoji="0" lang="en-US" sz="3200" b="0" i="0" u="none" strike="noStrike" kern="1200" cap="none" spc="0" normalizeH="0" baseline="0" noProof="0" dirty="0" smtClean="0">
+            <a:endParaRPr kumimoji="0" lang="en-US" sz="3200" b="0" i="0" u="none" strike="noStrike" kern="1200" cap="none" spc="0" normalizeH="0" baseline="0" noProof="0" dirty="0">
               <a:ln>
                 <a:noFill/>
               </a:ln>
@@ -8984,7 +9177,7 @@
               <a:defRPr/>
             </a:pPr>
             <a:r>
-              <a:rPr kumimoji="0" lang="en-US" sz="3200" b="0" i="0" u="none" strike="noStrike" kern="1200" cap="none" spc="0" normalizeH="0" baseline="0" noProof="0" dirty="0" smtClean="0">
+              <a:rPr kumimoji="0" lang="en-US" sz="3200" b="0" i="0" u="none" strike="noStrike" kern="1200" cap="none" spc="0" normalizeH="0" baseline="0" noProof="0" dirty="0">
                 <a:ln>
                   <a:noFill/>
                 </a:ln>
@@ -9019,7 +9212,7 @@
               <a:tabLst/>
               <a:defRPr/>
             </a:pPr>
-            <a:endParaRPr kumimoji="0" lang="en-US" sz="3200" b="0" i="0" u="none" strike="noStrike" kern="1200" cap="none" spc="0" normalizeH="0" baseline="0" noProof="0" dirty="0" smtClean="0">
+            <a:endParaRPr kumimoji="0" lang="en-US" sz="3200" b="0" i="0" u="none" strike="noStrike" kern="1200" cap="none" spc="0" normalizeH="0" baseline="0" noProof="0" dirty="0">
               <a:ln>
                 <a:noFill/>
               </a:ln>
@@ -9083,9 +9276,59 @@
         </p:xfrm>
         <a:graphic>
           <a:graphicData uri="http://schemas.openxmlformats.org/presentationml/2006/ole">
-            <p:oleObj spid="_x0000_s35842" name="Equation" r:id="rId3" imgW="1815840" imgH="838080" progId="Equation.3">
-              <p:embed/>
-            </p:oleObj>
+            <mc:AlternateContent xmlns:mc="http://schemas.openxmlformats.org/markup-compatibility/2006">
+              <mc:Choice xmlns:v="urn:schemas-microsoft-com:vml" Requires="v">
+                <p:oleObj spid="_x0000_s35842" name="Equation" r:id="rId2" imgW="1815840" imgH="838080" progId="Equation.3">
+                  <p:embed/>
+                </p:oleObj>
+              </mc:Choice>
+              <mc:Fallback>
+                <p:oleObj name="Equation" r:id="rId2" imgW="1815840" imgH="838080" progId="Equation.3">
+                  <p:embed/>
+                  <p:pic>
+                    <p:nvPicPr>
+                      <p:cNvPr id="0" name="Picture 2"/>
+                      <p:cNvPicPr>
+                        <a:picLocks noChangeAspect="1" noChangeArrowheads="1"/>
+                      </p:cNvPicPr>
+                      <p:nvPr/>
+                    </p:nvPicPr>
+                    <p:blipFill>
+                      <a:blip r:embed="rId3">
+                        <a:extLst>
+                          <a:ext uri="{28A0092B-C50C-407E-A947-70E740481C1C}">
+                            <a14:useLocalDpi xmlns:a14="http://schemas.microsoft.com/office/drawing/2010/main" val="0"/>
+                          </a:ext>
+                        </a:extLst>
+                      </a:blip>
+                      <a:srcRect/>
+                      <a:stretch>
+                        <a:fillRect/>
+                      </a:stretch>
+                    </p:blipFill>
+                    <p:spPr bwMode="auto">
+                      <a:xfrm>
+                        <a:off x="4935538" y="2192338"/>
+                        <a:ext cx="3611562" cy="1666875"/>
+                      </a:xfrm>
+                      <a:prstGeom prst="rect">
+                        <a:avLst/>
+                      </a:prstGeom>
+                      <a:noFill/>
+                      <a:extLst>
+                        <a:ext uri="{909E8E84-426E-40DD-AFC4-6F175D3DCCD1}">
+                          <a14:hiddenFill xmlns:a14="http://schemas.microsoft.com/office/drawing/2010/main">
+                            <a:solidFill>
+                              <a:srgbClr val="FFFFFF"/>
+                            </a:solidFill>
+                          </a14:hiddenFill>
+                        </a:ext>
+                      </a:extLst>
+                    </p:spPr>
+                  </p:pic>
+                </p:oleObj>
+              </mc:Fallback>
+            </mc:AlternateContent>
           </a:graphicData>
         </a:graphic>
       </p:graphicFrame>
@@ -9094,13 +9337,6 @@
   <p:clrMapOvr>
     <a:masterClrMapping/>
   </p:clrMapOvr>
-  <p:timing>
-    <p:tnLst>
-      <p:par>
-        <p:cTn id="1" dur="indefinite" restart="never" nodeType="tmRoot"/>
-      </p:par>
-    </p:tnLst>
-  </p:timing>
 </p:sld>
 </file>
 
@@ -9139,10 +9375,9 @@
           <a:lstStyle/>
           <a:p>
             <a:r>
-              <a:rPr lang="en-US" dirty="0" smtClean="0"/>
+              <a:rPr lang="en-US" dirty="0"/>
               <a:t>Gradient Descent</a:t>
             </a:r>
-            <a:endParaRPr lang="en-US" dirty="0"/>
           </a:p>
         </p:txBody>
       </p:sp>
@@ -9187,7 +9422,7 @@
               <a:defRPr/>
             </a:pPr>
             <a:r>
-              <a:rPr kumimoji="0" lang="en-US" sz="3200" b="0" i="0" u="none" strike="noStrike" kern="1200" cap="none" spc="0" normalizeH="0" baseline="0" noProof="0" dirty="0" smtClean="0">
+              <a:rPr kumimoji="0" lang="en-US" sz="3200" b="0" i="0" u="none" strike="noStrike" kern="1200" cap="none" spc="0" normalizeH="0" baseline="0" noProof="0" dirty="0">
                 <a:ln>
                   <a:noFill/>
                 </a:ln>
@@ -9213,31 +9448,31 @@
               <a:buChar char="–"/>
             </a:pPr>
             <a:r>
-              <a:rPr lang="en-US" sz="2800" dirty="0" smtClean="0"/>
+              <a:rPr lang="en-US" sz="2800" dirty="0"/>
               <a:t>Z</a:t>
             </a:r>
             <a:r>
-              <a:rPr lang="en-US" sz="2800" baseline="30000" dirty="0" smtClean="0"/>
+              <a:rPr lang="en-US" sz="2800" baseline="30000" dirty="0"/>
               <a:t>[1]</a:t>
             </a:r>
             <a:r>
-              <a:rPr lang="en-US" sz="2800" dirty="0" smtClean="0"/>
+              <a:rPr lang="en-US" sz="2800" dirty="0"/>
               <a:t>= W</a:t>
             </a:r>
             <a:r>
-              <a:rPr lang="en-US" sz="2800" baseline="30000" dirty="0" smtClean="0"/>
+              <a:rPr lang="en-US" sz="2800" baseline="30000" dirty="0"/>
               <a:t>[1]</a:t>
             </a:r>
             <a:r>
-              <a:rPr lang="en-US" sz="2800" dirty="0" smtClean="0"/>
+              <a:rPr lang="en-US" sz="2800" dirty="0"/>
               <a:t>a</a:t>
             </a:r>
             <a:r>
-              <a:rPr lang="en-US" sz="2800" baseline="30000" dirty="0" smtClean="0"/>
+              <a:rPr lang="en-US" sz="2800" baseline="30000" dirty="0"/>
               <a:t>[0] </a:t>
             </a:r>
             <a:r>
-              <a:rPr kumimoji="0" lang="en-US" sz="2800" b="0" i="0" u="none" strike="noStrike" kern="1200" cap="none" spc="0" normalizeH="0" baseline="0" noProof="0" dirty="0" smtClean="0">
+              <a:rPr kumimoji="0" lang="en-US" sz="2800" b="0" i="0" u="none" strike="noStrike" kern="1200" cap="none" spc="0" normalizeH="0" baseline="0" noProof="0" dirty="0">
                 <a:ln>
                   <a:noFill/>
                 </a:ln>
@@ -9254,7 +9489,7 @@
               <a:t>+ b</a:t>
             </a:r>
             <a:r>
-              <a:rPr kumimoji="0" lang="en-US" sz="2800" b="0" i="0" u="none" strike="noStrike" kern="1200" cap="none" spc="0" normalizeH="0" baseline="30000" noProof="0" dirty="0" smtClean="0">
+              <a:rPr kumimoji="0" lang="en-US" sz="2800" b="0" i="0" u="none" strike="noStrike" kern="1200" cap="none" spc="0" normalizeH="0" baseline="30000" noProof="0" dirty="0">
                 <a:ln>
                   <a:noFill/>
                 </a:ln>
@@ -9280,31 +9515,31 @@
               <a:buChar char="–"/>
             </a:pPr>
             <a:r>
-              <a:rPr lang="en-US" sz="2800" dirty="0" smtClean="0"/>
+              <a:rPr lang="en-US" sz="2800" dirty="0"/>
               <a:t>ŷ = a</a:t>
             </a:r>
             <a:r>
-              <a:rPr lang="en-US" sz="2800" baseline="30000" dirty="0" smtClean="0"/>
+              <a:rPr lang="en-US" sz="2800" baseline="30000" dirty="0"/>
               <a:t>[1]  </a:t>
             </a:r>
             <a:r>
-              <a:rPr lang="en-US" sz="2800" dirty="0" smtClean="0"/>
+              <a:rPr lang="en-US" sz="2800" dirty="0"/>
               <a:t>= </a:t>
             </a:r>
             <a:r>
-              <a:rPr lang="el-GR" sz="2800" dirty="0" smtClean="0"/>
+              <a:rPr lang="el-GR" sz="2800" dirty="0"/>
               <a:t>σ</a:t>
             </a:r>
             <a:r>
-              <a:rPr lang="en-US" sz="2800" dirty="0" smtClean="0"/>
+              <a:rPr lang="en-US" sz="2800" dirty="0"/>
               <a:t>(Z</a:t>
             </a:r>
             <a:r>
-              <a:rPr lang="en-US" sz="2800" baseline="30000" dirty="0" smtClean="0"/>
+              <a:rPr lang="en-US" sz="2800" baseline="30000" dirty="0"/>
               <a:t>[1]</a:t>
             </a:r>
             <a:r>
-              <a:rPr lang="en-US" sz="2800" dirty="0" smtClean="0"/>
+              <a:rPr lang="en-US" sz="2800" dirty="0"/>
               <a:t>)</a:t>
             </a:r>
           </a:p>
@@ -9317,39 +9552,39 @@
               <a:buChar char="–"/>
             </a:pPr>
             <a:r>
-              <a:rPr lang="en-US" sz="2800" dirty="0" smtClean="0"/>
+              <a:rPr lang="en-US" sz="2800" dirty="0"/>
               <a:t>L(ŷ</a:t>
             </a:r>
             <a:r>
-              <a:rPr lang="en-US" sz="2800" baseline="30000" dirty="0" smtClean="0"/>
+              <a:rPr lang="en-US" sz="2800" baseline="30000" dirty="0"/>
               <a:t>(</a:t>
             </a:r>
             <a:r>
-              <a:rPr lang="en-US" sz="2800" baseline="30000" dirty="0" err="1" smtClean="0"/>
+              <a:rPr lang="en-US" sz="2800" baseline="30000" dirty="0" err="1"/>
               <a:t>i</a:t>
             </a:r>
             <a:r>
-              <a:rPr lang="en-US" sz="2800" baseline="30000" dirty="0" smtClean="0"/>
+              <a:rPr lang="en-US" sz="2800" baseline="30000" dirty="0"/>
               <a:t>)</a:t>
             </a:r>
             <a:r>
-              <a:rPr lang="en-US" sz="2800" dirty="0" smtClean="0"/>
+              <a:rPr lang="en-US" sz="2800" dirty="0"/>
               <a:t>, y</a:t>
             </a:r>
             <a:r>
-              <a:rPr lang="en-US" sz="2800" baseline="30000" dirty="0" smtClean="0"/>
+              <a:rPr lang="en-US" sz="2800" baseline="30000" dirty="0"/>
               <a:t>(</a:t>
             </a:r>
             <a:r>
-              <a:rPr lang="en-US" sz="2800" baseline="30000" dirty="0" err="1" smtClean="0"/>
+              <a:rPr lang="en-US" sz="2800" baseline="30000" dirty="0" err="1"/>
               <a:t>i</a:t>
             </a:r>
             <a:r>
-              <a:rPr lang="en-US" sz="2800" baseline="30000" dirty="0" smtClean="0"/>
+              <a:rPr lang="en-US" sz="2800" baseline="30000" dirty="0"/>
               <a:t>)</a:t>
             </a:r>
             <a:r>
-              <a:rPr lang="en-US" sz="2800" dirty="0" smtClean="0"/>
+              <a:rPr lang="en-US" sz="2800" dirty="0"/>
               <a:t>)</a:t>
             </a:r>
           </a:p>
@@ -9362,26 +9597,26 @@
               <a:buChar char="–"/>
             </a:pPr>
             <a:r>
-              <a:rPr lang="en-US" sz="2800" dirty="0" smtClean="0"/>
+              <a:rPr lang="en-US" sz="2800" dirty="0"/>
               <a:t>J(W</a:t>
             </a:r>
             <a:r>
-              <a:rPr lang="en-US" sz="2800" baseline="30000" dirty="0" smtClean="0"/>
+              <a:rPr lang="en-US" sz="2800" baseline="30000" dirty="0"/>
               <a:t>[1]</a:t>
             </a:r>
             <a:r>
-              <a:rPr lang="en-US" sz="2800" dirty="0" smtClean="0"/>
+              <a:rPr lang="en-US" sz="2800" dirty="0"/>
               <a:t>, b</a:t>
             </a:r>
             <a:r>
-              <a:rPr lang="en-US" sz="2800" baseline="30000" dirty="0" smtClean="0"/>
+              <a:rPr lang="en-US" sz="2800" baseline="30000" dirty="0"/>
               <a:t>[1]</a:t>
             </a:r>
             <a:r>
-              <a:rPr lang="en-US" sz="2800" dirty="0" smtClean="0"/>
+              <a:rPr lang="en-US" sz="2800" dirty="0"/>
               <a:t>)</a:t>
             </a:r>
-            <a:endParaRPr kumimoji="0" lang="en-US" sz="2800" b="0" i="0" u="none" strike="noStrike" kern="1200" cap="none" spc="0" normalizeH="0" noProof="0" dirty="0" smtClean="0">
+            <a:endParaRPr kumimoji="0" lang="en-US" sz="2800" b="0" i="0" u="none" strike="noStrike" kern="1200" cap="none" spc="0" normalizeH="0" noProof="0" dirty="0">
               <a:ln>
                 <a:noFill/>
               </a:ln>
@@ -9414,7 +9649,7 @@
               <a:tabLst/>
               <a:defRPr/>
             </a:pPr>
-            <a:endParaRPr kumimoji="0" lang="en-US" sz="3200" b="0" i="0" u="none" strike="noStrike" kern="1200" cap="none" spc="0" normalizeH="0" baseline="0" noProof="0" dirty="0" smtClean="0">
+            <a:endParaRPr kumimoji="0" lang="en-US" sz="3200" b="0" i="0" u="none" strike="noStrike" kern="1200" cap="none" spc="0" normalizeH="0" baseline="0" noProof="0" dirty="0">
               <a:ln>
                 <a:noFill/>
               </a:ln>
@@ -9505,7 +9740,7 @@
               <a:defRPr/>
             </a:pPr>
             <a:r>
-              <a:rPr kumimoji="0" lang="en-US" sz="3200" b="0" i="0" u="none" strike="noStrike" kern="1200" cap="none" spc="0" normalizeH="0" baseline="0" noProof="0" dirty="0" smtClean="0">
+              <a:rPr kumimoji="0" lang="en-US" sz="3200" b="0" i="0" u="none" strike="noStrike" kern="1200" cap="none" spc="0" normalizeH="0" baseline="0" noProof="0" dirty="0">
                 <a:ln>
                   <a:noFill/>
                 </a:ln>
@@ -9540,7 +9775,7 @@
               <a:tabLst/>
               <a:defRPr/>
             </a:pPr>
-            <a:endParaRPr kumimoji="0" lang="en-US" sz="3200" b="0" i="0" u="none" strike="noStrike" kern="1200" cap="none" spc="0" normalizeH="0" baseline="0" noProof="0" dirty="0" smtClean="0">
+            <a:endParaRPr kumimoji="0" lang="en-US" sz="3200" b="0" i="0" u="none" strike="noStrike" kern="1200" cap="none" spc="0" normalizeH="0" baseline="0" noProof="0" dirty="0">
               <a:ln>
                 <a:noFill/>
               </a:ln>
@@ -9604,9 +9839,59 @@
         </p:xfrm>
         <a:graphic>
           <a:graphicData uri="http://schemas.openxmlformats.org/presentationml/2006/ole">
-            <p:oleObj spid="_x0000_s36866" name="Equation" r:id="rId3" imgW="1117440" imgH="634680" progId="Equation.3">
-              <p:embed/>
-            </p:oleObj>
+            <mc:AlternateContent xmlns:mc="http://schemas.openxmlformats.org/markup-compatibility/2006">
+              <mc:Choice xmlns:v="urn:schemas-microsoft-com:vml" Requires="v">
+                <p:oleObj spid="_x0000_s36866" name="Equation" r:id="rId2" imgW="1117440" imgH="634680" progId="Equation.3">
+                  <p:embed/>
+                </p:oleObj>
+              </mc:Choice>
+              <mc:Fallback>
+                <p:oleObj name="Equation" r:id="rId2" imgW="1117440" imgH="634680" progId="Equation.3">
+                  <p:embed/>
+                  <p:pic>
+                    <p:nvPicPr>
+                      <p:cNvPr id="0" name="Picture 2"/>
+                      <p:cNvPicPr>
+                        <a:picLocks noChangeAspect="1" noChangeArrowheads="1"/>
+                      </p:cNvPicPr>
+                      <p:nvPr/>
+                    </p:nvPicPr>
+                    <p:blipFill>
+                      <a:blip r:embed="rId3">
+                        <a:extLst>
+                          <a:ext uri="{28A0092B-C50C-407E-A947-70E740481C1C}">
+                            <a14:useLocalDpi xmlns:a14="http://schemas.microsoft.com/office/drawing/2010/main" val="0"/>
+                          </a:ext>
+                        </a:extLst>
+                      </a:blip>
+                      <a:srcRect/>
+                      <a:stretch>
+                        <a:fillRect/>
+                      </a:stretch>
+                    </p:blipFill>
+                    <p:spPr bwMode="auto">
+                      <a:xfrm>
+                        <a:off x="4935538" y="2192338"/>
+                        <a:ext cx="2222500" cy="1263650"/>
+                      </a:xfrm>
+                      <a:prstGeom prst="rect">
+                        <a:avLst/>
+                      </a:prstGeom>
+                      <a:noFill/>
+                      <a:extLst>
+                        <a:ext uri="{909E8E84-426E-40DD-AFC4-6F175D3DCCD1}">
+                          <a14:hiddenFill xmlns:a14="http://schemas.microsoft.com/office/drawing/2010/main">
+                            <a:solidFill>
+                              <a:srgbClr val="FFFFFF"/>
+                            </a:solidFill>
+                          </a14:hiddenFill>
+                        </a:ext>
+                      </a:extLst>
+                    </p:spPr>
+                  </p:pic>
+                </p:oleObj>
+              </mc:Fallback>
+            </mc:AlternateContent>
           </a:graphicData>
         </a:graphic>
       </p:graphicFrame>
@@ -9615,13 +9900,6 @@
   <p:clrMapOvr>
     <a:masterClrMapping/>
   </p:clrMapOvr>
-  <p:timing>
-    <p:tnLst>
-      <p:par>
-        <p:cTn id="1" dur="indefinite" restart="never" nodeType="tmRoot"/>
-      </p:par>
-    </p:tnLst>
-  </p:timing>
 </p:sld>
 </file>
 
@@ -9660,10 +9938,9 @@
           <a:lstStyle/>
           <a:p>
             <a:r>
-              <a:rPr lang="en-US" dirty="0" smtClean="0"/>
+              <a:rPr lang="en-US" dirty="0"/>
               <a:t>Gradient Descent</a:t>
             </a:r>
-            <a:endParaRPr lang="en-US" dirty="0"/>
           </a:p>
         </p:txBody>
       </p:sp>
@@ -9708,7 +9985,7 @@
               <a:defRPr/>
             </a:pPr>
             <a:r>
-              <a:rPr kumimoji="0" lang="en-US" sz="3200" b="0" i="0" u="none" strike="noStrike" kern="1200" cap="none" spc="0" normalizeH="0" baseline="0" noProof="0" dirty="0" smtClean="0">
+              <a:rPr kumimoji="0" lang="en-US" sz="3200" b="0" i="0" u="none" strike="noStrike" kern="1200" cap="none" spc="0" normalizeH="0" baseline="0" noProof="0" dirty="0">
                 <a:ln>
                   <a:noFill/>
                 </a:ln>
@@ -9734,31 +10011,31 @@
               <a:buChar char="–"/>
             </a:pPr>
             <a:r>
-              <a:rPr lang="en-US" sz="2800" dirty="0" smtClean="0"/>
+              <a:rPr lang="en-US" sz="2800" dirty="0"/>
               <a:t>Z</a:t>
             </a:r>
             <a:r>
-              <a:rPr lang="en-US" sz="2800" baseline="30000" dirty="0" smtClean="0"/>
+              <a:rPr lang="en-US" sz="2800" baseline="30000" dirty="0"/>
               <a:t>[1]</a:t>
             </a:r>
             <a:r>
-              <a:rPr lang="en-US" sz="2800" dirty="0" smtClean="0"/>
+              <a:rPr lang="en-US" sz="2800" dirty="0"/>
               <a:t>= W</a:t>
             </a:r>
             <a:r>
-              <a:rPr lang="en-US" sz="2800" baseline="30000" dirty="0" smtClean="0"/>
+              <a:rPr lang="en-US" sz="2800" baseline="30000" dirty="0"/>
               <a:t>[1]</a:t>
             </a:r>
             <a:r>
-              <a:rPr lang="en-US" sz="2800" dirty="0" smtClean="0"/>
+              <a:rPr lang="en-US" sz="2800" dirty="0"/>
               <a:t>a</a:t>
             </a:r>
             <a:r>
-              <a:rPr lang="en-US" sz="2800" baseline="30000" dirty="0" smtClean="0"/>
+              <a:rPr lang="en-US" sz="2800" baseline="30000" dirty="0"/>
               <a:t>[0] </a:t>
             </a:r>
             <a:r>
-              <a:rPr kumimoji="0" lang="en-US" sz="2800" b="0" i="0" u="none" strike="noStrike" kern="1200" cap="none" spc="0" normalizeH="0" baseline="0" noProof="0" dirty="0" smtClean="0">
+              <a:rPr kumimoji="0" lang="en-US" sz="2800" b="0" i="0" u="none" strike="noStrike" kern="1200" cap="none" spc="0" normalizeH="0" baseline="0" noProof="0" dirty="0">
                 <a:ln>
                   <a:noFill/>
                 </a:ln>
@@ -9775,7 +10052,7 @@
               <a:t>+ b</a:t>
             </a:r>
             <a:r>
-              <a:rPr kumimoji="0" lang="en-US" sz="2800" b="0" i="0" u="none" strike="noStrike" kern="1200" cap="none" spc="0" normalizeH="0" baseline="30000" noProof="0" dirty="0" smtClean="0">
+              <a:rPr kumimoji="0" lang="en-US" sz="2800" b="0" i="0" u="none" strike="noStrike" kern="1200" cap="none" spc="0" normalizeH="0" baseline="30000" noProof="0" dirty="0">
                 <a:ln>
                   <a:noFill/>
                 </a:ln>
@@ -9801,31 +10078,31 @@
               <a:buChar char="–"/>
             </a:pPr>
             <a:r>
-              <a:rPr lang="en-US" sz="2800" dirty="0" smtClean="0"/>
+              <a:rPr lang="en-US" sz="2800" dirty="0"/>
               <a:t>ŷ = a</a:t>
             </a:r>
             <a:r>
-              <a:rPr lang="en-US" sz="2800" baseline="30000" dirty="0" smtClean="0"/>
+              <a:rPr lang="en-US" sz="2800" baseline="30000" dirty="0"/>
               <a:t>[1]  </a:t>
             </a:r>
             <a:r>
-              <a:rPr lang="en-US" sz="2800" dirty="0" smtClean="0"/>
+              <a:rPr lang="en-US" sz="2800" dirty="0"/>
               <a:t>= </a:t>
             </a:r>
             <a:r>
-              <a:rPr lang="el-GR" sz="2800" dirty="0" smtClean="0"/>
+              <a:rPr lang="el-GR" sz="2800" dirty="0"/>
               <a:t>σ</a:t>
             </a:r>
             <a:r>
-              <a:rPr lang="en-US" sz="2800" dirty="0" smtClean="0"/>
+              <a:rPr lang="en-US" sz="2800" dirty="0"/>
               <a:t>(Z</a:t>
             </a:r>
             <a:r>
-              <a:rPr lang="en-US" sz="2800" baseline="30000" dirty="0" smtClean="0"/>
+              <a:rPr lang="en-US" sz="2800" baseline="30000" dirty="0"/>
               <a:t>[1]</a:t>
             </a:r>
             <a:r>
-              <a:rPr lang="en-US" sz="2800" dirty="0" smtClean="0"/>
+              <a:rPr lang="en-US" sz="2800" dirty="0"/>
               <a:t>)</a:t>
             </a:r>
           </a:p>
@@ -9838,39 +10115,39 @@
               <a:buChar char="–"/>
             </a:pPr>
             <a:r>
-              <a:rPr lang="en-US" sz="2800" dirty="0" smtClean="0"/>
+              <a:rPr lang="en-US" sz="2800" dirty="0"/>
               <a:t>L(ŷ</a:t>
             </a:r>
             <a:r>
-              <a:rPr lang="en-US" sz="2800" baseline="30000" dirty="0" smtClean="0"/>
+              <a:rPr lang="en-US" sz="2800" baseline="30000" dirty="0"/>
               <a:t>(</a:t>
             </a:r>
             <a:r>
-              <a:rPr lang="en-US" sz="2800" baseline="30000" dirty="0" err="1" smtClean="0"/>
+              <a:rPr lang="en-US" sz="2800" baseline="30000" dirty="0" err="1"/>
               <a:t>i</a:t>
             </a:r>
             <a:r>
-              <a:rPr lang="en-US" sz="2800" baseline="30000" dirty="0" smtClean="0"/>
+              <a:rPr lang="en-US" sz="2800" baseline="30000" dirty="0"/>
               <a:t>)</a:t>
             </a:r>
             <a:r>
-              <a:rPr lang="en-US" sz="2800" dirty="0" smtClean="0"/>
+              <a:rPr lang="en-US" sz="2800" dirty="0"/>
               <a:t>, y</a:t>
             </a:r>
             <a:r>
-              <a:rPr lang="en-US" sz="2800" baseline="30000" dirty="0" smtClean="0"/>
+              <a:rPr lang="en-US" sz="2800" baseline="30000" dirty="0"/>
               <a:t>(</a:t>
             </a:r>
             <a:r>
-              <a:rPr lang="en-US" sz="2800" baseline="30000" dirty="0" err="1" smtClean="0"/>
+              <a:rPr lang="en-US" sz="2800" baseline="30000" dirty="0" err="1"/>
               <a:t>i</a:t>
             </a:r>
             <a:r>
-              <a:rPr lang="en-US" sz="2800" baseline="30000" dirty="0" smtClean="0"/>
+              <a:rPr lang="en-US" sz="2800" baseline="30000" dirty="0"/>
               <a:t>)</a:t>
             </a:r>
             <a:r>
-              <a:rPr lang="en-US" sz="2800" dirty="0" smtClean="0"/>
+              <a:rPr lang="en-US" sz="2800" dirty="0"/>
               <a:t>)</a:t>
             </a:r>
           </a:p>
@@ -9883,26 +10160,26 @@
               <a:buChar char="–"/>
             </a:pPr>
             <a:r>
-              <a:rPr lang="en-US" sz="2800" dirty="0" smtClean="0"/>
+              <a:rPr lang="en-US" sz="2800" dirty="0"/>
               <a:t>J(W</a:t>
             </a:r>
             <a:r>
-              <a:rPr lang="en-US" sz="2800" baseline="30000" dirty="0" smtClean="0"/>
+              <a:rPr lang="en-US" sz="2800" baseline="30000" dirty="0"/>
               <a:t>[1]</a:t>
             </a:r>
             <a:r>
-              <a:rPr lang="en-US" sz="2800" dirty="0" smtClean="0"/>
+              <a:rPr lang="en-US" sz="2800" dirty="0"/>
               <a:t>, b</a:t>
             </a:r>
             <a:r>
-              <a:rPr lang="en-US" sz="2800" baseline="30000" dirty="0" smtClean="0"/>
+              <a:rPr lang="en-US" sz="2800" baseline="30000" dirty="0"/>
               <a:t>[1]</a:t>
             </a:r>
             <a:r>
-              <a:rPr lang="en-US" sz="2800" dirty="0" smtClean="0"/>
+              <a:rPr lang="en-US" sz="2800" dirty="0"/>
               <a:t>)</a:t>
             </a:r>
-            <a:endParaRPr kumimoji="0" lang="en-US" sz="2800" b="0" i="0" u="none" strike="noStrike" kern="1200" cap="none" spc="0" normalizeH="0" noProof="0" dirty="0" smtClean="0">
+            <a:endParaRPr kumimoji="0" lang="en-US" sz="2800" b="0" i="0" u="none" strike="noStrike" kern="1200" cap="none" spc="0" normalizeH="0" noProof="0" dirty="0">
               <a:ln>
                 <a:noFill/>
               </a:ln>
@@ -9935,7 +10212,7 @@
               <a:tabLst/>
               <a:defRPr/>
             </a:pPr>
-            <a:endParaRPr kumimoji="0" lang="en-US" sz="3200" b="0" i="0" u="none" strike="noStrike" kern="1200" cap="none" spc="0" normalizeH="0" baseline="0" noProof="0" dirty="0" smtClean="0">
+            <a:endParaRPr kumimoji="0" lang="en-US" sz="3200" b="0" i="0" u="none" strike="noStrike" kern="1200" cap="none" spc="0" normalizeH="0" baseline="0" noProof="0" dirty="0">
               <a:ln>
                 <a:noFill/>
               </a:ln>
@@ -10026,7 +10303,7 @@
               <a:defRPr/>
             </a:pPr>
             <a:r>
-              <a:rPr kumimoji="0" lang="en-US" sz="3200" b="0" i="0" u="none" strike="noStrike" kern="1200" cap="none" spc="0" normalizeH="0" baseline="0" noProof="0" dirty="0" smtClean="0">
+              <a:rPr kumimoji="0" lang="en-US" sz="3200" b="0" i="0" u="none" strike="noStrike" kern="1200" cap="none" spc="0" normalizeH="0" baseline="0" noProof="0" dirty="0">
                 <a:ln>
                   <a:noFill/>
                 </a:ln>
@@ -10061,7 +10338,7 @@
               <a:tabLst/>
               <a:defRPr/>
             </a:pPr>
-            <a:endParaRPr kumimoji="0" lang="en-US" sz="3200" b="0" i="0" u="none" strike="noStrike" kern="1200" cap="none" spc="0" normalizeH="0" baseline="0" noProof="0" dirty="0" smtClean="0">
+            <a:endParaRPr kumimoji="0" lang="en-US" sz="3200" b="0" i="0" u="none" strike="noStrike" kern="1200" cap="none" spc="0" normalizeH="0" baseline="0" noProof="0" dirty="0">
               <a:ln>
                 <a:noFill/>
               </a:ln>
@@ -10125,9 +10402,59 @@
         </p:xfrm>
         <a:graphic>
           <a:graphicData uri="http://schemas.openxmlformats.org/presentationml/2006/ole">
-            <p:oleObj spid="_x0000_s37890" name="Equation" r:id="rId3" imgW="2044440" imgH="1079280" progId="Equation.3">
-              <p:embed/>
-            </p:oleObj>
+            <mc:AlternateContent xmlns:mc="http://schemas.openxmlformats.org/markup-compatibility/2006">
+              <mc:Choice xmlns:v="urn:schemas-microsoft-com:vml" Requires="v">
+                <p:oleObj spid="_x0000_s37890" name="Equation" r:id="rId2" imgW="2044440" imgH="1079280" progId="Equation.3">
+                  <p:embed/>
+                </p:oleObj>
+              </mc:Choice>
+              <mc:Fallback>
+                <p:oleObj name="Equation" r:id="rId2" imgW="2044440" imgH="1079280" progId="Equation.3">
+                  <p:embed/>
+                  <p:pic>
+                    <p:nvPicPr>
+                      <p:cNvPr id="0" name="Picture 2"/>
+                      <p:cNvPicPr>
+                        <a:picLocks noChangeAspect="1" noChangeArrowheads="1"/>
+                      </p:cNvPicPr>
+                      <p:nvPr/>
+                    </p:nvPicPr>
+                    <p:blipFill>
+                      <a:blip r:embed="rId3">
+                        <a:extLst>
+                          <a:ext uri="{28A0092B-C50C-407E-A947-70E740481C1C}">
+                            <a14:useLocalDpi xmlns:a14="http://schemas.microsoft.com/office/drawing/2010/main" val="0"/>
+                          </a:ext>
+                        </a:extLst>
+                      </a:blip>
+                      <a:srcRect/>
+                      <a:stretch>
+                        <a:fillRect/>
+                      </a:stretch>
+                    </p:blipFill>
+                    <p:spPr bwMode="auto">
+                      <a:xfrm>
+                        <a:off x="4935538" y="2192338"/>
+                        <a:ext cx="4065587" cy="2147887"/>
+                      </a:xfrm>
+                      <a:prstGeom prst="rect">
+                        <a:avLst/>
+                      </a:prstGeom>
+                      <a:noFill/>
+                      <a:extLst>
+                        <a:ext uri="{909E8E84-426E-40DD-AFC4-6F175D3DCCD1}">
+                          <a14:hiddenFill xmlns:a14="http://schemas.microsoft.com/office/drawing/2010/main">
+                            <a:solidFill>
+                              <a:srgbClr val="FFFFFF"/>
+                            </a:solidFill>
+                          </a14:hiddenFill>
+                        </a:ext>
+                      </a:extLst>
+                    </p:spPr>
+                  </p:pic>
+                </p:oleObj>
+              </mc:Fallback>
+            </mc:AlternateContent>
           </a:graphicData>
         </a:graphic>
       </p:graphicFrame>
@@ -10136,13 +10463,6 @@
   <p:clrMapOvr>
     <a:masterClrMapping/>
   </p:clrMapOvr>
-  <p:timing>
-    <p:tnLst>
-      <p:par>
-        <p:cTn id="1" dur="indefinite" restart="never" nodeType="tmRoot"/>
-      </p:par>
-    </p:tnLst>
-  </p:timing>
 </p:sld>
 </file>
 
@@ -10181,10 +10501,9 @@
           <a:lstStyle/>
           <a:p>
             <a:r>
-              <a:rPr lang="en-US" dirty="0" smtClean="0"/>
+              <a:rPr lang="en-US" dirty="0"/>
               <a:t>Gradient Descent</a:t>
             </a:r>
-            <a:endParaRPr lang="en-US" dirty="0"/>
           </a:p>
         </p:txBody>
       </p:sp>
@@ -10229,7 +10548,7 @@
               <a:defRPr/>
             </a:pPr>
             <a:r>
-              <a:rPr kumimoji="0" lang="en-US" sz="3200" b="0" i="0" u="none" strike="noStrike" kern="1200" cap="none" spc="0" normalizeH="0" baseline="0" noProof="0" dirty="0" smtClean="0">
+              <a:rPr kumimoji="0" lang="en-US" sz="3200" b="0" i="0" u="none" strike="noStrike" kern="1200" cap="none" spc="0" normalizeH="0" baseline="0" noProof="0" dirty="0">
                 <a:ln>
                   <a:noFill/>
                 </a:ln>
@@ -10255,31 +10574,31 @@
               <a:buChar char="–"/>
             </a:pPr>
             <a:r>
-              <a:rPr lang="en-US" sz="2800" dirty="0" smtClean="0"/>
+              <a:rPr lang="en-US" sz="2800" dirty="0"/>
               <a:t>Z</a:t>
             </a:r>
             <a:r>
-              <a:rPr lang="en-US" sz="2800" baseline="30000" dirty="0" smtClean="0"/>
+              <a:rPr lang="en-US" sz="2800" baseline="30000" dirty="0"/>
               <a:t>[1]</a:t>
             </a:r>
             <a:r>
-              <a:rPr lang="en-US" sz="2800" dirty="0" smtClean="0"/>
+              <a:rPr lang="en-US" sz="2800" dirty="0"/>
               <a:t>= W</a:t>
             </a:r>
             <a:r>
-              <a:rPr lang="en-US" sz="2800" baseline="30000" dirty="0" smtClean="0"/>
+              <a:rPr lang="en-US" sz="2800" baseline="30000" dirty="0"/>
               <a:t>[1]</a:t>
             </a:r>
             <a:r>
-              <a:rPr lang="en-US" sz="2800" dirty="0" smtClean="0"/>
+              <a:rPr lang="en-US" sz="2800" dirty="0"/>
               <a:t>a</a:t>
             </a:r>
             <a:r>
-              <a:rPr lang="en-US" sz="2800" baseline="30000" dirty="0" smtClean="0"/>
+              <a:rPr lang="en-US" sz="2800" baseline="30000" dirty="0"/>
               <a:t>[0] </a:t>
             </a:r>
             <a:r>
-              <a:rPr kumimoji="0" lang="en-US" sz="2800" b="0" i="0" u="none" strike="noStrike" kern="1200" cap="none" spc="0" normalizeH="0" baseline="0" noProof="0" dirty="0" smtClean="0">
+              <a:rPr kumimoji="0" lang="en-US" sz="2800" b="0" i="0" u="none" strike="noStrike" kern="1200" cap="none" spc="0" normalizeH="0" baseline="0" noProof="0" dirty="0">
                 <a:ln>
                   <a:noFill/>
                 </a:ln>
@@ -10296,7 +10615,7 @@
               <a:t>+ b</a:t>
             </a:r>
             <a:r>
-              <a:rPr kumimoji="0" lang="en-US" sz="2800" b="0" i="0" u="none" strike="noStrike" kern="1200" cap="none" spc="0" normalizeH="0" baseline="30000" noProof="0" dirty="0" smtClean="0">
+              <a:rPr kumimoji="0" lang="en-US" sz="2800" b="0" i="0" u="none" strike="noStrike" kern="1200" cap="none" spc="0" normalizeH="0" baseline="30000" noProof="0" dirty="0">
                 <a:ln>
                   <a:noFill/>
                 </a:ln>
@@ -10322,31 +10641,31 @@
               <a:buChar char="–"/>
             </a:pPr>
             <a:r>
-              <a:rPr lang="en-US" sz="2800" dirty="0" smtClean="0"/>
+              <a:rPr lang="en-US" sz="2800" dirty="0"/>
               <a:t>ŷ = a</a:t>
             </a:r>
             <a:r>
-              <a:rPr lang="en-US" sz="2800" baseline="30000" dirty="0" smtClean="0"/>
+              <a:rPr lang="en-US" sz="2800" baseline="30000" dirty="0"/>
               <a:t>[1]  </a:t>
             </a:r>
             <a:r>
-              <a:rPr lang="en-US" sz="2800" dirty="0" smtClean="0"/>
+              <a:rPr lang="en-US" sz="2800" dirty="0"/>
               <a:t>= </a:t>
             </a:r>
             <a:r>
-              <a:rPr lang="el-GR" sz="2800" dirty="0" smtClean="0"/>
+              <a:rPr lang="el-GR" sz="2800" dirty="0"/>
               <a:t>σ</a:t>
             </a:r>
             <a:r>
-              <a:rPr lang="en-US" sz="2800" dirty="0" smtClean="0"/>
+              <a:rPr lang="en-US" sz="2800" dirty="0"/>
               <a:t>(Z</a:t>
             </a:r>
             <a:r>
-              <a:rPr lang="en-US" sz="2800" baseline="30000" dirty="0" smtClean="0"/>
+              <a:rPr lang="en-US" sz="2800" baseline="30000" dirty="0"/>
               <a:t>[1]</a:t>
             </a:r>
             <a:r>
-              <a:rPr lang="en-US" sz="2800" dirty="0" smtClean="0"/>
+              <a:rPr lang="en-US" sz="2800" dirty="0"/>
               <a:t>)</a:t>
             </a:r>
           </a:p>
@@ -10359,39 +10678,39 @@
               <a:buChar char="–"/>
             </a:pPr>
             <a:r>
-              <a:rPr lang="en-US" sz="2800" dirty="0" smtClean="0"/>
+              <a:rPr lang="en-US" sz="2800" dirty="0"/>
               <a:t>L(ŷ</a:t>
             </a:r>
             <a:r>
-              <a:rPr lang="en-US" sz="2800" baseline="30000" dirty="0" smtClean="0"/>
+              <a:rPr lang="en-US" sz="2800" baseline="30000" dirty="0"/>
               <a:t>(</a:t>
             </a:r>
             <a:r>
-              <a:rPr lang="en-US" sz="2800" baseline="30000" dirty="0" err="1" smtClean="0"/>
+              <a:rPr lang="en-US" sz="2800" baseline="30000" dirty="0" err="1"/>
               <a:t>i</a:t>
             </a:r>
             <a:r>
-              <a:rPr lang="en-US" sz="2800" baseline="30000" dirty="0" smtClean="0"/>
+              <a:rPr lang="en-US" sz="2800" baseline="30000" dirty="0"/>
               <a:t>)</a:t>
             </a:r>
             <a:r>
-              <a:rPr lang="en-US" sz="2800" dirty="0" smtClean="0"/>
+              <a:rPr lang="en-US" sz="2800" dirty="0"/>
               <a:t>, y</a:t>
             </a:r>
             <a:r>
-              <a:rPr lang="en-US" sz="2800" baseline="30000" dirty="0" smtClean="0"/>
+              <a:rPr lang="en-US" sz="2800" baseline="30000" dirty="0"/>
               <a:t>(</a:t>
             </a:r>
             <a:r>
-              <a:rPr lang="en-US" sz="2800" baseline="30000" dirty="0" err="1" smtClean="0"/>
+              <a:rPr lang="en-US" sz="2800" baseline="30000" dirty="0" err="1"/>
               <a:t>i</a:t>
             </a:r>
             <a:r>
-              <a:rPr lang="en-US" sz="2800" baseline="30000" dirty="0" smtClean="0"/>
+              <a:rPr lang="en-US" sz="2800" baseline="30000" dirty="0"/>
               <a:t>)</a:t>
             </a:r>
             <a:r>
-              <a:rPr lang="en-US" sz="2800" dirty="0" smtClean="0"/>
+              <a:rPr lang="en-US" sz="2800" dirty="0"/>
               <a:t>)</a:t>
             </a:r>
           </a:p>
@@ -10404,26 +10723,26 @@
               <a:buChar char="–"/>
             </a:pPr>
             <a:r>
-              <a:rPr lang="en-US" sz="2800" dirty="0" smtClean="0"/>
+              <a:rPr lang="en-US" sz="2800" dirty="0"/>
               <a:t>J(W</a:t>
             </a:r>
             <a:r>
-              <a:rPr lang="en-US" sz="2800" baseline="30000" dirty="0" smtClean="0"/>
+              <a:rPr lang="en-US" sz="2800" baseline="30000" dirty="0"/>
               <a:t>[1]</a:t>
             </a:r>
             <a:r>
-              <a:rPr lang="en-US" sz="2800" dirty="0" smtClean="0"/>
+              <a:rPr lang="en-US" sz="2800" dirty="0"/>
               <a:t>, b</a:t>
             </a:r>
             <a:r>
-              <a:rPr lang="en-US" sz="2800" baseline="30000" dirty="0" smtClean="0"/>
+              <a:rPr lang="en-US" sz="2800" baseline="30000" dirty="0"/>
               <a:t>[1]</a:t>
             </a:r>
             <a:r>
-              <a:rPr lang="en-US" sz="2800" dirty="0" smtClean="0"/>
+              <a:rPr lang="en-US" sz="2800" dirty="0"/>
               <a:t>)</a:t>
             </a:r>
-            <a:endParaRPr kumimoji="0" lang="en-US" sz="2800" b="0" i="0" u="none" strike="noStrike" kern="1200" cap="none" spc="0" normalizeH="0" noProof="0" dirty="0" smtClean="0">
+            <a:endParaRPr kumimoji="0" lang="en-US" sz="2800" b="0" i="0" u="none" strike="noStrike" kern="1200" cap="none" spc="0" normalizeH="0" noProof="0" dirty="0">
               <a:ln>
                 <a:noFill/>
               </a:ln>
@@ -10456,7 +10775,7 @@
               <a:tabLst/>
               <a:defRPr/>
             </a:pPr>
-            <a:endParaRPr kumimoji="0" lang="en-US" sz="3200" b="0" i="0" u="none" strike="noStrike" kern="1200" cap="none" spc="0" normalizeH="0" baseline="0" noProof="0" dirty="0" smtClean="0">
+            <a:endParaRPr kumimoji="0" lang="en-US" sz="3200" b="0" i="0" u="none" strike="noStrike" kern="1200" cap="none" spc="0" normalizeH="0" baseline="0" noProof="0" dirty="0">
               <a:ln>
                 <a:noFill/>
               </a:ln>
@@ -10547,7 +10866,7 @@
               <a:defRPr/>
             </a:pPr>
             <a:r>
-              <a:rPr kumimoji="0" lang="en-US" sz="3200" b="0" i="0" u="none" strike="noStrike" kern="1200" cap="none" spc="0" normalizeH="0" baseline="0" noProof="0" dirty="0" smtClean="0">
+              <a:rPr kumimoji="0" lang="en-US" sz="3200" b="0" i="0" u="none" strike="noStrike" kern="1200" cap="none" spc="0" normalizeH="0" baseline="0" noProof="0" dirty="0">
                 <a:ln>
                   <a:noFill/>
                 </a:ln>
@@ -10582,7 +10901,7 @@
               <a:tabLst/>
               <a:defRPr/>
             </a:pPr>
-            <a:endParaRPr kumimoji="0" lang="en-US" sz="3200" b="0" i="0" u="none" strike="noStrike" kern="1200" cap="none" spc="0" normalizeH="0" baseline="0" noProof="0" dirty="0" smtClean="0">
+            <a:endParaRPr kumimoji="0" lang="en-US" sz="3200" b="0" i="0" u="none" strike="noStrike" kern="1200" cap="none" spc="0" normalizeH="0" baseline="0" noProof="0" dirty="0">
               <a:ln>
                 <a:noFill/>
               </a:ln>
@@ -10646,9 +10965,59 @@
         </p:xfrm>
         <a:graphic>
           <a:graphicData uri="http://schemas.openxmlformats.org/presentationml/2006/ole">
-            <p:oleObj spid="_x0000_s38914" name="Equation" r:id="rId3" imgW="1117440" imgH="901440" progId="Equation.3">
-              <p:embed/>
-            </p:oleObj>
+            <mc:AlternateContent xmlns:mc="http://schemas.openxmlformats.org/markup-compatibility/2006">
+              <mc:Choice xmlns:v="urn:schemas-microsoft-com:vml" Requires="v">
+                <p:oleObj spid="_x0000_s38914" name="Equation" r:id="rId2" imgW="1117440" imgH="901440" progId="Equation.3">
+                  <p:embed/>
+                </p:oleObj>
+              </mc:Choice>
+              <mc:Fallback>
+                <p:oleObj name="Equation" r:id="rId2" imgW="1117440" imgH="901440" progId="Equation.3">
+                  <p:embed/>
+                  <p:pic>
+                    <p:nvPicPr>
+                      <p:cNvPr id="0" name="Picture 2"/>
+                      <p:cNvPicPr>
+                        <a:picLocks noChangeAspect="1" noChangeArrowheads="1"/>
+                      </p:cNvPicPr>
+                      <p:nvPr/>
+                    </p:nvPicPr>
+                    <p:blipFill>
+                      <a:blip r:embed="rId3">
+                        <a:extLst>
+                          <a:ext uri="{28A0092B-C50C-407E-A947-70E740481C1C}">
+                            <a14:useLocalDpi xmlns:a14="http://schemas.microsoft.com/office/drawing/2010/main" val="0"/>
+                          </a:ext>
+                        </a:extLst>
+                      </a:blip>
+                      <a:srcRect/>
+                      <a:stretch>
+                        <a:fillRect/>
+                      </a:stretch>
+                    </p:blipFill>
+                    <p:spPr bwMode="auto">
+                      <a:xfrm>
+                        <a:off x="4935538" y="2192338"/>
+                        <a:ext cx="2222500" cy="1795462"/>
+                      </a:xfrm>
+                      <a:prstGeom prst="rect">
+                        <a:avLst/>
+                      </a:prstGeom>
+                      <a:noFill/>
+                      <a:extLst>
+                        <a:ext uri="{909E8E84-426E-40DD-AFC4-6F175D3DCCD1}">
+                          <a14:hiddenFill xmlns:a14="http://schemas.microsoft.com/office/drawing/2010/main">
+                            <a:solidFill>
+                              <a:srgbClr val="FFFFFF"/>
+                            </a:solidFill>
+                          </a14:hiddenFill>
+                        </a:ext>
+                      </a:extLst>
+                    </p:spPr>
+                  </p:pic>
+                </p:oleObj>
+              </mc:Fallback>
+            </mc:AlternateContent>
           </a:graphicData>
         </a:graphic>
       </p:graphicFrame>
@@ -10657,13 +11026,6 @@
   <p:clrMapOvr>
     <a:masterClrMapping/>
   </p:clrMapOvr>
-  <p:timing>
-    <p:tnLst>
-      <p:par>
-        <p:cTn id="1" dur="indefinite" restart="never" nodeType="tmRoot"/>
-      </p:par>
-    </p:tnLst>
-  </p:timing>
 </p:sld>
 </file>
 
@@ -10702,10 +11064,9 @@
           <a:lstStyle/>
           <a:p>
             <a:r>
-              <a:rPr lang="en-US" dirty="0" smtClean="0"/>
+              <a:rPr lang="en-US" dirty="0"/>
               <a:t>Gradient Descent</a:t>
             </a:r>
-            <a:endParaRPr lang="en-US" dirty="0"/>
           </a:p>
         </p:txBody>
       </p:sp>
@@ -10750,7 +11111,7 @@
               <a:defRPr/>
             </a:pPr>
             <a:r>
-              <a:rPr kumimoji="0" lang="en-US" sz="3200" b="0" i="0" u="none" strike="noStrike" kern="1200" cap="none" spc="0" normalizeH="0" baseline="0" noProof="0" dirty="0" smtClean="0">
+              <a:rPr kumimoji="0" lang="en-US" sz="3200" b="0" i="0" u="none" strike="noStrike" kern="1200" cap="none" spc="0" normalizeH="0" baseline="0" noProof="0" dirty="0">
                 <a:ln>
                   <a:noFill/>
                 </a:ln>
@@ -10776,31 +11137,31 @@
               <a:buChar char="–"/>
             </a:pPr>
             <a:r>
-              <a:rPr lang="en-US" sz="2800" dirty="0" smtClean="0"/>
+              <a:rPr lang="en-US" sz="2800" dirty="0"/>
               <a:t>Z</a:t>
             </a:r>
             <a:r>
-              <a:rPr lang="en-US" sz="2800" baseline="30000" dirty="0" smtClean="0"/>
+              <a:rPr lang="en-US" sz="2800" baseline="30000" dirty="0"/>
               <a:t>[1]</a:t>
             </a:r>
             <a:r>
-              <a:rPr lang="en-US" sz="2800" dirty="0" smtClean="0"/>
+              <a:rPr lang="en-US" sz="2800" dirty="0"/>
               <a:t>= W</a:t>
             </a:r>
             <a:r>
-              <a:rPr lang="en-US" sz="2800" baseline="30000" dirty="0" smtClean="0"/>
+              <a:rPr lang="en-US" sz="2800" baseline="30000" dirty="0"/>
               <a:t>[1]</a:t>
             </a:r>
             <a:r>
-              <a:rPr lang="en-US" sz="2800" dirty="0" smtClean="0"/>
+              <a:rPr lang="en-US" sz="2800" dirty="0"/>
               <a:t>a</a:t>
             </a:r>
             <a:r>
-              <a:rPr lang="en-US" sz="2800" baseline="30000" dirty="0" smtClean="0"/>
+              <a:rPr lang="en-US" sz="2800" baseline="30000" dirty="0"/>
               <a:t>[0] </a:t>
             </a:r>
             <a:r>
-              <a:rPr kumimoji="0" lang="en-US" sz="2800" b="0" i="0" u="none" strike="noStrike" kern="1200" cap="none" spc="0" normalizeH="0" baseline="0" noProof="0" dirty="0" smtClean="0">
+              <a:rPr kumimoji="0" lang="en-US" sz="2800" b="0" i="0" u="none" strike="noStrike" kern="1200" cap="none" spc="0" normalizeH="0" baseline="0" noProof="0" dirty="0">
                 <a:ln>
                   <a:noFill/>
                 </a:ln>
@@ -10817,7 +11178,7 @@
               <a:t>+ b</a:t>
             </a:r>
             <a:r>
-              <a:rPr kumimoji="0" lang="en-US" sz="2800" b="0" i="0" u="none" strike="noStrike" kern="1200" cap="none" spc="0" normalizeH="0" baseline="30000" noProof="0" dirty="0" smtClean="0">
+              <a:rPr kumimoji="0" lang="en-US" sz="2800" b="0" i="0" u="none" strike="noStrike" kern="1200" cap="none" spc="0" normalizeH="0" baseline="30000" noProof="0" dirty="0">
                 <a:ln>
                   <a:noFill/>
                 </a:ln>
@@ -10843,31 +11204,31 @@
               <a:buChar char="–"/>
             </a:pPr>
             <a:r>
-              <a:rPr lang="en-US" sz="2800" dirty="0" smtClean="0"/>
+              <a:rPr lang="en-US" sz="2800" dirty="0"/>
               <a:t>ŷ = a</a:t>
             </a:r>
             <a:r>
-              <a:rPr lang="en-US" sz="2800" baseline="30000" dirty="0" smtClean="0"/>
+              <a:rPr lang="en-US" sz="2800" baseline="30000" dirty="0"/>
               <a:t>[1]  </a:t>
             </a:r>
             <a:r>
-              <a:rPr lang="en-US" sz="2800" dirty="0" smtClean="0"/>
+              <a:rPr lang="en-US" sz="2800" dirty="0"/>
               <a:t>= </a:t>
             </a:r>
             <a:r>
-              <a:rPr lang="el-GR" sz="2800" dirty="0" smtClean="0"/>
+              <a:rPr lang="el-GR" sz="2800" dirty="0"/>
               <a:t>σ</a:t>
             </a:r>
             <a:r>
-              <a:rPr lang="en-US" sz="2800" dirty="0" smtClean="0"/>
+              <a:rPr lang="en-US" sz="2800" dirty="0"/>
               <a:t>(Z</a:t>
             </a:r>
             <a:r>
-              <a:rPr lang="en-US" sz="2800" baseline="30000" dirty="0" smtClean="0"/>
+              <a:rPr lang="en-US" sz="2800" baseline="30000" dirty="0"/>
               <a:t>[1]</a:t>
             </a:r>
             <a:r>
-              <a:rPr lang="en-US" sz="2800" dirty="0" smtClean="0"/>
+              <a:rPr lang="en-US" sz="2800" dirty="0"/>
               <a:t>)</a:t>
             </a:r>
           </a:p>
@@ -10880,39 +11241,39 @@
               <a:buChar char="–"/>
             </a:pPr>
             <a:r>
-              <a:rPr lang="en-US" sz="2800" dirty="0" smtClean="0"/>
+              <a:rPr lang="en-US" sz="2800" dirty="0"/>
               <a:t>L(ŷ</a:t>
             </a:r>
             <a:r>
-              <a:rPr lang="en-US" sz="2800" baseline="30000" dirty="0" smtClean="0"/>
+              <a:rPr lang="en-US" sz="2800" baseline="30000" dirty="0"/>
               <a:t>(</a:t>
             </a:r>
             <a:r>
-              <a:rPr lang="en-US" sz="2800" baseline="30000" dirty="0" err="1" smtClean="0"/>
+              <a:rPr lang="en-US" sz="2800" baseline="30000" dirty="0" err="1"/>
               <a:t>i</a:t>
             </a:r>
             <a:r>
-              <a:rPr lang="en-US" sz="2800" baseline="30000" dirty="0" smtClean="0"/>
+              <a:rPr lang="en-US" sz="2800" baseline="30000" dirty="0"/>
               <a:t>)</a:t>
             </a:r>
             <a:r>
-              <a:rPr lang="en-US" sz="2800" dirty="0" smtClean="0"/>
+              <a:rPr lang="en-US" sz="2800" dirty="0"/>
               <a:t>, y</a:t>
             </a:r>
             <a:r>
-              <a:rPr lang="en-US" sz="2800" baseline="30000" dirty="0" smtClean="0"/>
+              <a:rPr lang="en-US" sz="2800" baseline="30000" dirty="0"/>
               <a:t>(</a:t>
             </a:r>
             <a:r>
-              <a:rPr lang="en-US" sz="2800" baseline="30000" dirty="0" err="1" smtClean="0"/>
+              <a:rPr lang="en-US" sz="2800" baseline="30000" dirty="0" err="1"/>
               <a:t>i</a:t>
             </a:r>
             <a:r>
-              <a:rPr lang="en-US" sz="2800" baseline="30000" dirty="0" smtClean="0"/>
+              <a:rPr lang="en-US" sz="2800" baseline="30000" dirty="0"/>
               <a:t>)</a:t>
             </a:r>
             <a:r>
-              <a:rPr lang="en-US" sz="2800" dirty="0" smtClean="0"/>
+              <a:rPr lang="en-US" sz="2800" dirty="0"/>
               <a:t>)</a:t>
             </a:r>
           </a:p>
@@ -10925,26 +11286,26 @@
               <a:buChar char="–"/>
             </a:pPr>
             <a:r>
-              <a:rPr lang="en-US" sz="2800" dirty="0" smtClean="0"/>
+              <a:rPr lang="en-US" sz="2800" dirty="0"/>
               <a:t>J(W</a:t>
             </a:r>
             <a:r>
-              <a:rPr lang="en-US" sz="2800" baseline="30000" dirty="0" smtClean="0"/>
+              <a:rPr lang="en-US" sz="2800" baseline="30000" dirty="0"/>
               <a:t>[1]</a:t>
             </a:r>
             <a:r>
-              <a:rPr lang="en-US" sz="2800" dirty="0" smtClean="0"/>
+              <a:rPr lang="en-US" sz="2800" dirty="0"/>
               <a:t>, b</a:t>
             </a:r>
             <a:r>
-              <a:rPr lang="en-US" sz="2800" baseline="30000" dirty="0" smtClean="0"/>
+              <a:rPr lang="en-US" sz="2800" baseline="30000" dirty="0"/>
               <a:t>[1]</a:t>
             </a:r>
             <a:r>
-              <a:rPr lang="en-US" sz="2800" dirty="0" smtClean="0"/>
+              <a:rPr lang="en-US" sz="2800" dirty="0"/>
               <a:t>)</a:t>
             </a:r>
-            <a:endParaRPr kumimoji="0" lang="en-US" sz="2800" b="0" i="0" u="none" strike="noStrike" kern="1200" cap="none" spc="0" normalizeH="0" noProof="0" dirty="0" smtClean="0">
+            <a:endParaRPr kumimoji="0" lang="en-US" sz="2800" b="0" i="0" u="none" strike="noStrike" kern="1200" cap="none" spc="0" normalizeH="0" noProof="0" dirty="0">
               <a:ln>
                 <a:noFill/>
               </a:ln>
@@ -10977,7 +11338,7 @@
               <a:tabLst/>
               <a:defRPr/>
             </a:pPr>
-            <a:endParaRPr kumimoji="0" lang="en-US" sz="3200" b="0" i="0" u="none" strike="noStrike" kern="1200" cap="none" spc="0" normalizeH="0" baseline="0" noProof="0" dirty="0" smtClean="0">
+            <a:endParaRPr kumimoji="0" lang="en-US" sz="3200" b="0" i="0" u="none" strike="noStrike" kern="1200" cap="none" spc="0" normalizeH="0" baseline="0" noProof="0" dirty="0">
               <a:ln>
                 <a:noFill/>
               </a:ln>
@@ -11068,7 +11429,7 @@
               <a:defRPr/>
             </a:pPr>
             <a:r>
-              <a:rPr kumimoji="0" lang="en-US" sz="3200" b="0" i="0" u="none" strike="noStrike" kern="1200" cap="none" spc="0" normalizeH="0" baseline="0" noProof="0" dirty="0" smtClean="0">
+              <a:rPr kumimoji="0" lang="en-US" sz="3200" b="0" i="0" u="none" strike="noStrike" kern="1200" cap="none" spc="0" normalizeH="0" baseline="0" noProof="0" dirty="0">
                 <a:ln>
                   <a:noFill/>
                 </a:ln>
@@ -11103,7 +11464,7 @@
               <a:tabLst/>
               <a:defRPr/>
             </a:pPr>
-            <a:endParaRPr kumimoji="0" lang="en-US" sz="3200" b="0" i="0" u="none" strike="noStrike" kern="1200" cap="none" spc="0" normalizeH="0" baseline="0" noProof="0" dirty="0" smtClean="0">
+            <a:endParaRPr kumimoji="0" lang="en-US" sz="3200" b="0" i="0" u="none" strike="noStrike" kern="1200" cap="none" spc="0" normalizeH="0" baseline="0" noProof="0" dirty="0">
               <a:ln>
                 <a:noFill/>
               </a:ln>
@@ -11167,9 +11528,59 @@
         </p:xfrm>
         <a:graphic>
           <a:graphicData uri="http://schemas.openxmlformats.org/presentationml/2006/ole">
-            <p:oleObj spid="_x0000_s39938" name="Equation" r:id="rId3" imgW="1854000" imgH="1320480" progId="Equation.3">
-              <p:embed/>
-            </p:oleObj>
+            <mc:AlternateContent xmlns:mc="http://schemas.openxmlformats.org/markup-compatibility/2006">
+              <mc:Choice xmlns:v="urn:schemas-microsoft-com:vml" Requires="v">
+                <p:oleObj spid="_x0000_s39938" name="Equation" r:id="rId2" imgW="1854000" imgH="1320480" progId="Equation.3">
+                  <p:embed/>
+                </p:oleObj>
+              </mc:Choice>
+              <mc:Fallback>
+                <p:oleObj name="Equation" r:id="rId2" imgW="1854000" imgH="1320480" progId="Equation.3">
+                  <p:embed/>
+                  <p:pic>
+                    <p:nvPicPr>
+                      <p:cNvPr id="0" name="Picture 2"/>
+                      <p:cNvPicPr>
+                        <a:picLocks noChangeAspect="1" noChangeArrowheads="1"/>
+                      </p:cNvPicPr>
+                      <p:nvPr/>
+                    </p:nvPicPr>
+                    <p:blipFill>
+                      <a:blip r:embed="rId3">
+                        <a:extLst>
+                          <a:ext uri="{28A0092B-C50C-407E-A947-70E740481C1C}">
+                            <a14:useLocalDpi xmlns:a14="http://schemas.microsoft.com/office/drawing/2010/main" val="0"/>
+                          </a:ext>
+                        </a:extLst>
+                      </a:blip>
+                      <a:srcRect/>
+                      <a:stretch>
+                        <a:fillRect/>
+                      </a:stretch>
+                    </p:blipFill>
+                    <p:spPr bwMode="auto">
+                      <a:xfrm>
+                        <a:off x="4935538" y="2192338"/>
+                        <a:ext cx="3687762" cy="2627312"/>
+                      </a:xfrm>
+                      <a:prstGeom prst="rect">
+                        <a:avLst/>
+                      </a:prstGeom>
+                      <a:noFill/>
+                      <a:extLst>
+                        <a:ext uri="{909E8E84-426E-40DD-AFC4-6F175D3DCCD1}">
+                          <a14:hiddenFill xmlns:a14="http://schemas.microsoft.com/office/drawing/2010/main">
+                            <a:solidFill>
+                              <a:srgbClr val="FFFFFF"/>
+                            </a:solidFill>
+                          </a14:hiddenFill>
+                        </a:ext>
+                      </a:extLst>
+                    </p:spPr>
+                  </p:pic>
+                </p:oleObj>
+              </mc:Fallback>
+            </mc:AlternateContent>
           </a:graphicData>
         </a:graphic>
       </p:graphicFrame>
@@ -11178,13 +11589,6 @@
   <p:clrMapOvr>
     <a:masterClrMapping/>
   </p:clrMapOvr>
-  <p:timing>
-    <p:tnLst>
-      <p:par>
-        <p:cTn id="1" dur="indefinite" restart="never" nodeType="tmRoot"/>
-      </p:par>
-    </p:tnLst>
-  </p:timing>
 </p:sld>
 </file>
 
@@ -11223,10 +11627,9 @@
           <a:lstStyle/>
           <a:p>
             <a:r>
-              <a:rPr lang="en-US" dirty="0" smtClean="0"/>
+              <a:rPr lang="en-US" dirty="0"/>
               <a:t>Gradient Descent</a:t>
             </a:r>
-            <a:endParaRPr lang="en-US" dirty="0"/>
           </a:p>
         </p:txBody>
       </p:sp>
@@ -11271,7 +11674,7 @@
               <a:defRPr/>
             </a:pPr>
             <a:r>
-              <a:rPr kumimoji="0" lang="en-US" sz="3200" b="0" i="0" u="none" strike="noStrike" kern="1200" cap="none" spc="0" normalizeH="0" baseline="0" noProof="0" dirty="0" smtClean="0">
+              <a:rPr kumimoji="0" lang="en-US" sz="3200" b="0" i="0" u="none" strike="noStrike" kern="1200" cap="none" spc="0" normalizeH="0" baseline="0" noProof="0" dirty="0">
                 <a:ln>
                   <a:noFill/>
                 </a:ln>
@@ -11297,31 +11700,31 @@
               <a:buChar char="–"/>
             </a:pPr>
             <a:r>
-              <a:rPr lang="en-US" sz="2800" dirty="0" smtClean="0"/>
+              <a:rPr lang="en-US" sz="2800" dirty="0"/>
               <a:t>Z</a:t>
             </a:r>
             <a:r>
-              <a:rPr lang="en-US" sz="2800" baseline="30000" dirty="0" smtClean="0"/>
+              <a:rPr lang="en-US" sz="2800" baseline="30000" dirty="0"/>
               <a:t>[1]</a:t>
             </a:r>
             <a:r>
-              <a:rPr lang="en-US" sz="2800" dirty="0" smtClean="0"/>
+              <a:rPr lang="en-US" sz="2800" dirty="0"/>
               <a:t>= W</a:t>
             </a:r>
             <a:r>
-              <a:rPr lang="en-US" sz="2800" baseline="30000" dirty="0" smtClean="0"/>
+              <a:rPr lang="en-US" sz="2800" baseline="30000" dirty="0"/>
               <a:t>[1]</a:t>
             </a:r>
             <a:r>
-              <a:rPr lang="en-US" sz="2800" dirty="0" smtClean="0"/>
+              <a:rPr lang="en-US" sz="2800" dirty="0"/>
               <a:t>a</a:t>
             </a:r>
             <a:r>
-              <a:rPr lang="en-US" sz="2800" baseline="30000" dirty="0" smtClean="0"/>
+              <a:rPr lang="en-US" sz="2800" baseline="30000" dirty="0"/>
               <a:t>[0] </a:t>
             </a:r>
             <a:r>
-              <a:rPr kumimoji="0" lang="en-US" sz="2800" b="0" i="0" u="none" strike="noStrike" kern="1200" cap="none" spc="0" normalizeH="0" baseline="0" noProof="0" dirty="0" smtClean="0">
+              <a:rPr kumimoji="0" lang="en-US" sz="2800" b="0" i="0" u="none" strike="noStrike" kern="1200" cap="none" spc="0" normalizeH="0" baseline="0" noProof="0" dirty="0">
                 <a:ln>
                   <a:noFill/>
                 </a:ln>
@@ -11338,7 +11741,7 @@
               <a:t>+ b</a:t>
             </a:r>
             <a:r>
-              <a:rPr kumimoji="0" lang="en-US" sz="2800" b="0" i="0" u="none" strike="noStrike" kern="1200" cap="none" spc="0" normalizeH="0" baseline="30000" noProof="0" dirty="0" smtClean="0">
+              <a:rPr kumimoji="0" lang="en-US" sz="2800" b="0" i="0" u="none" strike="noStrike" kern="1200" cap="none" spc="0" normalizeH="0" baseline="30000" noProof="0" dirty="0">
                 <a:ln>
                   <a:noFill/>
                 </a:ln>
@@ -11364,31 +11767,31 @@
               <a:buChar char="–"/>
             </a:pPr>
             <a:r>
-              <a:rPr lang="en-US" sz="2800" dirty="0" smtClean="0"/>
+              <a:rPr lang="en-US" sz="2800" dirty="0"/>
               <a:t>ŷ = a</a:t>
             </a:r>
             <a:r>
-              <a:rPr lang="en-US" sz="2800" baseline="30000" dirty="0" smtClean="0"/>
+              <a:rPr lang="en-US" sz="2800" baseline="30000" dirty="0"/>
               <a:t>[1]  </a:t>
             </a:r>
             <a:r>
-              <a:rPr lang="en-US" sz="2800" dirty="0" smtClean="0"/>
+              <a:rPr lang="en-US" sz="2800" dirty="0"/>
               <a:t>= </a:t>
             </a:r>
             <a:r>
-              <a:rPr lang="el-GR" sz="2800" dirty="0" smtClean="0"/>
+              <a:rPr lang="el-GR" sz="2800" dirty="0"/>
               <a:t>σ</a:t>
             </a:r>
             <a:r>
-              <a:rPr lang="en-US" sz="2800" dirty="0" smtClean="0"/>
+              <a:rPr lang="en-US" sz="2800" dirty="0"/>
               <a:t>(Z</a:t>
             </a:r>
             <a:r>
-              <a:rPr lang="en-US" sz="2800" baseline="30000" dirty="0" smtClean="0"/>
+              <a:rPr lang="en-US" sz="2800" baseline="30000" dirty="0"/>
               <a:t>[1]</a:t>
             </a:r>
             <a:r>
-              <a:rPr lang="en-US" sz="2800" dirty="0" smtClean="0"/>
+              <a:rPr lang="en-US" sz="2800" dirty="0"/>
               <a:t>)</a:t>
             </a:r>
           </a:p>
@@ -11401,39 +11804,39 @@
               <a:buChar char="–"/>
             </a:pPr>
             <a:r>
-              <a:rPr lang="en-US" sz="2800" dirty="0" smtClean="0"/>
+              <a:rPr lang="en-US" sz="2800" dirty="0"/>
               <a:t>L(ŷ</a:t>
             </a:r>
             <a:r>
-              <a:rPr lang="en-US" sz="2800" baseline="30000" dirty="0" smtClean="0"/>
+              <a:rPr lang="en-US" sz="2800" baseline="30000" dirty="0"/>
               <a:t>(</a:t>
             </a:r>
             <a:r>
-              <a:rPr lang="en-US" sz="2800" baseline="30000" dirty="0" err="1" smtClean="0"/>
+              <a:rPr lang="en-US" sz="2800" baseline="30000" dirty="0" err="1"/>
               <a:t>i</a:t>
             </a:r>
             <a:r>
-              <a:rPr lang="en-US" sz="2800" baseline="30000" dirty="0" smtClean="0"/>
+              <a:rPr lang="en-US" sz="2800" baseline="30000" dirty="0"/>
               <a:t>)</a:t>
             </a:r>
             <a:r>
-              <a:rPr lang="en-US" sz="2800" dirty="0" smtClean="0"/>
+              <a:rPr lang="en-US" sz="2800" dirty="0"/>
               <a:t>, y</a:t>
             </a:r>
             <a:r>
-              <a:rPr lang="en-US" sz="2800" baseline="30000" dirty="0" smtClean="0"/>
+              <a:rPr lang="en-US" sz="2800" baseline="30000" dirty="0"/>
               <a:t>(</a:t>
             </a:r>
             <a:r>
-              <a:rPr lang="en-US" sz="2800" baseline="30000" dirty="0" err="1" smtClean="0"/>
+              <a:rPr lang="en-US" sz="2800" baseline="30000" dirty="0" err="1"/>
               <a:t>i</a:t>
             </a:r>
             <a:r>
-              <a:rPr lang="en-US" sz="2800" baseline="30000" dirty="0" smtClean="0"/>
+              <a:rPr lang="en-US" sz="2800" baseline="30000" dirty="0"/>
               <a:t>)</a:t>
             </a:r>
             <a:r>
-              <a:rPr lang="en-US" sz="2800" dirty="0" smtClean="0"/>
+              <a:rPr lang="en-US" sz="2800" dirty="0"/>
               <a:t>)</a:t>
             </a:r>
           </a:p>
@@ -11446,26 +11849,26 @@
               <a:buChar char="–"/>
             </a:pPr>
             <a:r>
-              <a:rPr lang="en-US" sz="2800" dirty="0" smtClean="0"/>
+              <a:rPr lang="en-US" sz="2800" dirty="0"/>
               <a:t>J(W</a:t>
             </a:r>
             <a:r>
-              <a:rPr lang="en-US" sz="2800" baseline="30000" dirty="0" smtClean="0"/>
+              <a:rPr lang="en-US" sz="2800" baseline="30000" dirty="0"/>
               <a:t>[1]</a:t>
             </a:r>
             <a:r>
-              <a:rPr lang="en-US" sz="2800" dirty="0" smtClean="0"/>
+              <a:rPr lang="en-US" sz="2800" dirty="0"/>
               <a:t>, b</a:t>
             </a:r>
             <a:r>
-              <a:rPr lang="en-US" sz="2800" baseline="30000" dirty="0" smtClean="0"/>
+              <a:rPr lang="en-US" sz="2800" baseline="30000" dirty="0"/>
               <a:t>[1]</a:t>
             </a:r>
             <a:r>
-              <a:rPr lang="en-US" sz="2800" dirty="0" smtClean="0"/>
+              <a:rPr lang="en-US" sz="2800" dirty="0"/>
               <a:t>)</a:t>
             </a:r>
-            <a:endParaRPr kumimoji="0" lang="en-US" sz="2800" b="0" i="0" u="none" strike="noStrike" kern="1200" cap="none" spc="0" normalizeH="0" noProof="0" dirty="0" smtClean="0">
+            <a:endParaRPr kumimoji="0" lang="en-US" sz="2800" b="0" i="0" u="none" strike="noStrike" kern="1200" cap="none" spc="0" normalizeH="0" noProof="0" dirty="0">
               <a:ln>
                 <a:noFill/>
               </a:ln>
@@ -11498,7 +11901,7 @@
               <a:tabLst/>
               <a:defRPr/>
             </a:pPr>
-            <a:endParaRPr kumimoji="0" lang="en-US" sz="3200" b="0" i="0" u="none" strike="noStrike" kern="1200" cap="none" spc="0" normalizeH="0" baseline="0" noProof="0" dirty="0" smtClean="0">
+            <a:endParaRPr kumimoji="0" lang="en-US" sz="3200" b="0" i="0" u="none" strike="noStrike" kern="1200" cap="none" spc="0" normalizeH="0" baseline="0" noProof="0" dirty="0">
               <a:ln>
                 <a:noFill/>
               </a:ln>
@@ -11589,7 +11992,7 @@
               <a:defRPr/>
             </a:pPr>
             <a:r>
-              <a:rPr kumimoji="0" lang="en-US" sz="3200" b="0" i="0" u="none" strike="noStrike" kern="1200" cap="none" spc="0" normalizeH="0" baseline="0" noProof="0" dirty="0" smtClean="0">
+              <a:rPr kumimoji="0" lang="en-US" sz="3200" b="0" i="0" u="none" strike="noStrike" kern="1200" cap="none" spc="0" normalizeH="0" baseline="0" noProof="0" dirty="0">
                 <a:ln>
                   <a:noFill/>
                 </a:ln>
@@ -11624,7 +12027,7 @@
               <a:tabLst/>
               <a:defRPr/>
             </a:pPr>
-            <a:endParaRPr kumimoji="0" lang="en-US" sz="3200" b="0" i="0" u="none" strike="noStrike" kern="1200" cap="none" spc="0" normalizeH="0" baseline="0" noProof="0" dirty="0" smtClean="0">
+            <a:endParaRPr kumimoji="0" lang="en-US" sz="3200" b="0" i="0" u="none" strike="noStrike" kern="1200" cap="none" spc="0" normalizeH="0" baseline="0" noProof="0" dirty="0">
               <a:ln>
                 <a:noFill/>
               </a:ln>
@@ -11688,9 +12091,59 @@
         </p:xfrm>
         <a:graphic>
           <a:graphicData uri="http://schemas.openxmlformats.org/presentationml/2006/ole">
-            <p:oleObj spid="_x0000_s40962" name="Equation" r:id="rId3" imgW="1117440" imgH="1143000" progId="Equation.3">
-              <p:embed/>
-            </p:oleObj>
+            <mc:AlternateContent xmlns:mc="http://schemas.openxmlformats.org/markup-compatibility/2006">
+              <mc:Choice xmlns:v="urn:schemas-microsoft-com:vml" Requires="v">
+                <p:oleObj spid="_x0000_s40962" name="Equation" r:id="rId2" imgW="1117440" imgH="1143000" progId="Equation.3">
+                  <p:embed/>
+                </p:oleObj>
+              </mc:Choice>
+              <mc:Fallback>
+                <p:oleObj name="Equation" r:id="rId2" imgW="1117440" imgH="1143000" progId="Equation.3">
+                  <p:embed/>
+                  <p:pic>
+                    <p:nvPicPr>
+                      <p:cNvPr id="0" name="Picture 2"/>
+                      <p:cNvPicPr>
+                        <a:picLocks noChangeAspect="1" noChangeArrowheads="1"/>
+                      </p:cNvPicPr>
+                      <p:nvPr/>
+                    </p:nvPicPr>
+                    <p:blipFill>
+                      <a:blip r:embed="rId3">
+                        <a:extLst>
+                          <a:ext uri="{28A0092B-C50C-407E-A947-70E740481C1C}">
+                            <a14:useLocalDpi xmlns:a14="http://schemas.microsoft.com/office/drawing/2010/main" val="0"/>
+                          </a:ext>
+                        </a:extLst>
+                      </a:blip>
+                      <a:srcRect/>
+                      <a:stretch>
+                        <a:fillRect/>
+                      </a:stretch>
+                    </p:blipFill>
+                    <p:spPr bwMode="auto">
+                      <a:xfrm>
+                        <a:off x="4935538" y="2192338"/>
+                        <a:ext cx="2222500" cy="2273300"/>
+                      </a:xfrm>
+                      <a:prstGeom prst="rect">
+                        <a:avLst/>
+                      </a:prstGeom>
+                      <a:noFill/>
+                      <a:extLst>
+                        <a:ext uri="{909E8E84-426E-40DD-AFC4-6F175D3DCCD1}">
+                          <a14:hiddenFill xmlns:a14="http://schemas.microsoft.com/office/drawing/2010/main">
+                            <a:solidFill>
+                              <a:srgbClr val="FFFFFF"/>
+                            </a:solidFill>
+                          </a14:hiddenFill>
+                        </a:ext>
+                      </a:extLst>
+                    </p:spPr>
+                  </p:pic>
+                </p:oleObj>
+              </mc:Fallback>
+            </mc:AlternateContent>
           </a:graphicData>
         </a:graphic>
       </p:graphicFrame>
@@ -11699,13 +12152,6 @@
   <p:clrMapOvr>
     <a:masterClrMapping/>
   </p:clrMapOvr>
-  <p:timing>
-    <p:tnLst>
-      <p:par>
-        <p:cTn id="1" dur="indefinite" restart="never" nodeType="tmRoot"/>
-      </p:par>
-    </p:tnLst>
-  </p:timing>
 </p:sld>
 </file>
 
@@ -11742,10 +12188,9 @@
           <a:lstStyle/>
           <a:p>
             <a:r>
-              <a:rPr lang="en-US" dirty="0" smtClean="0"/>
+              <a:rPr lang="en-US" dirty="0"/>
               <a:t>Supervised Learning</a:t>
             </a:r>
-            <a:endParaRPr lang="en-US" dirty="0"/>
           </a:p>
         </p:txBody>
       </p:sp>
@@ -11765,61 +12210,61 @@
           <a:lstStyle/>
           <a:p>
             <a:r>
-              <a:rPr lang="en-US" dirty="0" smtClean="0"/>
+              <a:rPr lang="en-US" dirty="0"/>
               <a:t>Training set – { (x</a:t>
             </a:r>
             <a:r>
-              <a:rPr lang="en-US" baseline="30000" dirty="0" smtClean="0"/>
+              <a:rPr lang="en-US" baseline="30000" dirty="0"/>
               <a:t>(1)</a:t>
             </a:r>
             <a:r>
-              <a:rPr lang="en-US" dirty="0" smtClean="0"/>
+              <a:rPr lang="en-US" dirty="0"/>
               <a:t>,y</a:t>
             </a:r>
             <a:r>
-              <a:rPr lang="en-US" baseline="30000" dirty="0" smtClean="0"/>
+              <a:rPr lang="en-US" baseline="30000" dirty="0"/>
               <a:t>(1)</a:t>
             </a:r>
             <a:r>
-              <a:rPr lang="en-US" dirty="0" smtClean="0"/>
+              <a:rPr lang="en-US" dirty="0"/>
               <a:t>), (x</a:t>
             </a:r>
             <a:r>
-              <a:rPr lang="en-US" baseline="30000" dirty="0" smtClean="0"/>
+              <a:rPr lang="en-US" baseline="30000" dirty="0"/>
               <a:t>(2)</a:t>
             </a:r>
             <a:r>
-              <a:rPr lang="en-US" dirty="0" smtClean="0"/>
+              <a:rPr lang="en-US" dirty="0"/>
               <a:t>,y</a:t>
             </a:r>
             <a:r>
-              <a:rPr lang="en-US" baseline="30000" dirty="0" smtClean="0"/>
+              <a:rPr lang="en-US" baseline="30000" dirty="0"/>
               <a:t>(2)</a:t>
             </a:r>
             <a:r>
-              <a:rPr lang="en-US" dirty="0" smtClean="0"/>
+              <a:rPr lang="en-US" dirty="0"/>
               <a:t>), …, (x</a:t>
             </a:r>
             <a:r>
-              <a:rPr lang="en-US" baseline="30000" dirty="0" smtClean="0"/>
+              <a:rPr lang="en-US" baseline="30000" dirty="0"/>
               <a:t>(m)</a:t>
             </a:r>
             <a:r>
-              <a:rPr lang="en-US" dirty="0" smtClean="0"/>
+              <a:rPr lang="en-US" dirty="0"/>
               <a:t>,y</a:t>
             </a:r>
             <a:r>
-              <a:rPr lang="en-US" baseline="30000" dirty="0" smtClean="0"/>
+              <a:rPr lang="en-US" baseline="30000" dirty="0"/>
               <a:t>(m)</a:t>
             </a:r>
             <a:r>
-              <a:rPr lang="en-US" dirty="0" smtClean="0"/>
+              <a:rPr lang="en-US" dirty="0"/>
               <a:t>)}</a:t>
             </a:r>
           </a:p>
           <a:p>
             <a:r>
-              <a:rPr lang="en-US" dirty="0" smtClean="0"/>
+              <a:rPr lang="en-US" dirty="0"/>
               <a:t>Labeled dataset</a:t>
             </a:r>
           </a:p>
@@ -11897,7 +12342,7 @@
               <a:t>Image </a:t>
             </a:r>
             <a:r>
-              <a:rPr lang="en-US" sz="1600" b="1" dirty="0" err="1" smtClean="0">
+              <a:rPr lang="en-US" sz="1600" b="1" dirty="0" err="1">
                 <a:solidFill>
                   <a:srgbClr val="FF0000"/>
                 </a:solidFill>
@@ -11905,18 +12350,13 @@
               <a:t>ack</a:t>
             </a:r>
             <a:r>
-              <a:rPr lang="en-US" sz="1600" b="1" dirty="0" smtClean="0">
+              <a:rPr lang="en-US" sz="1600" b="1" dirty="0">
                 <a:solidFill>
                   <a:srgbClr val="FF0000"/>
                 </a:solidFill>
               </a:rPr>
               <a:t> – Google</a:t>
             </a:r>
-            <a:endParaRPr lang="en-US" sz="1600" b="1" dirty="0">
-              <a:solidFill>
-                <a:srgbClr val="FF0000"/>
-              </a:solidFill>
-            </a:endParaRPr>
           </a:p>
         </p:txBody>
       </p:sp>
@@ -11925,13 +12365,6 @@
   <p:clrMapOvr>
     <a:masterClrMapping/>
   </p:clrMapOvr>
-  <p:timing>
-    <p:tnLst>
-      <p:par>
-        <p:cTn id="1" dur="indefinite" restart="never" nodeType="tmRoot"/>
-      </p:par>
-    </p:tnLst>
-  </p:timing>
 </p:sld>
 </file>
 
@@ -11968,10 +12401,9 @@
           <a:lstStyle/>
           <a:p>
             <a:r>
-              <a:rPr lang="en-IN" dirty="0" smtClean="0"/>
+              <a:rPr lang="en-IN" dirty="0"/>
               <a:t>Regularization</a:t>
             </a:r>
-            <a:endParaRPr lang="en-IN" dirty="0"/>
           </a:p>
         </p:txBody>
       </p:sp>
@@ -11991,19 +12423,19 @@
           <a:lstStyle/>
           <a:p>
             <a:r>
-              <a:rPr lang="en-IN" dirty="0" smtClean="0"/>
+              <a:rPr lang="en-IN" dirty="0"/>
               <a:t>Lasso regression</a:t>
             </a:r>
           </a:p>
           <a:p>
             <a:r>
-              <a:rPr lang="en-IN" dirty="0" smtClean="0"/>
+              <a:rPr lang="en-IN" dirty="0"/>
               <a:t>Ridge Regression</a:t>
             </a:r>
           </a:p>
           <a:p>
             <a:r>
-              <a:rPr lang="en-IN" dirty="0" smtClean="0"/>
+              <a:rPr lang="en-IN" dirty="0"/>
               <a:t>Elastic Net Regression</a:t>
             </a:r>
           </a:p>
@@ -12053,10 +12485,9 @@
           <a:lstStyle/>
           <a:p>
             <a:r>
-              <a:rPr lang="en-IN" dirty="0" smtClean="0"/>
+              <a:rPr lang="en-IN" dirty="0"/>
               <a:t>Lasso Regression</a:t>
             </a:r>
-            <a:endParaRPr lang="en-IN" dirty="0"/>
           </a:p>
         </p:txBody>
       </p:sp>
@@ -12078,49 +12509,48 @@
           <a:lstStyle/>
           <a:p>
             <a:r>
-              <a:rPr lang="en-IN" dirty="0" smtClean="0"/>
+              <a:rPr lang="en-IN" dirty="0"/>
               <a:t>Least Absolute Shrinkage Selector Operator</a:t>
             </a:r>
           </a:p>
           <a:p>
             <a:r>
-              <a:rPr lang="en-IN" dirty="0" smtClean="0"/>
+              <a:rPr lang="en-IN" dirty="0"/>
               <a:t>L1 regularization technique</a:t>
             </a:r>
           </a:p>
           <a:p>
             <a:r>
-              <a:rPr lang="en-IN" smtClean="0"/>
+              <a:rPr lang="en-IN"/>
               <a:t>Reduce coefficients</a:t>
             </a:r>
-            <a:endParaRPr lang="en-IN" dirty="0" smtClean="0"/>
-          </a:p>
-          <a:p>
-            <a:r>
-              <a:rPr lang="en-IN" dirty="0" smtClean="0"/>
+            <a:endParaRPr lang="en-IN" dirty="0"/>
+          </a:p>
+          <a:p>
+            <a:r>
+              <a:rPr lang="en-IN" dirty="0"/>
               <a:t>Feature selection</a:t>
             </a:r>
           </a:p>
           <a:p>
             <a:pPr lvl="1"/>
             <a:r>
-              <a:rPr lang="en-IN" dirty="0" smtClean="0"/>
+              <a:rPr lang="en-IN" dirty="0"/>
               <a:t>Select important features </a:t>
             </a:r>
           </a:p>
           <a:p>
             <a:pPr lvl="1"/>
             <a:r>
-              <a:rPr lang="en-IN" dirty="0" smtClean="0"/>
+              <a:rPr lang="en-IN" dirty="0"/>
               <a:t>Reduce coefficients of others to zero</a:t>
             </a:r>
           </a:p>
           <a:p>
             <a:r>
-              <a:rPr lang="en-IN" dirty="0" smtClean="0"/>
+              <a:rPr lang="en-IN" dirty="0"/>
               <a:t>Suitable for more number of features</a:t>
             </a:r>
-            <a:endParaRPr lang="en-IN" dirty="0"/>
           </a:p>
         </p:txBody>
       </p:sp>
@@ -12165,10 +12595,9 @@
           <a:lstStyle/>
           <a:p>
             <a:r>
-              <a:rPr lang="en-IN" dirty="0" smtClean="0"/>
+              <a:rPr lang="en-IN" dirty="0"/>
               <a:t>Ridge Regression</a:t>
             </a:r>
-            <a:endParaRPr lang="en-IN" dirty="0"/>
           </a:p>
         </p:txBody>
       </p:sp>
@@ -12188,33 +12617,33 @@
           <a:lstStyle/>
           <a:p>
             <a:r>
-              <a:rPr lang="en-IN" dirty="0" smtClean="0"/>
+              <a:rPr lang="en-IN" dirty="0"/>
               <a:t>L2 regularization technique</a:t>
             </a:r>
           </a:p>
           <a:p>
             <a:r>
-              <a:rPr lang="en-IN" dirty="0" smtClean="0"/>
+              <a:rPr lang="en-IN" dirty="0"/>
               <a:t>Reduce coefficients</a:t>
             </a:r>
           </a:p>
           <a:p>
             <a:r>
-              <a:rPr lang="en-IN" dirty="0" smtClean="0"/>
+              <a:rPr lang="en-IN" dirty="0"/>
               <a:t>Reduce model complexity</a:t>
             </a:r>
           </a:p>
           <a:p>
             <a:r>
-              <a:rPr lang="en-IN" dirty="0" smtClean="0"/>
+              <a:rPr lang="en-IN" dirty="0"/>
               <a:t>Prevent </a:t>
             </a:r>
             <a:r>
-              <a:rPr lang="en-IN" dirty="0" err="1" smtClean="0"/>
+              <a:rPr lang="en-IN" dirty="0" err="1"/>
               <a:t>multicollinearity</a:t>
             </a:r>
             <a:r>
-              <a:rPr lang="en-IN" dirty="0" smtClean="0"/>
+              <a:rPr lang="en-IN" dirty="0"/>
               <a:t> </a:t>
             </a:r>
           </a:p>
@@ -12261,10 +12690,9 @@
           <a:lstStyle/>
           <a:p>
             <a:r>
-              <a:rPr lang="en-IN" dirty="0" smtClean="0"/>
+              <a:rPr lang="en-IN" dirty="0"/>
               <a:t>Elastic Net Regression</a:t>
             </a:r>
-            <a:endParaRPr lang="en-IN" dirty="0"/>
           </a:p>
         </p:txBody>
       </p:sp>
@@ -12284,10 +12712,9 @@
           <a:lstStyle/>
           <a:p>
             <a:r>
-              <a:rPr lang="en-IN" dirty="0" smtClean="0"/>
+              <a:rPr lang="en-IN" dirty="0"/>
               <a:t>L1 and L2 regularization technique</a:t>
             </a:r>
-            <a:endParaRPr lang="en-IN" dirty="0"/>
           </a:p>
         </p:txBody>
       </p:sp>
@@ -12318,7 +12745,13 @@
       </p:grpSpPr>
       <p:sp>
         <p:nvSpPr>
-          <p:cNvPr id="2" name="Title 1"/>
+          <p:cNvPr id="2" name="Title 1">
+            <a:extLst>
+              <a:ext uri="{FF2B5EF4-FFF2-40B4-BE49-F238E27FC236}">
+                <a16:creationId xmlns:a16="http://schemas.microsoft.com/office/drawing/2014/main" id="{9EDF2053-84B8-00D1-D398-C905CCFCE5BC}"/>
+              </a:ext>
+            </a:extLst>
+          </p:cNvPr>
           <p:cNvSpPr>
             <a:spLocks noGrp="1"/>
           </p:cNvSpPr>
@@ -12328,80 +12761,131 @@
         </p:nvSpPr>
         <p:spPr/>
         <p:txBody>
-          <a:bodyPr>
-            <a:normAutofit/>
+          <a:bodyPr/>
+          <a:lstStyle/>
+          <a:p>
+            <a:r>
+              <a:rPr lang="en-IN" dirty="0"/>
+              <a:t>Confusion Matrix</a:t>
+            </a:r>
+          </a:p>
+        </p:txBody>
+      </p:sp>
+      <p:sp>
+        <p:nvSpPr>
+          <p:cNvPr id="4" name="Text Box 10">
+            <a:extLst>
+              <a:ext uri="{FF2B5EF4-FFF2-40B4-BE49-F238E27FC236}">
+                <a16:creationId xmlns:a16="http://schemas.microsoft.com/office/drawing/2014/main" id="{B82EF61E-94BA-0C39-0400-E0D8FAB1D765}"/>
+              </a:ext>
+            </a:extLst>
+          </p:cNvPr>
+          <p:cNvSpPr txBox="1">
+            <a:spLocks noChangeArrowheads="1"/>
+          </p:cNvSpPr>
+          <p:nvPr/>
+        </p:nvSpPr>
+        <p:spPr bwMode="auto">
+          <a:xfrm rot="10800000" flipV="1">
+            <a:off x="-1" y="6519446"/>
+            <a:ext cx="2133600" cy="338554"/>
+          </a:xfrm>
+          <a:prstGeom prst="rect">
+            <a:avLst/>
+          </a:prstGeom>
+          <a:noFill/>
+          <a:ln w="9525">
+            <a:noFill/>
+            <a:miter lim="800000"/>
+            <a:headEnd/>
+            <a:tailEnd/>
+          </a:ln>
+          <a:effectLst/>
+        </p:spPr>
+        <p:txBody>
+          <a:bodyPr wrap="square">
+            <a:spAutoFit/>
           </a:bodyPr>
           <a:lstStyle/>
           <a:p>
-            <a:r>
-              <a:rPr lang="en-US" dirty="0" smtClean="0"/>
-              <a:t>Applications</a:t>
-            </a:r>
-            <a:endParaRPr lang="en-US" dirty="0"/>
-          </a:p>
-        </p:txBody>
-      </p:sp>
-      <p:sp>
-        <p:nvSpPr>
-          <p:cNvPr id="3" name="Content Placeholder 2"/>
-          <p:cNvSpPr>
-            <a:spLocks noGrp="1"/>
-          </p:cNvSpPr>
-          <p:nvPr>
-            <p:ph idx="1"/>
-          </p:nvPr>
-        </p:nvSpPr>
+            <a:pPr>
+              <a:spcBef>
+                <a:spcPct val="50000"/>
+              </a:spcBef>
+            </a:pPr>
+            <a:r>
+              <a:rPr lang="en-US" sz="1600" b="1" dirty="0">
+                <a:solidFill>
+                  <a:srgbClr val="FF0000"/>
+                </a:solidFill>
+              </a:rPr>
+              <a:t>Image </a:t>
+            </a:r>
+            <a:r>
+              <a:rPr lang="en-US" sz="1600" b="1" dirty="0" err="1">
+                <a:solidFill>
+                  <a:srgbClr val="FF0000"/>
+                </a:solidFill>
+              </a:rPr>
+              <a:t>ack</a:t>
+            </a:r>
+            <a:r>
+              <a:rPr lang="en-US" sz="1600" b="1" dirty="0">
+                <a:solidFill>
+                  <a:srgbClr val="FF0000"/>
+                </a:solidFill>
+              </a:rPr>
+              <a:t> – Google</a:t>
+            </a:r>
+          </a:p>
+        </p:txBody>
+      </p:sp>
+      <p:pic>
+        <p:nvPicPr>
+          <p:cNvPr id="6" name="Picture 5">
+            <a:extLst>
+              <a:ext uri="{FF2B5EF4-FFF2-40B4-BE49-F238E27FC236}">
+                <a16:creationId xmlns:a16="http://schemas.microsoft.com/office/drawing/2014/main" id="{CCD7382C-8964-AC6D-D726-8F774177DEE7}"/>
+              </a:ext>
+            </a:extLst>
+          </p:cNvPr>
+          <p:cNvPicPr>
+            <a:picLocks noChangeAspect="1"/>
+          </p:cNvPicPr>
+          <p:nvPr/>
+        </p:nvPicPr>
+        <p:blipFill>
+          <a:blip r:embed="rId2">
+            <a:extLst>
+              <a:ext uri="{28A0092B-C50C-407E-A947-70E740481C1C}">
+                <a14:useLocalDpi xmlns:a14="http://schemas.microsoft.com/office/drawing/2010/main" val="0"/>
+              </a:ext>
+            </a:extLst>
+          </a:blip>
+          <a:stretch>
+            <a:fillRect/>
+          </a:stretch>
+        </p:blipFill>
         <p:spPr>
           <a:xfrm>
-            <a:off x="304800" y="1600200"/>
-            <a:ext cx="8534400" cy="4525963"/>
+            <a:off x="1295400" y="1543021"/>
+            <a:ext cx="6629400" cy="4933979"/>
           </a:xfrm>
+          <a:prstGeom prst="rect">
+            <a:avLst/>
+          </a:prstGeom>
         </p:spPr>
-        <p:txBody>
-          <a:bodyPr/>
-          <a:lstStyle/>
-          <a:p>
-            <a:r>
-              <a:rPr lang="en-US" dirty="0" smtClean="0"/>
-              <a:t>Binary </a:t>
-            </a:r>
-            <a:r>
-              <a:rPr lang="en-US" dirty="0" smtClean="0"/>
-              <a:t>classification</a:t>
-            </a:r>
-          </a:p>
-          <a:p>
-            <a:r>
-              <a:rPr lang="en-IN" dirty="0" smtClean="0"/>
-              <a:t>Positive class and negative class</a:t>
-            </a:r>
-            <a:endParaRPr lang="en-US" dirty="0" smtClean="0"/>
-          </a:p>
-          <a:p>
-            <a:pPr lvl="1"/>
-            <a:endParaRPr lang="en-US" dirty="0" smtClean="0"/>
-          </a:p>
-          <a:p>
-            <a:endParaRPr lang="en-US" dirty="0" smtClean="0"/>
-          </a:p>
-          <a:p>
-            <a:pPr lvl="1"/>
-            <a:endParaRPr lang="en-US" baseline="-25000" dirty="0"/>
-          </a:p>
-        </p:txBody>
-      </p:sp>
+      </p:pic>
     </p:spTree>
+    <p:extLst>
+      <p:ext uri="{BB962C8B-B14F-4D97-AF65-F5344CB8AC3E}">
+        <p14:creationId xmlns:p14="http://schemas.microsoft.com/office/powerpoint/2010/main" val="2512492936"/>
+      </p:ext>
+    </p:extLst>
   </p:cSld>
   <p:clrMapOvr>
     <a:masterClrMapping/>
   </p:clrMapOvr>
-  <p:timing>
-    <p:tnLst>
-      <p:par>
-        <p:cTn id="1" dur="indefinite" restart="never" nodeType="tmRoot"/>
-      </p:par>
-    </p:tnLst>
-  </p:timing>
 </p:sld>
 </file>
 
@@ -12434,102 +12918,139 @@
         </p:nvSpPr>
         <p:spPr/>
         <p:txBody>
-          <a:bodyPr/>
-          <a:lstStyle/>
-          <a:p>
-            <a:r>
-              <a:rPr lang="en-US" dirty="0" smtClean="0"/>
-              <a:t>Advantages</a:t>
-            </a:r>
-            <a:endParaRPr lang="en-US" dirty="0"/>
-          </a:p>
-        </p:txBody>
-      </p:sp>
-      <p:sp>
-        <p:nvSpPr>
-          <p:cNvPr id="3" name="Content Placeholder 2"/>
-          <p:cNvSpPr>
-            <a:spLocks noGrp="1"/>
-          </p:cNvSpPr>
-          <p:nvPr>
-            <p:ph idx="1"/>
-          </p:nvPr>
-        </p:nvSpPr>
-        <p:spPr/>
-        <p:txBody>
           <a:bodyPr>
             <a:normAutofit/>
           </a:bodyPr>
           <a:lstStyle/>
           <a:p>
             <a:r>
-              <a:rPr lang="en-IN" dirty="0" smtClean="0"/>
-              <a:t>Easy to </a:t>
-            </a:r>
-            <a:r>
-              <a:rPr lang="en-IN" dirty="0" smtClean="0"/>
-              <a:t>implement and interpret</a:t>
-            </a:r>
-          </a:p>
-          <a:p>
-            <a:r>
-              <a:rPr lang="en-IN" dirty="0" smtClean="0"/>
-              <a:t>Efficient </a:t>
-            </a:r>
-            <a:r>
-              <a:rPr lang="en-IN" dirty="0" smtClean="0"/>
-              <a:t>to </a:t>
-            </a:r>
-            <a:r>
-              <a:rPr lang="en-IN" dirty="0" smtClean="0"/>
-              <a:t>train</a:t>
-            </a:r>
-          </a:p>
-          <a:p>
-            <a:r>
-              <a:rPr lang="en-IN" dirty="0" smtClean="0"/>
-              <a:t>No assumptions about distributions of </a:t>
-            </a:r>
-            <a:r>
-              <a:rPr lang="en-IN" dirty="0" smtClean="0"/>
-              <a:t>classes</a:t>
-            </a:r>
-          </a:p>
-          <a:p>
-            <a:r>
-              <a:rPr lang="en-IN" dirty="0" smtClean="0"/>
-              <a:t>Can be extended to multiple </a:t>
-            </a:r>
-            <a:r>
-              <a:rPr lang="en-IN" dirty="0" smtClean="0"/>
-              <a:t>classes</a:t>
-            </a:r>
-          </a:p>
-          <a:p>
-            <a:r>
-              <a:rPr lang="en-IN" dirty="0" smtClean="0"/>
-              <a:t>Good accuracy for </a:t>
-            </a:r>
-            <a:r>
-              <a:rPr lang="en-IN" dirty="0" smtClean="0"/>
-              <a:t>linearly separable dataset</a:t>
+              <a:rPr lang="en-IN" dirty="0"/>
+              <a:t>Confusion Matrix</a:t>
             </a:r>
             <a:endParaRPr lang="en-US" dirty="0"/>
           </a:p>
         </p:txBody>
       </p:sp>
+      <p:sp>
+        <p:nvSpPr>
+          <p:cNvPr id="3" name="Content Placeholder 2"/>
+          <p:cNvSpPr>
+            <a:spLocks noGrp="1"/>
+          </p:cNvSpPr>
+          <p:nvPr>
+            <p:ph idx="1"/>
+          </p:nvPr>
+        </p:nvSpPr>
+        <p:spPr>
+          <a:xfrm>
+            <a:off x="304800" y="1600200"/>
+            <a:ext cx="8534400" cy="4525963"/>
+          </a:xfrm>
+        </p:spPr>
+        <p:txBody>
+          <a:bodyPr>
+            <a:normAutofit fontScale="77500" lnSpcReduction="20000"/>
+          </a:bodyPr>
+          <a:lstStyle/>
+          <a:p>
+            <a:r>
+              <a:rPr lang="en-US" dirty="0"/>
+              <a:t>True positive</a:t>
+            </a:r>
+          </a:p>
+          <a:p>
+            <a:pPr lvl="1"/>
+            <a:r>
+              <a:rPr lang="en-US" dirty="0"/>
+              <a:t>Actual positive</a:t>
+            </a:r>
+          </a:p>
+          <a:p>
+            <a:pPr lvl="1"/>
+            <a:r>
+              <a:rPr lang="en-US" dirty="0"/>
+              <a:t>Predicted positive</a:t>
+            </a:r>
+          </a:p>
+          <a:p>
+            <a:r>
+              <a:rPr lang="en-US" dirty="0"/>
+              <a:t>False positive – Type 1 error</a:t>
+            </a:r>
+          </a:p>
+          <a:p>
+            <a:pPr lvl="1"/>
+            <a:r>
+              <a:rPr lang="en-US" dirty="0"/>
+              <a:t>Actual negative</a:t>
+            </a:r>
+          </a:p>
+          <a:p>
+            <a:pPr lvl="1"/>
+            <a:r>
+              <a:rPr lang="en-US" dirty="0"/>
+              <a:t>Predicted positive</a:t>
+            </a:r>
+          </a:p>
+          <a:p>
+            <a:r>
+              <a:rPr lang="en-US" dirty="0"/>
+              <a:t>False negative – Type 2 error</a:t>
+            </a:r>
+          </a:p>
+          <a:p>
+            <a:pPr lvl="1"/>
+            <a:r>
+              <a:rPr lang="en-US" dirty="0"/>
+              <a:t>Actual positive</a:t>
+            </a:r>
+          </a:p>
+          <a:p>
+            <a:pPr lvl="1"/>
+            <a:r>
+              <a:rPr lang="en-US" dirty="0"/>
+              <a:t>Predicted negative</a:t>
+            </a:r>
+          </a:p>
+          <a:p>
+            <a:r>
+              <a:rPr lang="en-US" dirty="0"/>
+              <a:t>True negative</a:t>
+            </a:r>
+          </a:p>
+          <a:p>
+            <a:pPr lvl="1"/>
+            <a:r>
+              <a:rPr lang="en-US" dirty="0"/>
+              <a:t>Actual negative</a:t>
+            </a:r>
+          </a:p>
+          <a:p>
+            <a:pPr lvl="1"/>
+            <a:r>
+              <a:rPr lang="en-US" dirty="0"/>
+              <a:t>Predicted negative</a:t>
+            </a:r>
+          </a:p>
+          <a:p>
+            <a:endParaRPr lang="en-US" dirty="0"/>
+          </a:p>
+          <a:p>
+            <a:pPr lvl="1"/>
+            <a:endParaRPr lang="en-US" baseline="-25000" dirty="0"/>
+          </a:p>
+        </p:txBody>
+      </p:sp>
     </p:spTree>
+    <p:extLst>
+      <p:ext uri="{BB962C8B-B14F-4D97-AF65-F5344CB8AC3E}">
+        <p14:creationId xmlns:p14="http://schemas.microsoft.com/office/powerpoint/2010/main" val="3445439315"/>
+      </p:ext>
+    </p:extLst>
   </p:cSld>
   <p:clrMapOvr>
     <a:masterClrMapping/>
   </p:clrMapOvr>
-  <p:timing>
-    <p:tnLst>
-      <p:par>
-        <p:cTn id="1" dur="indefinite" restart="never" nodeType="tmRoot"/>
-      </p:par>
-    </p:tnLst>
-  </p:timing>
 </p:sld>
 </file>
 
@@ -12562,102 +13083,111 @@
         </p:nvSpPr>
         <p:spPr/>
         <p:txBody>
-          <a:bodyPr/>
-          <a:lstStyle/>
-          <a:p>
-            <a:r>
-              <a:rPr lang="en-US" dirty="0" smtClean="0"/>
-              <a:t>Disadvantages</a:t>
-            </a:r>
-            <a:endParaRPr lang="en-US" dirty="0"/>
-          </a:p>
-        </p:txBody>
-      </p:sp>
-      <p:sp>
-        <p:nvSpPr>
-          <p:cNvPr id="3" name="Content Placeholder 2"/>
-          <p:cNvSpPr>
-            <a:spLocks noGrp="1"/>
-          </p:cNvSpPr>
-          <p:nvPr>
-            <p:ph idx="1"/>
-          </p:nvPr>
-        </p:nvSpPr>
-        <p:spPr/>
-        <p:txBody>
           <a:bodyPr>
             <a:normAutofit/>
           </a:bodyPr>
           <a:lstStyle/>
           <a:p>
             <a:r>
-              <a:rPr lang="en-US" dirty="0" err="1" smtClean="0"/>
-              <a:t>Overfit</a:t>
-            </a:r>
-            <a:r>
-              <a:rPr lang="en-US" dirty="0" smtClean="0"/>
-              <a:t> for small dataset</a:t>
-            </a:r>
-          </a:p>
-          <a:p>
-            <a:r>
-              <a:rPr lang="en-US" dirty="0" smtClean="0"/>
-              <a:t>Construct linear </a:t>
-            </a:r>
-            <a:r>
-              <a:rPr lang="en-US" dirty="0" smtClean="0"/>
-              <a:t>boundaries</a:t>
-            </a:r>
-          </a:p>
-          <a:p>
-            <a:r>
-              <a:rPr lang="en-IN" dirty="0" smtClean="0"/>
-              <a:t>Assumption of linearity </a:t>
+              <a:rPr lang="en-IN" dirty="0"/>
+              <a:t>Confusion Matrix</a:t>
+            </a:r>
+            <a:endParaRPr lang="en-US" dirty="0"/>
+          </a:p>
+        </p:txBody>
+      </p:sp>
+      <p:sp>
+        <p:nvSpPr>
+          <p:cNvPr id="3" name="Content Placeholder 2"/>
+          <p:cNvSpPr>
+            <a:spLocks noGrp="1"/>
+          </p:cNvSpPr>
+          <p:nvPr>
+            <p:ph idx="1"/>
+          </p:nvPr>
+        </p:nvSpPr>
+        <p:spPr>
+          <a:xfrm>
+            <a:off x="304800" y="1600200"/>
+            <a:ext cx="8534400" cy="4525963"/>
+          </a:xfrm>
+        </p:spPr>
+        <p:txBody>
+          <a:bodyPr>
+            <a:normAutofit/>
+          </a:bodyPr>
+          <a:lstStyle/>
+          <a:p>
+            <a:r>
+              <a:rPr lang="en-US" dirty="0"/>
+              <a:t>Accuracy</a:t>
             </a:r>
           </a:p>
           <a:p>
             <a:pPr lvl="1"/>
             <a:r>
-              <a:rPr lang="en-IN" dirty="0" smtClean="0"/>
-              <a:t>Independent variables</a:t>
+              <a:rPr lang="en-US" dirty="0"/>
+              <a:t>(TP + TN) /(TP + TN + FP + FN)</a:t>
+            </a:r>
+          </a:p>
+          <a:p>
+            <a:r>
+              <a:rPr lang="en-US" dirty="0"/>
+              <a:t>Recall</a:t>
             </a:r>
           </a:p>
           <a:p>
             <a:pPr lvl="1"/>
             <a:r>
-              <a:rPr lang="en-IN" dirty="0" smtClean="0"/>
-              <a:t>Dependent </a:t>
-            </a:r>
-            <a:r>
-              <a:rPr lang="en-IN" dirty="0" smtClean="0"/>
-              <a:t>variables</a:t>
-            </a:r>
-          </a:p>
-          <a:p>
-            <a:r>
-              <a:rPr lang="en-IN" smtClean="0"/>
-              <a:t>Cannot solve non </a:t>
-            </a:r>
-            <a:r>
-              <a:rPr lang="en-IN" dirty="0" smtClean="0"/>
-              <a:t>linear problems</a:t>
-            </a:r>
-            <a:endParaRPr lang="en-IN" dirty="0" smtClean="0"/>
+              <a:rPr lang="en-US" dirty="0"/>
+              <a:t>(TP) / (TP + FN)</a:t>
+            </a:r>
+          </a:p>
+          <a:p>
+            <a:r>
+              <a:rPr lang="en-US" dirty="0"/>
+              <a:t>Precision</a:t>
+            </a:r>
+          </a:p>
+          <a:p>
+            <a:pPr lvl="1"/>
+            <a:r>
+              <a:rPr lang="en-US" dirty="0"/>
+              <a:t>(TP) / (TP + FP)</a:t>
+            </a:r>
+          </a:p>
+          <a:p>
+            <a:r>
+              <a:rPr lang="en-US" dirty="0"/>
+              <a:t>F1 score </a:t>
+            </a:r>
+          </a:p>
+          <a:p>
+            <a:pPr lvl="1"/>
+            <a:r>
+              <a:rPr lang="en-US" dirty="0"/>
+              <a:t>(2 × Recall × Precision) / ( Recall + Precision)</a:t>
+            </a:r>
+          </a:p>
+          <a:p>
+            <a:endParaRPr lang="en-US" dirty="0"/>
+          </a:p>
+          <a:p>
+            <a:pPr lvl="1"/>
+            <a:endParaRPr lang="en-US" baseline="-25000" dirty="0"/>
           </a:p>
         </p:txBody>
       </p:sp>
     </p:spTree>
+    <p:extLst>
+      <p:ext uri="{BB962C8B-B14F-4D97-AF65-F5344CB8AC3E}">
+        <p14:creationId xmlns:p14="http://schemas.microsoft.com/office/powerpoint/2010/main" val="2912760412"/>
+      </p:ext>
+    </p:extLst>
   </p:cSld>
   <p:clrMapOvr>
     <a:masterClrMapping/>
   </p:clrMapOvr>
-  <p:timing>
-    <p:tnLst>
-      <p:par>
-        <p:cTn id="1" dur="indefinite" restart="never" nodeType="tmRoot"/>
-      </p:par>
-    </p:tnLst>
-  </p:timing>
 </p:sld>
 </file>
 
@@ -12685,42 +13215,65 @@
             <a:spLocks noGrp="1"/>
           </p:cNvSpPr>
           <p:nvPr>
-            <p:ph type="ctrTitle"/>
+            <p:ph type="title"/>
           </p:nvPr>
         </p:nvSpPr>
         <p:spPr/>
+        <p:txBody>
+          <a:bodyPr>
+            <a:normAutofit/>
+          </a:bodyPr>
+          <a:lstStyle/>
+          <a:p>
+            <a:r>
+              <a:rPr lang="en-US" dirty="0"/>
+              <a:t>Applications</a:t>
+            </a:r>
+          </a:p>
+        </p:txBody>
+      </p:sp>
+      <p:sp>
+        <p:nvSpPr>
+          <p:cNvPr id="3" name="Content Placeholder 2"/>
+          <p:cNvSpPr>
+            <a:spLocks noGrp="1"/>
+          </p:cNvSpPr>
+          <p:nvPr>
+            <p:ph idx="1"/>
+          </p:nvPr>
+        </p:nvSpPr>
+        <p:spPr>
+          <a:xfrm>
+            <a:off x="304800" y="1600200"/>
+            <a:ext cx="8534400" cy="4525963"/>
+          </a:xfrm>
+        </p:spPr>
         <p:txBody>
           <a:bodyPr/>
           <a:lstStyle/>
           <a:p>
             <a:r>
-              <a:rPr lang="en-US" dirty="0" smtClean="0"/>
-              <a:t>Questions?</a:t>
+              <a:rPr lang="en-US" dirty="0"/>
+              <a:t>Binary classification</a:t>
+            </a:r>
+          </a:p>
+          <a:p>
+            <a:r>
+              <a:rPr lang="en-IN" dirty="0"/>
+              <a:t>Positive class and negative class</a:t>
             </a:r>
             <a:endParaRPr lang="en-US" dirty="0"/>
           </a:p>
-        </p:txBody>
-      </p:sp>
-      <p:sp>
-        <p:nvSpPr>
-          <p:cNvPr id="3" name="Subtitle 2"/>
-          <p:cNvSpPr>
-            <a:spLocks noGrp="1"/>
-          </p:cNvSpPr>
-          <p:nvPr>
-            <p:ph type="subTitle" idx="1"/>
-          </p:nvPr>
-        </p:nvSpPr>
-        <p:spPr/>
-        <p:txBody>
-          <a:bodyPr/>
-          <a:lstStyle/>
-          <a:p>
-            <a:r>
-              <a:rPr lang="en-US" dirty="0" smtClean="0"/>
-              <a:t>Thank you</a:t>
-            </a:r>
+          <a:p>
+            <a:pPr lvl="1"/>
             <a:endParaRPr lang="en-US" dirty="0"/>
+          </a:p>
+          <a:p>
+            <a:endParaRPr lang="en-US" dirty="0"/>
+          </a:p>
+          <a:p>
+            <a:pPr lvl="1"/>
+            <a:endParaRPr lang="en-US" baseline="-25000" dirty="0"/>
           </a:p>
         </p:txBody>
       </p:sp>
@@ -12729,13 +13282,213 @@
   <p:clrMapOvr>
     <a:masterClrMapping/>
   </p:clrMapOvr>
-  <p:timing>
-    <p:tnLst>
-      <p:par>
-        <p:cTn id="1" dur="indefinite" restart="never" nodeType="tmRoot"/>
-      </p:par>
-    </p:tnLst>
-  </p:timing>
+</p:sld>
+</file>
+
+<file path=ppt/slides/slide38.xml><?xml version="1.0" encoding="utf-8"?>
+<p:sld xmlns:a="http://schemas.openxmlformats.org/drawingml/2006/main" xmlns:r="http://schemas.openxmlformats.org/officeDocument/2006/relationships" xmlns:p="http://schemas.openxmlformats.org/presentationml/2006/main">
+  <p:cSld>
+    <p:spTree>
+      <p:nvGrpSpPr>
+        <p:cNvPr id="1" name=""/>
+        <p:cNvGrpSpPr/>
+        <p:nvPr/>
+      </p:nvGrpSpPr>
+      <p:grpSpPr>
+        <a:xfrm>
+          <a:off x="0" y="0"/>
+          <a:ext cx="0" cy="0"/>
+          <a:chOff x="0" y="0"/>
+          <a:chExt cx="0" cy="0"/>
+        </a:xfrm>
+      </p:grpSpPr>
+      <p:sp>
+        <p:nvSpPr>
+          <p:cNvPr id="2" name="Title 1"/>
+          <p:cNvSpPr>
+            <a:spLocks noGrp="1"/>
+          </p:cNvSpPr>
+          <p:nvPr>
+            <p:ph type="title"/>
+          </p:nvPr>
+        </p:nvSpPr>
+        <p:spPr/>
+        <p:txBody>
+          <a:bodyPr/>
+          <a:lstStyle/>
+          <a:p>
+            <a:r>
+              <a:rPr lang="en-US" dirty="0"/>
+              <a:t>Advantages</a:t>
+            </a:r>
+          </a:p>
+        </p:txBody>
+      </p:sp>
+      <p:sp>
+        <p:nvSpPr>
+          <p:cNvPr id="3" name="Content Placeholder 2"/>
+          <p:cNvSpPr>
+            <a:spLocks noGrp="1"/>
+          </p:cNvSpPr>
+          <p:nvPr>
+            <p:ph idx="1"/>
+          </p:nvPr>
+        </p:nvSpPr>
+        <p:spPr/>
+        <p:txBody>
+          <a:bodyPr>
+            <a:normAutofit/>
+          </a:bodyPr>
+          <a:lstStyle/>
+          <a:p>
+            <a:r>
+              <a:rPr lang="en-IN" dirty="0"/>
+              <a:t>Easy to implement and interpret</a:t>
+            </a:r>
+          </a:p>
+          <a:p>
+            <a:r>
+              <a:rPr lang="en-IN" dirty="0"/>
+              <a:t>Efficient to train</a:t>
+            </a:r>
+          </a:p>
+          <a:p>
+            <a:r>
+              <a:rPr lang="en-IN" dirty="0"/>
+              <a:t>No assumptions about distributions of classes</a:t>
+            </a:r>
+          </a:p>
+          <a:p>
+            <a:r>
+              <a:rPr lang="en-IN" dirty="0"/>
+              <a:t>Can be extended to multiple classes</a:t>
+            </a:r>
+          </a:p>
+          <a:p>
+            <a:r>
+              <a:rPr lang="en-IN" dirty="0"/>
+              <a:t>Good accuracy for linearly separable dataset</a:t>
+            </a:r>
+            <a:endParaRPr lang="en-US" dirty="0"/>
+          </a:p>
+        </p:txBody>
+      </p:sp>
+    </p:spTree>
+  </p:cSld>
+  <p:clrMapOvr>
+    <a:masterClrMapping/>
+  </p:clrMapOvr>
+</p:sld>
+</file>
+
+<file path=ppt/slides/slide39.xml><?xml version="1.0" encoding="utf-8"?>
+<p:sld xmlns:a="http://schemas.openxmlformats.org/drawingml/2006/main" xmlns:r="http://schemas.openxmlformats.org/officeDocument/2006/relationships" xmlns:p="http://schemas.openxmlformats.org/presentationml/2006/main">
+  <p:cSld>
+    <p:spTree>
+      <p:nvGrpSpPr>
+        <p:cNvPr id="1" name=""/>
+        <p:cNvGrpSpPr/>
+        <p:nvPr/>
+      </p:nvGrpSpPr>
+      <p:grpSpPr>
+        <a:xfrm>
+          <a:off x="0" y="0"/>
+          <a:ext cx="0" cy="0"/>
+          <a:chOff x="0" y="0"/>
+          <a:chExt cx="0" cy="0"/>
+        </a:xfrm>
+      </p:grpSpPr>
+      <p:sp>
+        <p:nvSpPr>
+          <p:cNvPr id="2" name="Title 1"/>
+          <p:cNvSpPr>
+            <a:spLocks noGrp="1"/>
+          </p:cNvSpPr>
+          <p:nvPr>
+            <p:ph type="title"/>
+          </p:nvPr>
+        </p:nvSpPr>
+        <p:spPr/>
+        <p:txBody>
+          <a:bodyPr/>
+          <a:lstStyle/>
+          <a:p>
+            <a:r>
+              <a:rPr lang="en-US" dirty="0"/>
+              <a:t>Disadvantages</a:t>
+            </a:r>
+          </a:p>
+        </p:txBody>
+      </p:sp>
+      <p:sp>
+        <p:nvSpPr>
+          <p:cNvPr id="3" name="Content Placeholder 2"/>
+          <p:cNvSpPr>
+            <a:spLocks noGrp="1"/>
+          </p:cNvSpPr>
+          <p:nvPr>
+            <p:ph idx="1"/>
+          </p:nvPr>
+        </p:nvSpPr>
+        <p:spPr/>
+        <p:txBody>
+          <a:bodyPr>
+            <a:normAutofit/>
+          </a:bodyPr>
+          <a:lstStyle/>
+          <a:p>
+            <a:r>
+              <a:rPr lang="en-US" dirty="0" err="1"/>
+              <a:t>Overfit</a:t>
+            </a:r>
+            <a:r>
+              <a:rPr lang="en-US" dirty="0"/>
+              <a:t> for small dataset</a:t>
+            </a:r>
+          </a:p>
+          <a:p>
+            <a:r>
+              <a:rPr lang="en-US" dirty="0"/>
+              <a:t>Construct linear boundaries</a:t>
+            </a:r>
+          </a:p>
+          <a:p>
+            <a:r>
+              <a:rPr lang="en-IN" dirty="0"/>
+              <a:t>Assumption of linearity </a:t>
+            </a:r>
+          </a:p>
+          <a:p>
+            <a:pPr lvl="1"/>
+            <a:r>
+              <a:rPr lang="en-IN" dirty="0"/>
+              <a:t>Independent variables</a:t>
+            </a:r>
+          </a:p>
+          <a:p>
+            <a:pPr lvl="1"/>
+            <a:r>
+              <a:rPr lang="en-IN" dirty="0"/>
+              <a:t>Dependent variables</a:t>
+            </a:r>
+          </a:p>
+          <a:p>
+            <a:r>
+              <a:rPr lang="en-IN"/>
+              <a:t>Cannot solve non </a:t>
+            </a:r>
+            <a:r>
+              <a:rPr lang="en-IN" dirty="0"/>
+              <a:t>linear problems</a:t>
+            </a:r>
+          </a:p>
+        </p:txBody>
+      </p:sp>
+    </p:spTree>
+  </p:cSld>
+  <p:clrMapOvr>
+    <a:masterClrMapping/>
+  </p:clrMapOvr>
 </p:sld>
 </file>
 
@@ -12774,14 +13527,9 @@
           <a:lstStyle/>
           <a:p>
             <a:r>
-              <a:rPr lang="en-US" dirty="0" smtClean="0"/>
-              <a:t>Binary </a:t>
-            </a:r>
-            <a:r>
-              <a:rPr lang="en-US" dirty="0" smtClean="0"/>
-              <a:t>Classification </a:t>
-            </a:r>
-            <a:endParaRPr lang="en-US" dirty="0"/>
+              <a:rPr lang="en-US" dirty="0"/>
+              <a:t>Binary Classification </a:t>
+            </a:r>
           </a:p>
         </p:txBody>
       </p:sp>
@@ -12801,17 +13549,16 @@
           <a:lstStyle/>
           <a:p>
             <a:r>
-              <a:rPr lang="en-US" dirty="0" smtClean="0"/>
+              <a:rPr lang="en-US" dirty="0"/>
               <a:t>Classify elements of given set into two groups</a:t>
             </a:r>
           </a:p>
           <a:p>
             <a:pPr lvl="1"/>
             <a:r>
-              <a:rPr lang="en-US" dirty="0" smtClean="0"/>
+              <a:rPr lang="en-US" dirty="0"/>
               <a:t>Classify dog and non-dog images</a:t>
             </a:r>
-            <a:endParaRPr lang="en-US" dirty="0"/>
           </a:p>
         </p:txBody>
       </p:sp>
@@ -12877,10 +13624,9 @@
             <a:p>
               <a:pPr algn="ctr"/>
               <a:r>
-                <a:rPr lang="en-US" sz="2400" b="1" dirty="0" smtClean="0"/>
+                <a:rPr lang="en-US" sz="2400" b="1" dirty="0"/>
                 <a:t>Dog</a:t>
               </a:r>
-              <a:endParaRPr lang="en-US" sz="2400" b="1" dirty="0"/>
             </a:p>
           </p:txBody>
         </p:sp>
@@ -12947,10 +13693,9 @@
             <a:p>
               <a:pPr algn="ctr"/>
               <a:r>
-                <a:rPr lang="en-US" sz="2400" b="1" dirty="0" smtClean="0"/>
+                <a:rPr lang="en-US" sz="2400" b="1" dirty="0"/>
                 <a:t>Non-dog</a:t>
               </a:r>
-              <a:endParaRPr lang="en-US" sz="2400" b="1" dirty="0"/>
             </a:p>
           </p:txBody>
         </p:sp>
@@ -13000,7 +13745,7 @@
               <a:t>Image </a:t>
             </a:r>
             <a:r>
-              <a:rPr lang="en-US" sz="1600" b="1" dirty="0" err="1" smtClean="0">
+              <a:rPr lang="en-US" sz="1600" b="1" dirty="0" err="1">
                 <a:solidFill>
                   <a:srgbClr val="FF0000"/>
                 </a:solidFill>
@@ -13008,18 +13753,13 @@
               <a:t>ack</a:t>
             </a:r>
             <a:r>
-              <a:rPr lang="en-US" sz="1600" b="1" dirty="0" smtClean="0">
+              <a:rPr lang="en-US" sz="1600" b="1" dirty="0">
                 <a:solidFill>
                   <a:srgbClr val="FF0000"/>
                 </a:solidFill>
               </a:rPr>
               <a:t> – Google</a:t>
             </a:r>
-            <a:endParaRPr lang="en-US" sz="1600" b="1" dirty="0">
-              <a:solidFill>
-                <a:srgbClr val="FF0000"/>
-              </a:solidFill>
-            </a:endParaRPr>
           </a:p>
         </p:txBody>
       </p:sp>
@@ -13028,13 +13768,75 @@
   <p:clrMapOvr>
     <a:masterClrMapping/>
   </p:clrMapOvr>
-  <p:timing>
-    <p:tnLst>
-      <p:par>
-        <p:cTn id="1" dur="indefinite" restart="never" nodeType="tmRoot"/>
-      </p:par>
-    </p:tnLst>
-  </p:timing>
+</p:sld>
+</file>
+
+<file path=ppt/slides/slide40.xml><?xml version="1.0" encoding="utf-8"?>
+<p:sld xmlns:a="http://schemas.openxmlformats.org/drawingml/2006/main" xmlns:r="http://schemas.openxmlformats.org/officeDocument/2006/relationships" xmlns:p="http://schemas.openxmlformats.org/presentationml/2006/main">
+  <p:cSld>
+    <p:spTree>
+      <p:nvGrpSpPr>
+        <p:cNvPr id="1" name=""/>
+        <p:cNvGrpSpPr/>
+        <p:nvPr/>
+      </p:nvGrpSpPr>
+      <p:grpSpPr>
+        <a:xfrm>
+          <a:off x="0" y="0"/>
+          <a:ext cx="0" cy="0"/>
+          <a:chOff x="0" y="0"/>
+          <a:chExt cx="0" cy="0"/>
+        </a:xfrm>
+      </p:grpSpPr>
+      <p:sp>
+        <p:nvSpPr>
+          <p:cNvPr id="2" name="Title 1"/>
+          <p:cNvSpPr>
+            <a:spLocks noGrp="1"/>
+          </p:cNvSpPr>
+          <p:nvPr>
+            <p:ph type="ctrTitle"/>
+          </p:nvPr>
+        </p:nvSpPr>
+        <p:spPr/>
+        <p:txBody>
+          <a:bodyPr/>
+          <a:lstStyle/>
+          <a:p>
+            <a:r>
+              <a:rPr lang="en-US" dirty="0"/>
+              <a:t>Questions?</a:t>
+            </a:r>
+          </a:p>
+        </p:txBody>
+      </p:sp>
+      <p:sp>
+        <p:nvSpPr>
+          <p:cNvPr id="3" name="Subtitle 2"/>
+          <p:cNvSpPr>
+            <a:spLocks noGrp="1"/>
+          </p:cNvSpPr>
+          <p:nvPr>
+            <p:ph type="subTitle" idx="1"/>
+          </p:nvPr>
+        </p:nvSpPr>
+        <p:spPr/>
+        <p:txBody>
+          <a:bodyPr/>
+          <a:lstStyle/>
+          <a:p>
+            <a:r>
+              <a:rPr lang="en-US" dirty="0"/>
+              <a:t>Thank you</a:t>
+            </a:r>
+          </a:p>
+        </p:txBody>
+      </p:sp>
+    </p:spTree>
+  </p:cSld>
+  <p:clrMapOvr>
+    <a:masterClrMapping/>
+  </p:clrMapOvr>
 </p:sld>
 </file>
 
@@ -13073,14 +13875,9 @@
           <a:lstStyle/>
           <a:p>
             <a:r>
-              <a:rPr lang="en-US" dirty="0" smtClean="0"/>
-              <a:t>Sigmoid </a:t>
-            </a:r>
-            <a:r>
-              <a:rPr lang="en-US" dirty="0" smtClean="0"/>
-              <a:t>Function</a:t>
-            </a:r>
-            <a:endParaRPr lang="en-US" dirty="0"/>
+              <a:rPr lang="en-US" dirty="0"/>
+              <a:t>Sigmoid Function</a:t>
+            </a:r>
           </a:p>
         </p:txBody>
       </p:sp>
@@ -13098,9 +13895,59 @@
         </p:xfrm>
         <a:graphic>
           <a:graphicData uri="http://schemas.openxmlformats.org/presentationml/2006/ole">
-            <p:oleObj spid="_x0000_s27650" name="Equation" r:id="rId3" imgW="876240" imgH="393480" progId="Equation.3">
-              <p:embed/>
-            </p:oleObj>
+            <mc:AlternateContent xmlns:mc="http://schemas.openxmlformats.org/markup-compatibility/2006">
+              <mc:Choice xmlns:v="urn:schemas-microsoft-com:vml" Requires="v">
+                <p:oleObj spid="_x0000_s27650" name="Equation" r:id="rId2" imgW="876240" imgH="393480" progId="Equation.3">
+                  <p:embed/>
+                </p:oleObj>
+              </mc:Choice>
+              <mc:Fallback>
+                <p:oleObj name="Equation" r:id="rId2" imgW="876240" imgH="393480" progId="Equation.3">
+                  <p:embed/>
+                  <p:pic>
+                    <p:nvPicPr>
+                      <p:cNvPr id="0" name="Picture 2"/>
+                      <p:cNvPicPr>
+                        <a:picLocks noChangeAspect="1" noChangeArrowheads="1"/>
+                      </p:cNvPicPr>
+                      <p:nvPr/>
+                    </p:nvPicPr>
+                    <p:blipFill>
+                      <a:blip r:embed="rId3">
+                        <a:extLst>
+                          <a:ext uri="{28A0092B-C50C-407E-A947-70E740481C1C}">
+                            <a14:useLocalDpi xmlns:a14="http://schemas.microsoft.com/office/drawing/2010/main" val="0"/>
+                          </a:ext>
+                        </a:extLst>
+                      </a:blip>
+                      <a:srcRect/>
+                      <a:stretch>
+                        <a:fillRect/>
+                      </a:stretch>
+                    </p:blipFill>
+                    <p:spPr bwMode="auto">
+                      <a:xfrm>
+                        <a:off x="3505200" y="5027612"/>
+                        <a:ext cx="1684337" cy="763588"/>
+                      </a:xfrm>
+                      <a:prstGeom prst="rect">
+                        <a:avLst/>
+                      </a:prstGeom>
+                      <a:noFill/>
+                      <a:extLst>
+                        <a:ext uri="{909E8E84-426E-40DD-AFC4-6F175D3DCCD1}">
+                          <a14:hiddenFill xmlns:a14="http://schemas.microsoft.com/office/drawing/2010/main">
+                            <a:solidFill>
+                              <a:srgbClr val="FFFFFF"/>
+                            </a:solidFill>
+                          </a14:hiddenFill>
+                        </a:ext>
+                      </a:extLst>
+                    </p:spPr>
+                  </p:pic>
+                </p:oleObj>
+              </mc:Fallback>
+            </mc:AlternateContent>
           </a:graphicData>
         </a:graphic>
       </p:graphicFrame>
@@ -13136,13 +13983,6 @@
   <p:clrMapOvr>
     <a:masterClrMapping/>
   </p:clrMapOvr>
-  <p:timing>
-    <p:tnLst>
-      <p:par>
-        <p:cTn id="1" dur="indefinite" restart="never" nodeType="tmRoot"/>
-      </p:par>
-    </p:tnLst>
-  </p:timing>
 </p:sld>
 </file>
 
@@ -13181,14 +14021,9 @@
           <a:lstStyle/>
           <a:p>
             <a:r>
-              <a:rPr lang="en-US" dirty="0" smtClean="0"/>
-              <a:t>Sigmoid </a:t>
-            </a:r>
-            <a:r>
-              <a:rPr lang="en-US" dirty="0" smtClean="0"/>
-              <a:t>Function</a:t>
-            </a:r>
-            <a:endParaRPr lang="en-US" dirty="0"/>
+              <a:rPr lang="en-US" dirty="0"/>
+              <a:t>Sigmoid Function</a:t>
+            </a:r>
           </a:p>
         </p:txBody>
       </p:sp>
@@ -13208,34 +14043,33 @@
           <a:lstStyle/>
           <a:p>
             <a:r>
-              <a:rPr lang="el-GR" dirty="0" smtClean="0"/>
+              <a:rPr lang="el-GR" dirty="0"/>
               <a:t>σ</a:t>
             </a:r>
             <a:r>
-              <a:rPr lang="en-US" dirty="0" smtClean="0"/>
+              <a:rPr lang="en-US" dirty="0"/>
               <a:t>(Z) ~ 1 – For Z &gt;&gt; 0 </a:t>
             </a:r>
           </a:p>
           <a:p>
             <a:r>
-              <a:rPr lang="el-GR" dirty="0" smtClean="0"/>
+              <a:rPr lang="el-GR" dirty="0"/>
               <a:t>σ</a:t>
             </a:r>
             <a:r>
-              <a:rPr lang="en-US" dirty="0" smtClean="0"/>
+              <a:rPr lang="en-US" dirty="0"/>
               <a:t>(Z) ~ 0 – For Z &lt;&lt; 0 </a:t>
             </a:r>
           </a:p>
           <a:p>
             <a:r>
-              <a:rPr lang="el-GR" dirty="0" smtClean="0"/>
+              <a:rPr lang="el-GR" dirty="0"/>
               <a:t>σ</a:t>
             </a:r>
             <a:r>
-              <a:rPr lang="en-US" dirty="0" smtClean="0"/>
+              <a:rPr lang="en-US" dirty="0"/>
               <a:t>(Z) = 0.5 – For Z = 0</a:t>
             </a:r>
-            <a:endParaRPr lang="en-US" dirty="0"/>
           </a:p>
         </p:txBody>
       </p:sp>
@@ -13248,7 +14082,7 @@
           <p:nvPr>
             <p:extLst>
               <p:ext uri="{D42A27DB-BD31-4B8C-83A1-F6EECF244321}">
-                <p14:modId xmlns="" xmlns:p14="http://schemas.microsoft.com/office/powerpoint/2010/main" val="3926379348"/>
+                <p14:modId xmlns:p14="http://schemas.microsoft.com/office/powerpoint/2010/main" val="3926379348"/>
               </p:ext>
             </p:extLst>
           </p:nvPr>
@@ -13267,14 +14101,14 @@
                 <a:gridCol w="1447800">
                   <a:extLst>
                     <a:ext uri="{9D8B030D-6E8A-4147-A177-3AD203B41FA5}">
-                      <a16:colId xmlns="" xmlns:a16="http://schemas.microsoft.com/office/drawing/2014/main" val="20000"/>
+                      <a16:colId xmlns:a16="http://schemas.microsoft.com/office/drawing/2014/main" val="20000"/>
                     </a:ext>
                   </a:extLst>
                 </a:gridCol>
                 <a:gridCol w="1447800">
                   <a:extLst>
                     <a:ext uri="{9D8B030D-6E8A-4147-A177-3AD203B41FA5}">
-                      <a16:colId xmlns="" xmlns:a16="http://schemas.microsoft.com/office/drawing/2014/main" val="20001"/>
+                      <a16:colId xmlns:a16="http://schemas.microsoft.com/office/drawing/2014/main" val="20001"/>
                     </a:ext>
                   </a:extLst>
                 </a:gridCol>
@@ -13287,10 +14121,9 @@
                     <a:p>
                       <a:pPr algn="ctr"/>
                       <a:r>
-                        <a:rPr lang="en-US" b="1" dirty="0" smtClean="0"/>
+                        <a:rPr lang="en-US" b="1" dirty="0"/>
                         <a:t>Z</a:t>
                       </a:r>
-                      <a:endParaRPr lang="en-US" b="1" dirty="0"/>
                     </a:p>
                   </a:txBody>
                   <a:tcPr/>
@@ -13302,21 +14135,20 @@
                     <a:p>
                       <a:pPr algn="ctr"/>
                       <a:r>
-                        <a:rPr lang="el-GR" b="1" dirty="0" smtClean="0"/>
+                        <a:rPr lang="el-GR" b="1" dirty="0"/>
                         <a:t>σ(</a:t>
                       </a:r>
                       <a:r>
-                        <a:rPr lang="en-US" b="1" dirty="0" smtClean="0"/>
+                        <a:rPr lang="en-US" b="1" dirty="0"/>
                         <a:t>Z)</a:t>
                       </a:r>
-                      <a:endParaRPr lang="en-US" b="1" dirty="0"/>
                     </a:p>
                   </a:txBody>
                   <a:tcPr/>
                 </a:tc>
                 <a:extLst>
                   <a:ext uri="{0D108BD9-81ED-4DB2-BD59-A6C34878D82A}">
-                    <a16:rowId xmlns="" xmlns:a16="http://schemas.microsoft.com/office/drawing/2014/main" val="10000"/>
+                    <a16:rowId xmlns:a16="http://schemas.microsoft.com/office/drawing/2014/main" val="10000"/>
                   </a:ext>
                 </a:extLst>
               </a:tr>
@@ -13342,17 +14174,16 @@
                     <a:p>
                       <a:pPr algn="ctr"/>
                       <a:r>
-                        <a:rPr lang="en-US" dirty="0" smtClean="0"/>
+                        <a:rPr lang="en-US" dirty="0"/>
                         <a:t>0.12</a:t>
                       </a:r>
-                      <a:endParaRPr lang="en-US" dirty="0"/>
                     </a:p>
                   </a:txBody>
                   <a:tcPr/>
                 </a:tc>
                 <a:extLst>
                   <a:ext uri="{0D108BD9-81ED-4DB2-BD59-A6C34878D82A}">
-                    <a16:rowId xmlns="" xmlns:a16="http://schemas.microsoft.com/office/drawing/2014/main" val="10001"/>
+                    <a16:rowId xmlns:a16="http://schemas.microsoft.com/office/drawing/2014/main" val="10001"/>
                   </a:ext>
                 </a:extLst>
               </a:tr>
@@ -13378,17 +14209,16 @@
                     <a:p>
                       <a:pPr algn="ctr"/>
                       <a:r>
-                        <a:rPr lang="en-US" dirty="0" smtClean="0"/>
+                        <a:rPr lang="en-US" dirty="0"/>
                         <a:t>0.18</a:t>
                       </a:r>
-                      <a:endParaRPr lang="en-US" dirty="0"/>
                     </a:p>
                   </a:txBody>
                   <a:tcPr/>
                 </a:tc>
                 <a:extLst>
                   <a:ext uri="{0D108BD9-81ED-4DB2-BD59-A6C34878D82A}">
-                    <a16:rowId xmlns="" xmlns:a16="http://schemas.microsoft.com/office/drawing/2014/main" val="10002"/>
+                    <a16:rowId xmlns:a16="http://schemas.microsoft.com/office/drawing/2014/main" val="10002"/>
                   </a:ext>
                 </a:extLst>
               </a:tr>
@@ -13414,17 +14244,16 @@
                     <a:p>
                       <a:pPr algn="ctr"/>
                       <a:r>
-                        <a:rPr lang="en-US" dirty="0" smtClean="0"/>
+                        <a:rPr lang="en-US" dirty="0"/>
                         <a:t>0.27</a:t>
                       </a:r>
-                      <a:endParaRPr lang="en-US" dirty="0"/>
                     </a:p>
                   </a:txBody>
                   <a:tcPr/>
                 </a:tc>
                 <a:extLst>
                   <a:ext uri="{0D108BD9-81ED-4DB2-BD59-A6C34878D82A}">
-                    <a16:rowId xmlns="" xmlns:a16="http://schemas.microsoft.com/office/drawing/2014/main" val="10003"/>
+                    <a16:rowId xmlns:a16="http://schemas.microsoft.com/office/drawing/2014/main" val="10003"/>
                   </a:ext>
                 </a:extLst>
               </a:tr>
@@ -13436,10 +14265,9 @@
                     <a:p>
                       <a:pPr algn="ctr"/>
                       <a:r>
-                        <a:rPr lang="en-US" b="0" dirty="0" smtClean="0"/>
+                        <a:rPr lang="en-US" b="0" dirty="0"/>
                         <a:t>-0.5</a:t>
                       </a:r>
-                      <a:endParaRPr lang="en-US" b="0" dirty="0"/>
                     </a:p>
                   </a:txBody>
                   <a:tcPr/>
@@ -13451,17 +14279,16 @@
                     <a:p>
                       <a:pPr algn="ctr"/>
                       <a:r>
-                        <a:rPr lang="en-US" dirty="0" smtClean="0"/>
+                        <a:rPr lang="en-US" dirty="0"/>
                         <a:t>0.38</a:t>
                       </a:r>
-                      <a:endParaRPr lang="en-US" dirty="0"/>
                     </a:p>
                   </a:txBody>
                   <a:tcPr/>
                 </a:tc>
                 <a:extLst>
                   <a:ext uri="{0D108BD9-81ED-4DB2-BD59-A6C34878D82A}">
-                    <a16:rowId xmlns="" xmlns:a16="http://schemas.microsoft.com/office/drawing/2014/main" val="10004"/>
+                    <a16:rowId xmlns:a16="http://schemas.microsoft.com/office/drawing/2014/main" val="10004"/>
                   </a:ext>
                 </a:extLst>
               </a:tr>
@@ -13487,17 +14314,16 @@
                     <a:p>
                       <a:pPr algn="ctr"/>
                       <a:r>
-                        <a:rPr lang="en-US" dirty="0" smtClean="0"/>
+                        <a:rPr lang="en-US" dirty="0"/>
                         <a:t>0.50</a:t>
                       </a:r>
-                      <a:endParaRPr lang="en-US" dirty="0"/>
                     </a:p>
                   </a:txBody>
                   <a:tcPr/>
                 </a:tc>
                 <a:extLst>
                   <a:ext uri="{0D108BD9-81ED-4DB2-BD59-A6C34878D82A}">
-                    <a16:rowId xmlns="" xmlns:a16="http://schemas.microsoft.com/office/drawing/2014/main" val="10005"/>
+                    <a16:rowId xmlns:a16="http://schemas.microsoft.com/office/drawing/2014/main" val="10005"/>
                   </a:ext>
                 </a:extLst>
               </a:tr>
@@ -13509,10 +14335,9 @@
                     <a:p>
                       <a:pPr algn="ctr"/>
                       <a:r>
-                        <a:rPr lang="en-US" b="0" dirty="0" smtClean="0"/>
+                        <a:rPr lang="en-US" b="0" dirty="0"/>
                         <a:t>0.5</a:t>
                       </a:r>
-                      <a:endParaRPr lang="en-US" b="0" dirty="0"/>
                     </a:p>
                   </a:txBody>
                   <a:tcPr/>
@@ -13524,17 +14349,16 @@
                     <a:p>
                       <a:pPr algn="ctr"/>
                       <a:r>
-                        <a:rPr lang="en-US" dirty="0" smtClean="0"/>
+                        <a:rPr lang="en-US" dirty="0"/>
                         <a:t>0.62</a:t>
                       </a:r>
-                      <a:endParaRPr lang="en-US" dirty="0"/>
                     </a:p>
                   </a:txBody>
                   <a:tcPr/>
                 </a:tc>
                 <a:extLst>
                   <a:ext uri="{0D108BD9-81ED-4DB2-BD59-A6C34878D82A}">
-                    <a16:rowId xmlns="" xmlns:a16="http://schemas.microsoft.com/office/drawing/2014/main" val="10006"/>
+                    <a16:rowId xmlns:a16="http://schemas.microsoft.com/office/drawing/2014/main" val="10006"/>
                   </a:ext>
                 </a:extLst>
               </a:tr>
@@ -13560,17 +14384,16 @@
                     <a:p>
                       <a:pPr algn="ctr"/>
                       <a:r>
-                        <a:rPr lang="en-US" dirty="0" smtClean="0"/>
+                        <a:rPr lang="en-US" dirty="0"/>
                         <a:t>0.73</a:t>
                       </a:r>
-                      <a:endParaRPr lang="en-US" dirty="0"/>
                     </a:p>
                   </a:txBody>
                   <a:tcPr/>
                 </a:tc>
                 <a:extLst>
                   <a:ext uri="{0D108BD9-81ED-4DB2-BD59-A6C34878D82A}">
-                    <a16:rowId xmlns="" xmlns:a16="http://schemas.microsoft.com/office/drawing/2014/main" val="10007"/>
+                    <a16:rowId xmlns:a16="http://schemas.microsoft.com/office/drawing/2014/main" val="10007"/>
                   </a:ext>
                 </a:extLst>
               </a:tr>
@@ -13596,17 +14419,16 @@
                     <a:p>
                       <a:pPr algn="ctr"/>
                       <a:r>
-                        <a:rPr lang="en-US" dirty="0" smtClean="0"/>
+                        <a:rPr lang="en-US" dirty="0"/>
                         <a:t>0.82</a:t>
                       </a:r>
-                      <a:endParaRPr lang="en-US" dirty="0"/>
                     </a:p>
                   </a:txBody>
                   <a:tcPr/>
                 </a:tc>
                 <a:extLst>
                   <a:ext uri="{0D108BD9-81ED-4DB2-BD59-A6C34878D82A}">
-                    <a16:rowId xmlns="" xmlns:a16="http://schemas.microsoft.com/office/drawing/2014/main" val="10008"/>
+                    <a16:rowId xmlns:a16="http://schemas.microsoft.com/office/drawing/2014/main" val="10008"/>
                   </a:ext>
                 </a:extLst>
               </a:tr>
@@ -13632,17 +14454,16 @@
                     <a:p>
                       <a:pPr algn="ctr"/>
                       <a:r>
-                        <a:rPr lang="en-US" dirty="0" smtClean="0"/>
+                        <a:rPr lang="en-US" dirty="0"/>
                         <a:t>0.88</a:t>
                       </a:r>
-                      <a:endParaRPr lang="en-US" dirty="0"/>
                     </a:p>
                   </a:txBody>
                   <a:tcPr/>
                 </a:tc>
                 <a:extLst>
                   <a:ext uri="{0D108BD9-81ED-4DB2-BD59-A6C34878D82A}">
-                    <a16:rowId xmlns="" xmlns:a16="http://schemas.microsoft.com/office/drawing/2014/main" val="10009"/>
+                    <a16:rowId xmlns:a16="http://schemas.microsoft.com/office/drawing/2014/main" val="10009"/>
                   </a:ext>
                 </a:extLst>
               </a:tr>
@@ -13655,13 +14476,6 @@
   <p:clrMapOvr>
     <a:masterClrMapping/>
   </p:clrMapOvr>
-  <p:timing>
-    <p:tnLst>
-      <p:par>
-        <p:cTn id="1" dur="indefinite" restart="never" nodeType="tmRoot"/>
-      </p:par>
-    </p:tnLst>
-  </p:timing>
 </p:sld>
 </file>
 
@@ -13700,14 +14514,9 @@
           <a:lstStyle/>
           <a:p>
             <a:r>
-              <a:rPr lang="en-US" dirty="0" smtClean="0"/>
-              <a:t>Logistic </a:t>
-            </a:r>
-            <a:r>
-              <a:rPr lang="en-US" dirty="0" smtClean="0"/>
-              <a:t>Regression</a:t>
-            </a:r>
-            <a:endParaRPr lang="en-US" dirty="0"/>
+              <a:rPr lang="en-US" dirty="0"/>
+              <a:t>Logistic Regression</a:t>
+            </a:r>
           </a:p>
         </p:txBody>
       </p:sp>
@@ -13727,60 +14536,60 @@
           <a:lstStyle/>
           <a:p>
             <a:r>
-              <a:rPr lang="en-US" dirty="0" smtClean="0"/>
+              <a:rPr lang="en-US" dirty="0"/>
               <a:t>Input – X  </a:t>
             </a:r>
           </a:p>
           <a:p>
             <a:pPr lvl="1"/>
             <a:r>
-              <a:rPr lang="en-US" dirty="0" smtClean="0"/>
+              <a:rPr lang="en-US" dirty="0"/>
               <a:t>Vector</a:t>
             </a:r>
           </a:p>
           <a:p>
             <a:pPr lvl="1"/>
             <a:r>
-              <a:rPr lang="en-US" dirty="0" smtClean="0"/>
+              <a:rPr lang="en-US" dirty="0"/>
               <a:t>X </a:t>
             </a:r>
             <a:r>
-              <a:rPr lang="el-GR" dirty="0" smtClean="0"/>
+              <a:rPr lang="el-GR" dirty="0"/>
               <a:t>ε</a:t>
             </a:r>
             <a:r>
-              <a:rPr lang="en-US" dirty="0" smtClean="0"/>
+              <a:rPr lang="en-US" dirty="0"/>
               <a:t> R</a:t>
             </a:r>
           </a:p>
           <a:p>
             <a:pPr lvl="1"/>
             <a:r>
-              <a:rPr lang="en-US" dirty="0" smtClean="0"/>
+              <a:rPr lang="en-US" dirty="0"/>
               <a:t>Dimension – n</a:t>
             </a:r>
             <a:r>
-              <a:rPr lang="en-US" baseline="-25000" dirty="0" smtClean="0"/>
+              <a:rPr lang="en-US" baseline="-25000" dirty="0"/>
               <a:t>X </a:t>
             </a:r>
           </a:p>
           <a:p>
             <a:r>
-              <a:rPr lang="en-US" dirty="0" smtClean="0"/>
+              <a:rPr lang="en-US" dirty="0"/>
               <a:t>Output – ŷ </a:t>
             </a:r>
           </a:p>
           <a:p>
             <a:pPr lvl="1"/>
             <a:r>
-              <a:rPr lang="en-US" dirty="0" smtClean="0"/>
+              <a:rPr lang="en-US" dirty="0"/>
               <a:t>Scalar</a:t>
             </a:r>
           </a:p>
           <a:p>
             <a:pPr lvl="1"/>
             <a:r>
-              <a:rPr lang="en-US" dirty="0" smtClean="0"/>
+              <a:rPr lang="en-US" dirty="0"/>
               <a:t>0 &lt;= ŷ &lt;= 1.0</a:t>
             </a:r>
           </a:p>
@@ -13795,13 +14604,6 @@
   <p:clrMapOvr>
     <a:masterClrMapping/>
   </p:clrMapOvr>
-  <p:timing>
-    <p:tnLst>
-      <p:par>
-        <p:cTn id="1" dur="indefinite" restart="never" nodeType="tmRoot"/>
-      </p:par>
-    </p:tnLst>
-  </p:timing>
 </p:sld>
 </file>
 
@@ -13840,14 +14642,9 @@
           <a:lstStyle/>
           <a:p>
             <a:r>
-              <a:rPr lang="en-US" dirty="0" smtClean="0"/>
-              <a:t>Linear </a:t>
-            </a:r>
-            <a:r>
-              <a:rPr lang="en-US" dirty="0" smtClean="0"/>
-              <a:t>Regression</a:t>
-            </a:r>
-            <a:endParaRPr lang="en-US" dirty="0"/>
+              <a:rPr lang="en-US" dirty="0"/>
+              <a:t>Linear Regression</a:t>
+            </a:r>
           </a:p>
         </p:txBody>
       </p:sp>
@@ -13869,82 +14666,82 @@
           <a:lstStyle/>
           <a:p>
             <a:r>
-              <a:rPr lang="en-US" dirty="0" smtClean="0"/>
+              <a:rPr lang="en-US" dirty="0"/>
               <a:t>Weights – W  </a:t>
             </a:r>
           </a:p>
           <a:p>
             <a:pPr lvl="1"/>
             <a:r>
-              <a:rPr lang="en-US" dirty="0" smtClean="0"/>
+              <a:rPr lang="en-US" dirty="0"/>
               <a:t>Vector</a:t>
             </a:r>
           </a:p>
           <a:p>
             <a:pPr lvl="1"/>
             <a:r>
-              <a:rPr lang="en-US" dirty="0" smtClean="0"/>
+              <a:rPr lang="en-US" dirty="0"/>
               <a:t>W </a:t>
             </a:r>
             <a:r>
-              <a:rPr lang="el-GR" dirty="0" smtClean="0"/>
+              <a:rPr lang="el-GR" dirty="0"/>
               <a:t>ε</a:t>
             </a:r>
             <a:r>
-              <a:rPr lang="en-US" dirty="0" smtClean="0"/>
+              <a:rPr lang="en-US" dirty="0"/>
               <a:t> R</a:t>
             </a:r>
           </a:p>
           <a:p>
             <a:pPr lvl="1"/>
             <a:r>
-              <a:rPr lang="en-US" dirty="0" smtClean="0"/>
+              <a:rPr lang="en-US" dirty="0"/>
               <a:t>Dimension – n</a:t>
             </a:r>
             <a:r>
-              <a:rPr lang="en-US" baseline="-25000" dirty="0" smtClean="0"/>
+              <a:rPr lang="en-US" baseline="-25000" dirty="0"/>
               <a:t>X </a:t>
             </a:r>
           </a:p>
           <a:p>
             <a:r>
-              <a:rPr lang="en-US" dirty="0" smtClean="0"/>
+              <a:rPr lang="en-US" dirty="0"/>
               <a:t>Bias – b  </a:t>
             </a:r>
           </a:p>
           <a:p>
             <a:pPr lvl="1"/>
             <a:r>
-              <a:rPr lang="en-US" dirty="0" smtClean="0"/>
+              <a:rPr lang="en-US" dirty="0"/>
               <a:t>Scalar</a:t>
             </a:r>
           </a:p>
           <a:p>
             <a:pPr lvl="1"/>
             <a:r>
-              <a:rPr lang="en-US" dirty="0" smtClean="0"/>
+              <a:rPr lang="en-US" dirty="0"/>
               <a:t>b </a:t>
             </a:r>
             <a:r>
-              <a:rPr lang="el-GR" dirty="0" smtClean="0"/>
+              <a:rPr lang="el-GR" dirty="0"/>
               <a:t>ε </a:t>
             </a:r>
             <a:r>
-              <a:rPr lang="en-US" dirty="0" smtClean="0"/>
+              <a:rPr lang="en-US" dirty="0"/>
               <a:t>R</a:t>
             </a:r>
           </a:p>
           <a:p>
             <a:r>
-              <a:rPr lang="en-US" dirty="0" smtClean="0"/>
+              <a:rPr lang="en-US" dirty="0"/>
               <a:t>y = W</a:t>
             </a:r>
             <a:r>
-              <a:rPr lang="en-US" baseline="30000" dirty="0" smtClean="0"/>
+              <a:rPr lang="en-US" baseline="30000" dirty="0"/>
               <a:t>T</a:t>
             </a:r>
             <a:r>
-              <a:rPr lang="en-US" dirty="0" smtClean="0"/>
+              <a:rPr lang="en-US" dirty="0"/>
               <a:t>X + b</a:t>
             </a:r>
             <a:endParaRPr lang="en-US" baseline="-25000" dirty="0"/>
@@ -13956,13 +14753,6 @@
   <p:clrMapOvr>
     <a:masterClrMapping/>
   </p:clrMapOvr>
-  <p:timing>
-    <p:tnLst>
-      <p:par>
-        <p:cTn id="1" dur="indefinite" restart="never" nodeType="tmRoot"/>
-      </p:par>
-    </p:tnLst>
-  </p:timing>
 </p:sld>
 </file>
 
@@ -14001,14 +14791,9 @@
           <a:lstStyle/>
           <a:p>
             <a:r>
-              <a:rPr lang="en-US" dirty="0" smtClean="0"/>
-              <a:t>Logistic </a:t>
-            </a:r>
-            <a:r>
-              <a:rPr lang="en-US" dirty="0" smtClean="0"/>
-              <a:t>Regression</a:t>
-            </a:r>
-            <a:endParaRPr lang="en-US" dirty="0"/>
+              <a:rPr lang="en-US" dirty="0"/>
+              <a:t>Logistic Regression</a:t>
+            </a:r>
           </a:p>
         </p:txBody>
       </p:sp>
@@ -14030,82 +14815,82 @@
           <a:lstStyle/>
           <a:p>
             <a:r>
-              <a:rPr lang="en-US" dirty="0" smtClean="0"/>
+              <a:rPr lang="en-US" dirty="0"/>
               <a:t>Weights – W  </a:t>
             </a:r>
           </a:p>
           <a:p>
             <a:pPr lvl="1"/>
             <a:r>
-              <a:rPr lang="en-US" dirty="0" smtClean="0"/>
+              <a:rPr lang="en-US" dirty="0"/>
               <a:t>Vector</a:t>
             </a:r>
           </a:p>
           <a:p>
             <a:pPr lvl="1"/>
             <a:r>
-              <a:rPr lang="en-US" dirty="0" smtClean="0"/>
+              <a:rPr lang="en-US" dirty="0"/>
               <a:t>W </a:t>
             </a:r>
             <a:r>
-              <a:rPr lang="el-GR" dirty="0" smtClean="0"/>
+              <a:rPr lang="el-GR" dirty="0"/>
               <a:t>ε</a:t>
             </a:r>
             <a:r>
-              <a:rPr lang="en-US" dirty="0" smtClean="0"/>
+              <a:rPr lang="en-US" dirty="0"/>
               <a:t> R</a:t>
             </a:r>
           </a:p>
           <a:p>
             <a:pPr lvl="1"/>
             <a:r>
-              <a:rPr lang="en-US" dirty="0" smtClean="0"/>
+              <a:rPr lang="en-US" dirty="0"/>
               <a:t>Dimension – n</a:t>
             </a:r>
             <a:r>
-              <a:rPr lang="en-US" baseline="-25000" dirty="0" smtClean="0"/>
+              <a:rPr lang="en-US" baseline="-25000" dirty="0"/>
               <a:t>X </a:t>
             </a:r>
           </a:p>
           <a:p>
             <a:r>
-              <a:rPr lang="en-US" dirty="0" smtClean="0"/>
+              <a:rPr lang="en-US" dirty="0"/>
               <a:t>Bias – b  </a:t>
             </a:r>
           </a:p>
           <a:p>
             <a:pPr lvl="1"/>
             <a:r>
-              <a:rPr lang="en-US" dirty="0" smtClean="0"/>
+              <a:rPr lang="en-US" dirty="0"/>
               <a:t>Scalar</a:t>
             </a:r>
           </a:p>
           <a:p>
             <a:pPr lvl="1"/>
             <a:r>
-              <a:rPr lang="en-US" dirty="0" smtClean="0"/>
+              <a:rPr lang="en-US" dirty="0"/>
               <a:t>b </a:t>
             </a:r>
             <a:r>
-              <a:rPr lang="el-GR" dirty="0" smtClean="0"/>
+              <a:rPr lang="el-GR" dirty="0"/>
               <a:t>ε </a:t>
             </a:r>
             <a:r>
-              <a:rPr lang="en-US" dirty="0" smtClean="0"/>
+              <a:rPr lang="en-US" dirty="0"/>
               <a:t>R</a:t>
             </a:r>
           </a:p>
           <a:p>
             <a:r>
-              <a:rPr lang="en-US" dirty="0" smtClean="0"/>
+              <a:rPr lang="en-US" dirty="0"/>
               <a:t>y = W</a:t>
             </a:r>
             <a:r>
-              <a:rPr lang="en-US" baseline="30000" dirty="0" smtClean="0"/>
+              <a:rPr lang="en-US" baseline="30000" dirty="0"/>
               <a:t>T</a:t>
             </a:r>
             <a:r>
-              <a:rPr lang="en-US" dirty="0" smtClean="0"/>
+              <a:rPr lang="en-US" dirty="0"/>
               <a:t>X + b</a:t>
             </a:r>
             <a:endParaRPr lang="en-US" baseline="-25000" dirty="0"/>
@@ -14152,13 +14937,6 @@
   <p:clrMapOvr>
     <a:masterClrMapping/>
   </p:clrMapOvr>
-  <p:timing>
-    <p:tnLst>
-      <p:par>
-        <p:cTn id="1" dur="indefinite" restart="never" nodeType="tmRoot"/>
-      </p:par>
-    </p:tnLst>
-  </p:timing>
 </p:sld>
 </file>
 

--- a/MachineLearning/LogisticRegression/LogisticRegression.pptx
+++ b/MachineLearning/LogisticRegression/LogisticRegression.pptx
@@ -146,22 +146,6 @@
       </a:defRPr>
     </a:lvl9pPr>
   </p:defaultTextStyle>
-  <p:extLst>
-    <p:ext uri="{EFAFB233-063F-42B5-8137-9DF3F51BA10A}">
-      <p15:sldGuideLst xmlns:p15="http://schemas.microsoft.com/office/powerpoint/2012/main">
-        <p15:guide id="1" orient="horz" pos="2160">
-          <p15:clr>
-            <a:srgbClr val="A4A3A4"/>
-          </p15:clr>
-        </p15:guide>
-        <p15:guide id="2" pos="2880">
-          <p15:clr>
-            <a:srgbClr val="A4A3A4"/>
-          </p15:clr>
-        </p15:guide>
-      </p15:sldGuideLst>
-    </p:ext>
-  </p:extLst>
 </p:presentation>
 </file>
 
@@ -248,7 +232,7 @@
             <a:fld id="{98BFDCCA-FFB9-49F6-B56E-F6432283D67C}" type="datetimeFigureOut">
               <a:rPr lang="en-US" smtClean="0"/>
               <a:pPr/>
-              <a:t>2/5/2023</a:t>
+              <a:t>2/6/2023</a:t>
             </a:fld>
             <a:endParaRPr lang="en-US"/>
           </a:p>
@@ -314,37 +298,38 @@
           <a:p>
             <a:pPr lvl="0"/>
             <a:r>
-              <a:rPr lang="en-US"/>
+              <a:rPr lang="en-US" smtClean="0"/>
               <a:t>Click to edit Master text styles</a:t>
             </a:r>
           </a:p>
           <a:p>
             <a:pPr lvl="1"/>
             <a:r>
-              <a:rPr lang="en-US"/>
+              <a:rPr lang="en-US" smtClean="0"/>
               <a:t>Second level</a:t>
             </a:r>
           </a:p>
           <a:p>
             <a:pPr lvl="2"/>
             <a:r>
-              <a:rPr lang="en-US"/>
+              <a:rPr lang="en-US" smtClean="0"/>
               <a:t>Third level</a:t>
             </a:r>
           </a:p>
           <a:p>
             <a:pPr lvl="3"/>
             <a:r>
-              <a:rPr lang="en-US"/>
+              <a:rPr lang="en-US" smtClean="0"/>
               <a:t>Fourth level</a:t>
             </a:r>
           </a:p>
           <a:p>
             <a:pPr lvl="4"/>
             <a:r>
-              <a:rPr lang="en-US"/>
+              <a:rPr lang="en-US" smtClean="0"/>
               <a:t>Fifth level</a:t>
             </a:r>
+            <a:endParaRPr lang="en-US"/>
           </a:p>
         </p:txBody>
       </p:sp>
@@ -551,9 +536,10 @@
           <a:lstStyle/>
           <a:p>
             <a:r>
-              <a:rPr lang="en-US"/>
+              <a:rPr lang="en-US" smtClean="0"/>
               <a:t>Click to edit Master title style</a:t>
             </a:r>
+            <a:endParaRPr lang="en-US"/>
           </a:p>
         </p:txBody>
       </p:sp>
@@ -669,9 +655,10 @@
           </a:lstStyle>
           <a:p>
             <a:r>
-              <a:rPr lang="en-US"/>
+              <a:rPr lang="en-US" smtClean="0"/>
               <a:t>Click to edit Master subtitle style</a:t>
             </a:r>
+            <a:endParaRPr lang="en-US"/>
           </a:p>
         </p:txBody>
       </p:sp>
@@ -693,7 +680,7 @@
             <a:fld id="{9099FEDA-6AC3-495C-A467-2B0399D71BB7}" type="datetimeFigureOut">
               <a:rPr lang="en-US" smtClean="0"/>
               <a:pPr/>
-              <a:t>2/5/2023</a:t>
+              <a:t>2/6/2023</a:t>
             </a:fld>
             <a:endParaRPr lang="en-US"/>
           </a:p>
@@ -783,9 +770,10 @@
           <a:lstStyle/>
           <a:p>
             <a:r>
-              <a:rPr lang="en-US"/>
+              <a:rPr lang="en-US" smtClean="0"/>
               <a:t>Click to edit Master title style</a:t>
             </a:r>
+            <a:endParaRPr lang="en-US"/>
           </a:p>
         </p:txBody>
       </p:sp>
@@ -806,37 +794,38 @@
           <a:p>
             <a:pPr lvl="0"/>
             <a:r>
-              <a:rPr lang="en-US"/>
+              <a:rPr lang="en-US" smtClean="0"/>
               <a:t>Click to edit Master text styles</a:t>
             </a:r>
           </a:p>
           <a:p>
             <a:pPr lvl="1"/>
             <a:r>
-              <a:rPr lang="en-US"/>
+              <a:rPr lang="en-US" smtClean="0"/>
               <a:t>Second level</a:t>
             </a:r>
           </a:p>
           <a:p>
             <a:pPr lvl="2"/>
             <a:r>
-              <a:rPr lang="en-US"/>
+              <a:rPr lang="en-US" smtClean="0"/>
               <a:t>Third level</a:t>
             </a:r>
           </a:p>
           <a:p>
             <a:pPr lvl="3"/>
             <a:r>
-              <a:rPr lang="en-US"/>
+              <a:rPr lang="en-US" smtClean="0"/>
               <a:t>Fourth level</a:t>
             </a:r>
           </a:p>
           <a:p>
             <a:pPr lvl="4"/>
             <a:r>
-              <a:rPr lang="en-US"/>
+              <a:rPr lang="en-US" smtClean="0"/>
               <a:t>Fifth level</a:t>
             </a:r>
+            <a:endParaRPr lang="en-US"/>
           </a:p>
         </p:txBody>
       </p:sp>
@@ -858,7 +847,7 @@
             <a:fld id="{9099FEDA-6AC3-495C-A467-2B0399D71BB7}" type="datetimeFigureOut">
               <a:rPr lang="en-US" smtClean="0"/>
               <a:pPr/>
-              <a:t>2/5/2023</a:t>
+              <a:t>2/6/2023</a:t>
             </a:fld>
             <a:endParaRPr lang="en-US"/>
           </a:p>
@@ -953,9 +942,10 @@
           <a:lstStyle/>
           <a:p>
             <a:r>
-              <a:rPr lang="en-US"/>
+              <a:rPr lang="en-US" smtClean="0"/>
               <a:t>Click to edit Master title style</a:t>
             </a:r>
+            <a:endParaRPr lang="en-US"/>
           </a:p>
         </p:txBody>
       </p:sp>
@@ -981,37 +971,38 @@
           <a:p>
             <a:pPr lvl="0"/>
             <a:r>
-              <a:rPr lang="en-US"/>
+              <a:rPr lang="en-US" smtClean="0"/>
               <a:t>Click to edit Master text styles</a:t>
             </a:r>
           </a:p>
           <a:p>
             <a:pPr lvl="1"/>
             <a:r>
-              <a:rPr lang="en-US"/>
+              <a:rPr lang="en-US" smtClean="0"/>
               <a:t>Second level</a:t>
             </a:r>
           </a:p>
           <a:p>
             <a:pPr lvl="2"/>
             <a:r>
-              <a:rPr lang="en-US"/>
+              <a:rPr lang="en-US" smtClean="0"/>
               <a:t>Third level</a:t>
             </a:r>
           </a:p>
           <a:p>
             <a:pPr lvl="3"/>
             <a:r>
-              <a:rPr lang="en-US"/>
+              <a:rPr lang="en-US" smtClean="0"/>
               <a:t>Fourth level</a:t>
             </a:r>
           </a:p>
           <a:p>
             <a:pPr lvl="4"/>
             <a:r>
-              <a:rPr lang="en-US"/>
+              <a:rPr lang="en-US" smtClean="0"/>
               <a:t>Fifth level</a:t>
             </a:r>
+            <a:endParaRPr lang="en-US"/>
           </a:p>
         </p:txBody>
       </p:sp>
@@ -1033,7 +1024,7 @@
             <a:fld id="{9099FEDA-6AC3-495C-A467-2B0399D71BB7}" type="datetimeFigureOut">
               <a:rPr lang="en-US" smtClean="0"/>
               <a:pPr/>
-              <a:t>2/5/2023</a:t>
+              <a:t>2/6/2023</a:t>
             </a:fld>
             <a:endParaRPr lang="en-US"/>
           </a:p>
@@ -1123,9 +1114,10 @@
           <a:lstStyle/>
           <a:p>
             <a:r>
-              <a:rPr lang="en-US"/>
+              <a:rPr lang="en-US" smtClean="0"/>
               <a:t>Click to edit Master title style</a:t>
             </a:r>
+            <a:endParaRPr lang="en-US"/>
           </a:p>
         </p:txBody>
       </p:sp>
@@ -1146,37 +1138,38 @@
           <a:p>
             <a:pPr lvl="0"/>
             <a:r>
-              <a:rPr lang="en-US"/>
+              <a:rPr lang="en-US" smtClean="0"/>
               <a:t>Click to edit Master text styles</a:t>
             </a:r>
           </a:p>
           <a:p>
             <a:pPr lvl="1"/>
             <a:r>
-              <a:rPr lang="en-US"/>
+              <a:rPr lang="en-US" smtClean="0"/>
               <a:t>Second level</a:t>
             </a:r>
           </a:p>
           <a:p>
             <a:pPr lvl="2"/>
             <a:r>
-              <a:rPr lang="en-US"/>
+              <a:rPr lang="en-US" smtClean="0"/>
               <a:t>Third level</a:t>
             </a:r>
           </a:p>
           <a:p>
             <a:pPr lvl="3"/>
             <a:r>
-              <a:rPr lang="en-US"/>
+              <a:rPr lang="en-US" smtClean="0"/>
               <a:t>Fourth level</a:t>
             </a:r>
           </a:p>
           <a:p>
             <a:pPr lvl="4"/>
             <a:r>
-              <a:rPr lang="en-US"/>
+              <a:rPr lang="en-US" smtClean="0"/>
               <a:t>Fifth level</a:t>
             </a:r>
+            <a:endParaRPr lang="en-US"/>
           </a:p>
         </p:txBody>
       </p:sp>
@@ -1198,7 +1191,7 @@
             <a:fld id="{9099FEDA-6AC3-495C-A467-2B0399D71BB7}" type="datetimeFigureOut">
               <a:rPr lang="en-US" smtClean="0"/>
               <a:pPr/>
-              <a:t>2/5/2023</a:t>
+              <a:t>2/6/2023</a:t>
             </a:fld>
             <a:endParaRPr lang="en-US"/>
           </a:p>
@@ -1297,9 +1290,10 @@
           </a:lstStyle>
           <a:p>
             <a:r>
-              <a:rPr lang="en-US"/>
+              <a:rPr lang="en-US" smtClean="0"/>
               <a:t>Click to edit Master title style</a:t>
             </a:r>
+            <a:endParaRPr lang="en-US"/>
           </a:p>
         </p:txBody>
       </p:sp>
@@ -1416,7 +1410,7 @@
           <a:p>
             <a:pPr lvl="0"/>
             <a:r>
-              <a:rPr lang="en-US"/>
+              <a:rPr lang="en-US" smtClean="0"/>
               <a:t>Click to edit Master text styles</a:t>
             </a:r>
           </a:p>
@@ -1440,7 +1434,7 @@
             <a:fld id="{9099FEDA-6AC3-495C-A467-2B0399D71BB7}" type="datetimeFigureOut">
               <a:rPr lang="en-US" smtClean="0"/>
               <a:pPr/>
-              <a:t>2/5/2023</a:t>
+              <a:t>2/6/2023</a:t>
             </a:fld>
             <a:endParaRPr lang="en-US"/>
           </a:p>
@@ -1530,9 +1524,10 @@
           <a:lstStyle/>
           <a:p>
             <a:r>
-              <a:rPr lang="en-US"/>
+              <a:rPr lang="en-US" smtClean="0"/>
               <a:t>Click to edit Master title style</a:t>
             </a:r>
+            <a:endParaRPr lang="en-US"/>
           </a:p>
         </p:txBody>
       </p:sp>
@@ -1586,37 +1581,38 @@
           <a:p>
             <a:pPr lvl="0"/>
             <a:r>
-              <a:rPr lang="en-US"/>
+              <a:rPr lang="en-US" smtClean="0"/>
               <a:t>Click to edit Master text styles</a:t>
             </a:r>
           </a:p>
           <a:p>
             <a:pPr lvl="1"/>
             <a:r>
-              <a:rPr lang="en-US"/>
+              <a:rPr lang="en-US" smtClean="0"/>
               <a:t>Second level</a:t>
             </a:r>
           </a:p>
           <a:p>
             <a:pPr lvl="2"/>
             <a:r>
-              <a:rPr lang="en-US"/>
+              <a:rPr lang="en-US" smtClean="0"/>
               <a:t>Third level</a:t>
             </a:r>
           </a:p>
           <a:p>
             <a:pPr lvl="3"/>
             <a:r>
-              <a:rPr lang="en-US"/>
+              <a:rPr lang="en-US" smtClean="0"/>
               <a:t>Fourth level</a:t>
             </a:r>
           </a:p>
           <a:p>
             <a:pPr lvl="4"/>
             <a:r>
-              <a:rPr lang="en-US"/>
+              <a:rPr lang="en-US" smtClean="0"/>
               <a:t>Fifth level</a:t>
             </a:r>
+            <a:endParaRPr lang="en-US"/>
           </a:p>
         </p:txBody>
       </p:sp>
@@ -1670,37 +1666,38 @@
           <a:p>
             <a:pPr lvl="0"/>
             <a:r>
-              <a:rPr lang="en-US"/>
+              <a:rPr lang="en-US" smtClean="0"/>
               <a:t>Click to edit Master text styles</a:t>
             </a:r>
           </a:p>
           <a:p>
             <a:pPr lvl="1"/>
             <a:r>
-              <a:rPr lang="en-US"/>
+              <a:rPr lang="en-US" smtClean="0"/>
               <a:t>Second level</a:t>
             </a:r>
           </a:p>
           <a:p>
             <a:pPr lvl="2"/>
             <a:r>
-              <a:rPr lang="en-US"/>
+              <a:rPr lang="en-US" smtClean="0"/>
               <a:t>Third level</a:t>
             </a:r>
           </a:p>
           <a:p>
             <a:pPr lvl="3"/>
             <a:r>
-              <a:rPr lang="en-US"/>
+              <a:rPr lang="en-US" smtClean="0"/>
               <a:t>Fourth level</a:t>
             </a:r>
           </a:p>
           <a:p>
             <a:pPr lvl="4"/>
             <a:r>
-              <a:rPr lang="en-US"/>
+              <a:rPr lang="en-US" smtClean="0"/>
               <a:t>Fifth level</a:t>
             </a:r>
+            <a:endParaRPr lang="en-US"/>
           </a:p>
         </p:txBody>
       </p:sp>
@@ -1722,7 +1719,7 @@
             <a:fld id="{9099FEDA-6AC3-495C-A467-2B0399D71BB7}" type="datetimeFigureOut">
               <a:rPr lang="en-US" smtClean="0"/>
               <a:pPr/>
-              <a:t>2/5/2023</a:t>
+              <a:t>2/6/2023</a:t>
             </a:fld>
             <a:endParaRPr lang="en-US"/>
           </a:p>
@@ -1816,9 +1813,10 @@
           </a:lstStyle>
           <a:p>
             <a:r>
-              <a:rPr lang="en-US"/>
+              <a:rPr lang="en-US" smtClean="0"/>
               <a:t>Click to edit Master title style</a:t>
             </a:r>
+            <a:endParaRPr lang="en-US"/>
           </a:p>
         </p:txBody>
       </p:sp>
@@ -1881,7 +1879,7 @@
           <a:p>
             <a:pPr lvl="0"/>
             <a:r>
-              <a:rPr lang="en-US"/>
+              <a:rPr lang="en-US" smtClean="0"/>
               <a:t>Click to edit Master text styles</a:t>
             </a:r>
           </a:p>
@@ -1937,37 +1935,38 @@
           <a:p>
             <a:pPr lvl="0"/>
             <a:r>
-              <a:rPr lang="en-US"/>
+              <a:rPr lang="en-US" smtClean="0"/>
               <a:t>Click to edit Master text styles</a:t>
             </a:r>
           </a:p>
           <a:p>
             <a:pPr lvl="1"/>
             <a:r>
-              <a:rPr lang="en-US"/>
+              <a:rPr lang="en-US" smtClean="0"/>
               <a:t>Second level</a:t>
             </a:r>
           </a:p>
           <a:p>
             <a:pPr lvl="2"/>
             <a:r>
-              <a:rPr lang="en-US"/>
+              <a:rPr lang="en-US" smtClean="0"/>
               <a:t>Third level</a:t>
             </a:r>
           </a:p>
           <a:p>
             <a:pPr lvl="3"/>
             <a:r>
-              <a:rPr lang="en-US"/>
+              <a:rPr lang="en-US" smtClean="0"/>
               <a:t>Fourth level</a:t>
             </a:r>
           </a:p>
           <a:p>
             <a:pPr lvl="4"/>
             <a:r>
-              <a:rPr lang="en-US"/>
+              <a:rPr lang="en-US" smtClean="0"/>
               <a:t>Fifth level</a:t>
             </a:r>
+            <a:endParaRPr lang="en-US"/>
           </a:p>
         </p:txBody>
       </p:sp>
@@ -2030,7 +2029,7 @@
           <a:p>
             <a:pPr lvl="0"/>
             <a:r>
-              <a:rPr lang="en-US"/>
+              <a:rPr lang="en-US" smtClean="0"/>
               <a:t>Click to edit Master text styles</a:t>
             </a:r>
           </a:p>
@@ -2086,37 +2085,38 @@
           <a:p>
             <a:pPr lvl="0"/>
             <a:r>
-              <a:rPr lang="en-US"/>
+              <a:rPr lang="en-US" smtClean="0"/>
               <a:t>Click to edit Master text styles</a:t>
             </a:r>
           </a:p>
           <a:p>
             <a:pPr lvl="1"/>
             <a:r>
-              <a:rPr lang="en-US"/>
+              <a:rPr lang="en-US" smtClean="0"/>
               <a:t>Second level</a:t>
             </a:r>
           </a:p>
           <a:p>
             <a:pPr lvl="2"/>
             <a:r>
-              <a:rPr lang="en-US"/>
+              <a:rPr lang="en-US" smtClean="0"/>
               <a:t>Third level</a:t>
             </a:r>
           </a:p>
           <a:p>
             <a:pPr lvl="3"/>
             <a:r>
-              <a:rPr lang="en-US"/>
+              <a:rPr lang="en-US" smtClean="0"/>
               <a:t>Fourth level</a:t>
             </a:r>
           </a:p>
           <a:p>
             <a:pPr lvl="4"/>
             <a:r>
-              <a:rPr lang="en-US"/>
+              <a:rPr lang="en-US" smtClean="0"/>
               <a:t>Fifth level</a:t>
             </a:r>
+            <a:endParaRPr lang="en-US"/>
           </a:p>
         </p:txBody>
       </p:sp>
@@ -2138,7 +2138,7 @@
             <a:fld id="{9099FEDA-6AC3-495C-A467-2B0399D71BB7}" type="datetimeFigureOut">
               <a:rPr lang="en-US" smtClean="0"/>
               <a:pPr/>
-              <a:t>2/5/2023</a:t>
+              <a:t>2/6/2023</a:t>
             </a:fld>
             <a:endParaRPr lang="en-US"/>
           </a:p>
@@ -2228,9 +2228,10 @@
           <a:lstStyle/>
           <a:p>
             <a:r>
-              <a:rPr lang="en-US"/>
+              <a:rPr lang="en-US" smtClean="0"/>
               <a:t>Click to edit Master title style</a:t>
             </a:r>
+            <a:endParaRPr lang="en-US"/>
           </a:p>
         </p:txBody>
       </p:sp>
@@ -2252,7 +2253,7 @@
             <a:fld id="{9099FEDA-6AC3-495C-A467-2B0399D71BB7}" type="datetimeFigureOut">
               <a:rPr lang="en-US" smtClean="0"/>
               <a:pPr/>
-              <a:t>2/5/2023</a:t>
+              <a:t>2/6/2023</a:t>
             </a:fld>
             <a:endParaRPr lang="en-US"/>
           </a:p>
@@ -2344,7 +2345,7 @@
             <a:fld id="{9099FEDA-6AC3-495C-A467-2B0399D71BB7}" type="datetimeFigureOut">
               <a:rPr lang="en-US" smtClean="0"/>
               <a:pPr/>
-              <a:t>2/5/2023</a:t>
+              <a:t>2/6/2023</a:t>
             </a:fld>
             <a:endParaRPr lang="en-US"/>
           </a:p>
@@ -2443,9 +2444,10 @@
           </a:lstStyle>
           <a:p>
             <a:r>
-              <a:rPr lang="en-US"/>
+              <a:rPr lang="en-US" smtClean="0"/>
               <a:t>Click to edit Master title style</a:t>
             </a:r>
+            <a:endParaRPr lang="en-US"/>
           </a:p>
         </p:txBody>
       </p:sp>
@@ -2499,37 +2501,38 @@
           <a:p>
             <a:pPr lvl="0"/>
             <a:r>
-              <a:rPr lang="en-US"/>
+              <a:rPr lang="en-US" smtClean="0"/>
               <a:t>Click to edit Master text styles</a:t>
             </a:r>
           </a:p>
           <a:p>
             <a:pPr lvl="1"/>
             <a:r>
-              <a:rPr lang="en-US"/>
+              <a:rPr lang="en-US" smtClean="0"/>
               <a:t>Second level</a:t>
             </a:r>
           </a:p>
           <a:p>
             <a:pPr lvl="2"/>
             <a:r>
-              <a:rPr lang="en-US"/>
+              <a:rPr lang="en-US" smtClean="0"/>
               <a:t>Third level</a:t>
             </a:r>
           </a:p>
           <a:p>
             <a:pPr lvl="3"/>
             <a:r>
-              <a:rPr lang="en-US"/>
+              <a:rPr lang="en-US" smtClean="0"/>
               <a:t>Fourth level</a:t>
             </a:r>
           </a:p>
           <a:p>
             <a:pPr lvl="4"/>
             <a:r>
-              <a:rPr lang="en-US"/>
+              <a:rPr lang="en-US" smtClean="0"/>
               <a:t>Fifth level</a:t>
             </a:r>
+            <a:endParaRPr lang="en-US"/>
           </a:p>
         </p:txBody>
       </p:sp>
@@ -2592,7 +2595,7 @@
           <a:p>
             <a:pPr lvl="0"/>
             <a:r>
-              <a:rPr lang="en-US"/>
+              <a:rPr lang="en-US" smtClean="0"/>
               <a:t>Click to edit Master text styles</a:t>
             </a:r>
           </a:p>
@@ -2616,7 +2619,7 @@
             <a:fld id="{9099FEDA-6AC3-495C-A467-2B0399D71BB7}" type="datetimeFigureOut">
               <a:rPr lang="en-US" smtClean="0"/>
               <a:pPr/>
-              <a:t>2/5/2023</a:t>
+              <a:t>2/6/2023</a:t>
             </a:fld>
             <a:endParaRPr lang="en-US"/>
           </a:p>
@@ -2715,9 +2718,10 @@
           </a:lstStyle>
           <a:p>
             <a:r>
-              <a:rPr lang="en-US"/>
+              <a:rPr lang="en-US" smtClean="0"/>
               <a:t>Click to edit Master title style</a:t>
             </a:r>
+            <a:endParaRPr lang="en-US"/>
           </a:p>
         </p:txBody>
       </p:sp>
@@ -2841,7 +2845,7 @@
           <a:p>
             <a:pPr lvl="0"/>
             <a:r>
-              <a:rPr lang="en-US"/>
+              <a:rPr lang="en-US" smtClean="0"/>
               <a:t>Click to edit Master text styles</a:t>
             </a:r>
           </a:p>
@@ -2865,7 +2869,7 @@
             <a:fld id="{9099FEDA-6AC3-495C-A467-2B0399D71BB7}" type="datetimeFigureOut">
               <a:rPr lang="en-US" smtClean="0"/>
               <a:pPr/>
-              <a:t>2/5/2023</a:t>
+              <a:t>2/6/2023</a:t>
             </a:fld>
             <a:endParaRPr lang="en-US"/>
           </a:p>
@@ -2970,9 +2974,10 @@
           <a:lstStyle/>
           <a:p>
             <a:r>
-              <a:rPr lang="en-US"/>
+              <a:rPr lang="en-US" smtClean="0"/>
               <a:t>Click to edit Master title style</a:t>
             </a:r>
+            <a:endParaRPr lang="en-US"/>
           </a:p>
         </p:txBody>
       </p:sp>
@@ -3003,37 +3008,38 @@
           <a:p>
             <a:pPr lvl="0"/>
             <a:r>
-              <a:rPr lang="en-US"/>
+              <a:rPr lang="en-US" smtClean="0"/>
               <a:t>Click to edit Master text styles</a:t>
             </a:r>
           </a:p>
           <a:p>
             <a:pPr lvl="1"/>
             <a:r>
-              <a:rPr lang="en-US"/>
+              <a:rPr lang="en-US" smtClean="0"/>
               <a:t>Second level</a:t>
             </a:r>
           </a:p>
           <a:p>
             <a:pPr lvl="2"/>
             <a:r>
-              <a:rPr lang="en-US"/>
+              <a:rPr lang="en-US" smtClean="0"/>
               <a:t>Third level</a:t>
             </a:r>
           </a:p>
           <a:p>
             <a:pPr lvl="3"/>
             <a:r>
-              <a:rPr lang="en-US"/>
+              <a:rPr lang="en-US" smtClean="0"/>
               <a:t>Fourth level</a:t>
             </a:r>
           </a:p>
           <a:p>
             <a:pPr lvl="4"/>
             <a:r>
-              <a:rPr lang="en-US"/>
+              <a:rPr lang="en-US" smtClean="0"/>
               <a:t>Fifth level</a:t>
             </a:r>
+            <a:endParaRPr lang="en-US"/>
           </a:p>
         </p:txBody>
       </p:sp>
@@ -3073,7 +3079,7 @@
             <a:fld id="{9099FEDA-6AC3-495C-A467-2B0399D71BB7}" type="datetimeFigureOut">
               <a:rPr lang="en-US" smtClean="0"/>
               <a:pPr/>
-              <a:t>2/5/2023</a:t>
+              <a:t>2/6/2023</a:t>
             </a:fld>
             <a:endParaRPr lang="en-US"/>
           </a:p>
@@ -3460,9 +3466,10 @@
           <a:lstStyle/>
           <a:p>
             <a:r>
-              <a:rPr lang="en-US" dirty="0"/>
+              <a:rPr lang="en-US" dirty="0" smtClean="0"/>
               <a:t>Logistic Regression</a:t>
             </a:r>
+            <a:endParaRPr lang="en-US" dirty="0"/>
           </a:p>
         </p:txBody>
       </p:sp>
@@ -3489,22 +3496,22 @@
           <a:lstStyle/>
           <a:p>
             <a:r>
-              <a:rPr lang="en-US" dirty="0"/>
+              <a:rPr lang="en-US" dirty="0" smtClean="0"/>
               <a:t>Pritam Prakash Shete</a:t>
             </a:r>
           </a:p>
           <a:p>
             <a:r>
-              <a:rPr lang="en-US" dirty="0"/>
+              <a:rPr lang="en-US" dirty="0" smtClean="0"/>
               <a:t>Computer Division, BARC </a:t>
             </a:r>
           </a:p>
           <a:p>
             <a:r>
-              <a:rPr lang="en-IN" dirty="0"/>
+              <a:rPr lang="en-IN" dirty="0" smtClean="0"/>
               <a:t>Centre for Excellence in Basic Sciences</a:t>
             </a:r>
-            <a:endParaRPr lang="en-US" dirty="0"/>
+            <a:endParaRPr lang="en-US" dirty="0" smtClean="0"/>
           </a:p>
           <a:p>
             <a:endParaRPr lang="en-US" dirty="0"/>
@@ -3516,6 +3523,13 @@
   <p:clrMapOvr>
     <a:masterClrMapping/>
   </p:clrMapOvr>
+  <p:timing>
+    <p:tnLst>
+      <p:par>
+        <p:cTn id="1" dur="indefinite" restart="never" nodeType="tmRoot"/>
+      </p:par>
+    </p:tnLst>
+  </p:timing>
 </p:sld>
 </file>
 
@@ -3554,9 +3568,10 @@
           <a:lstStyle/>
           <a:p>
             <a:r>
-              <a:rPr lang="en-US" dirty="0"/>
+              <a:rPr lang="en-US" dirty="0" smtClean="0"/>
               <a:t>Logistic Regression</a:t>
             </a:r>
+            <a:endParaRPr lang="en-US" dirty="0"/>
           </a:p>
         </p:txBody>
       </p:sp>
@@ -3583,74 +3598,74 @@
           <a:lstStyle/>
           <a:p>
             <a:r>
-              <a:rPr lang="en-US" dirty="0"/>
+              <a:rPr lang="en-US" dirty="0" smtClean="0"/>
               <a:t>Weights – W  </a:t>
             </a:r>
           </a:p>
           <a:p>
             <a:pPr lvl="1"/>
             <a:r>
-              <a:rPr lang="en-US" dirty="0"/>
+              <a:rPr lang="en-US" dirty="0" smtClean="0"/>
               <a:t>Vector</a:t>
             </a:r>
           </a:p>
           <a:p>
             <a:pPr lvl="1"/>
             <a:r>
-              <a:rPr lang="en-US" dirty="0"/>
+              <a:rPr lang="en-US" dirty="0" smtClean="0"/>
               <a:t>W </a:t>
             </a:r>
             <a:r>
-              <a:rPr lang="el-GR" dirty="0"/>
+              <a:rPr lang="el-GR" dirty="0" smtClean="0"/>
               <a:t>ε</a:t>
             </a:r>
             <a:r>
-              <a:rPr lang="en-US" dirty="0"/>
+              <a:rPr lang="en-US" dirty="0" smtClean="0"/>
               <a:t> R</a:t>
             </a:r>
           </a:p>
           <a:p>
             <a:pPr lvl="1"/>
             <a:r>
-              <a:rPr lang="en-US" dirty="0"/>
+              <a:rPr lang="en-US" dirty="0" smtClean="0"/>
               <a:t>Dimension – n</a:t>
             </a:r>
             <a:r>
-              <a:rPr lang="en-US" baseline="-25000" dirty="0"/>
+              <a:rPr lang="en-US" baseline="-25000" dirty="0" smtClean="0"/>
               <a:t>X </a:t>
             </a:r>
           </a:p>
           <a:p>
             <a:r>
-              <a:rPr lang="en-US" dirty="0"/>
+              <a:rPr lang="en-US" dirty="0" smtClean="0"/>
               <a:t>Bias – b  </a:t>
             </a:r>
           </a:p>
           <a:p>
             <a:pPr lvl="1"/>
             <a:r>
-              <a:rPr lang="en-US" dirty="0"/>
+              <a:rPr lang="en-US" dirty="0" smtClean="0"/>
               <a:t>Scalar</a:t>
             </a:r>
           </a:p>
           <a:p>
             <a:pPr lvl="1"/>
             <a:r>
-              <a:rPr lang="en-US" dirty="0"/>
+              <a:rPr lang="en-US" dirty="0" smtClean="0"/>
               <a:t>b </a:t>
             </a:r>
             <a:r>
-              <a:rPr lang="el-GR" dirty="0"/>
+              <a:rPr lang="el-GR" dirty="0" smtClean="0"/>
               <a:t>ε </a:t>
             </a:r>
             <a:r>
-              <a:rPr lang="en-US" dirty="0"/>
+              <a:rPr lang="en-US" dirty="0" smtClean="0"/>
               <a:t>R</a:t>
             </a:r>
           </a:p>
           <a:p>
             <a:r>
-              <a:rPr lang="en-US" dirty="0">
+              <a:rPr lang="en-US" dirty="0" smtClean="0">
                 <a:solidFill>
                   <a:srgbClr val="00B050"/>
                 </a:solidFill>
@@ -3658,7 +3673,7 @@
               <a:t>Z = W</a:t>
             </a:r>
             <a:r>
-              <a:rPr lang="en-US" baseline="30000" dirty="0">
+              <a:rPr lang="en-US" baseline="30000" dirty="0" smtClean="0">
                 <a:solidFill>
                   <a:srgbClr val="00B050"/>
                 </a:solidFill>
@@ -3666,7 +3681,7 @@
               <a:t>T</a:t>
             </a:r>
             <a:r>
-              <a:rPr lang="en-US" dirty="0">
+              <a:rPr lang="en-US" dirty="0" smtClean="0">
                 <a:solidFill>
                   <a:srgbClr val="00B050"/>
                 </a:solidFill>
@@ -3676,7 +3691,7 @@
           </a:p>
           <a:p>
             <a:r>
-              <a:rPr lang="en-US" dirty="0">
+              <a:rPr lang="en-US" dirty="0" smtClean="0">
                 <a:solidFill>
                   <a:srgbClr val="00B050"/>
                 </a:solidFill>
@@ -3684,7 +3699,7 @@
               <a:t>ŷ = </a:t>
             </a:r>
             <a:r>
-              <a:rPr lang="el-GR" dirty="0">
+              <a:rPr lang="el-GR" dirty="0" smtClean="0">
                 <a:solidFill>
                   <a:srgbClr val="00B050"/>
                 </a:solidFill>
@@ -3692,7 +3707,7 @@
               <a:t>σ</a:t>
             </a:r>
             <a:r>
-              <a:rPr lang="en-US" dirty="0">
+              <a:rPr lang="en-US" dirty="0" smtClean="0">
                 <a:solidFill>
                   <a:srgbClr val="00B050"/>
                 </a:solidFill>
@@ -3700,11 +3715,11 @@
               <a:t>(Z)</a:t>
             </a:r>
             <a:r>
-              <a:rPr lang="en-US" dirty="0"/>
+              <a:rPr lang="en-US" dirty="0" smtClean="0"/>
               <a:t> </a:t>
             </a:r>
             <a:r>
-              <a:rPr lang="en-US" dirty="0">
+              <a:rPr lang="en-US" dirty="0" smtClean="0">
                 <a:solidFill>
                   <a:srgbClr val="00B050"/>
                 </a:solidFill>
@@ -3754,13 +3769,14 @@
             <a:lstStyle/>
             <a:p>
               <a:r>
-                <a:rPr lang="en-US" sz="2400" b="1" dirty="0"/>
+                <a:rPr lang="en-US" sz="2400" b="1" dirty="0" smtClean="0"/>
                 <a:t>x</a:t>
               </a:r>
               <a:r>
-                <a:rPr lang="en-US" sz="2400" b="1" baseline="-25000" dirty="0"/>
+                <a:rPr lang="en-US" sz="2400" b="1" baseline="-25000" dirty="0" smtClean="0"/>
                 <a:t>1</a:t>
               </a:r>
+              <a:endParaRPr lang="en-US" sz="2400" b="1" baseline="-25000" dirty="0"/>
             </a:p>
           </p:txBody>
         </p:sp>
@@ -3787,13 +3803,14 @@
             <a:lstStyle/>
             <a:p>
               <a:r>
-                <a:rPr lang="en-US" sz="2400" b="1" dirty="0"/>
+                <a:rPr lang="en-US" sz="2400" b="1" dirty="0" smtClean="0"/>
                 <a:t>x</a:t>
               </a:r>
               <a:r>
-                <a:rPr lang="en-US" sz="2400" b="1" baseline="-25000" dirty="0"/>
+                <a:rPr lang="en-US" sz="2400" b="1" baseline="-25000" dirty="0" smtClean="0"/>
                 <a:t>2</a:t>
               </a:r>
+              <a:endParaRPr lang="en-US" sz="2400" b="1" baseline="-25000" dirty="0"/>
             </a:p>
           </p:txBody>
         </p:sp>
@@ -3820,13 +3837,14 @@
             <a:lstStyle/>
             <a:p>
               <a:r>
-                <a:rPr lang="en-US" sz="2400" b="1" dirty="0"/>
+                <a:rPr lang="en-US" sz="2400" b="1" dirty="0" smtClean="0"/>
                 <a:t>x</a:t>
               </a:r>
               <a:r>
-                <a:rPr lang="en-US" sz="2400" b="1" baseline="-25000" dirty="0"/>
+                <a:rPr lang="en-US" sz="2400" b="1" baseline="-25000" dirty="0" smtClean="0"/>
                 <a:t>3</a:t>
               </a:r>
+              <a:endParaRPr lang="en-US" sz="2400" b="1" baseline="-25000" dirty="0"/>
             </a:p>
           </p:txBody>
         </p:sp>
@@ -3901,9 +3919,10 @@
             <a:lstStyle/>
             <a:p>
               <a:r>
-                <a:rPr lang="en-US" sz="2400" b="1" dirty="0"/>
+                <a:rPr lang="en-US" sz="2400" b="1" dirty="0" smtClean="0"/>
                 <a:t>ŷ</a:t>
               </a:r>
+              <a:endParaRPr lang="en-US" sz="2400" b="1" dirty="0"/>
             </a:p>
           </p:txBody>
         </p:sp>
@@ -4082,13 +4101,14 @@
             <a:lstStyle/>
             <a:p>
               <a:r>
-                <a:rPr lang="en-US" sz="2400" b="1" dirty="0"/>
+                <a:rPr lang="en-US" sz="2400" b="1" dirty="0" smtClean="0"/>
                 <a:t>W</a:t>
               </a:r>
               <a:r>
-                <a:rPr lang="en-US" sz="2400" b="1" baseline="-25000" dirty="0"/>
+                <a:rPr lang="en-US" sz="2400" b="1" baseline="-25000" dirty="0" smtClean="0"/>
                 <a:t>1</a:t>
               </a:r>
+              <a:endParaRPr lang="en-US" sz="2400" b="1" baseline="-25000" dirty="0"/>
             </a:p>
           </p:txBody>
         </p:sp>
@@ -4115,13 +4135,14 @@
             <a:lstStyle/>
             <a:p>
               <a:r>
-                <a:rPr lang="en-US" sz="2400" b="1" dirty="0"/>
+                <a:rPr lang="en-US" sz="2400" b="1" dirty="0" smtClean="0"/>
                 <a:t>W</a:t>
               </a:r>
               <a:r>
-                <a:rPr lang="en-US" sz="2400" b="1" baseline="-25000" dirty="0"/>
+                <a:rPr lang="en-US" sz="2400" b="1" baseline="-25000" dirty="0" smtClean="0"/>
                 <a:t>2</a:t>
               </a:r>
+              <a:endParaRPr lang="en-US" sz="2400" b="1" baseline="-25000" dirty="0"/>
             </a:p>
           </p:txBody>
         </p:sp>
@@ -4148,13 +4169,14 @@
             <a:lstStyle/>
             <a:p>
               <a:r>
-                <a:rPr lang="en-US" sz="2400" b="1" dirty="0"/>
+                <a:rPr lang="en-US" sz="2400" b="1" dirty="0" smtClean="0"/>
                 <a:t>W</a:t>
               </a:r>
               <a:r>
-                <a:rPr lang="en-US" sz="2400" b="1" baseline="-25000" dirty="0"/>
+                <a:rPr lang="en-US" sz="2400" b="1" baseline="-25000" dirty="0" smtClean="0"/>
                 <a:t>3</a:t>
               </a:r>
+              <a:endParaRPr lang="en-US" sz="2400" b="1" baseline="-25000" dirty="0"/>
             </a:p>
           </p:txBody>
         </p:sp>
@@ -4181,7 +4203,7 @@
             <a:lstStyle/>
             <a:p>
               <a:r>
-                <a:rPr lang="en-US" sz="2400" b="1" dirty="0"/>
+                <a:rPr lang="en-US" sz="2400" b="1" dirty="0" smtClean="0"/>
                 <a:t>+b</a:t>
               </a:r>
               <a:endParaRPr lang="en-US" sz="2400" b="1" baseline="-25000" dirty="0"/>
@@ -4249,7 +4271,7 @@
             <a:lstStyle/>
             <a:p>
               <a:r>
-                <a:rPr lang="en-US" sz="2400" b="1" dirty="0"/>
+                <a:rPr lang="en-US" sz="2400" b="1" dirty="0" smtClean="0"/>
                 <a:t>activation</a:t>
               </a:r>
               <a:endParaRPr lang="en-US" sz="2400" b="1" baseline="-25000" dirty="0"/>
@@ -4262,6 +4284,13 @@
   <p:clrMapOvr>
     <a:masterClrMapping/>
   </p:clrMapOvr>
+  <p:timing>
+    <p:tnLst>
+      <p:par>
+        <p:cTn id="1" dur="indefinite" restart="never" nodeType="tmRoot"/>
+      </p:par>
+    </p:tnLst>
+  </p:timing>
 </p:sld>
 </file>
 
@@ -4300,9 +4329,10 @@
           <a:lstStyle/>
           <a:p>
             <a:r>
-              <a:rPr lang="en-US" dirty="0"/>
+              <a:rPr lang="en-US" dirty="0" smtClean="0"/>
               <a:t>Logistic Regression</a:t>
             </a:r>
+            <a:endParaRPr lang="en-US" dirty="0"/>
           </a:p>
         </p:txBody>
       </p:sp>
@@ -4324,74 +4354,74 @@
           <a:lstStyle/>
           <a:p>
             <a:r>
-              <a:rPr lang="en-US" dirty="0"/>
+              <a:rPr lang="en-US" dirty="0" smtClean="0"/>
               <a:t>Weights – W  </a:t>
             </a:r>
           </a:p>
           <a:p>
             <a:pPr lvl="1"/>
             <a:r>
-              <a:rPr lang="en-US" dirty="0"/>
+              <a:rPr lang="en-US" dirty="0" smtClean="0"/>
               <a:t>Vector</a:t>
             </a:r>
           </a:p>
           <a:p>
             <a:pPr lvl="1"/>
             <a:r>
-              <a:rPr lang="en-US" dirty="0"/>
+              <a:rPr lang="en-US" dirty="0" smtClean="0"/>
               <a:t>W </a:t>
             </a:r>
             <a:r>
-              <a:rPr lang="el-GR" dirty="0"/>
+              <a:rPr lang="el-GR" dirty="0" smtClean="0"/>
               <a:t>ε</a:t>
             </a:r>
             <a:r>
-              <a:rPr lang="en-US" dirty="0"/>
+              <a:rPr lang="en-US" dirty="0" smtClean="0"/>
               <a:t> R</a:t>
             </a:r>
           </a:p>
           <a:p>
             <a:pPr lvl="1"/>
             <a:r>
-              <a:rPr lang="en-US" dirty="0"/>
+              <a:rPr lang="en-US" dirty="0" smtClean="0"/>
               <a:t>Dimension – n</a:t>
             </a:r>
             <a:r>
-              <a:rPr lang="en-US" baseline="-25000" dirty="0"/>
+              <a:rPr lang="en-US" baseline="-25000" dirty="0" smtClean="0"/>
               <a:t>X </a:t>
             </a:r>
           </a:p>
           <a:p>
             <a:r>
-              <a:rPr lang="en-US" dirty="0"/>
+              <a:rPr lang="en-US" dirty="0" smtClean="0"/>
               <a:t>Bias – b  </a:t>
             </a:r>
           </a:p>
           <a:p>
             <a:pPr lvl="1"/>
             <a:r>
-              <a:rPr lang="en-US" dirty="0"/>
+              <a:rPr lang="en-US" dirty="0" smtClean="0"/>
               <a:t>Scalar</a:t>
             </a:r>
           </a:p>
           <a:p>
             <a:pPr lvl="1"/>
             <a:r>
-              <a:rPr lang="en-US" dirty="0"/>
+              <a:rPr lang="en-US" dirty="0" smtClean="0"/>
               <a:t>b </a:t>
             </a:r>
             <a:r>
-              <a:rPr lang="el-GR" dirty="0"/>
+              <a:rPr lang="el-GR" dirty="0" smtClean="0"/>
               <a:t>ε </a:t>
             </a:r>
             <a:r>
-              <a:rPr lang="en-US" dirty="0"/>
+              <a:rPr lang="en-US" dirty="0" smtClean="0"/>
               <a:t>R</a:t>
             </a:r>
           </a:p>
           <a:p>
             <a:r>
-              <a:rPr lang="en-US" dirty="0">
+              <a:rPr lang="en-US" dirty="0" smtClean="0">
                 <a:solidFill>
                   <a:srgbClr val="00B050"/>
                 </a:solidFill>
@@ -4399,7 +4429,7 @@
               <a:t>Z = W</a:t>
             </a:r>
             <a:r>
-              <a:rPr lang="en-US" baseline="30000" dirty="0">
+              <a:rPr lang="en-US" baseline="30000" dirty="0" smtClean="0">
                 <a:solidFill>
                   <a:srgbClr val="00B050"/>
                 </a:solidFill>
@@ -4407,7 +4437,7 @@
               <a:t>T</a:t>
             </a:r>
             <a:r>
-              <a:rPr lang="en-US" dirty="0">
+              <a:rPr lang="en-US" dirty="0" smtClean="0">
                 <a:solidFill>
                   <a:srgbClr val="00B050"/>
                 </a:solidFill>
@@ -4417,7 +4447,7 @@
           </a:p>
           <a:p>
             <a:r>
-              <a:rPr lang="en-US" dirty="0">
+              <a:rPr lang="en-US" dirty="0" smtClean="0">
                 <a:solidFill>
                   <a:srgbClr val="00B050"/>
                 </a:solidFill>
@@ -4435,6 +4465,13 @@
   <p:clrMapOvr>
     <a:masterClrMapping/>
   </p:clrMapOvr>
+  <p:timing>
+    <p:tnLst>
+      <p:par>
+        <p:cTn id="1" dur="indefinite" restart="never" nodeType="tmRoot"/>
+      </p:par>
+    </p:tnLst>
+  </p:timing>
 </p:sld>
 </file>
 
@@ -4473,9 +4510,10 @@
           <a:lstStyle/>
           <a:p>
             <a:r>
-              <a:rPr lang="en-US" dirty="0"/>
+              <a:rPr lang="en-US" dirty="0" smtClean="0"/>
               <a:t>Loss Function </a:t>
             </a:r>
+            <a:endParaRPr lang="en-US" dirty="0"/>
           </a:p>
         </p:txBody>
       </p:sp>
@@ -4497,151 +4535,151 @@
           <a:lstStyle/>
           <a:p>
             <a:r>
-              <a:rPr lang="en-US" dirty="0"/>
+              <a:rPr lang="en-US" dirty="0" smtClean="0"/>
               <a:t>Input dataset </a:t>
             </a:r>
           </a:p>
           <a:p>
             <a:pPr lvl="1"/>
             <a:r>
-              <a:rPr lang="en-US" dirty="0"/>
+              <a:rPr lang="en-US" dirty="0" smtClean="0"/>
               <a:t>{ (x</a:t>
             </a:r>
             <a:r>
-              <a:rPr lang="en-US" baseline="30000" dirty="0"/>
+              <a:rPr lang="en-US" baseline="30000" dirty="0" smtClean="0"/>
               <a:t>(1)</a:t>
             </a:r>
             <a:r>
-              <a:rPr lang="en-US" dirty="0"/>
+              <a:rPr lang="en-US" dirty="0" smtClean="0"/>
               <a:t>,y</a:t>
             </a:r>
             <a:r>
-              <a:rPr lang="en-US" baseline="30000" dirty="0"/>
+              <a:rPr lang="en-US" baseline="30000" dirty="0" smtClean="0"/>
               <a:t>(1)</a:t>
             </a:r>
             <a:r>
-              <a:rPr lang="en-US" dirty="0"/>
+              <a:rPr lang="en-US" dirty="0" smtClean="0"/>
               <a:t>), (x</a:t>
             </a:r>
             <a:r>
-              <a:rPr lang="en-US" baseline="30000" dirty="0"/>
+              <a:rPr lang="en-US" baseline="30000" dirty="0" smtClean="0"/>
               <a:t>(2)</a:t>
             </a:r>
             <a:r>
-              <a:rPr lang="en-US" dirty="0"/>
+              <a:rPr lang="en-US" dirty="0" smtClean="0"/>
               <a:t>,y</a:t>
             </a:r>
             <a:r>
-              <a:rPr lang="en-US" baseline="30000" dirty="0"/>
+              <a:rPr lang="en-US" baseline="30000" dirty="0" smtClean="0"/>
               <a:t>(2)</a:t>
             </a:r>
             <a:r>
-              <a:rPr lang="en-US" dirty="0"/>
+              <a:rPr lang="en-US" dirty="0" smtClean="0"/>
               <a:t>), …, (x</a:t>
             </a:r>
             <a:r>
-              <a:rPr lang="en-US" baseline="30000" dirty="0"/>
+              <a:rPr lang="en-US" baseline="30000" dirty="0" smtClean="0"/>
               <a:t>(m)</a:t>
             </a:r>
             <a:r>
-              <a:rPr lang="en-US" dirty="0"/>
+              <a:rPr lang="en-US" dirty="0" smtClean="0"/>
               <a:t>,y</a:t>
             </a:r>
             <a:r>
-              <a:rPr lang="en-US" baseline="30000" dirty="0"/>
+              <a:rPr lang="en-US" baseline="30000" dirty="0" smtClean="0"/>
               <a:t>(m)</a:t>
             </a:r>
             <a:r>
-              <a:rPr lang="en-US" dirty="0"/>
+              <a:rPr lang="en-US" dirty="0" smtClean="0"/>
               <a:t>)}</a:t>
             </a:r>
           </a:p>
           <a:p>
             <a:r>
-              <a:rPr lang="en-US" dirty="0"/>
+              <a:rPr lang="en-US" dirty="0" smtClean="0"/>
               <a:t>Equations</a:t>
             </a:r>
           </a:p>
           <a:p>
             <a:pPr lvl="1"/>
             <a:r>
-              <a:rPr lang="en-US" dirty="0"/>
+              <a:rPr lang="en-US" dirty="0" smtClean="0"/>
               <a:t>Z = W</a:t>
             </a:r>
             <a:r>
-              <a:rPr lang="en-US" baseline="30000" dirty="0"/>
+              <a:rPr lang="en-US" baseline="30000" dirty="0" smtClean="0"/>
               <a:t>T</a:t>
             </a:r>
             <a:r>
-              <a:rPr lang="en-US" dirty="0"/>
+              <a:rPr lang="en-US" dirty="0" smtClean="0"/>
               <a:t>X + b</a:t>
             </a:r>
           </a:p>
           <a:p>
             <a:pPr lvl="1"/>
             <a:r>
-              <a:rPr lang="en-US" dirty="0"/>
+              <a:rPr lang="en-US" dirty="0" smtClean="0"/>
               <a:t>ŷ = </a:t>
             </a:r>
             <a:r>
-              <a:rPr lang="el-GR" dirty="0"/>
+              <a:rPr lang="el-GR" dirty="0" smtClean="0"/>
               <a:t>σ</a:t>
             </a:r>
             <a:r>
-              <a:rPr lang="en-US" dirty="0"/>
+              <a:rPr lang="en-US" dirty="0" smtClean="0"/>
               <a:t>(Z) = y</a:t>
             </a:r>
             <a:r>
-              <a:rPr lang="en-US" baseline="-25000" dirty="0"/>
+              <a:rPr lang="en-US" baseline="-25000" dirty="0" smtClean="0"/>
               <a:t>p</a:t>
             </a:r>
           </a:p>
           <a:p>
             <a:r>
-              <a:rPr lang="en-US" dirty="0"/>
+              <a:rPr lang="en-US" dirty="0" smtClean="0"/>
               <a:t>Output </a:t>
             </a:r>
           </a:p>
           <a:p>
             <a:pPr lvl="1"/>
             <a:r>
-              <a:rPr lang="en-US" dirty="0"/>
+              <a:rPr lang="en-US" dirty="0" smtClean="0"/>
               <a:t>ŷ</a:t>
             </a:r>
             <a:r>
-              <a:rPr lang="en-US" baseline="30000" dirty="0"/>
+              <a:rPr lang="en-US" baseline="30000" dirty="0" smtClean="0"/>
               <a:t>(</a:t>
             </a:r>
             <a:r>
-              <a:rPr lang="en-US" baseline="30000" dirty="0" err="1"/>
+              <a:rPr lang="en-US" baseline="30000" dirty="0" err="1" smtClean="0"/>
               <a:t>i</a:t>
             </a:r>
             <a:r>
-              <a:rPr lang="en-US" baseline="30000" dirty="0"/>
+              <a:rPr lang="en-US" baseline="30000" dirty="0" smtClean="0"/>
               <a:t>) </a:t>
             </a:r>
             <a:r>
-              <a:rPr lang="en-US" dirty="0"/>
+              <a:rPr lang="en-US" dirty="0" smtClean="0"/>
               <a:t>~ y</a:t>
             </a:r>
             <a:r>
-              <a:rPr lang="en-US" baseline="30000" dirty="0"/>
+              <a:rPr lang="en-US" baseline="30000" dirty="0" smtClean="0"/>
               <a:t>(</a:t>
             </a:r>
             <a:r>
-              <a:rPr lang="en-US" baseline="30000" dirty="0" err="1"/>
+              <a:rPr lang="en-US" baseline="30000" dirty="0" err="1" smtClean="0"/>
               <a:t>i</a:t>
             </a:r>
             <a:r>
-              <a:rPr lang="en-US" baseline="30000" dirty="0"/>
+              <a:rPr lang="en-US" baseline="30000" dirty="0" smtClean="0"/>
               <a:t>)</a:t>
             </a:r>
-            <a:endParaRPr lang="en-US" dirty="0"/>
+            <a:endParaRPr lang="en-US" dirty="0" smtClean="0"/>
           </a:p>
           <a:p>
             <a:pPr lvl="1"/>
             <a:r>
-              <a:rPr lang="en-US" dirty="0"/>
+              <a:rPr lang="en-US" dirty="0" smtClean="0"/>
               <a:t>W and b</a:t>
             </a:r>
           </a:p>
@@ -4652,6 +4690,13 @@
   <p:clrMapOvr>
     <a:masterClrMapping/>
   </p:clrMapOvr>
+  <p:timing>
+    <p:tnLst>
+      <p:par>
+        <p:cTn id="1" dur="indefinite" restart="never" nodeType="tmRoot"/>
+      </p:par>
+    </p:tnLst>
+  </p:timing>
 </p:sld>
 </file>
 
@@ -4690,9 +4735,10 @@
           <a:lstStyle/>
           <a:p>
             <a:r>
-              <a:rPr lang="en-US" dirty="0"/>
+              <a:rPr lang="en-US" dirty="0" smtClean="0"/>
               <a:t>Loss Function </a:t>
             </a:r>
+            <a:endParaRPr lang="en-US" dirty="0"/>
           </a:p>
         </p:txBody>
       </p:sp>
@@ -4714,7 +4760,7 @@
           <a:lstStyle/>
           <a:p>
             <a:r>
-              <a:rPr lang="en-US" dirty="0"/>
+              <a:rPr lang="en-US" dirty="0" smtClean="0"/>
               <a:t>L(ŷ, y) = – y * log(ŷ) – (1 – y) * log(1 – ŷ)</a:t>
             </a:r>
           </a:p>
@@ -4725,6 +4771,13 @@
   <p:clrMapOvr>
     <a:masterClrMapping/>
   </p:clrMapOvr>
+  <p:timing>
+    <p:tnLst>
+      <p:par>
+        <p:cTn id="1" dur="indefinite" restart="never" nodeType="tmRoot"/>
+      </p:par>
+    </p:tnLst>
+  </p:timing>
 </p:sld>
 </file>
 
@@ -4763,9 +4816,10 @@
           <a:lstStyle/>
           <a:p>
             <a:r>
-              <a:rPr lang="en-US" dirty="0"/>
+              <a:rPr lang="en-US" dirty="0" smtClean="0"/>
               <a:t>Loss Function </a:t>
             </a:r>
+            <a:endParaRPr lang="en-US" dirty="0"/>
           </a:p>
         </p:txBody>
       </p:sp>
@@ -4787,7 +4841,7 @@
           <a:lstStyle/>
           <a:p>
             <a:r>
-              <a:rPr lang="en-US" dirty="0"/>
+              <a:rPr lang="en-US" dirty="0" smtClean="0"/>
               <a:t>L(ŷ, y) = – y * log(ŷ) – (1 – y) * log(1 – ŷ)</a:t>
             </a:r>
           </a:p>
@@ -4796,7 +4850,7 @@
               <a:buNone/>
             </a:pPr>
             <a:r>
-              <a:rPr lang="en-US" dirty="0">
+              <a:rPr lang="en-US" dirty="0" smtClean="0">
                 <a:solidFill>
                   <a:srgbClr val="00B050"/>
                 </a:solidFill>
@@ -4809,7 +4863,7 @@
               <a:buNone/>
             </a:pPr>
             <a:r>
-              <a:rPr lang="en-US" dirty="0">
+              <a:rPr lang="en-US" dirty="0" smtClean="0">
                 <a:solidFill>
                   <a:srgbClr val="00B050"/>
                 </a:solidFill>
@@ -4822,7 +4876,7 @@
               <a:buNone/>
             </a:pPr>
             <a:r>
-              <a:rPr lang="en-US" dirty="0">
+              <a:rPr lang="en-US" dirty="0" smtClean="0">
                 <a:solidFill>
                   <a:srgbClr val="00B050"/>
                 </a:solidFill>
@@ -4835,7 +4889,7 @@
               <a:buNone/>
             </a:pPr>
             <a:r>
-              <a:rPr lang="en-US" dirty="0">
+              <a:rPr lang="en-US" dirty="0" smtClean="0">
                 <a:solidFill>
                   <a:srgbClr val="00B050"/>
                 </a:solidFill>
@@ -4848,7 +4902,7 @@
               <a:buNone/>
             </a:pPr>
             <a:r>
-              <a:rPr lang="en-US" dirty="0">
+              <a:rPr lang="en-US" dirty="0" smtClean="0">
                 <a:solidFill>
                   <a:srgbClr val="00B050"/>
                 </a:solidFill>
@@ -4861,7 +4915,7 @@
               <a:buNone/>
             </a:pPr>
             <a:r>
-              <a:rPr lang="en-US" dirty="0">
+              <a:rPr lang="en-US" dirty="0" smtClean="0">
                 <a:solidFill>
                   <a:srgbClr val="00B050"/>
                 </a:solidFill>
@@ -4873,7 +4927,7 @@
             <a:pPr>
               <a:buNone/>
             </a:pPr>
-            <a:endParaRPr lang="en-US" dirty="0"/>
+            <a:endParaRPr lang="en-US" dirty="0" smtClean="0"/>
           </a:p>
         </p:txBody>
       </p:sp>
@@ -4882,6 +4936,13 @@
   <p:clrMapOvr>
     <a:masterClrMapping/>
   </p:clrMapOvr>
+  <p:timing>
+    <p:tnLst>
+      <p:par>
+        <p:cTn id="1" dur="indefinite" restart="never" nodeType="tmRoot"/>
+      </p:par>
+    </p:tnLst>
+  </p:timing>
 </p:sld>
 </file>
 
@@ -4920,9 +4981,10 @@
           <a:lstStyle/>
           <a:p>
             <a:r>
-              <a:rPr lang="en-US" dirty="0"/>
+              <a:rPr lang="en-US" dirty="0" smtClean="0"/>
               <a:t>Loss Function </a:t>
             </a:r>
+            <a:endParaRPr lang="en-US" dirty="0"/>
           </a:p>
         </p:txBody>
       </p:sp>
@@ -4944,7 +5006,7 @@
           <a:lstStyle/>
           <a:p>
             <a:r>
-              <a:rPr lang="en-US" dirty="0"/>
+              <a:rPr lang="en-US" dirty="0" smtClean="0"/>
               <a:t>L(ŷ, y) = – y * log(ŷ) – (1 – y) * log(1 – ŷ)</a:t>
             </a:r>
           </a:p>
@@ -4953,7 +5015,7 @@
               <a:buNone/>
             </a:pPr>
             <a:r>
-              <a:rPr lang="en-US" dirty="0">
+              <a:rPr lang="en-US" dirty="0" smtClean="0">
                 <a:solidFill>
                   <a:srgbClr val="00B050"/>
                 </a:solidFill>
@@ -4966,7 +5028,7 @@
               <a:buNone/>
             </a:pPr>
             <a:r>
-              <a:rPr lang="en-US" dirty="0">
+              <a:rPr lang="en-US" dirty="0" smtClean="0">
                 <a:solidFill>
                   <a:srgbClr val="00B050"/>
                 </a:solidFill>
@@ -4979,7 +5041,7 @@
               <a:buNone/>
             </a:pPr>
             <a:r>
-              <a:rPr lang="en-US" dirty="0">
+              <a:rPr lang="en-US" dirty="0" smtClean="0">
                 <a:solidFill>
                   <a:srgbClr val="00B050"/>
                 </a:solidFill>
@@ -4992,7 +5054,7 @@
               <a:buNone/>
             </a:pPr>
             <a:r>
-              <a:rPr lang="en-US" dirty="0">
+              <a:rPr lang="en-US" dirty="0" smtClean="0">
                 <a:solidFill>
                   <a:srgbClr val="00B050"/>
                 </a:solidFill>
@@ -5005,7 +5067,7 @@
               <a:buNone/>
             </a:pPr>
             <a:r>
-              <a:rPr lang="en-US" dirty="0">
+              <a:rPr lang="en-US" dirty="0" smtClean="0">
                 <a:solidFill>
                   <a:srgbClr val="00B050"/>
                 </a:solidFill>
@@ -5018,7 +5080,7 @@
               <a:buNone/>
             </a:pPr>
             <a:r>
-              <a:rPr lang="en-US" dirty="0">
+              <a:rPr lang="en-US" dirty="0" smtClean="0">
                 <a:solidFill>
                   <a:srgbClr val="00B050"/>
                 </a:solidFill>
@@ -5031,7 +5093,7 @@
               <a:buNone/>
             </a:pPr>
             <a:r>
-              <a:rPr lang="en-US" dirty="0">
+              <a:rPr lang="en-US" dirty="0" smtClean="0">
                 <a:solidFill>
                   <a:srgbClr val="00B050"/>
                 </a:solidFill>
@@ -5043,7 +5105,7 @@
             <a:pPr>
               <a:buNone/>
             </a:pPr>
-            <a:endParaRPr lang="en-US" dirty="0"/>
+            <a:endParaRPr lang="en-US" dirty="0" smtClean="0"/>
           </a:p>
         </p:txBody>
       </p:sp>
@@ -5052,6 +5114,13 @@
   <p:clrMapOvr>
     <a:masterClrMapping/>
   </p:clrMapOvr>
+  <p:timing>
+    <p:tnLst>
+      <p:par>
+        <p:cTn id="1" dur="indefinite" restart="never" nodeType="tmRoot"/>
+      </p:par>
+    </p:tnLst>
+  </p:timing>
 </p:sld>
 </file>
 
@@ -5090,9 +5159,10 @@
           <a:lstStyle/>
           <a:p>
             <a:r>
-              <a:rPr lang="en-US" dirty="0"/>
+              <a:rPr lang="en-US" dirty="0" smtClean="0"/>
               <a:t>Loss Function </a:t>
             </a:r>
+            <a:endParaRPr lang="en-US" dirty="0"/>
           </a:p>
         </p:txBody>
       </p:sp>
@@ -5114,138 +5184,138 @@
           <a:lstStyle/>
           <a:p>
             <a:r>
-              <a:rPr lang="en-US" dirty="0"/>
+              <a:rPr lang="en-US" dirty="0" smtClean="0"/>
               <a:t>Loss function</a:t>
             </a:r>
           </a:p>
           <a:p>
             <a:pPr lvl="1"/>
             <a:r>
-              <a:rPr lang="en-US" dirty="0"/>
+              <a:rPr lang="en-US" dirty="0" smtClean="0"/>
               <a:t>One sample – i</a:t>
             </a:r>
             <a:r>
-              <a:rPr lang="en-US" baseline="30000" dirty="0"/>
+              <a:rPr lang="en-US" baseline="30000" dirty="0" smtClean="0"/>
               <a:t>th</a:t>
             </a:r>
             <a:r>
-              <a:rPr lang="en-US" dirty="0"/>
+              <a:rPr lang="en-US" dirty="0" smtClean="0"/>
               <a:t> sample</a:t>
             </a:r>
           </a:p>
           <a:p>
             <a:pPr lvl="1"/>
             <a:r>
-              <a:rPr lang="en-US" dirty="0"/>
+              <a:rPr lang="en-US" dirty="0" smtClean="0"/>
               <a:t>L(ŷ</a:t>
             </a:r>
             <a:r>
-              <a:rPr lang="en-US" baseline="30000" dirty="0"/>
+              <a:rPr lang="en-US" baseline="30000" dirty="0" smtClean="0"/>
               <a:t>(</a:t>
             </a:r>
             <a:r>
-              <a:rPr lang="en-US" baseline="30000" dirty="0" err="1"/>
+              <a:rPr lang="en-US" baseline="30000" dirty="0" err="1" smtClean="0"/>
               <a:t>i</a:t>
             </a:r>
             <a:r>
-              <a:rPr lang="en-US" baseline="30000" dirty="0"/>
+              <a:rPr lang="en-US" baseline="30000" dirty="0" smtClean="0"/>
               <a:t>)</a:t>
             </a:r>
             <a:r>
-              <a:rPr lang="en-US" dirty="0"/>
+              <a:rPr lang="en-US" dirty="0" smtClean="0"/>
               <a:t>, y</a:t>
             </a:r>
             <a:r>
-              <a:rPr lang="en-US" baseline="30000" dirty="0"/>
+              <a:rPr lang="en-US" baseline="30000" dirty="0" smtClean="0"/>
               <a:t>(</a:t>
             </a:r>
             <a:r>
-              <a:rPr lang="en-US" baseline="30000" dirty="0" err="1"/>
+              <a:rPr lang="en-US" baseline="30000" dirty="0" err="1" smtClean="0"/>
               <a:t>i</a:t>
             </a:r>
             <a:r>
-              <a:rPr lang="en-US" baseline="30000" dirty="0"/>
+              <a:rPr lang="en-US" baseline="30000" dirty="0" smtClean="0"/>
               <a:t>)</a:t>
             </a:r>
             <a:r>
-              <a:rPr lang="en-US" dirty="0"/>
+              <a:rPr lang="en-US" dirty="0" smtClean="0"/>
               <a:t>) = – y</a:t>
             </a:r>
             <a:r>
-              <a:rPr lang="en-US" baseline="30000" dirty="0"/>
+              <a:rPr lang="en-US" baseline="30000" dirty="0" smtClean="0"/>
               <a:t>(</a:t>
             </a:r>
             <a:r>
-              <a:rPr lang="en-US" baseline="30000" dirty="0" err="1"/>
+              <a:rPr lang="en-US" baseline="30000" dirty="0" err="1" smtClean="0"/>
               <a:t>i</a:t>
             </a:r>
             <a:r>
-              <a:rPr lang="en-US" baseline="30000" dirty="0"/>
+              <a:rPr lang="en-US" baseline="30000" dirty="0" smtClean="0"/>
               <a:t>)</a:t>
             </a:r>
             <a:r>
-              <a:rPr lang="en-US" dirty="0"/>
+              <a:rPr lang="en-US" dirty="0" smtClean="0"/>
               <a:t> * log(ŷ</a:t>
             </a:r>
             <a:r>
-              <a:rPr lang="en-US" baseline="30000" dirty="0"/>
+              <a:rPr lang="en-US" baseline="30000" dirty="0" smtClean="0"/>
               <a:t>(</a:t>
             </a:r>
             <a:r>
-              <a:rPr lang="en-US" baseline="30000" dirty="0" err="1"/>
+              <a:rPr lang="en-US" baseline="30000" dirty="0" err="1" smtClean="0"/>
               <a:t>i</a:t>
             </a:r>
             <a:r>
-              <a:rPr lang="en-US" baseline="30000" dirty="0"/>
+              <a:rPr lang="en-US" baseline="30000" dirty="0" smtClean="0"/>
               <a:t>)</a:t>
             </a:r>
             <a:r>
-              <a:rPr lang="en-US" dirty="0"/>
+              <a:rPr lang="en-US" dirty="0" smtClean="0"/>
               <a:t>) – (1 – y</a:t>
             </a:r>
             <a:r>
-              <a:rPr lang="en-US" baseline="30000" dirty="0"/>
+              <a:rPr lang="en-US" baseline="30000" dirty="0" smtClean="0"/>
               <a:t>(</a:t>
             </a:r>
             <a:r>
-              <a:rPr lang="en-US" baseline="30000" dirty="0" err="1"/>
+              <a:rPr lang="en-US" baseline="30000" dirty="0" err="1" smtClean="0"/>
               <a:t>i</a:t>
             </a:r>
             <a:r>
-              <a:rPr lang="en-US" baseline="30000" dirty="0"/>
+              <a:rPr lang="en-US" baseline="30000" dirty="0" smtClean="0"/>
               <a:t>)</a:t>
             </a:r>
             <a:r>
-              <a:rPr lang="en-US" dirty="0"/>
+              <a:rPr lang="en-US" dirty="0" smtClean="0"/>
               <a:t>) * log(1 – ŷ</a:t>
             </a:r>
             <a:r>
-              <a:rPr lang="en-US" baseline="30000" dirty="0"/>
+              <a:rPr lang="en-US" baseline="30000" dirty="0" smtClean="0"/>
               <a:t>(</a:t>
             </a:r>
             <a:r>
-              <a:rPr lang="en-US" baseline="30000" dirty="0" err="1"/>
+              <a:rPr lang="en-US" baseline="30000" dirty="0" err="1" smtClean="0"/>
               <a:t>i</a:t>
             </a:r>
             <a:r>
-              <a:rPr lang="en-US" baseline="30000" dirty="0"/>
+              <a:rPr lang="en-US" baseline="30000" dirty="0" smtClean="0"/>
               <a:t>)</a:t>
             </a:r>
             <a:r>
-              <a:rPr lang="en-US" dirty="0"/>
+              <a:rPr lang="en-US" dirty="0" smtClean="0"/>
               <a:t>)</a:t>
             </a:r>
           </a:p>
           <a:p>
             <a:r>
-              <a:rPr lang="en-US" dirty="0"/>
+              <a:rPr lang="en-US" dirty="0" smtClean="0"/>
               <a:t>Cost function</a:t>
             </a:r>
           </a:p>
           <a:p>
             <a:pPr lvl="1"/>
             <a:r>
-              <a:rPr lang="en-US" dirty="0"/>
+              <a:rPr lang="en-US" dirty="0" smtClean="0"/>
               <a:t>Average of loss function for all samples</a:t>
             </a:r>
           </a:p>
@@ -5265,59 +5335,9 @@
         </p:xfrm>
         <a:graphic>
           <a:graphicData uri="http://schemas.openxmlformats.org/presentationml/2006/ole">
-            <mc:AlternateContent xmlns:mc="http://schemas.openxmlformats.org/markup-compatibility/2006">
-              <mc:Choice xmlns:v="urn:schemas-microsoft-com:vml" Requires="v">
-                <p:oleObj spid="_x0000_s28674" name="Equation" r:id="rId2" imgW="3492360" imgH="888840" progId="Equation.3">
-                  <p:embed/>
-                </p:oleObj>
-              </mc:Choice>
-              <mc:Fallback>
-                <p:oleObj name="Equation" r:id="rId2" imgW="3492360" imgH="888840" progId="Equation.3">
-                  <p:embed/>
-                  <p:pic>
-                    <p:nvPicPr>
-                      <p:cNvPr id="0" name="Picture 2"/>
-                      <p:cNvPicPr>
-                        <a:picLocks noChangeAspect="1" noChangeArrowheads="1"/>
-                      </p:cNvPicPr>
-                      <p:nvPr/>
-                    </p:nvPicPr>
-                    <p:blipFill>
-                      <a:blip r:embed="rId3">
-                        <a:extLst>
-                          <a:ext uri="{28A0092B-C50C-407E-A947-70E740481C1C}">
-                            <a14:useLocalDpi xmlns:a14="http://schemas.microsoft.com/office/drawing/2010/main" val="0"/>
-                          </a:ext>
-                        </a:extLst>
-                      </a:blip>
-                      <a:srcRect/>
-                      <a:stretch>
-                        <a:fillRect/>
-                      </a:stretch>
-                    </p:blipFill>
-                    <p:spPr bwMode="auto">
-                      <a:xfrm>
-                        <a:off x="1219200" y="4634957"/>
-                        <a:ext cx="7162800" cy="1842043"/>
-                      </a:xfrm>
-                      <a:prstGeom prst="rect">
-                        <a:avLst/>
-                      </a:prstGeom>
-                      <a:noFill/>
-                      <a:extLst>
-                        <a:ext uri="{909E8E84-426E-40DD-AFC4-6F175D3DCCD1}">
-                          <a14:hiddenFill xmlns:a14="http://schemas.microsoft.com/office/drawing/2010/main">
-                            <a:solidFill>
-                              <a:srgbClr val="FFFFFF"/>
-                            </a:solidFill>
-                          </a14:hiddenFill>
-                        </a:ext>
-                      </a:extLst>
-                    </p:spPr>
-                  </p:pic>
-                </p:oleObj>
-              </mc:Fallback>
-            </mc:AlternateContent>
+            <p:oleObj spid="_x0000_s28674" name="Equation" r:id="rId3" imgW="3492360" imgH="888840" progId="Equation.3">
+              <p:embed/>
+            </p:oleObj>
           </a:graphicData>
         </a:graphic>
       </p:graphicFrame>
@@ -5326,6 +5346,13 @@
   <p:clrMapOvr>
     <a:masterClrMapping/>
   </p:clrMapOvr>
+  <p:timing>
+    <p:tnLst>
+      <p:par>
+        <p:cTn id="1" dur="indefinite" restart="never" nodeType="tmRoot"/>
+      </p:par>
+    </p:tnLst>
+  </p:timing>
 </p:sld>
 </file>
 
@@ -5364,9 +5391,10 @@
           <a:lstStyle/>
           <a:p>
             <a:r>
-              <a:rPr lang="en-US" dirty="0"/>
+              <a:rPr lang="en-US" dirty="0" smtClean="0"/>
               <a:t>Gradient Descent </a:t>
             </a:r>
+            <a:endParaRPr lang="en-US" dirty="0"/>
           </a:p>
         </p:txBody>
       </p:sp>
@@ -5388,11 +5416,11 @@
           <a:lstStyle/>
           <a:p>
             <a:r>
-              <a:rPr lang="en-US" dirty="0"/>
+              <a:rPr lang="en-US" dirty="0" smtClean="0"/>
               <a:t>Input dataset – </a:t>
             </a:r>
             <a:r>
-              <a:rPr lang="en-US" dirty="0">
+              <a:rPr lang="en-US" dirty="0" smtClean="0">
                 <a:solidFill>
                   <a:srgbClr val="00B050"/>
                 </a:solidFill>
@@ -5400,7 +5428,7 @@
               <a:t>{ (x</a:t>
             </a:r>
             <a:r>
-              <a:rPr lang="en-US" baseline="30000" dirty="0">
+              <a:rPr lang="en-US" baseline="30000" dirty="0" smtClean="0">
                 <a:solidFill>
                   <a:srgbClr val="00B050"/>
                 </a:solidFill>
@@ -5408,7 +5436,7 @@
               <a:t>(1)</a:t>
             </a:r>
             <a:r>
-              <a:rPr lang="en-US" dirty="0">
+              <a:rPr lang="en-US" dirty="0" smtClean="0">
                 <a:solidFill>
                   <a:srgbClr val="00B050"/>
                 </a:solidFill>
@@ -5416,7 +5444,7 @@
               <a:t>,y</a:t>
             </a:r>
             <a:r>
-              <a:rPr lang="en-US" baseline="30000" dirty="0">
+              <a:rPr lang="en-US" baseline="30000" dirty="0" smtClean="0">
                 <a:solidFill>
                   <a:srgbClr val="00B050"/>
                 </a:solidFill>
@@ -5424,7 +5452,7 @@
               <a:t>(1)</a:t>
             </a:r>
             <a:r>
-              <a:rPr lang="en-US" dirty="0">
+              <a:rPr lang="en-US" dirty="0" smtClean="0">
                 <a:solidFill>
                   <a:srgbClr val="00B050"/>
                 </a:solidFill>
@@ -5432,7 +5460,7 @@
               <a:t>), (x</a:t>
             </a:r>
             <a:r>
-              <a:rPr lang="en-US" baseline="30000" dirty="0">
+              <a:rPr lang="en-US" baseline="30000" dirty="0" smtClean="0">
                 <a:solidFill>
                   <a:srgbClr val="00B050"/>
                 </a:solidFill>
@@ -5440,7 +5468,7 @@
               <a:t>(2)</a:t>
             </a:r>
             <a:r>
-              <a:rPr lang="en-US" dirty="0">
+              <a:rPr lang="en-US" dirty="0" smtClean="0">
                 <a:solidFill>
                   <a:srgbClr val="00B050"/>
                 </a:solidFill>
@@ -5448,7 +5476,7 @@
               <a:t>,y</a:t>
             </a:r>
             <a:r>
-              <a:rPr lang="en-US" baseline="30000" dirty="0">
+              <a:rPr lang="en-US" baseline="30000" dirty="0" smtClean="0">
                 <a:solidFill>
                   <a:srgbClr val="00B050"/>
                 </a:solidFill>
@@ -5456,7 +5484,7 @@
               <a:t>(2)</a:t>
             </a:r>
             <a:r>
-              <a:rPr lang="en-US" dirty="0">
+              <a:rPr lang="en-US" dirty="0" smtClean="0">
                 <a:solidFill>
                   <a:srgbClr val="00B050"/>
                 </a:solidFill>
@@ -5464,7 +5492,7 @@
               <a:t>), …, (x</a:t>
             </a:r>
             <a:r>
-              <a:rPr lang="en-US" baseline="30000" dirty="0">
+              <a:rPr lang="en-US" baseline="30000" dirty="0" smtClean="0">
                 <a:solidFill>
                   <a:srgbClr val="00B050"/>
                 </a:solidFill>
@@ -5472,7 +5500,7 @@
               <a:t>(m)</a:t>
             </a:r>
             <a:r>
-              <a:rPr lang="en-US" dirty="0">
+              <a:rPr lang="en-US" dirty="0" smtClean="0">
                 <a:solidFill>
                   <a:srgbClr val="00B050"/>
                 </a:solidFill>
@@ -5480,7 +5508,7 @@
               <a:t>,y</a:t>
             </a:r>
             <a:r>
-              <a:rPr lang="en-US" baseline="30000" dirty="0">
+              <a:rPr lang="en-US" baseline="30000" dirty="0" smtClean="0">
                 <a:solidFill>
                   <a:srgbClr val="00B050"/>
                 </a:solidFill>
@@ -5488,7 +5516,7 @@
               <a:t>(m)</a:t>
             </a:r>
             <a:r>
-              <a:rPr lang="en-US" dirty="0">
+              <a:rPr lang="en-US" dirty="0" smtClean="0">
                 <a:solidFill>
                   <a:srgbClr val="00B050"/>
                 </a:solidFill>
@@ -5498,11 +5526,11 @@
           </a:p>
           <a:p>
             <a:r>
-              <a:rPr lang="en-US" dirty="0"/>
+              <a:rPr lang="en-US" dirty="0" smtClean="0"/>
               <a:t>Equations  – </a:t>
             </a:r>
             <a:r>
-              <a:rPr lang="en-US" dirty="0">
+              <a:rPr lang="en-US" dirty="0" smtClean="0">
                 <a:solidFill>
                   <a:srgbClr val="0000FF"/>
                 </a:solidFill>
@@ -5510,7 +5538,7 @@
               <a:t>Z = W</a:t>
             </a:r>
             <a:r>
-              <a:rPr lang="en-US" baseline="30000" dirty="0">
+              <a:rPr lang="en-US" baseline="30000" dirty="0" smtClean="0">
                 <a:solidFill>
                   <a:srgbClr val="0000FF"/>
                 </a:solidFill>
@@ -5518,7 +5546,7 @@
               <a:t>T</a:t>
             </a:r>
             <a:r>
-              <a:rPr lang="en-US" dirty="0">
+              <a:rPr lang="en-US" dirty="0" smtClean="0">
                 <a:solidFill>
                   <a:srgbClr val="0000FF"/>
                 </a:solidFill>
@@ -5526,11 +5554,11 @@
               <a:t>X + b</a:t>
             </a:r>
             <a:r>
-              <a:rPr lang="en-US" dirty="0"/>
+              <a:rPr lang="en-US" dirty="0" smtClean="0"/>
               <a:t> and </a:t>
             </a:r>
             <a:r>
-              <a:rPr lang="en-US" dirty="0">
+              <a:rPr lang="en-US" dirty="0" smtClean="0">
                 <a:solidFill>
                   <a:srgbClr val="0000FF"/>
                 </a:solidFill>
@@ -5538,7 +5566,7 @@
               <a:t>ŷ = </a:t>
             </a:r>
             <a:r>
-              <a:rPr lang="el-GR" dirty="0">
+              <a:rPr lang="el-GR" dirty="0" smtClean="0">
                 <a:solidFill>
                   <a:srgbClr val="0000FF"/>
                 </a:solidFill>
@@ -5546,7 +5574,7 @@
               <a:t>σ</a:t>
             </a:r>
             <a:r>
-              <a:rPr lang="en-US" dirty="0">
+              <a:rPr lang="en-US" dirty="0" smtClean="0">
                 <a:solidFill>
                   <a:srgbClr val="0000FF"/>
                 </a:solidFill>
@@ -5554,7 +5582,7 @@
               <a:t>(Z) = </a:t>
             </a:r>
             <a:r>
-              <a:rPr lang="en-US" dirty="0" err="1">
+              <a:rPr lang="en-US" dirty="0" err="1" smtClean="0">
                 <a:solidFill>
                   <a:srgbClr val="0000FF"/>
                 </a:solidFill>
@@ -5562,14 +5590,14 @@
               <a:t>y</a:t>
             </a:r>
             <a:r>
-              <a:rPr lang="en-US" baseline="-25000" dirty="0" err="1">
+              <a:rPr lang="en-US" baseline="-25000" dirty="0" err="1" smtClean="0">
                 <a:solidFill>
                   <a:srgbClr val="0000FF"/>
                 </a:solidFill>
               </a:rPr>
               <a:t>p</a:t>
             </a:r>
-            <a:endParaRPr lang="en-US" baseline="-25000" dirty="0">
+            <a:endParaRPr lang="en-US" baseline="-25000" dirty="0" smtClean="0">
               <a:solidFill>
                 <a:srgbClr val="0000FF"/>
               </a:solidFill>
@@ -5577,11 +5605,11 @@
           </a:p>
           <a:p>
             <a:r>
-              <a:rPr lang="en-US" dirty="0"/>
+              <a:rPr lang="en-US" dirty="0" smtClean="0"/>
               <a:t>Loss function – </a:t>
             </a:r>
             <a:r>
-              <a:rPr lang="en-US" sz="3000" dirty="0">
+              <a:rPr lang="en-US" sz="3000" dirty="0" smtClean="0">
                 <a:solidFill>
                   <a:srgbClr val="FF0000"/>
                 </a:solidFill>
@@ -5591,7 +5619,7 @@
           </a:p>
           <a:p>
             <a:r>
-              <a:rPr lang="en-US" dirty="0"/>
+              <a:rPr lang="en-US" dirty="0" smtClean="0"/>
               <a:t>Cost function –  </a:t>
             </a:r>
           </a:p>
@@ -5599,56 +5627,57 @@
             <a:pPr lvl="1">
               <a:buNone/>
             </a:pPr>
+            <a:endParaRPr lang="en-US" dirty="0" smtClean="0"/>
+          </a:p>
+          <a:p>
+            <a:r>
+              <a:rPr lang="en-US" dirty="0" smtClean="0"/>
+              <a:t>Output </a:t>
+            </a:r>
+          </a:p>
+          <a:p>
+            <a:pPr lvl="1"/>
+            <a:r>
+              <a:rPr lang="en-US" dirty="0" smtClean="0"/>
+              <a:t>ŷ</a:t>
+            </a:r>
+            <a:r>
+              <a:rPr lang="en-US" baseline="30000" dirty="0" smtClean="0"/>
+              <a:t>(</a:t>
+            </a:r>
+            <a:r>
+              <a:rPr lang="en-US" baseline="30000" dirty="0" err="1" smtClean="0"/>
+              <a:t>i</a:t>
+            </a:r>
+            <a:r>
+              <a:rPr lang="en-US" baseline="30000" dirty="0" smtClean="0"/>
+              <a:t>) </a:t>
+            </a:r>
+            <a:r>
+              <a:rPr lang="en-US" dirty="0" smtClean="0"/>
+              <a:t>~ y</a:t>
+            </a:r>
+            <a:r>
+              <a:rPr lang="en-US" baseline="30000" dirty="0" smtClean="0"/>
+              <a:t>(</a:t>
+            </a:r>
+            <a:r>
+              <a:rPr lang="en-US" baseline="30000" dirty="0" err="1" smtClean="0"/>
+              <a:t>i</a:t>
+            </a:r>
+            <a:r>
+              <a:rPr lang="en-US" baseline="30000" dirty="0" smtClean="0"/>
+              <a:t>)</a:t>
+            </a:r>
+            <a:endParaRPr lang="en-US" dirty="0" smtClean="0"/>
+          </a:p>
+          <a:p>
+            <a:pPr lvl="1"/>
+            <a:r>
+              <a:rPr lang="en-US" dirty="0" smtClean="0"/>
+              <a:t>W and b – Minimize J(W, b)</a:t>
+            </a:r>
             <a:endParaRPr lang="en-US" dirty="0"/>
-          </a:p>
-          <a:p>
-            <a:r>
-              <a:rPr lang="en-US" dirty="0"/>
-              <a:t>Output </a:t>
-            </a:r>
-          </a:p>
-          <a:p>
-            <a:pPr lvl="1"/>
-            <a:r>
-              <a:rPr lang="en-US" dirty="0"/>
-              <a:t>ŷ</a:t>
-            </a:r>
-            <a:r>
-              <a:rPr lang="en-US" baseline="30000" dirty="0"/>
-              <a:t>(</a:t>
-            </a:r>
-            <a:r>
-              <a:rPr lang="en-US" baseline="30000" dirty="0" err="1"/>
-              <a:t>i</a:t>
-            </a:r>
-            <a:r>
-              <a:rPr lang="en-US" baseline="30000" dirty="0"/>
-              <a:t>) </a:t>
-            </a:r>
-            <a:r>
-              <a:rPr lang="en-US" dirty="0"/>
-              <a:t>~ y</a:t>
-            </a:r>
-            <a:r>
-              <a:rPr lang="en-US" baseline="30000" dirty="0"/>
-              <a:t>(</a:t>
-            </a:r>
-            <a:r>
-              <a:rPr lang="en-US" baseline="30000" dirty="0" err="1"/>
-              <a:t>i</a:t>
-            </a:r>
-            <a:r>
-              <a:rPr lang="en-US" baseline="30000" dirty="0"/>
-              <a:t>)</a:t>
-            </a:r>
-            <a:endParaRPr lang="en-US" dirty="0"/>
-          </a:p>
-          <a:p>
-            <a:pPr lvl="1"/>
-            <a:r>
-              <a:rPr lang="en-US" dirty="0"/>
-              <a:t>W and b – Minimize J(W, b)</a:t>
-            </a:r>
           </a:p>
         </p:txBody>
       </p:sp>
@@ -5666,59 +5695,9 @@
         </p:xfrm>
         <a:graphic>
           <a:graphicData uri="http://schemas.openxmlformats.org/presentationml/2006/ole">
-            <mc:AlternateContent xmlns:mc="http://schemas.openxmlformats.org/markup-compatibility/2006">
-              <mc:Choice xmlns:v="urn:schemas-microsoft-com:vml" Requires="v">
-                <p:oleObj spid="_x0000_s29698" name="Equation" r:id="rId2" imgW="3492360" imgH="888840" progId="Equation.3">
-                  <p:embed/>
-                </p:oleObj>
-              </mc:Choice>
-              <mc:Fallback>
-                <p:oleObj name="Equation" r:id="rId2" imgW="3492360" imgH="888840" progId="Equation.3">
-                  <p:embed/>
-                  <p:pic>
-                    <p:nvPicPr>
-                      <p:cNvPr id="0" name="Picture 2"/>
-                      <p:cNvPicPr>
-                        <a:picLocks noChangeAspect="1" noChangeArrowheads="1"/>
-                      </p:cNvPicPr>
-                      <p:nvPr/>
-                    </p:nvPicPr>
-                    <p:blipFill>
-                      <a:blip r:embed="rId3">
-                        <a:extLst>
-                          <a:ext uri="{28A0092B-C50C-407E-A947-70E740481C1C}">
-                            <a14:useLocalDpi xmlns:a14="http://schemas.microsoft.com/office/drawing/2010/main" val="0"/>
-                          </a:ext>
-                        </a:extLst>
-                      </a:blip>
-                      <a:srcRect/>
-                      <a:stretch>
-                        <a:fillRect/>
-                      </a:stretch>
-                    </p:blipFill>
-                    <p:spPr bwMode="auto">
-                      <a:xfrm>
-                        <a:off x="3283957" y="3200400"/>
-                        <a:ext cx="5631443" cy="1447800"/>
-                      </a:xfrm>
-                      <a:prstGeom prst="rect">
-                        <a:avLst/>
-                      </a:prstGeom>
-                      <a:noFill/>
-                      <a:extLst>
-                        <a:ext uri="{909E8E84-426E-40DD-AFC4-6F175D3DCCD1}">
-                          <a14:hiddenFill xmlns:a14="http://schemas.microsoft.com/office/drawing/2010/main">
-                            <a:solidFill>
-                              <a:srgbClr val="FFFFFF"/>
-                            </a:solidFill>
-                          </a14:hiddenFill>
-                        </a:ext>
-                      </a:extLst>
-                    </p:spPr>
-                  </p:pic>
-                </p:oleObj>
-              </mc:Fallback>
-            </mc:AlternateContent>
+            <p:oleObj spid="_x0000_s29698" name="Equation" r:id="rId3" imgW="3492360" imgH="888840" progId="Equation.3">
+              <p:embed/>
+            </p:oleObj>
           </a:graphicData>
         </a:graphic>
       </p:graphicFrame>
@@ -5727,6 +5706,13 @@
   <p:clrMapOvr>
     <a:masterClrMapping/>
   </p:clrMapOvr>
+  <p:timing>
+    <p:tnLst>
+      <p:par>
+        <p:cTn id="1" dur="indefinite" restart="never" nodeType="tmRoot"/>
+      </p:par>
+    </p:tnLst>
+  </p:timing>
 </p:sld>
 </file>
 
@@ -5789,9 +5775,10 @@
           <a:lstStyle/>
           <a:p>
             <a:r>
-              <a:rPr lang="en-US" dirty="0"/>
+              <a:rPr lang="en-US" dirty="0" smtClean="0"/>
               <a:t>Gradient Descent </a:t>
             </a:r>
+            <a:endParaRPr lang="en-US" dirty="0"/>
           </a:p>
         </p:txBody>
       </p:sp>
@@ -5811,18 +5798,18 @@
           <a:lstStyle/>
           <a:p>
             <a:r>
-              <a:rPr lang="en-US" dirty="0"/>
+              <a:rPr lang="en-US" dirty="0" smtClean="0"/>
               <a:t>Convex function </a:t>
             </a:r>
           </a:p>
           <a:p>
             <a:r>
-              <a:rPr lang="en-US" dirty="0"/>
+              <a:rPr lang="en-US" dirty="0" smtClean="0"/>
               <a:t>Global optimum</a:t>
             </a:r>
           </a:p>
           <a:p>
-            <a:endParaRPr lang="en-US" dirty="0"/>
+            <a:endParaRPr lang="en-US" dirty="0" smtClean="0"/>
           </a:p>
           <a:p>
             <a:endParaRPr lang="en-US" dirty="0"/>
@@ -5834,6 +5821,13 @@
   <p:clrMapOvr>
     <a:masterClrMapping/>
   </p:clrMapOvr>
+  <p:timing>
+    <p:tnLst>
+      <p:par>
+        <p:cTn id="1" dur="indefinite" restart="never" nodeType="tmRoot"/>
+      </p:par>
+    </p:tnLst>
+  </p:timing>
 </p:sld>
 </file>
 
@@ -5872,9 +5866,10 @@
           <a:lstStyle/>
           <a:p>
             <a:r>
-              <a:rPr lang="en-US" dirty="0"/>
+              <a:rPr lang="en-US" dirty="0" smtClean="0"/>
               <a:t>Gradient Descent</a:t>
             </a:r>
+            <a:endParaRPr lang="en-US" dirty="0"/>
           </a:p>
         </p:txBody>
       </p:sp>
@@ -5919,7 +5914,7 @@
               <a:defRPr/>
             </a:pPr>
             <a:r>
-              <a:rPr kumimoji="0" lang="en-US" sz="3200" b="0" i="0" u="none" strike="noStrike" kern="1200" cap="none" spc="0" normalizeH="0" baseline="0" noProof="0" dirty="0">
+              <a:rPr kumimoji="0" lang="en-US" sz="3200" b="0" i="0" u="none" strike="noStrike" kern="1200" cap="none" spc="0" normalizeH="0" baseline="0" noProof="0" dirty="0" smtClean="0">
                 <a:ln>
                   <a:noFill/>
                 </a:ln>
@@ -5945,31 +5940,31 @@
               <a:buChar char="–"/>
             </a:pPr>
             <a:r>
-              <a:rPr lang="en-US" sz="2800" dirty="0"/>
+              <a:rPr lang="en-US" sz="2800" dirty="0" smtClean="0"/>
               <a:t>Z</a:t>
             </a:r>
             <a:r>
-              <a:rPr lang="en-US" sz="2800" baseline="30000" dirty="0"/>
+              <a:rPr lang="en-US" sz="2800" baseline="30000" dirty="0" smtClean="0"/>
               <a:t>[1]</a:t>
             </a:r>
             <a:r>
-              <a:rPr lang="en-US" sz="2800" dirty="0"/>
+              <a:rPr lang="en-US" sz="2800" dirty="0" smtClean="0"/>
               <a:t>= W</a:t>
             </a:r>
             <a:r>
-              <a:rPr lang="en-US" sz="2800" baseline="30000" dirty="0"/>
+              <a:rPr lang="en-US" sz="2800" baseline="30000" dirty="0" smtClean="0"/>
               <a:t>[1]</a:t>
             </a:r>
             <a:r>
-              <a:rPr lang="en-US" sz="2800" dirty="0"/>
+              <a:rPr lang="en-US" sz="2800" dirty="0" smtClean="0"/>
               <a:t>a</a:t>
             </a:r>
             <a:r>
-              <a:rPr lang="en-US" sz="2800" baseline="30000" dirty="0"/>
+              <a:rPr lang="en-US" sz="2800" baseline="30000" dirty="0" smtClean="0"/>
               <a:t>[0] </a:t>
             </a:r>
             <a:r>
-              <a:rPr kumimoji="0" lang="en-US" sz="2800" b="0" i="0" u="none" strike="noStrike" kern="1200" cap="none" spc="0" normalizeH="0" baseline="0" noProof="0" dirty="0">
+              <a:rPr kumimoji="0" lang="en-US" sz="2800" b="0" i="0" u="none" strike="noStrike" kern="1200" cap="none" spc="0" normalizeH="0" baseline="0" noProof="0" dirty="0" smtClean="0">
                 <a:ln>
                   <a:noFill/>
                 </a:ln>
@@ -5986,7 +5981,7 @@
               <a:t>+ b</a:t>
             </a:r>
             <a:r>
-              <a:rPr kumimoji="0" lang="en-US" sz="2800" b="0" i="0" u="none" strike="noStrike" kern="1200" cap="none" spc="0" normalizeH="0" baseline="30000" noProof="0" dirty="0">
+              <a:rPr kumimoji="0" lang="en-US" sz="2800" b="0" i="0" u="none" strike="noStrike" kern="1200" cap="none" spc="0" normalizeH="0" baseline="30000" noProof="0" dirty="0" smtClean="0">
                 <a:ln>
                   <a:noFill/>
                 </a:ln>
@@ -6012,31 +6007,31 @@
               <a:buChar char="–"/>
             </a:pPr>
             <a:r>
-              <a:rPr lang="en-US" sz="2800" dirty="0"/>
+              <a:rPr lang="en-US" sz="2800" dirty="0" smtClean="0"/>
               <a:t>ŷ = a</a:t>
             </a:r>
             <a:r>
-              <a:rPr lang="en-US" sz="2800" baseline="30000" dirty="0"/>
+              <a:rPr lang="en-US" sz="2800" baseline="30000" dirty="0" smtClean="0"/>
               <a:t>[1]  </a:t>
             </a:r>
             <a:r>
-              <a:rPr lang="en-US" sz="2800" dirty="0"/>
+              <a:rPr lang="en-US" sz="2800" dirty="0" smtClean="0"/>
               <a:t>= </a:t>
             </a:r>
             <a:r>
-              <a:rPr lang="el-GR" sz="2800" dirty="0"/>
+              <a:rPr lang="el-GR" sz="2800" dirty="0" smtClean="0"/>
               <a:t>σ</a:t>
             </a:r>
             <a:r>
-              <a:rPr lang="en-US" sz="2800" dirty="0"/>
+              <a:rPr lang="en-US" sz="2800" dirty="0" smtClean="0"/>
               <a:t>(Z</a:t>
             </a:r>
             <a:r>
-              <a:rPr lang="en-US" sz="2800" baseline="30000" dirty="0"/>
+              <a:rPr lang="en-US" sz="2800" baseline="30000" dirty="0" smtClean="0"/>
               <a:t>[1]</a:t>
             </a:r>
             <a:r>
-              <a:rPr lang="en-US" sz="2800" dirty="0"/>
+              <a:rPr lang="en-US" sz="2800" dirty="0" smtClean="0"/>
               <a:t>)</a:t>
             </a:r>
           </a:p>
@@ -6049,39 +6044,39 @@
               <a:buChar char="–"/>
             </a:pPr>
             <a:r>
-              <a:rPr lang="en-US" sz="2800" dirty="0"/>
+              <a:rPr lang="en-US" sz="2800" dirty="0" smtClean="0"/>
               <a:t>L(ŷ</a:t>
             </a:r>
             <a:r>
-              <a:rPr lang="en-US" sz="2800" baseline="30000" dirty="0"/>
+              <a:rPr lang="en-US" sz="2800" baseline="30000" dirty="0" smtClean="0"/>
               <a:t>(</a:t>
             </a:r>
             <a:r>
-              <a:rPr lang="en-US" sz="2800" baseline="30000" dirty="0" err="1"/>
+              <a:rPr lang="en-US" sz="2800" baseline="30000" dirty="0" err="1" smtClean="0"/>
               <a:t>i</a:t>
             </a:r>
             <a:r>
-              <a:rPr lang="en-US" sz="2800" baseline="30000" dirty="0"/>
+              <a:rPr lang="en-US" sz="2800" baseline="30000" dirty="0" smtClean="0"/>
               <a:t>)</a:t>
             </a:r>
             <a:r>
-              <a:rPr lang="en-US" sz="2800" dirty="0"/>
+              <a:rPr lang="en-US" sz="2800" dirty="0" smtClean="0"/>
               <a:t>, y</a:t>
             </a:r>
             <a:r>
-              <a:rPr lang="en-US" sz="2800" baseline="30000" dirty="0"/>
+              <a:rPr lang="en-US" sz="2800" baseline="30000" dirty="0" smtClean="0"/>
               <a:t>(</a:t>
             </a:r>
             <a:r>
-              <a:rPr lang="en-US" sz="2800" baseline="30000" dirty="0" err="1"/>
+              <a:rPr lang="en-US" sz="2800" baseline="30000" dirty="0" err="1" smtClean="0"/>
               <a:t>i</a:t>
             </a:r>
             <a:r>
-              <a:rPr lang="en-US" sz="2800" baseline="30000" dirty="0"/>
+              <a:rPr lang="en-US" sz="2800" baseline="30000" dirty="0" smtClean="0"/>
               <a:t>)</a:t>
             </a:r>
             <a:r>
-              <a:rPr lang="en-US" sz="2800" dirty="0"/>
+              <a:rPr lang="en-US" sz="2800" dirty="0" smtClean="0"/>
               <a:t>)</a:t>
             </a:r>
           </a:p>
@@ -6094,23 +6089,23 @@
               <a:buChar char="–"/>
             </a:pPr>
             <a:r>
-              <a:rPr lang="en-US" sz="2800" dirty="0"/>
+              <a:rPr lang="en-US" sz="2800" dirty="0" smtClean="0"/>
               <a:t>J(W</a:t>
             </a:r>
             <a:r>
-              <a:rPr lang="en-US" sz="2800" baseline="30000" dirty="0"/>
+              <a:rPr lang="en-US" sz="2800" baseline="30000" dirty="0" smtClean="0"/>
               <a:t>[1]</a:t>
             </a:r>
             <a:r>
-              <a:rPr lang="en-US" sz="2800" dirty="0"/>
+              <a:rPr lang="en-US" sz="2800" dirty="0" smtClean="0"/>
               <a:t>, b</a:t>
             </a:r>
             <a:r>
-              <a:rPr lang="en-US" sz="2800" baseline="30000" dirty="0"/>
+              <a:rPr lang="en-US" sz="2800" baseline="30000" dirty="0" smtClean="0"/>
               <a:t>[1]</a:t>
             </a:r>
             <a:r>
-              <a:rPr lang="en-US" sz="2800" dirty="0"/>
+              <a:rPr lang="en-US" sz="2800" dirty="0" smtClean="0"/>
               <a:t>)</a:t>
             </a:r>
           </a:p>
@@ -6122,7 +6117,7 @@
               <a:buFont typeface="Arial" pitchFamily="34" charset="0"/>
               <a:buChar char="–"/>
             </a:pPr>
-            <a:endParaRPr kumimoji="0" lang="en-US" sz="2800" b="0" i="0" u="none" strike="noStrike" kern="1200" cap="none" spc="0" normalizeH="0" noProof="0" dirty="0">
+            <a:endParaRPr kumimoji="0" lang="en-US" sz="2800" b="0" i="0" u="none" strike="noStrike" kern="1200" cap="none" spc="0" normalizeH="0" noProof="0" dirty="0" smtClean="0">
               <a:ln>
                 <a:noFill/>
               </a:ln>
@@ -6155,7 +6150,7 @@
               <a:tabLst/>
               <a:defRPr/>
             </a:pPr>
-            <a:endParaRPr kumimoji="0" lang="en-US" sz="3200" b="0" i="0" u="none" strike="noStrike" kern="1200" cap="none" spc="0" normalizeH="0" baseline="0" noProof="0" dirty="0">
+            <a:endParaRPr kumimoji="0" lang="en-US" sz="3200" b="0" i="0" u="none" strike="noStrike" kern="1200" cap="none" spc="0" normalizeH="0" baseline="0" noProof="0" dirty="0" smtClean="0">
               <a:ln>
                 <a:noFill/>
               </a:ln>
@@ -6246,7 +6241,7 @@
               <a:defRPr/>
             </a:pPr>
             <a:r>
-              <a:rPr kumimoji="0" lang="en-US" sz="3200" b="0" i="0" u="none" strike="noStrike" kern="1200" cap="none" spc="0" normalizeH="0" baseline="0" noProof="0" dirty="0">
+              <a:rPr kumimoji="0" lang="en-US" sz="3200" b="0" i="0" u="none" strike="noStrike" kern="1200" cap="none" spc="0" normalizeH="0" baseline="0" noProof="0" dirty="0" smtClean="0">
                 <a:ln>
                   <a:noFill/>
                 </a:ln>
@@ -6281,7 +6276,7 @@
               <a:tabLst/>
               <a:defRPr/>
             </a:pPr>
-            <a:endParaRPr kumimoji="0" lang="en-US" sz="3200" b="0" i="0" u="none" strike="noStrike" kern="1200" cap="none" spc="0" normalizeH="0" baseline="0" noProof="0" dirty="0">
+            <a:endParaRPr kumimoji="0" lang="en-US" sz="3200" b="0" i="0" u="none" strike="noStrike" kern="1200" cap="none" spc="0" normalizeH="0" baseline="0" noProof="0" dirty="0" smtClean="0">
               <a:ln>
                 <a:noFill/>
               </a:ln>
@@ -6345,59 +6340,9 @@
         </p:xfrm>
         <a:graphic>
           <a:graphicData uri="http://schemas.openxmlformats.org/presentationml/2006/ole">
-            <mc:AlternateContent xmlns:mc="http://schemas.openxmlformats.org/markup-compatibility/2006">
-              <mc:Choice xmlns:v="urn:schemas-microsoft-com:vml" Requires="v">
-                <p:oleObj spid="_x0000_s30722" name="Equation" r:id="rId2" imgW="901440" imgH="812520" progId="Equation.3">
-                  <p:embed/>
-                </p:oleObj>
-              </mc:Choice>
-              <mc:Fallback>
-                <p:oleObj name="Equation" r:id="rId2" imgW="901440" imgH="812520" progId="Equation.3">
-                  <p:embed/>
-                  <p:pic>
-                    <p:nvPicPr>
-                      <p:cNvPr id="0" name="Picture 2"/>
-                      <p:cNvPicPr>
-                        <a:picLocks noChangeAspect="1" noChangeArrowheads="1"/>
-                      </p:cNvPicPr>
-                      <p:nvPr/>
-                    </p:nvPicPr>
-                    <p:blipFill>
-                      <a:blip r:embed="rId3">
-                        <a:extLst>
-                          <a:ext uri="{28A0092B-C50C-407E-A947-70E740481C1C}">
-                            <a14:useLocalDpi xmlns:a14="http://schemas.microsoft.com/office/drawing/2010/main" val="0"/>
-                          </a:ext>
-                        </a:extLst>
-                      </a:blip>
-                      <a:srcRect/>
-                      <a:stretch>
-                        <a:fillRect/>
-                      </a:stretch>
-                    </p:blipFill>
-                    <p:spPr bwMode="auto">
-                      <a:xfrm>
-                        <a:off x="4935538" y="2192338"/>
-                        <a:ext cx="1793875" cy="1616075"/>
-                      </a:xfrm>
-                      <a:prstGeom prst="rect">
-                        <a:avLst/>
-                      </a:prstGeom>
-                      <a:noFill/>
-                      <a:extLst>
-                        <a:ext uri="{909E8E84-426E-40DD-AFC4-6F175D3DCCD1}">
-                          <a14:hiddenFill xmlns:a14="http://schemas.microsoft.com/office/drawing/2010/main">
-                            <a:solidFill>
-                              <a:srgbClr val="FFFFFF"/>
-                            </a:solidFill>
-                          </a14:hiddenFill>
-                        </a:ext>
-                      </a:extLst>
-                    </p:spPr>
-                  </p:pic>
-                </p:oleObj>
-              </mc:Fallback>
-            </mc:AlternateContent>
+            <p:oleObj spid="_x0000_s30722" name="Equation" r:id="rId3" imgW="901440" imgH="812520" progId="Equation.3">
+              <p:embed/>
+            </p:oleObj>
           </a:graphicData>
         </a:graphic>
       </p:graphicFrame>
@@ -6406,6 +6351,13 @@
   <p:clrMapOvr>
     <a:masterClrMapping/>
   </p:clrMapOvr>
+  <p:timing>
+    <p:tnLst>
+      <p:par>
+        <p:cTn id="1" dur="indefinite" restart="never" nodeType="tmRoot"/>
+      </p:par>
+    </p:tnLst>
+  </p:timing>
 </p:sld>
 </file>
 
@@ -6442,9 +6394,10 @@
           <a:lstStyle/>
           <a:p>
             <a:r>
-              <a:rPr lang="en-US" dirty="0"/>
+              <a:rPr lang="en-US" dirty="0" smtClean="0"/>
               <a:t>Topics</a:t>
             </a:r>
+            <a:endParaRPr lang="en-US" dirty="0"/>
           </a:p>
         </p:txBody>
       </p:sp>
@@ -6461,50 +6414,86 @@
         <p:spPr/>
         <p:txBody>
           <a:bodyPr>
-            <a:normAutofit/>
+            <a:normAutofit fontScale="92500" lnSpcReduction="20000"/>
           </a:bodyPr>
           <a:lstStyle/>
           <a:p>
             <a:r>
-              <a:rPr lang="en-US" dirty="0"/>
-              <a:t>Supervised learning – Binary classification</a:t>
-            </a:r>
-          </a:p>
-          <a:p>
-            <a:r>
-              <a:rPr lang="en-US" dirty="0"/>
+              <a:rPr lang="en-US" dirty="0" smtClean="0"/>
+              <a:t>Supervised </a:t>
+            </a:r>
+            <a:r>
+              <a:rPr lang="en-US" dirty="0" smtClean="0"/>
+              <a:t>learning – </a:t>
+            </a:r>
+            <a:r>
+              <a:rPr lang="en-US" dirty="0" smtClean="0"/>
+              <a:t>Binary classification </a:t>
+            </a:r>
+            <a:endParaRPr lang="en-US" dirty="0" smtClean="0"/>
+          </a:p>
+          <a:p>
+            <a:r>
+              <a:rPr lang="en-US" dirty="0" smtClean="0"/>
+              <a:t>Sigmoid </a:t>
+            </a:r>
+            <a:r>
+              <a:rPr lang="en-US" dirty="0" smtClean="0"/>
+              <a:t>function</a:t>
+            </a:r>
+          </a:p>
+          <a:p>
+            <a:r>
+              <a:rPr lang="en-US" dirty="0" smtClean="0"/>
               <a:t>Logistic regression</a:t>
             </a:r>
-          </a:p>
-          <a:p>
-            <a:r>
-              <a:rPr lang="en-US" dirty="0"/>
-              <a:t>Sigmoid function</a:t>
-            </a:r>
-          </a:p>
-          <a:p>
-            <a:r>
-              <a:rPr lang="en-US" dirty="0"/>
-              <a:t>Gradient descent</a:t>
-            </a:r>
-          </a:p>
-          <a:p>
-            <a:r>
-              <a:rPr lang="en-US" dirty="0"/>
+            <a:endParaRPr lang="en-US" dirty="0" smtClean="0"/>
+          </a:p>
+          <a:p>
+            <a:r>
+              <a:rPr lang="en-US" dirty="0" smtClean="0"/>
+              <a:t>Gradient </a:t>
+            </a:r>
+            <a:r>
+              <a:rPr lang="en-US" dirty="0" smtClean="0"/>
+              <a:t>descent</a:t>
+            </a:r>
+          </a:p>
+          <a:p>
+            <a:r>
+              <a:rPr lang="en-IN" dirty="0" smtClean="0"/>
+              <a:t>Regularization</a:t>
+            </a:r>
+          </a:p>
+          <a:p>
+            <a:r>
+              <a:rPr lang="en-IN" dirty="0" smtClean="0"/>
+              <a:t>Confusion </a:t>
+            </a:r>
+            <a:r>
+              <a:rPr lang="en-IN" dirty="0" smtClean="0"/>
+              <a:t>matrix</a:t>
+            </a:r>
+            <a:endParaRPr lang="en-US" dirty="0" smtClean="0"/>
+          </a:p>
+          <a:p>
+            <a:r>
+              <a:rPr lang="en-US" dirty="0" smtClean="0"/>
               <a:t>Applications</a:t>
             </a:r>
           </a:p>
           <a:p>
             <a:r>
-              <a:rPr lang="en-US" dirty="0"/>
+              <a:rPr lang="en-US" dirty="0" smtClean="0"/>
               <a:t>Advantages </a:t>
             </a:r>
           </a:p>
           <a:p>
             <a:r>
-              <a:rPr lang="en-US" dirty="0"/>
+              <a:rPr lang="en-US" dirty="0" smtClean="0"/>
               <a:t>Disadvantages</a:t>
             </a:r>
+            <a:endParaRPr lang="en-US" dirty="0"/>
           </a:p>
         </p:txBody>
       </p:sp>
@@ -6513,6 +6502,13 @@
   <p:clrMapOvr>
     <a:masterClrMapping/>
   </p:clrMapOvr>
+  <p:timing>
+    <p:tnLst>
+      <p:par>
+        <p:cTn id="1" dur="indefinite" restart="never" nodeType="tmRoot"/>
+      </p:par>
+    </p:tnLst>
+  </p:timing>
 </p:sld>
 </file>
 
@@ -6551,9 +6547,10 @@
           <a:lstStyle/>
           <a:p>
             <a:r>
-              <a:rPr lang="en-US" dirty="0"/>
+              <a:rPr lang="en-US" dirty="0" smtClean="0"/>
               <a:t>Gradient Descent</a:t>
             </a:r>
+            <a:endParaRPr lang="en-US" dirty="0"/>
           </a:p>
         </p:txBody>
       </p:sp>
@@ -6598,7 +6595,7 @@
               <a:defRPr/>
             </a:pPr>
             <a:r>
-              <a:rPr kumimoji="0" lang="en-US" sz="3200" b="0" i="0" u="none" strike="noStrike" kern="1200" cap="none" spc="0" normalizeH="0" baseline="0" noProof="0" dirty="0">
+              <a:rPr kumimoji="0" lang="en-US" sz="3200" b="0" i="0" u="none" strike="noStrike" kern="1200" cap="none" spc="0" normalizeH="0" baseline="0" noProof="0" dirty="0" smtClean="0">
                 <a:ln>
                   <a:noFill/>
                 </a:ln>
@@ -6624,31 +6621,31 @@
               <a:buChar char="–"/>
             </a:pPr>
             <a:r>
-              <a:rPr lang="en-US" sz="2800" dirty="0"/>
+              <a:rPr lang="en-US" sz="2800" dirty="0" smtClean="0"/>
               <a:t>Z</a:t>
             </a:r>
             <a:r>
-              <a:rPr lang="en-US" sz="2800" baseline="30000" dirty="0"/>
+              <a:rPr lang="en-US" sz="2800" baseline="30000" dirty="0" smtClean="0"/>
               <a:t>[1]</a:t>
             </a:r>
             <a:r>
-              <a:rPr lang="en-US" sz="2800" dirty="0"/>
+              <a:rPr lang="en-US" sz="2800" dirty="0" smtClean="0"/>
               <a:t>= W</a:t>
             </a:r>
             <a:r>
-              <a:rPr lang="en-US" sz="2800" baseline="30000" dirty="0"/>
+              <a:rPr lang="en-US" sz="2800" baseline="30000" dirty="0" smtClean="0"/>
               <a:t>[1]</a:t>
             </a:r>
             <a:r>
-              <a:rPr lang="en-US" sz="2800" dirty="0"/>
+              <a:rPr lang="en-US" sz="2800" dirty="0" smtClean="0"/>
               <a:t>a</a:t>
             </a:r>
             <a:r>
-              <a:rPr lang="en-US" sz="2800" baseline="30000" dirty="0"/>
+              <a:rPr lang="en-US" sz="2800" baseline="30000" dirty="0" smtClean="0"/>
               <a:t>[0] </a:t>
             </a:r>
             <a:r>
-              <a:rPr kumimoji="0" lang="en-US" sz="2800" b="0" i="0" u="none" strike="noStrike" kern="1200" cap="none" spc="0" normalizeH="0" baseline="0" noProof="0" dirty="0">
+              <a:rPr kumimoji="0" lang="en-US" sz="2800" b="0" i="0" u="none" strike="noStrike" kern="1200" cap="none" spc="0" normalizeH="0" baseline="0" noProof="0" dirty="0" smtClean="0">
                 <a:ln>
                   <a:noFill/>
                 </a:ln>
@@ -6665,7 +6662,7 @@
               <a:t>+ b</a:t>
             </a:r>
             <a:r>
-              <a:rPr kumimoji="0" lang="en-US" sz="2800" b="0" i="0" u="none" strike="noStrike" kern="1200" cap="none" spc="0" normalizeH="0" baseline="30000" noProof="0" dirty="0">
+              <a:rPr kumimoji="0" lang="en-US" sz="2800" b="0" i="0" u="none" strike="noStrike" kern="1200" cap="none" spc="0" normalizeH="0" baseline="30000" noProof="0" dirty="0" smtClean="0">
                 <a:ln>
                   <a:noFill/>
                 </a:ln>
@@ -6691,31 +6688,31 @@
               <a:buChar char="–"/>
             </a:pPr>
             <a:r>
-              <a:rPr lang="en-US" sz="2800" dirty="0"/>
+              <a:rPr lang="en-US" sz="2800" dirty="0" smtClean="0"/>
               <a:t>ŷ = a</a:t>
             </a:r>
             <a:r>
-              <a:rPr lang="en-US" sz="2800" baseline="30000" dirty="0"/>
+              <a:rPr lang="en-US" sz="2800" baseline="30000" dirty="0" smtClean="0"/>
               <a:t>[1]  </a:t>
             </a:r>
             <a:r>
-              <a:rPr lang="en-US" sz="2800" dirty="0"/>
+              <a:rPr lang="en-US" sz="2800" dirty="0" smtClean="0"/>
               <a:t>= </a:t>
             </a:r>
             <a:r>
-              <a:rPr lang="el-GR" sz="2800" dirty="0"/>
+              <a:rPr lang="el-GR" sz="2800" dirty="0" smtClean="0"/>
               <a:t>σ</a:t>
             </a:r>
             <a:r>
-              <a:rPr lang="en-US" sz="2800" dirty="0"/>
+              <a:rPr lang="en-US" sz="2800" dirty="0" smtClean="0"/>
               <a:t>(Z</a:t>
             </a:r>
             <a:r>
-              <a:rPr lang="en-US" sz="2800" baseline="30000" dirty="0"/>
+              <a:rPr lang="en-US" sz="2800" baseline="30000" dirty="0" smtClean="0"/>
               <a:t>[1]</a:t>
             </a:r>
             <a:r>
-              <a:rPr lang="en-US" sz="2800" dirty="0"/>
+              <a:rPr lang="en-US" sz="2800" dirty="0" smtClean="0"/>
               <a:t>)</a:t>
             </a:r>
           </a:p>
@@ -6728,39 +6725,39 @@
               <a:buChar char="–"/>
             </a:pPr>
             <a:r>
-              <a:rPr lang="en-US" sz="2800" dirty="0"/>
+              <a:rPr lang="en-US" sz="2800" dirty="0" smtClean="0"/>
               <a:t>L(ŷ</a:t>
             </a:r>
             <a:r>
-              <a:rPr lang="en-US" sz="2800" baseline="30000" dirty="0"/>
+              <a:rPr lang="en-US" sz="2800" baseline="30000" dirty="0" smtClean="0"/>
               <a:t>(</a:t>
             </a:r>
             <a:r>
-              <a:rPr lang="en-US" sz="2800" baseline="30000" dirty="0" err="1"/>
+              <a:rPr lang="en-US" sz="2800" baseline="30000" dirty="0" err="1" smtClean="0"/>
               <a:t>i</a:t>
             </a:r>
             <a:r>
-              <a:rPr lang="en-US" sz="2800" baseline="30000" dirty="0"/>
+              <a:rPr lang="en-US" sz="2800" baseline="30000" dirty="0" smtClean="0"/>
               <a:t>)</a:t>
             </a:r>
             <a:r>
-              <a:rPr lang="en-US" sz="2800" dirty="0"/>
+              <a:rPr lang="en-US" sz="2800" dirty="0" smtClean="0"/>
               <a:t>, y</a:t>
             </a:r>
             <a:r>
-              <a:rPr lang="en-US" sz="2800" baseline="30000" dirty="0"/>
+              <a:rPr lang="en-US" sz="2800" baseline="30000" dirty="0" smtClean="0"/>
               <a:t>(</a:t>
             </a:r>
             <a:r>
-              <a:rPr lang="en-US" sz="2800" baseline="30000" dirty="0" err="1"/>
+              <a:rPr lang="en-US" sz="2800" baseline="30000" dirty="0" err="1" smtClean="0"/>
               <a:t>i</a:t>
             </a:r>
             <a:r>
-              <a:rPr lang="en-US" sz="2800" baseline="30000" dirty="0"/>
+              <a:rPr lang="en-US" sz="2800" baseline="30000" dirty="0" smtClean="0"/>
               <a:t>)</a:t>
             </a:r>
             <a:r>
-              <a:rPr lang="en-US" sz="2800" dirty="0"/>
+              <a:rPr lang="en-US" sz="2800" dirty="0" smtClean="0"/>
               <a:t>)</a:t>
             </a:r>
           </a:p>
@@ -6773,23 +6770,23 @@
               <a:buChar char="–"/>
             </a:pPr>
             <a:r>
-              <a:rPr lang="en-US" sz="2800" dirty="0"/>
+              <a:rPr lang="en-US" sz="2800" dirty="0" smtClean="0"/>
               <a:t>J(W</a:t>
             </a:r>
             <a:r>
-              <a:rPr lang="en-US" sz="2800" baseline="30000" dirty="0"/>
+              <a:rPr lang="en-US" sz="2800" baseline="30000" dirty="0" smtClean="0"/>
               <a:t>[1]</a:t>
             </a:r>
             <a:r>
-              <a:rPr lang="en-US" sz="2800" dirty="0"/>
+              <a:rPr lang="en-US" sz="2800" dirty="0" smtClean="0"/>
               <a:t>, b</a:t>
             </a:r>
             <a:r>
-              <a:rPr lang="en-US" sz="2800" baseline="30000" dirty="0"/>
+              <a:rPr lang="en-US" sz="2800" baseline="30000" dirty="0" smtClean="0"/>
               <a:t>[1]</a:t>
             </a:r>
             <a:r>
-              <a:rPr lang="en-US" sz="2800" dirty="0"/>
+              <a:rPr lang="en-US" sz="2800" dirty="0" smtClean="0"/>
               <a:t>)</a:t>
             </a:r>
           </a:p>
@@ -6801,7 +6798,7 @@
               <a:buFont typeface="Arial" pitchFamily="34" charset="0"/>
               <a:buChar char="–"/>
             </a:pPr>
-            <a:endParaRPr kumimoji="0" lang="en-US" sz="2800" b="0" i="0" u="none" strike="noStrike" kern="1200" cap="none" spc="0" normalizeH="0" noProof="0" dirty="0">
+            <a:endParaRPr kumimoji="0" lang="en-US" sz="2800" b="0" i="0" u="none" strike="noStrike" kern="1200" cap="none" spc="0" normalizeH="0" noProof="0" dirty="0" smtClean="0">
               <a:ln>
                 <a:noFill/>
               </a:ln>
@@ -6834,7 +6831,7 @@
               <a:tabLst/>
               <a:defRPr/>
             </a:pPr>
-            <a:endParaRPr kumimoji="0" lang="en-US" sz="3200" b="0" i="0" u="none" strike="noStrike" kern="1200" cap="none" spc="0" normalizeH="0" baseline="0" noProof="0" dirty="0">
+            <a:endParaRPr kumimoji="0" lang="en-US" sz="3200" b="0" i="0" u="none" strike="noStrike" kern="1200" cap="none" spc="0" normalizeH="0" baseline="0" noProof="0" dirty="0" smtClean="0">
               <a:ln>
                 <a:noFill/>
               </a:ln>
@@ -6925,7 +6922,7 @@
               <a:defRPr/>
             </a:pPr>
             <a:r>
-              <a:rPr kumimoji="0" lang="en-US" sz="3200" b="0" i="0" u="none" strike="noStrike" kern="1200" cap="none" spc="0" normalizeH="0" baseline="0" noProof="0" dirty="0">
+              <a:rPr kumimoji="0" lang="en-US" sz="3200" b="0" i="0" u="none" strike="noStrike" kern="1200" cap="none" spc="0" normalizeH="0" baseline="0" noProof="0" dirty="0" smtClean="0">
                 <a:ln>
                   <a:noFill/>
                 </a:ln>
@@ -6960,7 +6957,7 @@
               <a:tabLst/>
               <a:defRPr/>
             </a:pPr>
-            <a:endParaRPr kumimoji="0" lang="en-US" sz="3200" b="0" i="0" u="none" strike="noStrike" kern="1200" cap="none" spc="0" normalizeH="0" baseline="0" noProof="0" dirty="0">
+            <a:endParaRPr kumimoji="0" lang="en-US" sz="3200" b="0" i="0" u="none" strike="noStrike" kern="1200" cap="none" spc="0" normalizeH="0" baseline="0" noProof="0" dirty="0" smtClean="0">
               <a:ln>
                 <a:noFill/>
               </a:ln>
@@ -7024,59 +7021,9 @@
         </p:xfrm>
         <a:graphic>
           <a:graphicData uri="http://schemas.openxmlformats.org/presentationml/2006/ole">
-            <mc:AlternateContent xmlns:mc="http://schemas.openxmlformats.org/markup-compatibility/2006">
-              <mc:Choice xmlns:v="urn:schemas-microsoft-com:vml" Requires="v">
-                <p:oleObj spid="_x0000_s31746" name="Equation" r:id="rId2" imgW="1371600" imgH="1269720" progId="Equation.3">
-                  <p:embed/>
-                </p:oleObj>
-              </mc:Choice>
-              <mc:Fallback>
-                <p:oleObj name="Equation" r:id="rId2" imgW="1371600" imgH="1269720" progId="Equation.3">
-                  <p:embed/>
-                  <p:pic>
-                    <p:nvPicPr>
-                      <p:cNvPr id="0" name="Picture 2"/>
-                      <p:cNvPicPr>
-                        <a:picLocks noChangeAspect="1" noChangeArrowheads="1"/>
-                      </p:cNvPicPr>
-                      <p:nvPr/>
-                    </p:nvPicPr>
-                    <p:blipFill>
-                      <a:blip r:embed="rId3">
-                        <a:extLst>
-                          <a:ext uri="{28A0092B-C50C-407E-A947-70E740481C1C}">
-                            <a14:useLocalDpi xmlns:a14="http://schemas.microsoft.com/office/drawing/2010/main" val="0"/>
-                          </a:ext>
-                        </a:extLst>
-                      </a:blip>
-                      <a:srcRect/>
-                      <a:stretch>
-                        <a:fillRect/>
-                      </a:stretch>
-                    </p:blipFill>
-                    <p:spPr bwMode="auto">
-                      <a:xfrm>
-                        <a:off x="4935538" y="2192338"/>
-                        <a:ext cx="2728912" cy="2525712"/>
-                      </a:xfrm>
-                      <a:prstGeom prst="rect">
-                        <a:avLst/>
-                      </a:prstGeom>
-                      <a:noFill/>
-                      <a:extLst>
-                        <a:ext uri="{909E8E84-426E-40DD-AFC4-6F175D3DCCD1}">
-                          <a14:hiddenFill xmlns:a14="http://schemas.microsoft.com/office/drawing/2010/main">
-                            <a:solidFill>
-                              <a:srgbClr val="FFFFFF"/>
-                            </a:solidFill>
-                          </a14:hiddenFill>
-                        </a:ext>
-                      </a:extLst>
-                    </p:spPr>
-                  </p:pic>
-                </p:oleObj>
-              </mc:Fallback>
-            </mc:AlternateContent>
+            <p:oleObj spid="_x0000_s31746" name="Equation" r:id="rId3" imgW="1371600" imgH="1269720" progId="Equation.3">
+              <p:embed/>
+            </p:oleObj>
           </a:graphicData>
         </a:graphic>
       </p:graphicFrame>
@@ -7085,6 +7032,13 @@
   <p:clrMapOvr>
     <a:masterClrMapping/>
   </p:clrMapOvr>
+  <p:timing>
+    <p:tnLst>
+      <p:par>
+        <p:cTn id="1" dur="indefinite" restart="never" nodeType="tmRoot"/>
+      </p:par>
+    </p:tnLst>
+  </p:timing>
 </p:sld>
 </file>
 
@@ -7123,9 +7077,10 @@
           <a:lstStyle/>
           <a:p>
             <a:r>
-              <a:rPr lang="en-US" dirty="0"/>
+              <a:rPr lang="en-US" dirty="0" smtClean="0"/>
               <a:t>Gradient Descent</a:t>
             </a:r>
+            <a:endParaRPr lang="en-US" dirty="0"/>
           </a:p>
         </p:txBody>
       </p:sp>
@@ -7170,7 +7125,7 @@
               <a:defRPr/>
             </a:pPr>
             <a:r>
-              <a:rPr kumimoji="0" lang="en-US" sz="3200" b="0" i="0" u="none" strike="noStrike" kern="1200" cap="none" spc="0" normalizeH="0" baseline="0" noProof="0" dirty="0">
+              <a:rPr kumimoji="0" lang="en-US" sz="3200" b="0" i="0" u="none" strike="noStrike" kern="1200" cap="none" spc="0" normalizeH="0" baseline="0" noProof="0" dirty="0" smtClean="0">
                 <a:ln>
                   <a:noFill/>
                 </a:ln>
@@ -7196,31 +7151,31 @@
               <a:buChar char="–"/>
             </a:pPr>
             <a:r>
-              <a:rPr lang="en-US" sz="2800" dirty="0"/>
+              <a:rPr lang="en-US" sz="2800" dirty="0" smtClean="0"/>
               <a:t>Z</a:t>
             </a:r>
             <a:r>
-              <a:rPr lang="en-US" sz="2800" baseline="30000" dirty="0"/>
+              <a:rPr lang="en-US" sz="2800" baseline="30000" dirty="0" smtClean="0"/>
               <a:t>[1]</a:t>
             </a:r>
             <a:r>
-              <a:rPr lang="en-US" sz="2800" dirty="0"/>
+              <a:rPr lang="en-US" sz="2800" dirty="0" smtClean="0"/>
               <a:t>= W</a:t>
             </a:r>
             <a:r>
-              <a:rPr lang="en-US" sz="2800" baseline="30000" dirty="0"/>
+              <a:rPr lang="en-US" sz="2800" baseline="30000" dirty="0" smtClean="0"/>
               <a:t>[1]</a:t>
             </a:r>
             <a:r>
-              <a:rPr lang="en-US" sz="2800" dirty="0"/>
+              <a:rPr lang="en-US" sz="2800" dirty="0" smtClean="0"/>
               <a:t>a</a:t>
             </a:r>
             <a:r>
-              <a:rPr lang="en-US" sz="2800" baseline="30000" dirty="0"/>
+              <a:rPr lang="en-US" sz="2800" baseline="30000" dirty="0" smtClean="0"/>
               <a:t>[0] </a:t>
             </a:r>
             <a:r>
-              <a:rPr kumimoji="0" lang="en-US" sz="2800" b="0" i="0" u="none" strike="noStrike" kern="1200" cap="none" spc="0" normalizeH="0" baseline="0" noProof="0" dirty="0">
+              <a:rPr kumimoji="0" lang="en-US" sz="2800" b="0" i="0" u="none" strike="noStrike" kern="1200" cap="none" spc="0" normalizeH="0" baseline="0" noProof="0" dirty="0" smtClean="0">
                 <a:ln>
                   <a:noFill/>
                 </a:ln>
@@ -7237,7 +7192,7 @@
               <a:t>+ b</a:t>
             </a:r>
             <a:r>
-              <a:rPr kumimoji="0" lang="en-US" sz="2800" b="0" i="0" u="none" strike="noStrike" kern="1200" cap="none" spc="0" normalizeH="0" baseline="30000" noProof="0" dirty="0">
+              <a:rPr kumimoji="0" lang="en-US" sz="2800" b="0" i="0" u="none" strike="noStrike" kern="1200" cap="none" spc="0" normalizeH="0" baseline="30000" noProof="0" dirty="0" smtClean="0">
                 <a:ln>
                   <a:noFill/>
                 </a:ln>
@@ -7263,31 +7218,31 @@
               <a:buChar char="–"/>
             </a:pPr>
             <a:r>
-              <a:rPr lang="en-US" sz="2800" dirty="0"/>
+              <a:rPr lang="en-US" sz="2800" dirty="0" smtClean="0"/>
               <a:t>ŷ = a</a:t>
             </a:r>
             <a:r>
-              <a:rPr lang="en-US" sz="2800" baseline="30000" dirty="0"/>
+              <a:rPr lang="en-US" sz="2800" baseline="30000" dirty="0" smtClean="0"/>
               <a:t>[1]  </a:t>
             </a:r>
             <a:r>
-              <a:rPr lang="en-US" sz="2800" dirty="0"/>
+              <a:rPr lang="en-US" sz="2800" dirty="0" smtClean="0"/>
               <a:t>= </a:t>
             </a:r>
             <a:r>
-              <a:rPr lang="el-GR" sz="2800" dirty="0"/>
+              <a:rPr lang="el-GR" sz="2800" dirty="0" smtClean="0"/>
               <a:t>σ</a:t>
             </a:r>
             <a:r>
-              <a:rPr lang="en-US" sz="2800" dirty="0"/>
+              <a:rPr lang="en-US" sz="2800" dirty="0" smtClean="0"/>
               <a:t>(Z</a:t>
             </a:r>
             <a:r>
-              <a:rPr lang="en-US" sz="2800" baseline="30000" dirty="0"/>
+              <a:rPr lang="en-US" sz="2800" baseline="30000" dirty="0" smtClean="0"/>
               <a:t>[1]</a:t>
             </a:r>
             <a:r>
-              <a:rPr lang="en-US" sz="2800" dirty="0"/>
+              <a:rPr lang="en-US" sz="2800" dirty="0" smtClean="0"/>
               <a:t>)</a:t>
             </a:r>
           </a:p>
@@ -7300,39 +7255,39 @@
               <a:buChar char="–"/>
             </a:pPr>
             <a:r>
-              <a:rPr lang="en-US" sz="2800" dirty="0"/>
+              <a:rPr lang="en-US" sz="2800" dirty="0" smtClean="0"/>
               <a:t>L(ŷ</a:t>
             </a:r>
             <a:r>
-              <a:rPr lang="en-US" sz="2800" baseline="30000" dirty="0"/>
+              <a:rPr lang="en-US" sz="2800" baseline="30000" dirty="0" smtClean="0"/>
               <a:t>(</a:t>
             </a:r>
             <a:r>
-              <a:rPr lang="en-US" sz="2800" baseline="30000" dirty="0" err="1"/>
+              <a:rPr lang="en-US" sz="2800" baseline="30000" dirty="0" err="1" smtClean="0"/>
               <a:t>i</a:t>
             </a:r>
             <a:r>
-              <a:rPr lang="en-US" sz="2800" baseline="30000" dirty="0"/>
+              <a:rPr lang="en-US" sz="2800" baseline="30000" dirty="0" smtClean="0"/>
               <a:t>)</a:t>
             </a:r>
             <a:r>
-              <a:rPr lang="en-US" sz="2800" dirty="0"/>
+              <a:rPr lang="en-US" sz="2800" dirty="0" smtClean="0"/>
               <a:t>, y</a:t>
             </a:r>
             <a:r>
-              <a:rPr lang="en-US" sz="2800" baseline="30000" dirty="0"/>
+              <a:rPr lang="en-US" sz="2800" baseline="30000" dirty="0" smtClean="0"/>
               <a:t>(</a:t>
             </a:r>
             <a:r>
-              <a:rPr lang="en-US" sz="2800" baseline="30000" dirty="0" err="1"/>
+              <a:rPr lang="en-US" sz="2800" baseline="30000" dirty="0" err="1" smtClean="0"/>
               <a:t>i</a:t>
             </a:r>
             <a:r>
-              <a:rPr lang="en-US" sz="2800" baseline="30000" dirty="0"/>
+              <a:rPr lang="en-US" sz="2800" baseline="30000" dirty="0" smtClean="0"/>
               <a:t>)</a:t>
             </a:r>
             <a:r>
-              <a:rPr lang="en-US" sz="2800" dirty="0"/>
+              <a:rPr lang="en-US" sz="2800" dirty="0" smtClean="0"/>
               <a:t>)</a:t>
             </a:r>
           </a:p>
@@ -7345,26 +7300,26 @@
               <a:buChar char="–"/>
             </a:pPr>
             <a:r>
-              <a:rPr lang="en-US" sz="2800" dirty="0"/>
+              <a:rPr lang="en-US" sz="2800" dirty="0" smtClean="0"/>
               <a:t>J(W</a:t>
             </a:r>
             <a:r>
-              <a:rPr lang="en-US" sz="2800" baseline="30000" dirty="0"/>
+              <a:rPr lang="en-US" sz="2800" baseline="30000" dirty="0" smtClean="0"/>
               <a:t>[1]</a:t>
             </a:r>
             <a:r>
-              <a:rPr lang="en-US" sz="2800" dirty="0"/>
+              <a:rPr lang="en-US" sz="2800" dirty="0" smtClean="0"/>
               <a:t>, b</a:t>
             </a:r>
             <a:r>
-              <a:rPr lang="en-US" sz="2800" baseline="30000" dirty="0"/>
+              <a:rPr lang="en-US" sz="2800" baseline="30000" dirty="0" smtClean="0"/>
               <a:t>[1]</a:t>
             </a:r>
             <a:r>
-              <a:rPr lang="en-US" sz="2800" dirty="0"/>
+              <a:rPr lang="en-US" sz="2800" dirty="0" smtClean="0"/>
               <a:t>)</a:t>
             </a:r>
-            <a:endParaRPr kumimoji="0" lang="en-US" sz="2800" b="0" i="0" u="none" strike="noStrike" kern="1200" cap="none" spc="0" normalizeH="0" noProof="0" dirty="0">
+            <a:endParaRPr kumimoji="0" lang="en-US" sz="2800" b="0" i="0" u="none" strike="noStrike" kern="1200" cap="none" spc="0" normalizeH="0" noProof="0" dirty="0" smtClean="0">
               <a:ln>
                 <a:noFill/>
               </a:ln>
@@ -7397,7 +7352,7 @@
               <a:tabLst/>
               <a:defRPr/>
             </a:pPr>
-            <a:endParaRPr kumimoji="0" lang="en-US" sz="3200" b="0" i="0" u="none" strike="noStrike" kern="1200" cap="none" spc="0" normalizeH="0" baseline="0" noProof="0" dirty="0">
+            <a:endParaRPr kumimoji="0" lang="en-US" sz="3200" b="0" i="0" u="none" strike="noStrike" kern="1200" cap="none" spc="0" normalizeH="0" baseline="0" noProof="0" dirty="0" smtClean="0">
               <a:ln>
                 <a:noFill/>
               </a:ln>
@@ -7488,7 +7443,7 @@
               <a:defRPr/>
             </a:pPr>
             <a:r>
-              <a:rPr kumimoji="0" lang="en-US" sz="3200" b="0" i="0" u="none" strike="noStrike" kern="1200" cap="none" spc="0" normalizeH="0" baseline="0" noProof="0" dirty="0">
+              <a:rPr kumimoji="0" lang="en-US" sz="3200" b="0" i="0" u="none" strike="noStrike" kern="1200" cap="none" spc="0" normalizeH="0" baseline="0" noProof="0" dirty="0" smtClean="0">
                 <a:ln>
                   <a:noFill/>
                 </a:ln>
@@ -7523,7 +7478,7 @@
               <a:tabLst/>
               <a:defRPr/>
             </a:pPr>
-            <a:endParaRPr kumimoji="0" lang="en-US" sz="3200" b="0" i="0" u="none" strike="noStrike" kern="1200" cap="none" spc="0" normalizeH="0" baseline="0" noProof="0" dirty="0">
+            <a:endParaRPr kumimoji="0" lang="en-US" sz="3200" b="0" i="0" u="none" strike="noStrike" kern="1200" cap="none" spc="0" normalizeH="0" baseline="0" noProof="0" dirty="0" smtClean="0">
               <a:ln>
                 <a:noFill/>
               </a:ln>
@@ -7587,59 +7542,9 @@
         </p:xfrm>
         <a:graphic>
           <a:graphicData uri="http://schemas.openxmlformats.org/presentationml/2006/ole">
-            <mc:AlternateContent xmlns:mc="http://schemas.openxmlformats.org/markup-compatibility/2006">
-              <mc:Choice xmlns:v="urn:schemas-microsoft-com:vml" Requires="v">
-                <p:oleObj spid="_x0000_s32770" name="Equation" r:id="rId2" imgW="1117440" imgH="812520" progId="Equation.3">
-                  <p:embed/>
-                </p:oleObj>
-              </mc:Choice>
-              <mc:Fallback>
-                <p:oleObj name="Equation" r:id="rId2" imgW="1117440" imgH="812520" progId="Equation.3">
-                  <p:embed/>
-                  <p:pic>
-                    <p:nvPicPr>
-                      <p:cNvPr id="0" name="Picture 2"/>
-                      <p:cNvPicPr>
-                        <a:picLocks noChangeAspect="1" noChangeArrowheads="1"/>
-                      </p:cNvPicPr>
-                      <p:nvPr/>
-                    </p:nvPicPr>
-                    <p:blipFill>
-                      <a:blip r:embed="rId3">
-                        <a:extLst>
-                          <a:ext uri="{28A0092B-C50C-407E-A947-70E740481C1C}">
-                            <a14:useLocalDpi xmlns:a14="http://schemas.microsoft.com/office/drawing/2010/main" val="0"/>
-                          </a:ext>
-                        </a:extLst>
-                      </a:blip>
-                      <a:srcRect/>
-                      <a:stretch>
-                        <a:fillRect/>
-                      </a:stretch>
-                    </p:blipFill>
-                    <p:spPr bwMode="auto">
-                      <a:xfrm>
-                        <a:off x="4935538" y="2192338"/>
-                        <a:ext cx="2222500" cy="1616075"/>
-                      </a:xfrm>
-                      <a:prstGeom prst="rect">
-                        <a:avLst/>
-                      </a:prstGeom>
-                      <a:noFill/>
-                      <a:extLst>
-                        <a:ext uri="{909E8E84-426E-40DD-AFC4-6F175D3DCCD1}">
-                          <a14:hiddenFill xmlns:a14="http://schemas.microsoft.com/office/drawing/2010/main">
-                            <a:solidFill>
-                              <a:srgbClr val="FFFFFF"/>
-                            </a:solidFill>
-                          </a14:hiddenFill>
-                        </a:ext>
-                      </a:extLst>
-                    </p:spPr>
-                  </p:pic>
-                </p:oleObj>
-              </mc:Fallback>
-            </mc:AlternateContent>
+            <p:oleObj spid="_x0000_s32770" name="Equation" r:id="rId3" imgW="1117440" imgH="812520" progId="Equation.3">
+              <p:embed/>
+            </p:oleObj>
           </a:graphicData>
         </a:graphic>
       </p:graphicFrame>
@@ -7648,6 +7553,13 @@
   <p:clrMapOvr>
     <a:masterClrMapping/>
   </p:clrMapOvr>
+  <p:timing>
+    <p:tnLst>
+      <p:par>
+        <p:cTn id="1" dur="indefinite" restart="never" nodeType="tmRoot"/>
+      </p:par>
+    </p:tnLst>
+  </p:timing>
 </p:sld>
 </file>
 
@@ -7686,9 +7598,10 @@
           <a:lstStyle/>
           <a:p>
             <a:r>
-              <a:rPr lang="en-US" dirty="0"/>
+              <a:rPr lang="en-US" dirty="0" smtClean="0"/>
               <a:t>Gradient Descent</a:t>
             </a:r>
+            <a:endParaRPr lang="en-US" dirty="0"/>
           </a:p>
         </p:txBody>
       </p:sp>
@@ -7733,7 +7646,7 @@
               <a:defRPr/>
             </a:pPr>
             <a:r>
-              <a:rPr kumimoji="0" lang="en-US" sz="3200" b="0" i="0" u="none" strike="noStrike" kern="1200" cap="none" spc="0" normalizeH="0" baseline="0" noProof="0" dirty="0">
+              <a:rPr kumimoji="0" lang="en-US" sz="3200" b="0" i="0" u="none" strike="noStrike" kern="1200" cap="none" spc="0" normalizeH="0" baseline="0" noProof="0" dirty="0" smtClean="0">
                 <a:ln>
                   <a:noFill/>
                 </a:ln>
@@ -7759,31 +7672,31 @@
               <a:buChar char="–"/>
             </a:pPr>
             <a:r>
-              <a:rPr lang="en-US" sz="2800" dirty="0"/>
+              <a:rPr lang="en-US" sz="2800" dirty="0" smtClean="0"/>
               <a:t>Z</a:t>
             </a:r>
             <a:r>
-              <a:rPr lang="en-US" sz="2800" baseline="30000" dirty="0"/>
+              <a:rPr lang="en-US" sz="2800" baseline="30000" dirty="0" smtClean="0"/>
               <a:t>[1]</a:t>
             </a:r>
             <a:r>
-              <a:rPr lang="en-US" sz="2800" dirty="0"/>
+              <a:rPr lang="en-US" sz="2800" dirty="0" smtClean="0"/>
               <a:t>= W</a:t>
             </a:r>
             <a:r>
-              <a:rPr lang="en-US" sz="2800" baseline="30000" dirty="0"/>
+              <a:rPr lang="en-US" sz="2800" baseline="30000" dirty="0" smtClean="0"/>
               <a:t>[1]</a:t>
             </a:r>
             <a:r>
-              <a:rPr lang="en-US" sz="2800" dirty="0"/>
+              <a:rPr lang="en-US" sz="2800" dirty="0" smtClean="0"/>
               <a:t>a</a:t>
             </a:r>
             <a:r>
-              <a:rPr lang="en-US" sz="2800" baseline="30000" dirty="0"/>
+              <a:rPr lang="en-US" sz="2800" baseline="30000" dirty="0" smtClean="0"/>
               <a:t>[0] </a:t>
             </a:r>
             <a:r>
-              <a:rPr kumimoji="0" lang="en-US" sz="2800" b="0" i="0" u="none" strike="noStrike" kern="1200" cap="none" spc="0" normalizeH="0" baseline="0" noProof="0" dirty="0">
+              <a:rPr kumimoji="0" lang="en-US" sz="2800" b="0" i="0" u="none" strike="noStrike" kern="1200" cap="none" spc="0" normalizeH="0" baseline="0" noProof="0" dirty="0" smtClean="0">
                 <a:ln>
                   <a:noFill/>
                 </a:ln>
@@ -7800,7 +7713,7 @@
               <a:t>+ b</a:t>
             </a:r>
             <a:r>
-              <a:rPr kumimoji="0" lang="en-US" sz="2800" b="0" i="0" u="none" strike="noStrike" kern="1200" cap="none" spc="0" normalizeH="0" baseline="30000" noProof="0" dirty="0">
+              <a:rPr kumimoji="0" lang="en-US" sz="2800" b="0" i="0" u="none" strike="noStrike" kern="1200" cap="none" spc="0" normalizeH="0" baseline="30000" noProof="0" dirty="0" smtClean="0">
                 <a:ln>
                   <a:noFill/>
                 </a:ln>
@@ -7826,31 +7739,31 @@
               <a:buChar char="–"/>
             </a:pPr>
             <a:r>
-              <a:rPr lang="en-US" sz="2800" dirty="0"/>
+              <a:rPr lang="en-US" sz="2800" dirty="0" smtClean="0"/>
               <a:t>ŷ = a</a:t>
             </a:r>
             <a:r>
-              <a:rPr lang="en-US" sz="2800" baseline="30000" dirty="0"/>
+              <a:rPr lang="en-US" sz="2800" baseline="30000" dirty="0" smtClean="0"/>
               <a:t>[1]  </a:t>
             </a:r>
             <a:r>
-              <a:rPr lang="en-US" sz="2800" dirty="0"/>
+              <a:rPr lang="en-US" sz="2800" dirty="0" smtClean="0"/>
               <a:t>= </a:t>
             </a:r>
             <a:r>
-              <a:rPr lang="el-GR" sz="2800" dirty="0"/>
+              <a:rPr lang="el-GR" sz="2800" dirty="0" smtClean="0"/>
               <a:t>σ</a:t>
             </a:r>
             <a:r>
-              <a:rPr lang="en-US" sz="2800" dirty="0"/>
+              <a:rPr lang="en-US" sz="2800" dirty="0" smtClean="0"/>
               <a:t>(Z</a:t>
             </a:r>
             <a:r>
-              <a:rPr lang="en-US" sz="2800" baseline="30000" dirty="0"/>
+              <a:rPr lang="en-US" sz="2800" baseline="30000" dirty="0" smtClean="0"/>
               <a:t>[1]</a:t>
             </a:r>
             <a:r>
-              <a:rPr lang="en-US" sz="2800" dirty="0"/>
+              <a:rPr lang="en-US" sz="2800" dirty="0" smtClean="0"/>
               <a:t>)</a:t>
             </a:r>
           </a:p>
@@ -7863,39 +7776,39 @@
               <a:buChar char="–"/>
             </a:pPr>
             <a:r>
-              <a:rPr lang="en-US" sz="2800" dirty="0"/>
+              <a:rPr lang="en-US" sz="2800" dirty="0" smtClean="0"/>
               <a:t>L(ŷ</a:t>
             </a:r>
             <a:r>
-              <a:rPr lang="en-US" sz="2800" baseline="30000" dirty="0"/>
+              <a:rPr lang="en-US" sz="2800" baseline="30000" dirty="0" smtClean="0"/>
               <a:t>(</a:t>
             </a:r>
             <a:r>
-              <a:rPr lang="en-US" sz="2800" baseline="30000" dirty="0" err="1"/>
+              <a:rPr lang="en-US" sz="2800" baseline="30000" dirty="0" err="1" smtClean="0"/>
               <a:t>i</a:t>
             </a:r>
             <a:r>
-              <a:rPr lang="en-US" sz="2800" baseline="30000" dirty="0"/>
+              <a:rPr lang="en-US" sz="2800" baseline="30000" dirty="0" smtClean="0"/>
               <a:t>)</a:t>
             </a:r>
             <a:r>
-              <a:rPr lang="en-US" sz="2800" dirty="0"/>
+              <a:rPr lang="en-US" sz="2800" dirty="0" smtClean="0"/>
               <a:t>, y</a:t>
             </a:r>
             <a:r>
-              <a:rPr lang="en-US" sz="2800" baseline="30000" dirty="0"/>
+              <a:rPr lang="en-US" sz="2800" baseline="30000" dirty="0" smtClean="0"/>
               <a:t>(</a:t>
             </a:r>
             <a:r>
-              <a:rPr lang="en-US" sz="2800" baseline="30000" dirty="0" err="1"/>
+              <a:rPr lang="en-US" sz="2800" baseline="30000" dirty="0" err="1" smtClean="0"/>
               <a:t>i</a:t>
             </a:r>
             <a:r>
-              <a:rPr lang="en-US" sz="2800" baseline="30000" dirty="0"/>
+              <a:rPr lang="en-US" sz="2800" baseline="30000" dirty="0" smtClean="0"/>
               <a:t>)</a:t>
             </a:r>
             <a:r>
-              <a:rPr lang="en-US" sz="2800" dirty="0"/>
+              <a:rPr lang="en-US" sz="2800" dirty="0" smtClean="0"/>
               <a:t>)</a:t>
             </a:r>
           </a:p>
@@ -7908,26 +7821,26 @@
               <a:buChar char="–"/>
             </a:pPr>
             <a:r>
-              <a:rPr lang="en-US" sz="2800" dirty="0"/>
+              <a:rPr lang="en-US" sz="2800" dirty="0" smtClean="0"/>
               <a:t>J(W</a:t>
             </a:r>
             <a:r>
-              <a:rPr lang="en-US" sz="2800" baseline="30000" dirty="0"/>
+              <a:rPr lang="en-US" sz="2800" baseline="30000" dirty="0" smtClean="0"/>
               <a:t>[1]</a:t>
             </a:r>
             <a:r>
-              <a:rPr lang="en-US" sz="2800" dirty="0"/>
+              <a:rPr lang="en-US" sz="2800" dirty="0" smtClean="0"/>
               <a:t>, b</a:t>
             </a:r>
             <a:r>
-              <a:rPr lang="en-US" sz="2800" baseline="30000" dirty="0"/>
+              <a:rPr lang="en-US" sz="2800" baseline="30000" dirty="0" smtClean="0"/>
               <a:t>[1]</a:t>
             </a:r>
             <a:r>
-              <a:rPr lang="en-US" sz="2800" dirty="0"/>
+              <a:rPr lang="en-US" sz="2800" dirty="0" smtClean="0"/>
               <a:t>)</a:t>
             </a:r>
-            <a:endParaRPr kumimoji="0" lang="en-US" sz="2800" b="0" i="0" u="none" strike="noStrike" kern="1200" cap="none" spc="0" normalizeH="0" noProof="0" dirty="0">
+            <a:endParaRPr kumimoji="0" lang="en-US" sz="2800" b="0" i="0" u="none" strike="noStrike" kern="1200" cap="none" spc="0" normalizeH="0" noProof="0" dirty="0" smtClean="0">
               <a:ln>
                 <a:noFill/>
               </a:ln>
@@ -7960,7 +7873,7 @@
               <a:tabLst/>
               <a:defRPr/>
             </a:pPr>
-            <a:endParaRPr kumimoji="0" lang="en-US" sz="3200" b="0" i="0" u="none" strike="noStrike" kern="1200" cap="none" spc="0" normalizeH="0" baseline="0" noProof="0" dirty="0">
+            <a:endParaRPr kumimoji="0" lang="en-US" sz="3200" b="0" i="0" u="none" strike="noStrike" kern="1200" cap="none" spc="0" normalizeH="0" baseline="0" noProof="0" dirty="0" smtClean="0">
               <a:ln>
                 <a:noFill/>
               </a:ln>
@@ -8051,7 +7964,7 @@
               <a:defRPr/>
             </a:pPr>
             <a:r>
-              <a:rPr kumimoji="0" lang="en-US" sz="3200" b="0" i="0" u="none" strike="noStrike" kern="1200" cap="none" spc="0" normalizeH="0" baseline="0" noProof="0" dirty="0">
+              <a:rPr kumimoji="0" lang="en-US" sz="3200" b="0" i="0" u="none" strike="noStrike" kern="1200" cap="none" spc="0" normalizeH="0" baseline="0" noProof="0" dirty="0" smtClean="0">
                 <a:ln>
                   <a:noFill/>
                 </a:ln>
@@ -8086,7 +7999,7 @@
               <a:tabLst/>
               <a:defRPr/>
             </a:pPr>
-            <a:endParaRPr kumimoji="0" lang="en-US" sz="3200" b="0" i="0" u="none" strike="noStrike" kern="1200" cap="none" spc="0" normalizeH="0" baseline="0" noProof="0" dirty="0">
+            <a:endParaRPr kumimoji="0" lang="en-US" sz="3200" b="0" i="0" u="none" strike="noStrike" kern="1200" cap="none" spc="0" normalizeH="0" baseline="0" noProof="0" dirty="0" smtClean="0">
               <a:ln>
                 <a:noFill/>
               </a:ln>
@@ -8150,59 +8063,9 @@
         </p:xfrm>
         <a:graphic>
           <a:graphicData uri="http://schemas.openxmlformats.org/presentationml/2006/ole">
-            <mc:AlternateContent xmlns:mc="http://schemas.openxmlformats.org/markup-compatibility/2006">
-              <mc:Choice xmlns:v="urn:schemas-microsoft-com:vml" Requires="v">
-                <p:oleObj spid="_x0000_s33794" name="Equation" r:id="rId2" imgW="1117440" imgH="393480" progId="Equation.3">
-                  <p:embed/>
-                </p:oleObj>
-              </mc:Choice>
-              <mc:Fallback>
-                <p:oleObj name="Equation" r:id="rId2" imgW="1117440" imgH="393480" progId="Equation.3">
-                  <p:embed/>
-                  <p:pic>
-                    <p:nvPicPr>
-                      <p:cNvPr id="0" name="Picture 2"/>
-                      <p:cNvPicPr>
-                        <a:picLocks noChangeAspect="1" noChangeArrowheads="1"/>
-                      </p:cNvPicPr>
-                      <p:nvPr/>
-                    </p:nvPicPr>
-                    <p:blipFill>
-                      <a:blip r:embed="rId3">
-                        <a:extLst>
-                          <a:ext uri="{28A0092B-C50C-407E-A947-70E740481C1C}">
-                            <a14:useLocalDpi xmlns:a14="http://schemas.microsoft.com/office/drawing/2010/main" val="0"/>
-                          </a:ext>
-                        </a:extLst>
-                      </a:blip>
-                      <a:srcRect/>
-                      <a:stretch>
-                        <a:fillRect/>
-                      </a:stretch>
-                    </p:blipFill>
-                    <p:spPr bwMode="auto">
-                      <a:xfrm>
-                        <a:off x="4935538" y="2192338"/>
-                        <a:ext cx="2222500" cy="782637"/>
-                      </a:xfrm>
-                      <a:prstGeom prst="rect">
-                        <a:avLst/>
-                      </a:prstGeom>
-                      <a:noFill/>
-                      <a:extLst>
-                        <a:ext uri="{909E8E84-426E-40DD-AFC4-6F175D3DCCD1}">
-                          <a14:hiddenFill xmlns:a14="http://schemas.microsoft.com/office/drawing/2010/main">
-                            <a:solidFill>
-                              <a:srgbClr val="FFFFFF"/>
-                            </a:solidFill>
-                          </a14:hiddenFill>
-                        </a:ext>
-                      </a:extLst>
-                    </p:spPr>
-                  </p:pic>
-                </p:oleObj>
-              </mc:Fallback>
-            </mc:AlternateContent>
+            <p:oleObj spid="_x0000_s33794" name="Equation" r:id="rId3" imgW="1117440" imgH="393480" progId="Equation.3">
+              <p:embed/>
+            </p:oleObj>
           </a:graphicData>
         </a:graphic>
       </p:graphicFrame>
@@ -8211,6 +8074,13 @@
   <p:clrMapOvr>
     <a:masterClrMapping/>
   </p:clrMapOvr>
+  <p:timing>
+    <p:tnLst>
+      <p:par>
+        <p:cTn id="1" dur="indefinite" restart="never" nodeType="tmRoot"/>
+      </p:par>
+    </p:tnLst>
+  </p:timing>
 </p:sld>
 </file>
 
@@ -8249,9 +8119,10 @@
           <a:lstStyle/>
           <a:p>
             <a:r>
-              <a:rPr lang="en-US" dirty="0"/>
+              <a:rPr lang="en-US" dirty="0" smtClean="0"/>
               <a:t>Gradient Descent</a:t>
             </a:r>
+            <a:endParaRPr lang="en-US" dirty="0"/>
           </a:p>
         </p:txBody>
       </p:sp>
@@ -8296,7 +8167,7 @@
               <a:defRPr/>
             </a:pPr>
             <a:r>
-              <a:rPr kumimoji="0" lang="en-US" sz="3200" b="0" i="0" u="none" strike="noStrike" kern="1200" cap="none" spc="0" normalizeH="0" baseline="0" noProof="0" dirty="0">
+              <a:rPr kumimoji="0" lang="en-US" sz="3200" b="0" i="0" u="none" strike="noStrike" kern="1200" cap="none" spc="0" normalizeH="0" baseline="0" noProof="0" dirty="0" smtClean="0">
                 <a:ln>
                   <a:noFill/>
                 </a:ln>
@@ -8322,31 +8193,31 @@
               <a:buChar char="–"/>
             </a:pPr>
             <a:r>
-              <a:rPr lang="en-US" sz="2800" dirty="0"/>
+              <a:rPr lang="en-US" sz="2800" dirty="0" smtClean="0"/>
               <a:t>Z</a:t>
             </a:r>
             <a:r>
-              <a:rPr lang="en-US" sz="2800" baseline="30000" dirty="0"/>
+              <a:rPr lang="en-US" sz="2800" baseline="30000" dirty="0" smtClean="0"/>
               <a:t>[1]</a:t>
             </a:r>
             <a:r>
-              <a:rPr lang="en-US" sz="2800" dirty="0"/>
+              <a:rPr lang="en-US" sz="2800" dirty="0" smtClean="0"/>
               <a:t>= W</a:t>
             </a:r>
             <a:r>
-              <a:rPr lang="en-US" sz="2800" baseline="30000" dirty="0"/>
+              <a:rPr lang="en-US" sz="2800" baseline="30000" dirty="0" smtClean="0"/>
               <a:t>[1]</a:t>
             </a:r>
             <a:r>
-              <a:rPr lang="en-US" sz="2800" dirty="0"/>
+              <a:rPr lang="en-US" sz="2800" dirty="0" smtClean="0"/>
               <a:t>a</a:t>
             </a:r>
             <a:r>
-              <a:rPr lang="en-US" sz="2800" baseline="30000" dirty="0"/>
+              <a:rPr lang="en-US" sz="2800" baseline="30000" dirty="0" smtClean="0"/>
               <a:t>[0] </a:t>
             </a:r>
             <a:r>
-              <a:rPr kumimoji="0" lang="en-US" sz="2800" b="0" i="0" u="none" strike="noStrike" kern="1200" cap="none" spc="0" normalizeH="0" baseline="0" noProof="0" dirty="0">
+              <a:rPr kumimoji="0" lang="en-US" sz="2800" b="0" i="0" u="none" strike="noStrike" kern="1200" cap="none" spc="0" normalizeH="0" baseline="0" noProof="0" dirty="0" smtClean="0">
                 <a:ln>
                   <a:noFill/>
                 </a:ln>
@@ -8363,7 +8234,7 @@
               <a:t>+ b</a:t>
             </a:r>
             <a:r>
-              <a:rPr kumimoji="0" lang="en-US" sz="2800" b="0" i="0" u="none" strike="noStrike" kern="1200" cap="none" spc="0" normalizeH="0" baseline="30000" noProof="0" dirty="0">
+              <a:rPr kumimoji="0" lang="en-US" sz="2800" b="0" i="0" u="none" strike="noStrike" kern="1200" cap="none" spc="0" normalizeH="0" baseline="30000" noProof="0" dirty="0" smtClean="0">
                 <a:ln>
                   <a:noFill/>
                 </a:ln>
@@ -8389,31 +8260,31 @@
               <a:buChar char="–"/>
             </a:pPr>
             <a:r>
-              <a:rPr lang="en-US" sz="2800" dirty="0"/>
+              <a:rPr lang="en-US" sz="2800" dirty="0" smtClean="0"/>
               <a:t>ŷ = a</a:t>
             </a:r>
             <a:r>
-              <a:rPr lang="en-US" sz="2800" baseline="30000" dirty="0"/>
+              <a:rPr lang="en-US" sz="2800" baseline="30000" dirty="0" smtClean="0"/>
               <a:t>[1]  </a:t>
             </a:r>
             <a:r>
-              <a:rPr lang="en-US" sz="2800" dirty="0"/>
+              <a:rPr lang="en-US" sz="2800" dirty="0" smtClean="0"/>
               <a:t>= </a:t>
             </a:r>
             <a:r>
-              <a:rPr lang="el-GR" sz="2800" dirty="0"/>
+              <a:rPr lang="el-GR" sz="2800" dirty="0" smtClean="0"/>
               <a:t>σ</a:t>
             </a:r>
             <a:r>
-              <a:rPr lang="en-US" sz="2800" dirty="0"/>
+              <a:rPr lang="en-US" sz="2800" dirty="0" smtClean="0"/>
               <a:t>(Z</a:t>
             </a:r>
             <a:r>
-              <a:rPr lang="en-US" sz="2800" baseline="30000" dirty="0"/>
+              <a:rPr lang="en-US" sz="2800" baseline="30000" dirty="0" smtClean="0"/>
               <a:t>[1]</a:t>
             </a:r>
             <a:r>
-              <a:rPr lang="en-US" sz="2800" dirty="0"/>
+              <a:rPr lang="en-US" sz="2800" dirty="0" smtClean="0"/>
               <a:t>)</a:t>
             </a:r>
           </a:p>
@@ -8426,39 +8297,39 @@
               <a:buChar char="–"/>
             </a:pPr>
             <a:r>
-              <a:rPr lang="en-US" sz="2800" dirty="0"/>
+              <a:rPr lang="en-US" sz="2800" dirty="0" smtClean="0"/>
               <a:t>L(ŷ</a:t>
             </a:r>
             <a:r>
-              <a:rPr lang="en-US" sz="2800" baseline="30000" dirty="0"/>
+              <a:rPr lang="en-US" sz="2800" baseline="30000" dirty="0" smtClean="0"/>
               <a:t>(</a:t>
             </a:r>
             <a:r>
-              <a:rPr lang="en-US" sz="2800" baseline="30000" dirty="0" err="1"/>
+              <a:rPr lang="en-US" sz="2800" baseline="30000" dirty="0" err="1" smtClean="0"/>
               <a:t>i</a:t>
             </a:r>
             <a:r>
-              <a:rPr lang="en-US" sz="2800" baseline="30000" dirty="0"/>
+              <a:rPr lang="en-US" sz="2800" baseline="30000" dirty="0" smtClean="0"/>
               <a:t>)</a:t>
             </a:r>
             <a:r>
-              <a:rPr lang="en-US" sz="2800" dirty="0"/>
+              <a:rPr lang="en-US" sz="2800" dirty="0" smtClean="0"/>
               <a:t>, y</a:t>
             </a:r>
             <a:r>
-              <a:rPr lang="en-US" sz="2800" baseline="30000" dirty="0"/>
+              <a:rPr lang="en-US" sz="2800" baseline="30000" dirty="0" smtClean="0"/>
               <a:t>(</a:t>
             </a:r>
             <a:r>
-              <a:rPr lang="en-US" sz="2800" baseline="30000" dirty="0" err="1"/>
+              <a:rPr lang="en-US" sz="2800" baseline="30000" dirty="0" err="1" smtClean="0"/>
               <a:t>i</a:t>
             </a:r>
             <a:r>
-              <a:rPr lang="en-US" sz="2800" baseline="30000" dirty="0"/>
+              <a:rPr lang="en-US" sz="2800" baseline="30000" dirty="0" smtClean="0"/>
               <a:t>)</a:t>
             </a:r>
             <a:r>
-              <a:rPr lang="en-US" sz="2800" dirty="0"/>
+              <a:rPr lang="en-US" sz="2800" dirty="0" smtClean="0"/>
               <a:t>)</a:t>
             </a:r>
           </a:p>
@@ -8471,26 +8342,26 @@
               <a:buChar char="–"/>
             </a:pPr>
             <a:r>
-              <a:rPr lang="en-US" sz="2800" dirty="0"/>
+              <a:rPr lang="en-US" sz="2800" dirty="0" smtClean="0"/>
               <a:t>J(W</a:t>
             </a:r>
             <a:r>
-              <a:rPr lang="en-US" sz="2800" baseline="30000" dirty="0"/>
+              <a:rPr lang="en-US" sz="2800" baseline="30000" dirty="0" smtClean="0"/>
               <a:t>[1]</a:t>
             </a:r>
             <a:r>
-              <a:rPr lang="en-US" sz="2800" dirty="0"/>
+              <a:rPr lang="en-US" sz="2800" dirty="0" smtClean="0"/>
               <a:t>, b</a:t>
             </a:r>
             <a:r>
-              <a:rPr lang="en-US" sz="2800" baseline="30000" dirty="0"/>
+              <a:rPr lang="en-US" sz="2800" baseline="30000" dirty="0" smtClean="0"/>
               <a:t>[1]</a:t>
             </a:r>
             <a:r>
-              <a:rPr lang="en-US" sz="2800" dirty="0"/>
+              <a:rPr lang="en-US" sz="2800" dirty="0" smtClean="0"/>
               <a:t>)</a:t>
             </a:r>
-            <a:endParaRPr kumimoji="0" lang="en-US" sz="2800" b="0" i="0" u="none" strike="noStrike" kern="1200" cap="none" spc="0" normalizeH="0" noProof="0" dirty="0">
+            <a:endParaRPr kumimoji="0" lang="en-US" sz="2800" b="0" i="0" u="none" strike="noStrike" kern="1200" cap="none" spc="0" normalizeH="0" noProof="0" dirty="0" smtClean="0">
               <a:ln>
                 <a:noFill/>
               </a:ln>
@@ -8523,7 +8394,7 @@
               <a:tabLst/>
               <a:defRPr/>
             </a:pPr>
-            <a:endParaRPr kumimoji="0" lang="en-US" sz="3200" b="0" i="0" u="none" strike="noStrike" kern="1200" cap="none" spc="0" normalizeH="0" baseline="0" noProof="0" dirty="0">
+            <a:endParaRPr kumimoji="0" lang="en-US" sz="3200" b="0" i="0" u="none" strike="noStrike" kern="1200" cap="none" spc="0" normalizeH="0" baseline="0" noProof="0" dirty="0" smtClean="0">
               <a:ln>
                 <a:noFill/>
               </a:ln>
@@ -8614,7 +8485,7 @@
               <a:defRPr/>
             </a:pPr>
             <a:r>
-              <a:rPr kumimoji="0" lang="en-US" sz="3200" b="0" i="0" u="none" strike="noStrike" kern="1200" cap="none" spc="0" normalizeH="0" baseline="0" noProof="0" dirty="0">
+              <a:rPr kumimoji="0" lang="en-US" sz="3200" b="0" i="0" u="none" strike="noStrike" kern="1200" cap="none" spc="0" normalizeH="0" baseline="0" noProof="0" dirty="0" smtClean="0">
                 <a:ln>
                   <a:noFill/>
                 </a:ln>
@@ -8649,7 +8520,7 @@
               <a:tabLst/>
               <a:defRPr/>
             </a:pPr>
-            <a:endParaRPr kumimoji="0" lang="en-US" sz="3200" b="0" i="0" u="none" strike="noStrike" kern="1200" cap="none" spc="0" normalizeH="0" baseline="0" noProof="0" dirty="0">
+            <a:endParaRPr kumimoji="0" lang="en-US" sz="3200" b="0" i="0" u="none" strike="noStrike" kern="1200" cap="none" spc="0" normalizeH="0" baseline="0" noProof="0" dirty="0" smtClean="0">
               <a:ln>
                 <a:noFill/>
               </a:ln>
@@ -8713,59 +8584,9 @@
         </p:xfrm>
         <a:graphic>
           <a:graphicData uri="http://schemas.openxmlformats.org/presentationml/2006/ole">
-            <mc:AlternateContent xmlns:mc="http://schemas.openxmlformats.org/markup-compatibility/2006">
-              <mc:Choice xmlns:v="urn:schemas-microsoft-com:vml" Requires="v">
-                <p:oleObj spid="_x0000_s34818" name="Equation" r:id="rId2" imgW="1574640" imgH="1054080" progId="Equation.3">
-                  <p:embed/>
-                </p:oleObj>
-              </mc:Choice>
-              <mc:Fallback>
-                <p:oleObj name="Equation" r:id="rId2" imgW="1574640" imgH="1054080" progId="Equation.3">
-                  <p:embed/>
-                  <p:pic>
-                    <p:nvPicPr>
-                      <p:cNvPr id="0" name="Picture 2"/>
-                      <p:cNvPicPr>
-                        <a:picLocks noChangeAspect="1" noChangeArrowheads="1"/>
-                      </p:cNvPicPr>
-                      <p:nvPr/>
-                    </p:nvPicPr>
-                    <p:blipFill>
-                      <a:blip r:embed="rId3">
-                        <a:extLst>
-                          <a:ext uri="{28A0092B-C50C-407E-A947-70E740481C1C}">
-                            <a14:useLocalDpi xmlns:a14="http://schemas.microsoft.com/office/drawing/2010/main" val="0"/>
-                          </a:ext>
-                        </a:extLst>
-                      </a:blip>
-                      <a:srcRect/>
-                      <a:stretch>
-                        <a:fillRect/>
-                      </a:stretch>
-                    </p:blipFill>
-                    <p:spPr bwMode="auto">
-                      <a:xfrm>
-                        <a:off x="4935538" y="2192338"/>
-                        <a:ext cx="3132137" cy="2095500"/>
-                      </a:xfrm>
-                      <a:prstGeom prst="rect">
-                        <a:avLst/>
-                      </a:prstGeom>
-                      <a:noFill/>
-                      <a:extLst>
-                        <a:ext uri="{909E8E84-426E-40DD-AFC4-6F175D3DCCD1}">
-                          <a14:hiddenFill xmlns:a14="http://schemas.microsoft.com/office/drawing/2010/main">
-                            <a:solidFill>
-                              <a:srgbClr val="FFFFFF"/>
-                            </a:solidFill>
-                          </a14:hiddenFill>
-                        </a:ext>
-                      </a:extLst>
-                    </p:spPr>
-                  </p:pic>
-                </p:oleObj>
-              </mc:Fallback>
-            </mc:AlternateContent>
+            <p:oleObj spid="_x0000_s34818" name="Equation" r:id="rId3" imgW="1574640" imgH="1054080" progId="Equation.3">
+              <p:embed/>
+            </p:oleObj>
           </a:graphicData>
         </a:graphic>
       </p:graphicFrame>
@@ -8774,6 +8595,13 @@
   <p:clrMapOvr>
     <a:masterClrMapping/>
   </p:clrMapOvr>
+  <p:timing>
+    <p:tnLst>
+      <p:par>
+        <p:cTn id="1" dur="indefinite" restart="never" nodeType="tmRoot"/>
+      </p:par>
+    </p:tnLst>
+  </p:timing>
 </p:sld>
 </file>
 
@@ -8812,9 +8640,10 @@
           <a:lstStyle/>
           <a:p>
             <a:r>
-              <a:rPr lang="en-US" dirty="0"/>
+              <a:rPr lang="en-US" dirty="0" smtClean="0"/>
               <a:t>Gradient Descent</a:t>
             </a:r>
+            <a:endParaRPr lang="en-US" dirty="0"/>
           </a:p>
         </p:txBody>
       </p:sp>
@@ -8859,7 +8688,7 @@
               <a:defRPr/>
             </a:pPr>
             <a:r>
-              <a:rPr kumimoji="0" lang="en-US" sz="3200" b="0" i="0" u="none" strike="noStrike" kern="1200" cap="none" spc="0" normalizeH="0" baseline="0" noProof="0" dirty="0">
+              <a:rPr kumimoji="0" lang="en-US" sz="3200" b="0" i="0" u="none" strike="noStrike" kern="1200" cap="none" spc="0" normalizeH="0" baseline="0" noProof="0" dirty="0" smtClean="0">
                 <a:ln>
                   <a:noFill/>
                 </a:ln>
@@ -8885,31 +8714,31 @@
               <a:buChar char="–"/>
             </a:pPr>
             <a:r>
-              <a:rPr lang="en-US" sz="2800" dirty="0"/>
+              <a:rPr lang="en-US" sz="2800" dirty="0" smtClean="0"/>
               <a:t>Z</a:t>
             </a:r>
             <a:r>
-              <a:rPr lang="en-US" sz="2800" baseline="30000" dirty="0"/>
+              <a:rPr lang="en-US" sz="2800" baseline="30000" dirty="0" smtClean="0"/>
               <a:t>[1]</a:t>
             </a:r>
             <a:r>
-              <a:rPr lang="en-US" sz="2800" dirty="0"/>
+              <a:rPr lang="en-US" sz="2800" dirty="0" smtClean="0"/>
               <a:t>= W</a:t>
             </a:r>
             <a:r>
-              <a:rPr lang="en-US" sz="2800" baseline="30000" dirty="0"/>
+              <a:rPr lang="en-US" sz="2800" baseline="30000" dirty="0" smtClean="0"/>
               <a:t>[1]</a:t>
             </a:r>
             <a:r>
-              <a:rPr lang="en-US" sz="2800" dirty="0"/>
+              <a:rPr lang="en-US" sz="2800" dirty="0" smtClean="0"/>
               <a:t>a</a:t>
             </a:r>
             <a:r>
-              <a:rPr lang="en-US" sz="2800" baseline="30000" dirty="0"/>
+              <a:rPr lang="en-US" sz="2800" baseline="30000" dirty="0" smtClean="0"/>
               <a:t>[0] </a:t>
             </a:r>
             <a:r>
-              <a:rPr kumimoji="0" lang="en-US" sz="2800" b="0" i="0" u="none" strike="noStrike" kern="1200" cap="none" spc="0" normalizeH="0" baseline="0" noProof="0" dirty="0">
+              <a:rPr kumimoji="0" lang="en-US" sz="2800" b="0" i="0" u="none" strike="noStrike" kern="1200" cap="none" spc="0" normalizeH="0" baseline="0" noProof="0" dirty="0" smtClean="0">
                 <a:ln>
                   <a:noFill/>
                 </a:ln>
@@ -8926,7 +8755,7 @@
               <a:t>+ b</a:t>
             </a:r>
             <a:r>
-              <a:rPr kumimoji="0" lang="en-US" sz="2800" b="0" i="0" u="none" strike="noStrike" kern="1200" cap="none" spc="0" normalizeH="0" baseline="30000" noProof="0" dirty="0">
+              <a:rPr kumimoji="0" lang="en-US" sz="2800" b="0" i="0" u="none" strike="noStrike" kern="1200" cap="none" spc="0" normalizeH="0" baseline="30000" noProof="0" dirty="0" smtClean="0">
                 <a:ln>
                   <a:noFill/>
                 </a:ln>
@@ -8952,31 +8781,31 @@
               <a:buChar char="–"/>
             </a:pPr>
             <a:r>
-              <a:rPr lang="en-US" sz="2800" dirty="0"/>
+              <a:rPr lang="en-US" sz="2800" dirty="0" smtClean="0"/>
               <a:t>ŷ = a</a:t>
             </a:r>
             <a:r>
-              <a:rPr lang="en-US" sz="2800" baseline="30000" dirty="0"/>
+              <a:rPr lang="en-US" sz="2800" baseline="30000" dirty="0" smtClean="0"/>
               <a:t>[1]  </a:t>
             </a:r>
             <a:r>
-              <a:rPr lang="en-US" sz="2800" dirty="0"/>
+              <a:rPr lang="en-US" sz="2800" dirty="0" smtClean="0"/>
               <a:t>= </a:t>
             </a:r>
             <a:r>
-              <a:rPr lang="el-GR" sz="2800" dirty="0"/>
+              <a:rPr lang="el-GR" sz="2800" dirty="0" smtClean="0"/>
               <a:t>σ</a:t>
             </a:r>
             <a:r>
-              <a:rPr lang="en-US" sz="2800" dirty="0"/>
+              <a:rPr lang="en-US" sz="2800" dirty="0" smtClean="0"/>
               <a:t>(Z</a:t>
             </a:r>
             <a:r>
-              <a:rPr lang="en-US" sz="2800" baseline="30000" dirty="0"/>
+              <a:rPr lang="en-US" sz="2800" baseline="30000" dirty="0" smtClean="0"/>
               <a:t>[1]</a:t>
             </a:r>
             <a:r>
-              <a:rPr lang="en-US" sz="2800" dirty="0"/>
+              <a:rPr lang="en-US" sz="2800" dirty="0" smtClean="0"/>
               <a:t>)</a:t>
             </a:r>
           </a:p>
@@ -8989,39 +8818,39 @@
               <a:buChar char="–"/>
             </a:pPr>
             <a:r>
-              <a:rPr lang="en-US" sz="2800" dirty="0"/>
+              <a:rPr lang="en-US" sz="2800" dirty="0" smtClean="0"/>
               <a:t>L(ŷ</a:t>
             </a:r>
             <a:r>
-              <a:rPr lang="en-US" sz="2800" baseline="30000" dirty="0"/>
+              <a:rPr lang="en-US" sz="2800" baseline="30000" dirty="0" smtClean="0"/>
               <a:t>(</a:t>
             </a:r>
             <a:r>
-              <a:rPr lang="en-US" sz="2800" baseline="30000" dirty="0" err="1"/>
+              <a:rPr lang="en-US" sz="2800" baseline="30000" dirty="0" err="1" smtClean="0"/>
               <a:t>i</a:t>
             </a:r>
             <a:r>
-              <a:rPr lang="en-US" sz="2800" baseline="30000" dirty="0"/>
+              <a:rPr lang="en-US" sz="2800" baseline="30000" dirty="0" smtClean="0"/>
               <a:t>)</a:t>
             </a:r>
             <a:r>
-              <a:rPr lang="en-US" sz="2800" dirty="0"/>
+              <a:rPr lang="en-US" sz="2800" dirty="0" smtClean="0"/>
               <a:t>, y</a:t>
             </a:r>
             <a:r>
-              <a:rPr lang="en-US" sz="2800" baseline="30000" dirty="0"/>
+              <a:rPr lang="en-US" sz="2800" baseline="30000" dirty="0" smtClean="0"/>
               <a:t>(</a:t>
             </a:r>
             <a:r>
-              <a:rPr lang="en-US" sz="2800" baseline="30000" dirty="0" err="1"/>
+              <a:rPr lang="en-US" sz="2800" baseline="30000" dirty="0" err="1" smtClean="0"/>
               <a:t>i</a:t>
             </a:r>
             <a:r>
-              <a:rPr lang="en-US" sz="2800" baseline="30000" dirty="0"/>
+              <a:rPr lang="en-US" sz="2800" baseline="30000" dirty="0" smtClean="0"/>
               <a:t>)</a:t>
             </a:r>
             <a:r>
-              <a:rPr lang="en-US" sz="2800" dirty="0"/>
+              <a:rPr lang="en-US" sz="2800" dirty="0" smtClean="0"/>
               <a:t>)</a:t>
             </a:r>
           </a:p>
@@ -9034,26 +8863,26 @@
               <a:buChar char="–"/>
             </a:pPr>
             <a:r>
-              <a:rPr lang="en-US" sz="2800" dirty="0"/>
+              <a:rPr lang="en-US" sz="2800" dirty="0" smtClean="0"/>
               <a:t>J(W</a:t>
             </a:r>
             <a:r>
-              <a:rPr lang="en-US" sz="2800" baseline="30000" dirty="0"/>
+              <a:rPr lang="en-US" sz="2800" baseline="30000" dirty="0" smtClean="0"/>
               <a:t>[1]</a:t>
             </a:r>
             <a:r>
-              <a:rPr lang="en-US" sz="2800" dirty="0"/>
+              <a:rPr lang="en-US" sz="2800" dirty="0" smtClean="0"/>
               <a:t>, b</a:t>
             </a:r>
             <a:r>
-              <a:rPr lang="en-US" sz="2800" baseline="30000" dirty="0"/>
+              <a:rPr lang="en-US" sz="2800" baseline="30000" dirty="0" smtClean="0"/>
               <a:t>[1]</a:t>
             </a:r>
             <a:r>
-              <a:rPr lang="en-US" sz="2800" dirty="0"/>
+              <a:rPr lang="en-US" sz="2800" dirty="0" smtClean="0"/>
               <a:t>)</a:t>
             </a:r>
-            <a:endParaRPr kumimoji="0" lang="en-US" sz="2800" b="0" i="0" u="none" strike="noStrike" kern="1200" cap="none" spc="0" normalizeH="0" noProof="0" dirty="0">
+            <a:endParaRPr kumimoji="0" lang="en-US" sz="2800" b="0" i="0" u="none" strike="noStrike" kern="1200" cap="none" spc="0" normalizeH="0" noProof="0" dirty="0" smtClean="0">
               <a:ln>
                 <a:noFill/>
               </a:ln>
@@ -9086,7 +8915,7 @@
               <a:tabLst/>
               <a:defRPr/>
             </a:pPr>
-            <a:endParaRPr kumimoji="0" lang="en-US" sz="3200" b="0" i="0" u="none" strike="noStrike" kern="1200" cap="none" spc="0" normalizeH="0" baseline="0" noProof="0" dirty="0">
+            <a:endParaRPr kumimoji="0" lang="en-US" sz="3200" b="0" i="0" u="none" strike="noStrike" kern="1200" cap="none" spc="0" normalizeH="0" baseline="0" noProof="0" dirty="0" smtClean="0">
               <a:ln>
                 <a:noFill/>
               </a:ln>
@@ -9177,7 +9006,7 @@
               <a:defRPr/>
             </a:pPr>
             <a:r>
-              <a:rPr kumimoji="0" lang="en-US" sz="3200" b="0" i="0" u="none" strike="noStrike" kern="1200" cap="none" spc="0" normalizeH="0" baseline="0" noProof="0" dirty="0">
+              <a:rPr kumimoji="0" lang="en-US" sz="3200" b="0" i="0" u="none" strike="noStrike" kern="1200" cap="none" spc="0" normalizeH="0" baseline="0" noProof="0" dirty="0" smtClean="0">
                 <a:ln>
                   <a:noFill/>
                 </a:ln>
@@ -9212,7 +9041,7 @@
               <a:tabLst/>
               <a:defRPr/>
             </a:pPr>
-            <a:endParaRPr kumimoji="0" lang="en-US" sz="3200" b="0" i="0" u="none" strike="noStrike" kern="1200" cap="none" spc="0" normalizeH="0" baseline="0" noProof="0" dirty="0">
+            <a:endParaRPr kumimoji="0" lang="en-US" sz="3200" b="0" i="0" u="none" strike="noStrike" kern="1200" cap="none" spc="0" normalizeH="0" baseline="0" noProof="0" dirty="0" smtClean="0">
               <a:ln>
                 <a:noFill/>
               </a:ln>
@@ -9276,59 +9105,9 @@
         </p:xfrm>
         <a:graphic>
           <a:graphicData uri="http://schemas.openxmlformats.org/presentationml/2006/ole">
-            <mc:AlternateContent xmlns:mc="http://schemas.openxmlformats.org/markup-compatibility/2006">
-              <mc:Choice xmlns:v="urn:schemas-microsoft-com:vml" Requires="v">
-                <p:oleObj spid="_x0000_s35842" name="Equation" r:id="rId2" imgW="1815840" imgH="838080" progId="Equation.3">
-                  <p:embed/>
-                </p:oleObj>
-              </mc:Choice>
-              <mc:Fallback>
-                <p:oleObj name="Equation" r:id="rId2" imgW="1815840" imgH="838080" progId="Equation.3">
-                  <p:embed/>
-                  <p:pic>
-                    <p:nvPicPr>
-                      <p:cNvPr id="0" name="Picture 2"/>
-                      <p:cNvPicPr>
-                        <a:picLocks noChangeAspect="1" noChangeArrowheads="1"/>
-                      </p:cNvPicPr>
-                      <p:nvPr/>
-                    </p:nvPicPr>
-                    <p:blipFill>
-                      <a:blip r:embed="rId3">
-                        <a:extLst>
-                          <a:ext uri="{28A0092B-C50C-407E-A947-70E740481C1C}">
-                            <a14:useLocalDpi xmlns:a14="http://schemas.microsoft.com/office/drawing/2010/main" val="0"/>
-                          </a:ext>
-                        </a:extLst>
-                      </a:blip>
-                      <a:srcRect/>
-                      <a:stretch>
-                        <a:fillRect/>
-                      </a:stretch>
-                    </p:blipFill>
-                    <p:spPr bwMode="auto">
-                      <a:xfrm>
-                        <a:off x="4935538" y="2192338"/>
-                        <a:ext cx="3611562" cy="1666875"/>
-                      </a:xfrm>
-                      <a:prstGeom prst="rect">
-                        <a:avLst/>
-                      </a:prstGeom>
-                      <a:noFill/>
-                      <a:extLst>
-                        <a:ext uri="{909E8E84-426E-40DD-AFC4-6F175D3DCCD1}">
-                          <a14:hiddenFill xmlns:a14="http://schemas.microsoft.com/office/drawing/2010/main">
-                            <a:solidFill>
-                              <a:srgbClr val="FFFFFF"/>
-                            </a:solidFill>
-                          </a14:hiddenFill>
-                        </a:ext>
-                      </a:extLst>
-                    </p:spPr>
-                  </p:pic>
-                </p:oleObj>
-              </mc:Fallback>
-            </mc:AlternateContent>
+            <p:oleObj spid="_x0000_s35842" name="Equation" r:id="rId3" imgW="1815840" imgH="838080" progId="Equation.3">
+              <p:embed/>
+            </p:oleObj>
           </a:graphicData>
         </a:graphic>
       </p:graphicFrame>
@@ -9337,6 +9116,13 @@
   <p:clrMapOvr>
     <a:masterClrMapping/>
   </p:clrMapOvr>
+  <p:timing>
+    <p:tnLst>
+      <p:par>
+        <p:cTn id="1" dur="indefinite" restart="never" nodeType="tmRoot"/>
+      </p:par>
+    </p:tnLst>
+  </p:timing>
 </p:sld>
 </file>
 
@@ -9375,9 +9161,10 @@
           <a:lstStyle/>
           <a:p>
             <a:r>
-              <a:rPr lang="en-US" dirty="0"/>
+              <a:rPr lang="en-US" dirty="0" smtClean="0"/>
               <a:t>Gradient Descent</a:t>
             </a:r>
+            <a:endParaRPr lang="en-US" dirty="0"/>
           </a:p>
         </p:txBody>
       </p:sp>
@@ -9422,7 +9209,7 @@
               <a:defRPr/>
             </a:pPr>
             <a:r>
-              <a:rPr kumimoji="0" lang="en-US" sz="3200" b="0" i="0" u="none" strike="noStrike" kern="1200" cap="none" spc="0" normalizeH="0" baseline="0" noProof="0" dirty="0">
+              <a:rPr kumimoji="0" lang="en-US" sz="3200" b="0" i="0" u="none" strike="noStrike" kern="1200" cap="none" spc="0" normalizeH="0" baseline="0" noProof="0" dirty="0" smtClean="0">
                 <a:ln>
                   <a:noFill/>
                 </a:ln>
@@ -9448,31 +9235,31 @@
               <a:buChar char="–"/>
             </a:pPr>
             <a:r>
-              <a:rPr lang="en-US" sz="2800" dirty="0"/>
+              <a:rPr lang="en-US" sz="2800" dirty="0" smtClean="0"/>
               <a:t>Z</a:t>
             </a:r>
             <a:r>
-              <a:rPr lang="en-US" sz="2800" baseline="30000" dirty="0"/>
+              <a:rPr lang="en-US" sz="2800" baseline="30000" dirty="0" smtClean="0"/>
               <a:t>[1]</a:t>
             </a:r>
             <a:r>
-              <a:rPr lang="en-US" sz="2800" dirty="0"/>
+              <a:rPr lang="en-US" sz="2800" dirty="0" smtClean="0"/>
               <a:t>= W</a:t>
             </a:r>
             <a:r>
-              <a:rPr lang="en-US" sz="2800" baseline="30000" dirty="0"/>
+              <a:rPr lang="en-US" sz="2800" baseline="30000" dirty="0" smtClean="0"/>
               <a:t>[1]</a:t>
             </a:r>
             <a:r>
-              <a:rPr lang="en-US" sz="2800" dirty="0"/>
+              <a:rPr lang="en-US" sz="2800" dirty="0" smtClean="0"/>
               <a:t>a</a:t>
             </a:r>
             <a:r>
-              <a:rPr lang="en-US" sz="2800" baseline="30000" dirty="0"/>
+              <a:rPr lang="en-US" sz="2800" baseline="30000" dirty="0" smtClean="0"/>
               <a:t>[0] </a:t>
             </a:r>
             <a:r>
-              <a:rPr kumimoji="0" lang="en-US" sz="2800" b="0" i="0" u="none" strike="noStrike" kern="1200" cap="none" spc="0" normalizeH="0" baseline="0" noProof="0" dirty="0">
+              <a:rPr kumimoji="0" lang="en-US" sz="2800" b="0" i="0" u="none" strike="noStrike" kern="1200" cap="none" spc="0" normalizeH="0" baseline="0" noProof="0" dirty="0" smtClean="0">
                 <a:ln>
                   <a:noFill/>
                 </a:ln>
@@ -9489,7 +9276,7 @@
               <a:t>+ b</a:t>
             </a:r>
             <a:r>
-              <a:rPr kumimoji="0" lang="en-US" sz="2800" b="0" i="0" u="none" strike="noStrike" kern="1200" cap="none" spc="0" normalizeH="0" baseline="30000" noProof="0" dirty="0">
+              <a:rPr kumimoji="0" lang="en-US" sz="2800" b="0" i="0" u="none" strike="noStrike" kern="1200" cap="none" spc="0" normalizeH="0" baseline="30000" noProof="0" dirty="0" smtClean="0">
                 <a:ln>
                   <a:noFill/>
                 </a:ln>
@@ -9515,31 +9302,31 @@
               <a:buChar char="–"/>
             </a:pPr>
             <a:r>
-              <a:rPr lang="en-US" sz="2800" dirty="0"/>
+              <a:rPr lang="en-US" sz="2800" dirty="0" smtClean="0"/>
               <a:t>ŷ = a</a:t>
             </a:r>
             <a:r>
-              <a:rPr lang="en-US" sz="2800" baseline="30000" dirty="0"/>
+              <a:rPr lang="en-US" sz="2800" baseline="30000" dirty="0" smtClean="0"/>
               <a:t>[1]  </a:t>
             </a:r>
             <a:r>
-              <a:rPr lang="en-US" sz="2800" dirty="0"/>
+              <a:rPr lang="en-US" sz="2800" dirty="0" smtClean="0"/>
               <a:t>= </a:t>
             </a:r>
             <a:r>
-              <a:rPr lang="el-GR" sz="2800" dirty="0"/>
+              <a:rPr lang="el-GR" sz="2800" dirty="0" smtClean="0"/>
               <a:t>σ</a:t>
             </a:r>
             <a:r>
-              <a:rPr lang="en-US" sz="2800" dirty="0"/>
+              <a:rPr lang="en-US" sz="2800" dirty="0" smtClean="0"/>
               <a:t>(Z</a:t>
             </a:r>
             <a:r>
-              <a:rPr lang="en-US" sz="2800" baseline="30000" dirty="0"/>
+              <a:rPr lang="en-US" sz="2800" baseline="30000" dirty="0" smtClean="0"/>
               <a:t>[1]</a:t>
             </a:r>
             <a:r>
-              <a:rPr lang="en-US" sz="2800" dirty="0"/>
+              <a:rPr lang="en-US" sz="2800" dirty="0" smtClean="0"/>
               <a:t>)</a:t>
             </a:r>
           </a:p>
@@ -9552,39 +9339,39 @@
               <a:buChar char="–"/>
             </a:pPr>
             <a:r>
-              <a:rPr lang="en-US" sz="2800" dirty="0"/>
+              <a:rPr lang="en-US" sz="2800" dirty="0" smtClean="0"/>
               <a:t>L(ŷ</a:t>
             </a:r>
             <a:r>
-              <a:rPr lang="en-US" sz="2800" baseline="30000" dirty="0"/>
+              <a:rPr lang="en-US" sz="2800" baseline="30000" dirty="0" smtClean="0"/>
               <a:t>(</a:t>
             </a:r>
             <a:r>
-              <a:rPr lang="en-US" sz="2800" baseline="30000" dirty="0" err="1"/>
+              <a:rPr lang="en-US" sz="2800" baseline="30000" dirty="0" err="1" smtClean="0"/>
               <a:t>i</a:t>
             </a:r>
             <a:r>
-              <a:rPr lang="en-US" sz="2800" baseline="30000" dirty="0"/>
+              <a:rPr lang="en-US" sz="2800" baseline="30000" dirty="0" smtClean="0"/>
               <a:t>)</a:t>
             </a:r>
             <a:r>
-              <a:rPr lang="en-US" sz="2800" dirty="0"/>
+              <a:rPr lang="en-US" sz="2800" dirty="0" smtClean="0"/>
               <a:t>, y</a:t>
             </a:r>
             <a:r>
-              <a:rPr lang="en-US" sz="2800" baseline="30000" dirty="0"/>
+              <a:rPr lang="en-US" sz="2800" baseline="30000" dirty="0" smtClean="0"/>
               <a:t>(</a:t>
             </a:r>
             <a:r>
-              <a:rPr lang="en-US" sz="2800" baseline="30000" dirty="0" err="1"/>
+              <a:rPr lang="en-US" sz="2800" baseline="30000" dirty="0" err="1" smtClean="0"/>
               <a:t>i</a:t>
             </a:r>
             <a:r>
-              <a:rPr lang="en-US" sz="2800" baseline="30000" dirty="0"/>
+              <a:rPr lang="en-US" sz="2800" baseline="30000" dirty="0" smtClean="0"/>
               <a:t>)</a:t>
             </a:r>
             <a:r>
-              <a:rPr lang="en-US" sz="2800" dirty="0"/>
+              <a:rPr lang="en-US" sz="2800" dirty="0" smtClean="0"/>
               <a:t>)</a:t>
             </a:r>
           </a:p>
@@ -9597,26 +9384,26 @@
               <a:buChar char="–"/>
             </a:pPr>
             <a:r>
-              <a:rPr lang="en-US" sz="2800" dirty="0"/>
+              <a:rPr lang="en-US" sz="2800" dirty="0" smtClean="0"/>
               <a:t>J(W</a:t>
             </a:r>
             <a:r>
-              <a:rPr lang="en-US" sz="2800" baseline="30000" dirty="0"/>
+              <a:rPr lang="en-US" sz="2800" baseline="30000" dirty="0" smtClean="0"/>
               <a:t>[1]</a:t>
             </a:r>
             <a:r>
-              <a:rPr lang="en-US" sz="2800" dirty="0"/>
+              <a:rPr lang="en-US" sz="2800" dirty="0" smtClean="0"/>
               <a:t>, b</a:t>
             </a:r>
             <a:r>
-              <a:rPr lang="en-US" sz="2800" baseline="30000" dirty="0"/>
+              <a:rPr lang="en-US" sz="2800" baseline="30000" dirty="0" smtClean="0"/>
               <a:t>[1]</a:t>
             </a:r>
             <a:r>
-              <a:rPr lang="en-US" sz="2800" dirty="0"/>
+              <a:rPr lang="en-US" sz="2800" dirty="0" smtClean="0"/>
               <a:t>)</a:t>
             </a:r>
-            <a:endParaRPr kumimoji="0" lang="en-US" sz="2800" b="0" i="0" u="none" strike="noStrike" kern="1200" cap="none" spc="0" normalizeH="0" noProof="0" dirty="0">
+            <a:endParaRPr kumimoji="0" lang="en-US" sz="2800" b="0" i="0" u="none" strike="noStrike" kern="1200" cap="none" spc="0" normalizeH="0" noProof="0" dirty="0" smtClean="0">
               <a:ln>
                 <a:noFill/>
               </a:ln>
@@ -9649,7 +9436,7 @@
               <a:tabLst/>
               <a:defRPr/>
             </a:pPr>
-            <a:endParaRPr kumimoji="0" lang="en-US" sz="3200" b="0" i="0" u="none" strike="noStrike" kern="1200" cap="none" spc="0" normalizeH="0" baseline="0" noProof="0" dirty="0">
+            <a:endParaRPr kumimoji="0" lang="en-US" sz="3200" b="0" i="0" u="none" strike="noStrike" kern="1200" cap="none" spc="0" normalizeH="0" baseline="0" noProof="0" dirty="0" smtClean="0">
               <a:ln>
                 <a:noFill/>
               </a:ln>
@@ -9740,7 +9527,7 @@
               <a:defRPr/>
             </a:pPr>
             <a:r>
-              <a:rPr kumimoji="0" lang="en-US" sz="3200" b="0" i="0" u="none" strike="noStrike" kern="1200" cap="none" spc="0" normalizeH="0" baseline="0" noProof="0" dirty="0">
+              <a:rPr kumimoji="0" lang="en-US" sz="3200" b="0" i="0" u="none" strike="noStrike" kern="1200" cap="none" spc="0" normalizeH="0" baseline="0" noProof="0" dirty="0" smtClean="0">
                 <a:ln>
                   <a:noFill/>
                 </a:ln>
@@ -9775,7 +9562,7 @@
               <a:tabLst/>
               <a:defRPr/>
             </a:pPr>
-            <a:endParaRPr kumimoji="0" lang="en-US" sz="3200" b="0" i="0" u="none" strike="noStrike" kern="1200" cap="none" spc="0" normalizeH="0" baseline="0" noProof="0" dirty="0">
+            <a:endParaRPr kumimoji="0" lang="en-US" sz="3200" b="0" i="0" u="none" strike="noStrike" kern="1200" cap="none" spc="0" normalizeH="0" baseline="0" noProof="0" dirty="0" smtClean="0">
               <a:ln>
                 <a:noFill/>
               </a:ln>
@@ -9839,59 +9626,9 @@
         </p:xfrm>
         <a:graphic>
           <a:graphicData uri="http://schemas.openxmlformats.org/presentationml/2006/ole">
-            <mc:AlternateContent xmlns:mc="http://schemas.openxmlformats.org/markup-compatibility/2006">
-              <mc:Choice xmlns:v="urn:schemas-microsoft-com:vml" Requires="v">
-                <p:oleObj spid="_x0000_s36866" name="Equation" r:id="rId2" imgW="1117440" imgH="634680" progId="Equation.3">
-                  <p:embed/>
-                </p:oleObj>
-              </mc:Choice>
-              <mc:Fallback>
-                <p:oleObj name="Equation" r:id="rId2" imgW="1117440" imgH="634680" progId="Equation.3">
-                  <p:embed/>
-                  <p:pic>
-                    <p:nvPicPr>
-                      <p:cNvPr id="0" name="Picture 2"/>
-                      <p:cNvPicPr>
-                        <a:picLocks noChangeAspect="1" noChangeArrowheads="1"/>
-                      </p:cNvPicPr>
-                      <p:nvPr/>
-                    </p:nvPicPr>
-                    <p:blipFill>
-                      <a:blip r:embed="rId3">
-                        <a:extLst>
-                          <a:ext uri="{28A0092B-C50C-407E-A947-70E740481C1C}">
-                            <a14:useLocalDpi xmlns:a14="http://schemas.microsoft.com/office/drawing/2010/main" val="0"/>
-                          </a:ext>
-                        </a:extLst>
-                      </a:blip>
-                      <a:srcRect/>
-                      <a:stretch>
-                        <a:fillRect/>
-                      </a:stretch>
-                    </p:blipFill>
-                    <p:spPr bwMode="auto">
-                      <a:xfrm>
-                        <a:off x="4935538" y="2192338"/>
-                        <a:ext cx="2222500" cy="1263650"/>
-                      </a:xfrm>
-                      <a:prstGeom prst="rect">
-                        <a:avLst/>
-                      </a:prstGeom>
-                      <a:noFill/>
-                      <a:extLst>
-                        <a:ext uri="{909E8E84-426E-40DD-AFC4-6F175D3DCCD1}">
-                          <a14:hiddenFill xmlns:a14="http://schemas.microsoft.com/office/drawing/2010/main">
-                            <a:solidFill>
-                              <a:srgbClr val="FFFFFF"/>
-                            </a:solidFill>
-                          </a14:hiddenFill>
-                        </a:ext>
-                      </a:extLst>
-                    </p:spPr>
-                  </p:pic>
-                </p:oleObj>
-              </mc:Fallback>
-            </mc:AlternateContent>
+            <p:oleObj spid="_x0000_s36866" name="Equation" r:id="rId3" imgW="1117440" imgH="634680" progId="Equation.3">
+              <p:embed/>
+            </p:oleObj>
           </a:graphicData>
         </a:graphic>
       </p:graphicFrame>
@@ -9900,6 +9637,13 @@
   <p:clrMapOvr>
     <a:masterClrMapping/>
   </p:clrMapOvr>
+  <p:timing>
+    <p:tnLst>
+      <p:par>
+        <p:cTn id="1" dur="indefinite" restart="never" nodeType="tmRoot"/>
+      </p:par>
+    </p:tnLst>
+  </p:timing>
 </p:sld>
 </file>
 
@@ -9938,9 +9682,10 @@
           <a:lstStyle/>
           <a:p>
             <a:r>
-              <a:rPr lang="en-US" dirty="0"/>
+              <a:rPr lang="en-US" dirty="0" smtClean="0"/>
               <a:t>Gradient Descent</a:t>
             </a:r>
+            <a:endParaRPr lang="en-US" dirty="0"/>
           </a:p>
         </p:txBody>
       </p:sp>
@@ -9985,7 +9730,7 @@
               <a:defRPr/>
             </a:pPr>
             <a:r>
-              <a:rPr kumimoji="0" lang="en-US" sz="3200" b="0" i="0" u="none" strike="noStrike" kern="1200" cap="none" spc="0" normalizeH="0" baseline="0" noProof="0" dirty="0">
+              <a:rPr kumimoji="0" lang="en-US" sz="3200" b="0" i="0" u="none" strike="noStrike" kern="1200" cap="none" spc="0" normalizeH="0" baseline="0" noProof="0" dirty="0" smtClean="0">
                 <a:ln>
                   <a:noFill/>
                 </a:ln>
@@ -10011,31 +9756,31 @@
               <a:buChar char="–"/>
             </a:pPr>
             <a:r>
-              <a:rPr lang="en-US" sz="2800" dirty="0"/>
+              <a:rPr lang="en-US" sz="2800" dirty="0" smtClean="0"/>
               <a:t>Z</a:t>
             </a:r>
             <a:r>
-              <a:rPr lang="en-US" sz="2800" baseline="30000" dirty="0"/>
+              <a:rPr lang="en-US" sz="2800" baseline="30000" dirty="0" smtClean="0"/>
               <a:t>[1]</a:t>
             </a:r>
             <a:r>
-              <a:rPr lang="en-US" sz="2800" dirty="0"/>
+              <a:rPr lang="en-US" sz="2800" dirty="0" smtClean="0"/>
               <a:t>= W</a:t>
             </a:r>
             <a:r>
-              <a:rPr lang="en-US" sz="2800" baseline="30000" dirty="0"/>
+              <a:rPr lang="en-US" sz="2800" baseline="30000" dirty="0" smtClean="0"/>
               <a:t>[1]</a:t>
             </a:r>
             <a:r>
-              <a:rPr lang="en-US" sz="2800" dirty="0"/>
+              <a:rPr lang="en-US" sz="2800" dirty="0" smtClean="0"/>
               <a:t>a</a:t>
             </a:r>
             <a:r>
-              <a:rPr lang="en-US" sz="2800" baseline="30000" dirty="0"/>
+              <a:rPr lang="en-US" sz="2800" baseline="30000" dirty="0" smtClean="0"/>
               <a:t>[0] </a:t>
             </a:r>
             <a:r>
-              <a:rPr kumimoji="0" lang="en-US" sz="2800" b="0" i="0" u="none" strike="noStrike" kern="1200" cap="none" spc="0" normalizeH="0" baseline="0" noProof="0" dirty="0">
+              <a:rPr kumimoji="0" lang="en-US" sz="2800" b="0" i="0" u="none" strike="noStrike" kern="1200" cap="none" spc="0" normalizeH="0" baseline="0" noProof="0" dirty="0" smtClean="0">
                 <a:ln>
                   <a:noFill/>
                 </a:ln>
@@ -10052,7 +9797,7 @@
               <a:t>+ b</a:t>
             </a:r>
             <a:r>
-              <a:rPr kumimoji="0" lang="en-US" sz="2800" b="0" i="0" u="none" strike="noStrike" kern="1200" cap="none" spc="0" normalizeH="0" baseline="30000" noProof="0" dirty="0">
+              <a:rPr kumimoji="0" lang="en-US" sz="2800" b="0" i="0" u="none" strike="noStrike" kern="1200" cap="none" spc="0" normalizeH="0" baseline="30000" noProof="0" dirty="0" smtClean="0">
                 <a:ln>
                   <a:noFill/>
                 </a:ln>
@@ -10078,31 +9823,31 @@
               <a:buChar char="–"/>
             </a:pPr>
             <a:r>
-              <a:rPr lang="en-US" sz="2800" dirty="0"/>
+              <a:rPr lang="en-US" sz="2800" dirty="0" smtClean="0"/>
               <a:t>ŷ = a</a:t>
             </a:r>
             <a:r>
-              <a:rPr lang="en-US" sz="2800" baseline="30000" dirty="0"/>
+              <a:rPr lang="en-US" sz="2800" baseline="30000" dirty="0" smtClean="0"/>
               <a:t>[1]  </a:t>
             </a:r>
             <a:r>
-              <a:rPr lang="en-US" sz="2800" dirty="0"/>
+              <a:rPr lang="en-US" sz="2800" dirty="0" smtClean="0"/>
               <a:t>= </a:t>
             </a:r>
             <a:r>
-              <a:rPr lang="el-GR" sz="2800" dirty="0"/>
+              <a:rPr lang="el-GR" sz="2800" dirty="0" smtClean="0"/>
               <a:t>σ</a:t>
             </a:r>
             <a:r>
-              <a:rPr lang="en-US" sz="2800" dirty="0"/>
+              <a:rPr lang="en-US" sz="2800" dirty="0" smtClean="0"/>
               <a:t>(Z</a:t>
             </a:r>
             <a:r>
-              <a:rPr lang="en-US" sz="2800" baseline="30000" dirty="0"/>
+              <a:rPr lang="en-US" sz="2800" baseline="30000" dirty="0" smtClean="0"/>
               <a:t>[1]</a:t>
             </a:r>
             <a:r>
-              <a:rPr lang="en-US" sz="2800" dirty="0"/>
+              <a:rPr lang="en-US" sz="2800" dirty="0" smtClean="0"/>
               <a:t>)</a:t>
             </a:r>
           </a:p>
@@ -10115,39 +9860,39 @@
               <a:buChar char="–"/>
             </a:pPr>
             <a:r>
-              <a:rPr lang="en-US" sz="2800" dirty="0"/>
+              <a:rPr lang="en-US" sz="2800" dirty="0" smtClean="0"/>
               <a:t>L(ŷ</a:t>
             </a:r>
             <a:r>
-              <a:rPr lang="en-US" sz="2800" baseline="30000" dirty="0"/>
+              <a:rPr lang="en-US" sz="2800" baseline="30000" dirty="0" smtClean="0"/>
               <a:t>(</a:t>
             </a:r>
             <a:r>
-              <a:rPr lang="en-US" sz="2800" baseline="30000" dirty="0" err="1"/>
+              <a:rPr lang="en-US" sz="2800" baseline="30000" dirty="0" err="1" smtClean="0"/>
               <a:t>i</a:t>
             </a:r>
             <a:r>
-              <a:rPr lang="en-US" sz="2800" baseline="30000" dirty="0"/>
+              <a:rPr lang="en-US" sz="2800" baseline="30000" dirty="0" smtClean="0"/>
               <a:t>)</a:t>
             </a:r>
             <a:r>
-              <a:rPr lang="en-US" sz="2800" dirty="0"/>
+              <a:rPr lang="en-US" sz="2800" dirty="0" smtClean="0"/>
               <a:t>, y</a:t>
             </a:r>
             <a:r>
-              <a:rPr lang="en-US" sz="2800" baseline="30000" dirty="0"/>
+              <a:rPr lang="en-US" sz="2800" baseline="30000" dirty="0" smtClean="0"/>
               <a:t>(</a:t>
             </a:r>
             <a:r>
-              <a:rPr lang="en-US" sz="2800" baseline="30000" dirty="0" err="1"/>
+              <a:rPr lang="en-US" sz="2800" baseline="30000" dirty="0" err="1" smtClean="0"/>
               <a:t>i</a:t>
             </a:r>
             <a:r>
-              <a:rPr lang="en-US" sz="2800" baseline="30000" dirty="0"/>
+              <a:rPr lang="en-US" sz="2800" baseline="30000" dirty="0" smtClean="0"/>
               <a:t>)</a:t>
             </a:r>
             <a:r>
-              <a:rPr lang="en-US" sz="2800" dirty="0"/>
+              <a:rPr lang="en-US" sz="2800" dirty="0" smtClean="0"/>
               <a:t>)</a:t>
             </a:r>
           </a:p>
@@ -10160,26 +9905,26 @@
               <a:buChar char="–"/>
             </a:pPr>
             <a:r>
-              <a:rPr lang="en-US" sz="2800" dirty="0"/>
+              <a:rPr lang="en-US" sz="2800" dirty="0" smtClean="0"/>
               <a:t>J(W</a:t>
             </a:r>
             <a:r>
-              <a:rPr lang="en-US" sz="2800" baseline="30000" dirty="0"/>
+              <a:rPr lang="en-US" sz="2800" baseline="30000" dirty="0" smtClean="0"/>
               <a:t>[1]</a:t>
             </a:r>
             <a:r>
-              <a:rPr lang="en-US" sz="2800" dirty="0"/>
+              <a:rPr lang="en-US" sz="2800" dirty="0" smtClean="0"/>
               <a:t>, b</a:t>
             </a:r>
             <a:r>
-              <a:rPr lang="en-US" sz="2800" baseline="30000" dirty="0"/>
+              <a:rPr lang="en-US" sz="2800" baseline="30000" dirty="0" smtClean="0"/>
               <a:t>[1]</a:t>
             </a:r>
             <a:r>
-              <a:rPr lang="en-US" sz="2800" dirty="0"/>
+              <a:rPr lang="en-US" sz="2800" dirty="0" smtClean="0"/>
               <a:t>)</a:t>
             </a:r>
-            <a:endParaRPr kumimoji="0" lang="en-US" sz="2800" b="0" i="0" u="none" strike="noStrike" kern="1200" cap="none" spc="0" normalizeH="0" noProof="0" dirty="0">
+            <a:endParaRPr kumimoji="0" lang="en-US" sz="2800" b="0" i="0" u="none" strike="noStrike" kern="1200" cap="none" spc="0" normalizeH="0" noProof="0" dirty="0" smtClean="0">
               <a:ln>
                 <a:noFill/>
               </a:ln>
@@ -10212,7 +9957,7 @@
               <a:tabLst/>
               <a:defRPr/>
             </a:pPr>
-            <a:endParaRPr kumimoji="0" lang="en-US" sz="3200" b="0" i="0" u="none" strike="noStrike" kern="1200" cap="none" spc="0" normalizeH="0" baseline="0" noProof="0" dirty="0">
+            <a:endParaRPr kumimoji="0" lang="en-US" sz="3200" b="0" i="0" u="none" strike="noStrike" kern="1200" cap="none" spc="0" normalizeH="0" baseline="0" noProof="0" dirty="0" smtClean="0">
               <a:ln>
                 <a:noFill/>
               </a:ln>
@@ -10303,7 +10048,7 @@
               <a:defRPr/>
             </a:pPr>
             <a:r>
-              <a:rPr kumimoji="0" lang="en-US" sz="3200" b="0" i="0" u="none" strike="noStrike" kern="1200" cap="none" spc="0" normalizeH="0" baseline="0" noProof="0" dirty="0">
+              <a:rPr kumimoji="0" lang="en-US" sz="3200" b="0" i="0" u="none" strike="noStrike" kern="1200" cap="none" spc="0" normalizeH="0" baseline="0" noProof="0" dirty="0" smtClean="0">
                 <a:ln>
                   <a:noFill/>
                 </a:ln>
@@ -10338,7 +10083,7 @@
               <a:tabLst/>
               <a:defRPr/>
             </a:pPr>
-            <a:endParaRPr kumimoji="0" lang="en-US" sz="3200" b="0" i="0" u="none" strike="noStrike" kern="1200" cap="none" spc="0" normalizeH="0" baseline="0" noProof="0" dirty="0">
+            <a:endParaRPr kumimoji="0" lang="en-US" sz="3200" b="0" i="0" u="none" strike="noStrike" kern="1200" cap="none" spc="0" normalizeH="0" baseline="0" noProof="0" dirty="0" smtClean="0">
               <a:ln>
                 <a:noFill/>
               </a:ln>
@@ -10402,59 +10147,9 @@
         </p:xfrm>
         <a:graphic>
           <a:graphicData uri="http://schemas.openxmlformats.org/presentationml/2006/ole">
-            <mc:AlternateContent xmlns:mc="http://schemas.openxmlformats.org/markup-compatibility/2006">
-              <mc:Choice xmlns:v="urn:schemas-microsoft-com:vml" Requires="v">
-                <p:oleObj spid="_x0000_s37890" name="Equation" r:id="rId2" imgW="2044440" imgH="1079280" progId="Equation.3">
-                  <p:embed/>
-                </p:oleObj>
-              </mc:Choice>
-              <mc:Fallback>
-                <p:oleObj name="Equation" r:id="rId2" imgW="2044440" imgH="1079280" progId="Equation.3">
-                  <p:embed/>
-                  <p:pic>
-                    <p:nvPicPr>
-                      <p:cNvPr id="0" name="Picture 2"/>
-                      <p:cNvPicPr>
-                        <a:picLocks noChangeAspect="1" noChangeArrowheads="1"/>
-                      </p:cNvPicPr>
-                      <p:nvPr/>
-                    </p:nvPicPr>
-                    <p:blipFill>
-                      <a:blip r:embed="rId3">
-                        <a:extLst>
-                          <a:ext uri="{28A0092B-C50C-407E-A947-70E740481C1C}">
-                            <a14:useLocalDpi xmlns:a14="http://schemas.microsoft.com/office/drawing/2010/main" val="0"/>
-                          </a:ext>
-                        </a:extLst>
-                      </a:blip>
-                      <a:srcRect/>
-                      <a:stretch>
-                        <a:fillRect/>
-                      </a:stretch>
-                    </p:blipFill>
-                    <p:spPr bwMode="auto">
-                      <a:xfrm>
-                        <a:off x="4935538" y="2192338"/>
-                        <a:ext cx="4065587" cy="2147887"/>
-                      </a:xfrm>
-                      <a:prstGeom prst="rect">
-                        <a:avLst/>
-                      </a:prstGeom>
-                      <a:noFill/>
-                      <a:extLst>
-                        <a:ext uri="{909E8E84-426E-40DD-AFC4-6F175D3DCCD1}">
-                          <a14:hiddenFill xmlns:a14="http://schemas.microsoft.com/office/drawing/2010/main">
-                            <a:solidFill>
-                              <a:srgbClr val="FFFFFF"/>
-                            </a:solidFill>
-                          </a14:hiddenFill>
-                        </a:ext>
-                      </a:extLst>
-                    </p:spPr>
-                  </p:pic>
-                </p:oleObj>
-              </mc:Fallback>
-            </mc:AlternateContent>
+            <p:oleObj spid="_x0000_s37890" name="Equation" r:id="rId3" imgW="2044440" imgH="1079280" progId="Equation.3">
+              <p:embed/>
+            </p:oleObj>
           </a:graphicData>
         </a:graphic>
       </p:graphicFrame>
@@ -10463,6 +10158,13 @@
   <p:clrMapOvr>
     <a:masterClrMapping/>
   </p:clrMapOvr>
+  <p:timing>
+    <p:tnLst>
+      <p:par>
+        <p:cTn id="1" dur="indefinite" restart="never" nodeType="tmRoot"/>
+      </p:par>
+    </p:tnLst>
+  </p:timing>
 </p:sld>
 </file>
 
@@ -10501,9 +10203,10 @@
           <a:lstStyle/>
           <a:p>
             <a:r>
-              <a:rPr lang="en-US" dirty="0"/>
+              <a:rPr lang="en-US" dirty="0" smtClean="0"/>
               <a:t>Gradient Descent</a:t>
             </a:r>
+            <a:endParaRPr lang="en-US" dirty="0"/>
           </a:p>
         </p:txBody>
       </p:sp>
@@ -10548,7 +10251,7 @@
               <a:defRPr/>
             </a:pPr>
             <a:r>
-              <a:rPr kumimoji="0" lang="en-US" sz="3200" b="0" i="0" u="none" strike="noStrike" kern="1200" cap="none" spc="0" normalizeH="0" baseline="0" noProof="0" dirty="0">
+              <a:rPr kumimoji="0" lang="en-US" sz="3200" b="0" i="0" u="none" strike="noStrike" kern="1200" cap="none" spc="0" normalizeH="0" baseline="0" noProof="0" dirty="0" smtClean="0">
                 <a:ln>
                   <a:noFill/>
                 </a:ln>
@@ -10574,31 +10277,31 @@
               <a:buChar char="–"/>
             </a:pPr>
             <a:r>
-              <a:rPr lang="en-US" sz="2800" dirty="0"/>
+              <a:rPr lang="en-US" sz="2800" dirty="0" smtClean="0"/>
               <a:t>Z</a:t>
             </a:r>
             <a:r>
-              <a:rPr lang="en-US" sz="2800" baseline="30000" dirty="0"/>
+              <a:rPr lang="en-US" sz="2800" baseline="30000" dirty="0" smtClean="0"/>
               <a:t>[1]</a:t>
             </a:r>
             <a:r>
-              <a:rPr lang="en-US" sz="2800" dirty="0"/>
+              <a:rPr lang="en-US" sz="2800" dirty="0" smtClean="0"/>
               <a:t>= W</a:t>
             </a:r>
             <a:r>
-              <a:rPr lang="en-US" sz="2800" baseline="30000" dirty="0"/>
+              <a:rPr lang="en-US" sz="2800" baseline="30000" dirty="0" smtClean="0"/>
               <a:t>[1]</a:t>
             </a:r>
             <a:r>
-              <a:rPr lang="en-US" sz="2800" dirty="0"/>
+              <a:rPr lang="en-US" sz="2800" dirty="0" smtClean="0"/>
               <a:t>a</a:t>
             </a:r>
             <a:r>
-              <a:rPr lang="en-US" sz="2800" baseline="30000" dirty="0"/>
+              <a:rPr lang="en-US" sz="2800" baseline="30000" dirty="0" smtClean="0"/>
               <a:t>[0] </a:t>
             </a:r>
             <a:r>
-              <a:rPr kumimoji="0" lang="en-US" sz="2800" b="0" i="0" u="none" strike="noStrike" kern="1200" cap="none" spc="0" normalizeH="0" baseline="0" noProof="0" dirty="0">
+              <a:rPr kumimoji="0" lang="en-US" sz="2800" b="0" i="0" u="none" strike="noStrike" kern="1200" cap="none" spc="0" normalizeH="0" baseline="0" noProof="0" dirty="0" smtClean="0">
                 <a:ln>
                   <a:noFill/>
                 </a:ln>
@@ -10615,7 +10318,7 @@
               <a:t>+ b</a:t>
             </a:r>
             <a:r>
-              <a:rPr kumimoji="0" lang="en-US" sz="2800" b="0" i="0" u="none" strike="noStrike" kern="1200" cap="none" spc="0" normalizeH="0" baseline="30000" noProof="0" dirty="0">
+              <a:rPr kumimoji="0" lang="en-US" sz="2800" b="0" i="0" u="none" strike="noStrike" kern="1200" cap="none" spc="0" normalizeH="0" baseline="30000" noProof="0" dirty="0" smtClean="0">
                 <a:ln>
                   <a:noFill/>
                 </a:ln>
@@ -10641,31 +10344,31 @@
               <a:buChar char="–"/>
             </a:pPr>
             <a:r>
-              <a:rPr lang="en-US" sz="2800" dirty="0"/>
+              <a:rPr lang="en-US" sz="2800" dirty="0" smtClean="0"/>
               <a:t>ŷ = a</a:t>
             </a:r>
             <a:r>
-              <a:rPr lang="en-US" sz="2800" baseline="30000" dirty="0"/>
+              <a:rPr lang="en-US" sz="2800" baseline="30000" dirty="0" smtClean="0"/>
               <a:t>[1]  </a:t>
             </a:r>
             <a:r>
-              <a:rPr lang="en-US" sz="2800" dirty="0"/>
+              <a:rPr lang="en-US" sz="2800" dirty="0" smtClean="0"/>
               <a:t>= </a:t>
             </a:r>
             <a:r>
-              <a:rPr lang="el-GR" sz="2800" dirty="0"/>
+              <a:rPr lang="el-GR" sz="2800" dirty="0" smtClean="0"/>
               <a:t>σ</a:t>
             </a:r>
             <a:r>
-              <a:rPr lang="en-US" sz="2800" dirty="0"/>
+              <a:rPr lang="en-US" sz="2800" dirty="0" smtClean="0"/>
               <a:t>(Z</a:t>
             </a:r>
             <a:r>
-              <a:rPr lang="en-US" sz="2800" baseline="30000" dirty="0"/>
+              <a:rPr lang="en-US" sz="2800" baseline="30000" dirty="0" smtClean="0"/>
               <a:t>[1]</a:t>
             </a:r>
             <a:r>
-              <a:rPr lang="en-US" sz="2800" dirty="0"/>
+              <a:rPr lang="en-US" sz="2800" dirty="0" smtClean="0"/>
               <a:t>)</a:t>
             </a:r>
           </a:p>
@@ -10678,39 +10381,39 @@
               <a:buChar char="–"/>
             </a:pPr>
             <a:r>
-              <a:rPr lang="en-US" sz="2800" dirty="0"/>
+              <a:rPr lang="en-US" sz="2800" dirty="0" smtClean="0"/>
               <a:t>L(ŷ</a:t>
             </a:r>
             <a:r>
-              <a:rPr lang="en-US" sz="2800" baseline="30000" dirty="0"/>
+              <a:rPr lang="en-US" sz="2800" baseline="30000" dirty="0" smtClean="0"/>
               <a:t>(</a:t>
             </a:r>
             <a:r>
-              <a:rPr lang="en-US" sz="2800" baseline="30000" dirty="0" err="1"/>
+              <a:rPr lang="en-US" sz="2800" baseline="30000" dirty="0" err="1" smtClean="0"/>
               <a:t>i</a:t>
             </a:r>
             <a:r>
-              <a:rPr lang="en-US" sz="2800" baseline="30000" dirty="0"/>
+              <a:rPr lang="en-US" sz="2800" baseline="30000" dirty="0" smtClean="0"/>
               <a:t>)</a:t>
             </a:r>
             <a:r>
-              <a:rPr lang="en-US" sz="2800" dirty="0"/>
+              <a:rPr lang="en-US" sz="2800" dirty="0" smtClean="0"/>
               <a:t>, y</a:t>
             </a:r>
             <a:r>
-              <a:rPr lang="en-US" sz="2800" baseline="30000" dirty="0"/>
+              <a:rPr lang="en-US" sz="2800" baseline="30000" dirty="0" smtClean="0"/>
               <a:t>(</a:t>
             </a:r>
             <a:r>
-              <a:rPr lang="en-US" sz="2800" baseline="30000" dirty="0" err="1"/>
+              <a:rPr lang="en-US" sz="2800" baseline="30000" dirty="0" err="1" smtClean="0"/>
               <a:t>i</a:t>
             </a:r>
             <a:r>
-              <a:rPr lang="en-US" sz="2800" baseline="30000" dirty="0"/>
+              <a:rPr lang="en-US" sz="2800" baseline="30000" dirty="0" smtClean="0"/>
               <a:t>)</a:t>
             </a:r>
             <a:r>
-              <a:rPr lang="en-US" sz="2800" dirty="0"/>
+              <a:rPr lang="en-US" sz="2800" dirty="0" smtClean="0"/>
               <a:t>)</a:t>
             </a:r>
           </a:p>
@@ -10723,26 +10426,26 @@
               <a:buChar char="–"/>
             </a:pPr>
             <a:r>
-              <a:rPr lang="en-US" sz="2800" dirty="0"/>
+              <a:rPr lang="en-US" sz="2800" dirty="0" smtClean="0"/>
               <a:t>J(W</a:t>
             </a:r>
             <a:r>
-              <a:rPr lang="en-US" sz="2800" baseline="30000" dirty="0"/>
+              <a:rPr lang="en-US" sz="2800" baseline="30000" dirty="0" smtClean="0"/>
               <a:t>[1]</a:t>
             </a:r>
             <a:r>
-              <a:rPr lang="en-US" sz="2800" dirty="0"/>
+              <a:rPr lang="en-US" sz="2800" dirty="0" smtClean="0"/>
               <a:t>, b</a:t>
             </a:r>
             <a:r>
-              <a:rPr lang="en-US" sz="2800" baseline="30000" dirty="0"/>
+              <a:rPr lang="en-US" sz="2800" baseline="30000" dirty="0" smtClean="0"/>
               <a:t>[1]</a:t>
             </a:r>
             <a:r>
-              <a:rPr lang="en-US" sz="2800" dirty="0"/>
+              <a:rPr lang="en-US" sz="2800" dirty="0" smtClean="0"/>
               <a:t>)</a:t>
             </a:r>
-            <a:endParaRPr kumimoji="0" lang="en-US" sz="2800" b="0" i="0" u="none" strike="noStrike" kern="1200" cap="none" spc="0" normalizeH="0" noProof="0" dirty="0">
+            <a:endParaRPr kumimoji="0" lang="en-US" sz="2800" b="0" i="0" u="none" strike="noStrike" kern="1200" cap="none" spc="0" normalizeH="0" noProof="0" dirty="0" smtClean="0">
               <a:ln>
                 <a:noFill/>
               </a:ln>
@@ -10775,7 +10478,7 @@
               <a:tabLst/>
               <a:defRPr/>
             </a:pPr>
-            <a:endParaRPr kumimoji="0" lang="en-US" sz="3200" b="0" i="0" u="none" strike="noStrike" kern="1200" cap="none" spc="0" normalizeH="0" baseline="0" noProof="0" dirty="0">
+            <a:endParaRPr kumimoji="0" lang="en-US" sz="3200" b="0" i="0" u="none" strike="noStrike" kern="1200" cap="none" spc="0" normalizeH="0" baseline="0" noProof="0" dirty="0" smtClean="0">
               <a:ln>
                 <a:noFill/>
               </a:ln>
@@ -10866,7 +10569,7 @@
               <a:defRPr/>
             </a:pPr>
             <a:r>
-              <a:rPr kumimoji="0" lang="en-US" sz="3200" b="0" i="0" u="none" strike="noStrike" kern="1200" cap="none" spc="0" normalizeH="0" baseline="0" noProof="0" dirty="0">
+              <a:rPr kumimoji="0" lang="en-US" sz="3200" b="0" i="0" u="none" strike="noStrike" kern="1200" cap="none" spc="0" normalizeH="0" baseline="0" noProof="0" dirty="0" smtClean="0">
                 <a:ln>
                   <a:noFill/>
                 </a:ln>
@@ -10901,7 +10604,7 @@
               <a:tabLst/>
               <a:defRPr/>
             </a:pPr>
-            <a:endParaRPr kumimoji="0" lang="en-US" sz="3200" b="0" i="0" u="none" strike="noStrike" kern="1200" cap="none" spc="0" normalizeH="0" baseline="0" noProof="0" dirty="0">
+            <a:endParaRPr kumimoji="0" lang="en-US" sz="3200" b="0" i="0" u="none" strike="noStrike" kern="1200" cap="none" spc="0" normalizeH="0" baseline="0" noProof="0" dirty="0" smtClean="0">
               <a:ln>
                 <a:noFill/>
               </a:ln>
@@ -10965,59 +10668,9 @@
         </p:xfrm>
         <a:graphic>
           <a:graphicData uri="http://schemas.openxmlformats.org/presentationml/2006/ole">
-            <mc:AlternateContent xmlns:mc="http://schemas.openxmlformats.org/markup-compatibility/2006">
-              <mc:Choice xmlns:v="urn:schemas-microsoft-com:vml" Requires="v">
-                <p:oleObj spid="_x0000_s38914" name="Equation" r:id="rId2" imgW="1117440" imgH="901440" progId="Equation.3">
-                  <p:embed/>
-                </p:oleObj>
-              </mc:Choice>
-              <mc:Fallback>
-                <p:oleObj name="Equation" r:id="rId2" imgW="1117440" imgH="901440" progId="Equation.3">
-                  <p:embed/>
-                  <p:pic>
-                    <p:nvPicPr>
-                      <p:cNvPr id="0" name="Picture 2"/>
-                      <p:cNvPicPr>
-                        <a:picLocks noChangeAspect="1" noChangeArrowheads="1"/>
-                      </p:cNvPicPr>
-                      <p:nvPr/>
-                    </p:nvPicPr>
-                    <p:blipFill>
-                      <a:blip r:embed="rId3">
-                        <a:extLst>
-                          <a:ext uri="{28A0092B-C50C-407E-A947-70E740481C1C}">
-                            <a14:useLocalDpi xmlns:a14="http://schemas.microsoft.com/office/drawing/2010/main" val="0"/>
-                          </a:ext>
-                        </a:extLst>
-                      </a:blip>
-                      <a:srcRect/>
-                      <a:stretch>
-                        <a:fillRect/>
-                      </a:stretch>
-                    </p:blipFill>
-                    <p:spPr bwMode="auto">
-                      <a:xfrm>
-                        <a:off x="4935538" y="2192338"/>
-                        <a:ext cx="2222500" cy="1795462"/>
-                      </a:xfrm>
-                      <a:prstGeom prst="rect">
-                        <a:avLst/>
-                      </a:prstGeom>
-                      <a:noFill/>
-                      <a:extLst>
-                        <a:ext uri="{909E8E84-426E-40DD-AFC4-6F175D3DCCD1}">
-                          <a14:hiddenFill xmlns:a14="http://schemas.microsoft.com/office/drawing/2010/main">
-                            <a:solidFill>
-                              <a:srgbClr val="FFFFFF"/>
-                            </a:solidFill>
-                          </a14:hiddenFill>
-                        </a:ext>
-                      </a:extLst>
-                    </p:spPr>
-                  </p:pic>
-                </p:oleObj>
-              </mc:Fallback>
-            </mc:AlternateContent>
+            <p:oleObj spid="_x0000_s38914" name="Equation" r:id="rId3" imgW="1117440" imgH="901440" progId="Equation.3">
+              <p:embed/>
+            </p:oleObj>
           </a:graphicData>
         </a:graphic>
       </p:graphicFrame>
@@ -11026,6 +10679,13 @@
   <p:clrMapOvr>
     <a:masterClrMapping/>
   </p:clrMapOvr>
+  <p:timing>
+    <p:tnLst>
+      <p:par>
+        <p:cTn id="1" dur="indefinite" restart="never" nodeType="tmRoot"/>
+      </p:par>
+    </p:tnLst>
+  </p:timing>
 </p:sld>
 </file>
 
@@ -11064,9 +10724,10 @@
           <a:lstStyle/>
           <a:p>
             <a:r>
-              <a:rPr lang="en-US" dirty="0"/>
+              <a:rPr lang="en-US" dirty="0" smtClean="0"/>
               <a:t>Gradient Descent</a:t>
             </a:r>
+            <a:endParaRPr lang="en-US" dirty="0"/>
           </a:p>
         </p:txBody>
       </p:sp>
@@ -11111,7 +10772,7 @@
               <a:defRPr/>
             </a:pPr>
             <a:r>
-              <a:rPr kumimoji="0" lang="en-US" sz="3200" b="0" i="0" u="none" strike="noStrike" kern="1200" cap="none" spc="0" normalizeH="0" baseline="0" noProof="0" dirty="0">
+              <a:rPr kumimoji="0" lang="en-US" sz="3200" b="0" i="0" u="none" strike="noStrike" kern="1200" cap="none" spc="0" normalizeH="0" baseline="0" noProof="0" dirty="0" smtClean="0">
                 <a:ln>
                   <a:noFill/>
                 </a:ln>
@@ -11137,31 +10798,31 @@
               <a:buChar char="–"/>
             </a:pPr>
             <a:r>
-              <a:rPr lang="en-US" sz="2800" dirty="0"/>
+              <a:rPr lang="en-US" sz="2800" dirty="0" smtClean="0"/>
               <a:t>Z</a:t>
             </a:r>
             <a:r>
-              <a:rPr lang="en-US" sz="2800" baseline="30000" dirty="0"/>
+              <a:rPr lang="en-US" sz="2800" baseline="30000" dirty="0" smtClean="0"/>
               <a:t>[1]</a:t>
             </a:r>
             <a:r>
-              <a:rPr lang="en-US" sz="2800" dirty="0"/>
+              <a:rPr lang="en-US" sz="2800" dirty="0" smtClean="0"/>
               <a:t>= W</a:t>
             </a:r>
             <a:r>
-              <a:rPr lang="en-US" sz="2800" baseline="30000" dirty="0"/>
+              <a:rPr lang="en-US" sz="2800" baseline="30000" dirty="0" smtClean="0"/>
               <a:t>[1]</a:t>
             </a:r>
             <a:r>
-              <a:rPr lang="en-US" sz="2800" dirty="0"/>
+              <a:rPr lang="en-US" sz="2800" dirty="0" smtClean="0"/>
               <a:t>a</a:t>
             </a:r>
             <a:r>
-              <a:rPr lang="en-US" sz="2800" baseline="30000" dirty="0"/>
+              <a:rPr lang="en-US" sz="2800" baseline="30000" dirty="0" smtClean="0"/>
               <a:t>[0] </a:t>
             </a:r>
             <a:r>
-              <a:rPr kumimoji="0" lang="en-US" sz="2800" b="0" i="0" u="none" strike="noStrike" kern="1200" cap="none" spc="0" normalizeH="0" baseline="0" noProof="0" dirty="0">
+              <a:rPr kumimoji="0" lang="en-US" sz="2800" b="0" i="0" u="none" strike="noStrike" kern="1200" cap="none" spc="0" normalizeH="0" baseline="0" noProof="0" dirty="0" smtClean="0">
                 <a:ln>
                   <a:noFill/>
                 </a:ln>
@@ -11178,7 +10839,7 @@
               <a:t>+ b</a:t>
             </a:r>
             <a:r>
-              <a:rPr kumimoji="0" lang="en-US" sz="2800" b="0" i="0" u="none" strike="noStrike" kern="1200" cap="none" spc="0" normalizeH="0" baseline="30000" noProof="0" dirty="0">
+              <a:rPr kumimoji="0" lang="en-US" sz="2800" b="0" i="0" u="none" strike="noStrike" kern="1200" cap="none" spc="0" normalizeH="0" baseline="30000" noProof="0" dirty="0" smtClean="0">
                 <a:ln>
                   <a:noFill/>
                 </a:ln>
@@ -11204,31 +10865,31 @@
               <a:buChar char="–"/>
             </a:pPr>
             <a:r>
-              <a:rPr lang="en-US" sz="2800" dirty="0"/>
+              <a:rPr lang="en-US" sz="2800" dirty="0" smtClean="0"/>
               <a:t>ŷ = a</a:t>
             </a:r>
             <a:r>
-              <a:rPr lang="en-US" sz="2800" baseline="30000" dirty="0"/>
+              <a:rPr lang="en-US" sz="2800" baseline="30000" dirty="0" smtClean="0"/>
               <a:t>[1]  </a:t>
             </a:r>
             <a:r>
-              <a:rPr lang="en-US" sz="2800" dirty="0"/>
+              <a:rPr lang="en-US" sz="2800" dirty="0" smtClean="0"/>
               <a:t>= </a:t>
             </a:r>
             <a:r>
-              <a:rPr lang="el-GR" sz="2800" dirty="0"/>
+              <a:rPr lang="el-GR" sz="2800" dirty="0" smtClean="0"/>
               <a:t>σ</a:t>
             </a:r>
             <a:r>
-              <a:rPr lang="en-US" sz="2800" dirty="0"/>
+              <a:rPr lang="en-US" sz="2800" dirty="0" smtClean="0"/>
               <a:t>(Z</a:t>
             </a:r>
             <a:r>
-              <a:rPr lang="en-US" sz="2800" baseline="30000" dirty="0"/>
+              <a:rPr lang="en-US" sz="2800" baseline="30000" dirty="0" smtClean="0"/>
               <a:t>[1]</a:t>
             </a:r>
             <a:r>
-              <a:rPr lang="en-US" sz="2800" dirty="0"/>
+              <a:rPr lang="en-US" sz="2800" dirty="0" smtClean="0"/>
               <a:t>)</a:t>
             </a:r>
           </a:p>
@@ -11241,39 +10902,39 @@
               <a:buChar char="–"/>
             </a:pPr>
             <a:r>
-              <a:rPr lang="en-US" sz="2800" dirty="0"/>
+              <a:rPr lang="en-US" sz="2800" dirty="0" smtClean="0"/>
               <a:t>L(ŷ</a:t>
             </a:r>
             <a:r>
-              <a:rPr lang="en-US" sz="2800" baseline="30000" dirty="0"/>
+              <a:rPr lang="en-US" sz="2800" baseline="30000" dirty="0" smtClean="0"/>
               <a:t>(</a:t>
             </a:r>
             <a:r>
-              <a:rPr lang="en-US" sz="2800" baseline="30000" dirty="0" err="1"/>
+              <a:rPr lang="en-US" sz="2800" baseline="30000" dirty="0" err="1" smtClean="0"/>
               <a:t>i</a:t>
             </a:r>
             <a:r>
-              <a:rPr lang="en-US" sz="2800" baseline="30000" dirty="0"/>
+              <a:rPr lang="en-US" sz="2800" baseline="30000" dirty="0" smtClean="0"/>
               <a:t>)</a:t>
             </a:r>
             <a:r>
-              <a:rPr lang="en-US" sz="2800" dirty="0"/>
+              <a:rPr lang="en-US" sz="2800" dirty="0" smtClean="0"/>
               <a:t>, y</a:t>
             </a:r>
             <a:r>
-              <a:rPr lang="en-US" sz="2800" baseline="30000" dirty="0"/>
+              <a:rPr lang="en-US" sz="2800" baseline="30000" dirty="0" smtClean="0"/>
               <a:t>(</a:t>
             </a:r>
             <a:r>
-              <a:rPr lang="en-US" sz="2800" baseline="30000" dirty="0" err="1"/>
+              <a:rPr lang="en-US" sz="2800" baseline="30000" dirty="0" err="1" smtClean="0"/>
               <a:t>i</a:t>
             </a:r>
             <a:r>
-              <a:rPr lang="en-US" sz="2800" baseline="30000" dirty="0"/>
+              <a:rPr lang="en-US" sz="2800" baseline="30000" dirty="0" smtClean="0"/>
               <a:t>)</a:t>
             </a:r>
             <a:r>
-              <a:rPr lang="en-US" sz="2800" dirty="0"/>
+              <a:rPr lang="en-US" sz="2800" dirty="0" smtClean="0"/>
               <a:t>)</a:t>
             </a:r>
           </a:p>
@@ -11286,26 +10947,26 @@
               <a:buChar char="–"/>
             </a:pPr>
             <a:r>
-              <a:rPr lang="en-US" sz="2800" dirty="0"/>
+              <a:rPr lang="en-US" sz="2800" dirty="0" smtClean="0"/>
               <a:t>J(W</a:t>
             </a:r>
             <a:r>
-              <a:rPr lang="en-US" sz="2800" baseline="30000" dirty="0"/>
+              <a:rPr lang="en-US" sz="2800" baseline="30000" dirty="0" smtClean="0"/>
               <a:t>[1]</a:t>
             </a:r>
             <a:r>
-              <a:rPr lang="en-US" sz="2800" dirty="0"/>
+              <a:rPr lang="en-US" sz="2800" dirty="0" smtClean="0"/>
               <a:t>, b</a:t>
             </a:r>
             <a:r>
-              <a:rPr lang="en-US" sz="2800" baseline="30000" dirty="0"/>
+              <a:rPr lang="en-US" sz="2800" baseline="30000" dirty="0" smtClean="0"/>
               <a:t>[1]</a:t>
             </a:r>
             <a:r>
-              <a:rPr lang="en-US" sz="2800" dirty="0"/>
+              <a:rPr lang="en-US" sz="2800" dirty="0" smtClean="0"/>
               <a:t>)</a:t>
             </a:r>
-            <a:endParaRPr kumimoji="0" lang="en-US" sz="2800" b="0" i="0" u="none" strike="noStrike" kern="1200" cap="none" spc="0" normalizeH="0" noProof="0" dirty="0">
+            <a:endParaRPr kumimoji="0" lang="en-US" sz="2800" b="0" i="0" u="none" strike="noStrike" kern="1200" cap="none" spc="0" normalizeH="0" noProof="0" dirty="0" smtClean="0">
               <a:ln>
                 <a:noFill/>
               </a:ln>
@@ -11338,7 +10999,7 @@
               <a:tabLst/>
               <a:defRPr/>
             </a:pPr>
-            <a:endParaRPr kumimoji="0" lang="en-US" sz="3200" b="0" i="0" u="none" strike="noStrike" kern="1200" cap="none" spc="0" normalizeH="0" baseline="0" noProof="0" dirty="0">
+            <a:endParaRPr kumimoji="0" lang="en-US" sz="3200" b="0" i="0" u="none" strike="noStrike" kern="1200" cap="none" spc="0" normalizeH="0" baseline="0" noProof="0" dirty="0" smtClean="0">
               <a:ln>
                 <a:noFill/>
               </a:ln>
@@ -11429,7 +11090,7 @@
               <a:defRPr/>
             </a:pPr>
             <a:r>
-              <a:rPr kumimoji="0" lang="en-US" sz="3200" b="0" i="0" u="none" strike="noStrike" kern="1200" cap="none" spc="0" normalizeH="0" baseline="0" noProof="0" dirty="0">
+              <a:rPr kumimoji="0" lang="en-US" sz="3200" b="0" i="0" u="none" strike="noStrike" kern="1200" cap="none" spc="0" normalizeH="0" baseline="0" noProof="0" dirty="0" smtClean="0">
                 <a:ln>
                   <a:noFill/>
                 </a:ln>
@@ -11464,7 +11125,7 @@
               <a:tabLst/>
               <a:defRPr/>
             </a:pPr>
-            <a:endParaRPr kumimoji="0" lang="en-US" sz="3200" b="0" i="0" u="none" strike="noStrike" kern="1200" cap="none" spc="0" normalizeH="0" baseline="0" noProof="0" dirty="0">
+            <a:endParaRPr kumimoji="0" lang="en-US" sz="3200" b="0" i="0" u="none" strike="noStrike" kern="1200" cap="none" spc="0" normalizeH="0" baseline="0" noProof="0" dirty="0" smtClean="0">
               <a:ln>
                 <a:noFill/>
               </a:ln>
@@ -11528,59 +11189,9 @@
         </p:xfrm>
         <a:graphic>
           <a:graphicData uri="http://schemas.openxmlformats.org/presentationml/2006/ole">
-            <mc:AlternateContent xmlns:mc="http://schemas.openxmlformats.org/markup-compatibility/2006">
-              <mc:Choice xmlns:v="urn:schemas-microsoft-com:vml" Requires="v">
-                <p:oleObj spid="_x0000_s39938" name="Equation" r:id="rId2" imgW="1854000" imgH="1320480" progId="Equation.3">
-                  <p:embed/>
-                </p:oleObj>
-              </mc:Choice>
-              <mc:Fallback>
-                <p:oleObj name="Equation" r:id="rId2" imgW="1854000" imgH="1320480" progId="Equation.3">
-                  <p:embed/>
-                  <p:pic>
-                    <p:nvPicPr>
-                      <p:cNvPr id="0" name="Picture 2"/>
-                      <p:cNvPicPr>
-                        <a:picLocks noChangeAspect="1" noChangeArrowheads="1"/>
-                      </p:cNvPicPr>
-                      <p:nvPr/>
-                    </p:nvPicPr>
-                    <p:blipFill>
-                      <a:blip r:embed="rId3">
-                        <a:extLst>
-                          <a:ext uri="{28A0092B-C50C-407E-A947-70E740481C1C}">
-                            <a14:useLocalDpi xmlns:a14="http://schemas.microsoft.com/office/drawing/2010/main" val="0"/>
-                          </a:ext>
-                        </a:extLst>
-                      </a:blip>
-                      <a:srcRect/>
-                      <a:stretch>
-                        <a:fillRect/>
-                      </a:stretch>
-                    </p:blipFill>
-                    <p:spPr bwMode="auto">
-                      <a:xfrm>
-                        <a:off x="4935538" y="2192338"/>
-                        <a:ext cx="3687762" cy="2627312"/>
-                      </a:xfrm>
-                      <a:prstGeom prst="rect">
-                        <a:avLst/>
-                      </a:prstGeom>
-                      <a:noFill/>
-                      <a:extLst>
-                        <a:ext uri="{909E8E84-426E-40DD-AFC4-6F175D3DCCD1}">
-                          <a14:hiddenFill xmlns:a14="http://schemas.microsoft.com/office/drawing/2010/main">
-                            <a:solidFill>
-                              <a:srgbClr val="FFFFFF"/>
-                            </a:solidFill>
-                          </a14:hiddenFill>
-                        </a:ext>
-                      </a:extLst>
-                    </p:spPr>
-                  </p:pic>
-                </p:oleObj>
-              </mc:Fallback>
-            </mc:AlternateContent>
+            <p:oleObj spid="_x0000_s39938" name="Equation" r:id="rId3" imgW="1854000" imgH="1320480" progId="Equation.3">
+              <p:embed/>
+            </p:oleObj>
           </a:graphicData>
         </a:graphic>
       </p:graphicFrame>
@@ -11589,6 +11200,13 @@
   <p:clrMapOvr>
     <a:masterClrMapping/>
   </p:clrMapOvr>
+  <p:timing>
+    <p:tnLst>
+      <p:par>
+        <p:cTn id="1" dur="indefinite" restart="never" nodeType="tmRoot"/>
+      </p:par>
+    </p:tnLst>
+  </p:timing>
 </p:sld>
 </file>
 
@@ -11627,9 +11245,10 @@
           <a:lstStyle/>
           <a:p>
             <a:r>
-              <a:rPr lang="en-US" dirty="0"/>
+              <a:rPr lang="en-US" dirty="0" smtClean="0"/>
               <a:t>Gradient Descent</a:t>
             </a:r>
+            <a:endParaRPr lang="en-US" dirty="0"/>
           </a:p>
         </p:txBody>
       </p:sp>
@@ -11674,7 +11293,7 @@
               <a:defRPr/>
             </a:pPr>
             <a:r>
-              <a:rPr kumimoji="0" lang="en-US" sz="3200" b="0" i="0" u="none" strike="noStrike" kern="1200" cap="none" spc="0" normalizeH="0" baseline="0" noProof="0" dirty="0">
+              <a:rPr kumimoji="0" lang="en-US" sz="3200" b="0" i="0" u="none" strike="noStrike" kern="1200" cap="none" spc="0" normalizeH="0" baseline="0" noProof="0" dirty="0" smtClean="0">
                 <a:ln>
                   <a:noFill/>
                 </a:ln>
@@ -11700,31 +11319,31 @@
               <a:buChar char="–"/>
             </a:pPr>
             <a:r>
-              <a:rPr lang="en-US" sz="2800" dirty="0"/>
+              <a:rPr lang="en-US" sz="2800" dirty="0" smtClean="0"/>
               <a:t>Z</a:t>
             </a:r>
             <a:r>
-              <a:rPr lang="en-US" sz="2800" baseline="30000" dirty="0"/>
+              <a:rPr lang="en-US" sz="2800" baseline="30000" dirty="0" smtClean="0"/>
               <a:t>[1]</a:t>
             </a:r>
             <a:r>
-              <a:rPr lang="en-US" sz="2800" dirty="0"/>
+              <a:rPr lang="en-US" sz="2800" dirty="0" smtClean="0"/>
               <a:t>= W</a:t>
             </a:r>
             <a:r>
-              <a:rPr lang="en-US" sz="2800" baseline="30000" dirty="0"/>
+              <a:rPr lang="en-US" sz="2800" baseline="30000" dirty="0" smtClean="0"/>
               <a:t>[1]</a:t>
             </a:r>
             <a:r>
-              <a:rPr lang="en-US" sz="2800" dirty="0"/>
+              <a:rPr lang="en-US" sz="2800" dirty="0" smtClean="0"/>
               <a:t>a</a:t>
             </a:r>
             <a:r>
-              <a:rPr lang="en-US" sz="2800" baseline="30000" dirty="0"/>
+              <a:rPr lang="en-US" sz="2800" baseline="30000" dirty="0" smtClean="0"/>
               <a:t>[0] </a:t>
             </a:r>
             <a:r>
-              <a:rPr kumimoji="0" lang="en-US" sz="2800" b="0" i="0" u="none" strike="noStrike" kern="1200" cap="none" spc="0" normalizeH="0" baseline="0" noProof="0" dirty="0">
+              <a:rPr kumimoji="0" lang="en-US" sz="2800" b="0" i="0" u="none" strike="noStrike" kern="1200" cap="none" spc="0" normalizeH="0" baseline="0" noProof="0" dirty="0" smtClean="0">
                 <a:ln>
                   <a:noFill/>
                 </a:ln>
@@ -11741,7 +11360,7 @@
               <a:t>+ b</a:t>
             </a:r>
             <a:r>
-              <a:rPr kumimoji="0" lang="en-US" sz="2800" b="0" i="0" u="none" strike="noStrike" kern="1200" cap="none" spc="0" normalizeH="0" baseline="30000" noProof="0" dirty="0">
+              <a:rPr kumimoji="0" lang="en-US" sz="2800" b="0" i="0" u="none" strike="noStrike" kern="1200" cap="none" spc="0" normalizeH="0" baseline="30000" noProof="0" dirty="0" smtClean="0">
                 <a:ln>
                   <a:noFill/>
                 </a:ln>
@@ -11767,31 +11386,31 @@
               <a:buChar char="–"/>
             </a:pPr>
             <a:r>
-              <a:rPr lang="en-US" sz="2800" dirty="0"/>
+              <a:rPr lang="en-US" sz="2800" dirty="0" smtClean="0"/>
               <a:t>ŷ = a</a:t>
             </a:r>
             <a:r>
-              <a:rPr lang="en-US" sz="2800" baseline="30000" dirty="0"/>
+              <a:rPr lang="en-US" sz="2800" baseline="30000" dirty="0" smtClean="0"/>
               <a:t>[1]  </a:t>
             </a:r>
             <a:r>
-              <a:rPr lang="en-US" sz="2800" dirty="0"/>
+              <a:rPr lang="en-US" sz="2800" dirty="0" smtClean="0"/>
               <a:t>= </a:t>
             </a:r>
             <a:r>
-              <a:rPr lang="el-GR" sz="2800" dirty="0"/>
+              <a:rPr lang="el-GR" sz="2800" dirty="0" smtClean="0"/>
               <a:t>σ</a:t>
             </a:r>
             <a:r>
-              <a:rPr lang="en-US" sz="2800" dirty="0"/>
+              <a:rPr lang="en-US" sz="2800" dirty="0" smtClean="0"/>
               <a:t>(Z</a:t>
             </a:r>
             <a:r>
-              <a:rPr lang="en-US" sz="2800" baseline="30000" dirty="0"/>
+              <a:rPr lang="en-US" sz="2800" baseline="30000" dirty="0" smtClean="0"/>
               <a:t>[1]</a:t>
             </a:r>
             <a:r>
-              <a:rPr lang="en-US" sz="2800" dirty="0"/>
+              <a:rPr lang="en-US" sz="2800" dirty="0" smtClean="0"/>
               <a:t>)</a:t>
             </a:r>
           </a:p>
@@ -11804,39 +11423,39 @@
               <a:buChar char="–"/>
             </a:pPr>
             <a:r>
-              <a:rPr lang="en-US" sz="2800" dirty="0"/>
+              <a:rPr lang="en-US" sz="2800" dirty="0" smtClean="0"/>
               <a:t>L(ŷ</a:t>
             </a:r>
             <a:r>
-              <a:rPr lang="en-US" sz="2800" baseline="30000" dirty="0"/>
+              <a:rPr lang="en-US" sz="2800" baseline="30000" dirty="0" smtClean="0"/>
               <a:t>(</a:t>
             </a:r>
             <a:r>
-              <a:rPr lang="en-US" sz="2800" baseline="30000" dirty="0" err="1"/>
+              <a:rPr lang="en-US" sz="2800" baseline="30000" dirty="0" err="1" smtClean="0"/>
               <a:t>i</a:t>
             </a:r>
             <a:r>
-              <a:rPr lang="en-US" sz="2800" baseline="30000" dirty="0"/>
+              <a:rPr lang="en-US" sz="2800" baseline="30000" dirty="0" smtClean="0"/>
               <a:t>)</a:t>
             </a:r>
             <a:r>
-              <a:rPr lang="en-US" sz="2800" dirty="0"/>
+              <a:rPr lang="en-US" sz="2800" dirty="0" smtClean="0"/>
               <a:t>, y</a:t>
             </a:r>
             <a:r>
-              <a:rPr lang="en-US" sz="2800" baseline="30000" dirty="0"/>
+              <a:rPr lang="en-US" sz="2800" baseline="30000" dirty="0" smtClean="0"/>
               <a:t>(</a:t>
             </a:r>
             <a:r>
-              <a:rPr lang="en-US" sz="2800" baseline="30000" dirty="0" err="1"/>
+              <a:rPr lang="en-US" sz="2800" baseline="30000" dirty="0" err="1" smtClean="0"/>
               <a:t>i</a:t>
             </a:r>
             <a:r>
-              <a:rPr lang="en-US" sz="2800" baseline="30000" dirty="0"/>
+              <a:rPr lang="en-US" sz="2800" baseline="30000" dirty="0" smtClean="0"/>
               <a:t>)</a:t>
             </a:r>
             <a:r>
-              <a:rPr lang="en-US" sz="2800" dirty="0"/>
+              <a:rPr lang="en-US" sz="2800" dirty="0" smtClean="0"/>
               <a:t>)</a:t>
             </a:r>
           </a:p>
@@ -11849,26 +11468,26 @@
               <a:buChar char="–"/>
             </a:pPr>
             <a:r>
-              <a:rPr lang="en-US" sz="2800" dirty="0"/>
+              <a:rPr lang="en-US" sz="2800" dirty="0" smtClean="0"/>
               <a:t>J(W</a:t>
             </a:r>
             <a:r>
-              <a:rPr lang="en-US" sz="2800" baseline="30000" dirty="0"/>
+              <a:rPr lang="en-US" sz="2800" baseline="30000" dirty="0" smtClean="0"/>
               <a:t>[1]</a:t>
             </a:r>
             <a:r>
-              <a:rPr lang="en-US" sz="2800" dirty="0"/>
+              <a:rPr lang="en-US" sz="2800" dirty="0" smtClean="0"/>
               <a:t>, b</a:t>
             </a:r>
             <a:r>
-              <a:rPr lang="en-US" sz="2800" baseline="30000" dirty="0"/>
+              <a:rPr lang="en-US" sz="2800" baseline="30000" dirty="0" smtClean="0"/>
               <a:t>[1]</a:t>
             </a:r>
             <a:r>
-              <a:rPr lang="en-US" sz="2800" dirty="0"/>
+              <a:rPr lang="en-US" sz="2800" dirty="0" smtClean="0"/>
               <a:t>)</a:t>
             </a:r>
-            <a:endParaRPr kumimoji="0" lang="en-US" sz="2800" b="0" i="0" u="none" strike="noStrike" kern="1200" cap="none" spc="0" normalizeH="0" noProof="0" dirty="0">
+            <a:endParaRPr kumimoji="0" lang="en-US" sz="2800" b="0" i="0" u="none" strike="noStrike" kern="1200" cap="none" spc="0" normalizeH="0" noProof="0" dirty="0" smtClean="0">
               <a:ln>
                 <a:noFill/>
               </a:ln>
@@ -11901,7 +11520,7 @@
               <a:tabLst/>
               <a:defRPr/>
             </a:pPr>
-            <a:endParaRPr kumimoji="0" lang="en-US" sz="3200" b="0" i="0" u="none" strike="noStrike" kern="1200" cap="none" spc="0" normalizeH="0" baseline="0" noProof="0" dirty="0">
+            <a:endParaRPr kumimoji="0" lang="en-US" sz="3200" b="0" i="0" u="none" strike="noStrike" kern="1200" cap="none" spc="0" normalizeH="0" baseline="0" noProof="0" dirty="0" smtClean="0">
               <a:ln>
                 <a:noFill/>
               </a:ln>
@@ -11992,7 +11611,7 @@
               <a:defRPr/>
             </a:pPr>
             <a:r>
-              <a:rPr kumimoji="0" lang="en-US" sz="3200" b="0" i="0" u="none" strike="noStrike" kern="1200" cap="none" spc="0" normalizeH="0" baseline="0" noProof="0" dirty="0">
+              <a:rPr kumimoji="0" lang="en-US" sz="3200" b="0" i="0" u="none" strike="noStrike" kern="1200" cap="none" spc="0" normalizeH="0" baseline="0" noProof="0" dirty="0" smtClean="0">
                 <a:ln>
                   <a:noFill/>
                 </a:ln>
@@ -12027,7 +11646,7 @@
               <a:tabLst/>
               <a:defRPr/>
             </a:pPr>
-            <a:endParaRPr kumimoji="0" lang="en-US" sz="3200" b="0" i="0" u="none" strike="noStrike" kern="1200" cap="none" spc="0" normalizeH="0" baseline="0" noProof="0" dirty="0">
+            <a:endParaRPr kumimoji="0" lang="en-US" sz="3200" b="0" i="0" u="none" strike="noStrike" kern="1200" cap="none" spc="0" normalizeH="0" baseline="0" noProof="0" dirty="0" smtClean="0">
               <a:ln>
                 <a:noFill/>
               </a:ln>
@@ -12091,59 +11710,9 @@
         </p:xfrm>
         <a:graphic>
           <a:graphicData uri="http://schemas.openxmlformats.org/presentationml/2006/ole">
-            <mc:AlternateContent xmlns:mc="http://schemas.openxmlformats.org/markup-compatibility/2006">
-              <mc:Choice xmlns:v="urn:schemas-microsoft-com:vml" Requires="v">
-                <p:oleObj spid="_x0000_s40962" name="Equation" r:id="rId2" imgW="1117440" imgH="1143000" progId="Equation.3">
-                  <p:embed/>
-                </p:oleObj>
-              </mc:Choice>
-              <mc:Fallback>
-                <p:oleObj name="Equation" r:id="rId2" imgW="1117440" imgH="1143000" progId="Equation.3">
-                  <p:embed/>
-                  <p:pic>
-                    <p:nvPicPr>
-                      <p:cNvPr id="0" name="Picture 2"/>
-                      <p:cNvPicPr>
-                        <a:picLocks noChangeAspect="1" noChangeArrowheads="1"/>
-                      </p:cNvPicPr>
-                      <p:nvPr/>
-                    </p:nvPicPr>
-                    <p:blipFill>
-                      <a:blip r:embed="rId3">
-                        <a:extLst>
-                          <a:ext uri="{28A0092B-C50C-407E-A947-70E740481C1C}">
-                            <a14:useLocalDpi xmlns:a14="http://schemas.microsoft.com/office/drawing/2010/main" val="0"/>
-                          </a:ext>
-                        </a:extLst>
-                      </a:blip>
-                      <a:srcRect/>
-                      <a:stretch>
-                        <a:fillRect/>
-                      </a:stretch>
-                    </p:blipFill>
-                    <p:spPr bwMode="auto">
-                      <a:xfrm>
-                        <a:off x="4935538" y="2192338"/>
-                        <a:ext cx="2222500" cy="2273300"/>
-                      </a:xfrm>
-                      <a:prstGeom prst="rect">
-                        <a:avLst/>
-                      </a:prstGeom>
-                      <a:noFill/>
-                      <a:extLst>
-                        <a:ext uri="{909E8E84-426E-40DD-AFC4-6F175D3DCCD1}">
-                          <a14:hiddenFill xmlns:a14="http://schemas.microsoft.com/office/drawing/2010/main">
-                            <a:solidFill>
-                              <a:srgbClr val="FFFFFF"/>
-                            </a:solidFill>
-                          </a14:hiddenFill>
-                        </a:ext>
-                      </a:extLst>
-                    </p:spPr>
-                  </p:pic>
-                </p:oleObj>
-              </mc:Fallback>
-            </mc:AlternateContent>
+            <p:oleObj spid="_x0000_s40962" name="Equation" r:id="rId3" imgW="1117440" imgH="1143000" progId="Equation.3">
+              <p:embed/>
+            </p:oleObj>
           </a:graphicData>
         </a:graphic>
       </p:graphicFrame>
@@ -12152,6 +11721,13 @@
   <p:clrMapOvr>
     <a:masterClrMapping/>
   </p:clrMapOvr>
+  <p:timing>
+    <p:tnLst>
+      <p:par>
+        <p:cTn id="1" dur="indefinite" restart="never" nodeType="tmRoot"/>
+      </p:par>
+    </p:tnLst>
+  </p:timing>
 </p:sld>
 </file>
 
@@ -12188,9 +11764,10 @@
           <a:lstStyle/>
           <a:p>
             <a:r>
-              <a:rPr lang="en-US" dirty="0"/>
+              <a:rPr lang="en-US" dirty="0" smtClean="0"/>
               <a:t>Supervised Learning</a:t>
             </a:r>
+            <a:endParaRPr lang="en-US" dirty="0"/>
           </a:p>
         </p:txBody>
       </p:sp>
@@ -12210,61 +11787,61 @@
           <a:lstStyle/>
           <a:p>
             <a:r>
-              <a:rPr lang="en-US" dirty="0"/>
+              <a:rPr lang="en-US" dirty="0" smtClean="0"/>
               <a:t>Training set – { (x</a:t>
             </a:r>
             <a:r>
-              <a:rPr lang="en-US" baseline="30000" dirty="0"/>
+              <a:rPr lang="en-US" baseline="30000" dirty="0" smtClean="0"/>
               <a:t>(1)</a:t>
             </a:r>
             <a:r>
-              <a:rPr lang="en-US" dirty="0"/>
+              <a:rPr lang="en-US" dirty="0" smtClean="0"/>
               <a:t>,y</a:t>
             </a:r>
             <a:r>
-              <a:rPr lang="en-US" baseline="30000" dirty="0"/>
+              <a:rPr lang="en-US" baseline="30000" dirty="0" smtClean="0"/>
               <a:t>(1)</a:t>
             </a:r>
             <a:r>
-              <a:rPr lang="en-US" dirty="0"/>
+              <a:rPr lang="en-US" dirty="0" smtClean="0"/>
               <a:t>), (x</a:t>
             </a:r>
             <a:r>
-              <a:rPr lang="en-US" baseline="30000" dirty="0"/>
+              <a:rPr lang="en-US" baseline="30000" dirty="0" smtClean="0"/>
               <a:t>(2)</a:t>
             </a:r>
             <a:r>
-              <a:rPr lang="en-US" dirty="0"/>
+              <a:rPr lang="en-US" dirty="0" smtClean="0"/>
               <a:t>,y</a:t>
             </a:r>
             <a:r>
-              <a:rPr lang="en-US" baseline="30000" dirty="0"/>
+              <a:rPr lang="en-US" baseline="30000" dirty="0" smtClean="0"/>
               <a:t>(2)</a:t>
             </a:r>
             <a:r>
-              <a:rPr lang="en-US" dirty="0"/>
+              <a:rPr lang="en-US" dirty="0" smtClean="0"/>
               <a:t>), …, (x</a:t>
             </a:r>
             <a:r>
-              <a:rPr lang="en-US" baseline="30000" dirty="0"/>
+              <a:rPr lang="en-US" baseline="30000" dirty="0" smtClean="0"/>
               <a:t>(m)</a:t>
             </a:r>
             <a:r>
-              <a:rPr lang="en-US" dirty="0"/>
+              <a:rPr lang="en-US" dirty="0" smtClean="0"/>
               <a:t>,y</a:t>
             </a:r>
             <a:r>
-              <a:rPr lang="en-US" baseline="30000" dirty="0"/>
+              <a:rPr lang="en-US" baseline="30000" dirty="0" smtClean="0"/>
               <a:t>(m)</a:t>
             </a:r>
             <a:r>
-              <a:rPr lang="en-US" dirty="0"/>
+              <a:rPr lang="en-US" dirty="0" smtClean="0"/>
               <a:t>)}</a:t>
             </a:r>
           </a:p>
           <a:p>
             <a:r>
-              <a:rPr lang="en-US" dirty="0"/>
+              <a:rPr lang="en-US" dirty="0" smtClean="0"/>
               <a:t>Labeled dataset</a:t>
             </a:r>
           </a:p>
@@ -12342,7 +11919,7 @@
               <a:t>Image </a:t>
             </a:r>
             <a:r>
-              <a:rPr lang="en-US" sz="1600" b="1" dirty="0" err="1">
+              <a:rPr lang="en-US" sz="1600" b="1" dirty="0" err="1" smtClean="0">
                 <a:solidFill>
                   <a:srgbClr val="FF0000"/>
                 </a:solidFill>
@@ -12350,13 +11927,18 @@
               <a:t>ack</a:t>
             </a:r>
             <a:r>
-              <a:rPr lang="en-US" sz="1600" b="1" dirty="0">
+              <a:rPr lang="en-US" sz="1600" b="1" dirty="0" smtClean="0">
                 <a:solidFill>
                   <a:srgbClr val="FF0000"/>
                 </a:solidFill>
               </a:rPr>
               <a:t> – Google</a:t>
             </a:r>
+            <a:endParaRPr lang="en-US" sz="1600" b="1" dirty="0">
+              <a:solidFill>
+                <a:srgbClr val="FF0000"/>
+              </a:solidFill>
+            </a:endParaRPr>
           </a:p>
         </p:txBody>
       </p:sp>
@@ -12365,6 +11947,13 @@
   <p:clrMapOvr>
     <a:masterClrMapping/>
   </p:clrMapOvr>
+  <p:timing>
+    <p:tnLst>
+      <p:par>
+        <p:cTn id="1" dur="indefinite" restart="never" nodeType="tmRoot"/>
+      </p:par>
+    </p:tnLst>
+  </p:timing>
 </p:sld>
 </file>
 
@@ -12401,9 +11990,10 @@
           <a:lstStyle/>
           <a:p>
             <a:r>
-              <a:rPr lang="en-IN" dirty="0"/>
+              <a:rPr lang="en-IN" dirty="0" smtClean="0"/>
               <a:t>Regularization</a:t>
             </a:r>
+            <a:endParaRPr lang="en-IN" dirty="0"/>
           </a:p>
         </p:txBody>
       </p:sp>
@@ -12423,19 +12013,19 @@
           <a:lstStyle/>
           <a:p>
             <a:r>
-              <a:rPr lang="en-IN" dirty="0"/>
+              <a:rPr lang="en-IN" dirty="0" smtClean="0"/>
               <a:t>Lasso regression</a:t>
             </a:r>
           </a:p>
           <a:p>
             <a:r>
-              <a:rPr lang="en-IN" dirty="0"/>
+              <a:rPr lang="en-IN" dirty="0" smtClean="0"/>
               <a:t>Ridge Regression</a:t>
             </a:r>
           </a:p>
           <a:p>
             <a:r>
-              <a:rPr lang="en-IN" dirty="0"/>
+              <a:rPr lang="en-IN" dirty="0" smtClean="0"/>
               <a:t>Elastic Net Regression</a:t>
             </a:r>
           </a:p>
@@ -12449,6 +12039,13 @@
   <p:clrMapOvr>
     <a:masterClrMapping/>
   </p:clrMapOvr>
+  <p:timing>
+    <p:tnLst>
+      <p:par>
+        <p:cTn id="1" dur="indefinite" restart="never" nodeType="tmRoot"/>
+      </p:par>
+    </p:tnLst>
+  </p:timing>
 </p:sld>
 </file>
 
@@ -12485,9 +12082,10 @@
           <a:lstStyle/>
           <a:p>
             <a:r>
-              <a:rPr lang="en-IN" dirty="0"/>
+              <a:rPr lang="en-IN" dirty="0" smtClean="0"/>
               <a:t>Lasso Regression</a:t>
             </a:r>
+            <a:endParaRPr lang="en-IN" dirty="0"/>
           </a:p>
         </p:txBody>
       </p:sp>
@@ -12509,48 +12107,49 @@
           <a:lstStyle/>
           <a:p>
             <a:r>
-              <a:rPr lang="en-IN" dirty="0"/>
+              <a:rPr lang="en-IN" dirty="0" smtClean="0"/>
               <a:t>Least Absolute Shrinkage Selector Operator</a:t>
             </a:r>
           </a:p>
           <a:p>
             <a:r>
-              <a:rPr lang="en-IN" dirty="0"/>
+              <a:rPr lang="en-IN" dirty="0" smtClean="0"/>
               <a:t>L1 regularization technique</a:t>
             </a:r>
           </a:p>
           <a:p>
             <a:r>
-              <a:rPr lang="en-IN"/>
+              <a:rPr lang="en-IN" smtClean="0"/>
               <a:t>Reduce coefficients</a:t>
             </a:r>
+            <a:endParaRPr lang="en-IN" dirty="0" smtClean="0"/>
+          </a:p>
+          <a:p>
+            <a:r>
+              <a:rPr lang="en-IN" dirty="0" smtClean="0"/>
+              <a:t>Feature selection</a:t>
+            </a:r>
+          </a:p>
+          <a:p>
+            <a:pPr lvl="1"/>
+            <a:r>
+              <a:rPr lang="en-IN" dirty="0" smtClean="0"/>
+              <a:t>Select important features </a:t>
+            </a:r>
+          </a:p>
+          <a:p>
+            <a:pPr lvl="1"/>
+            <a:r>
+              <a:rPr lang="en-IN" dirty="0" smtClean="0"/>
+              <a:t>Reduce coefficients of others to zero</a:t>
+            </a:r>
+          </a:p>
+          <a:p>
+            <a:r>
+              <a:rPr lang="en-IN" dirty="0" smtClean="0"/>
+              <a:t>Suitable for more number of features</a:t>
+            </a:r>
             <a:endParaRPr lang="en-IN" dirty="0"/>
-          </a:p>
-          <a:p>
-            <a:r>
-              <a:rPr lang="en-IN" dirty="0"/>
-              <a:t>Feature selection</a:t>
-            </a:r>
-          </a:p>
-          <a:p>
-            <a:pPr lvl="1"/>
-            <a:r>
-              <a:rPr lang="en-IN" dirty="0"/>
-              <a:t>Select important features </a:t>
-            </a:r>
-          </a:p>
-          <a:p>
-            <a:pPr lvl="1"/>
-            <a:r>
-              <a:rPr lang="en-IN" dirty="0"/>
-              <a:t>Reduce coefficients of others to zero</a:t>
-            </a:r>
-          </a:p>
-          <a:p>
-            <a:r>
-              <a:rPr lang="en-IN" dirty="0"/>
-              <a:t>Suitable for more number of features</a:t>
-            </a:r>
           </a:p>
         </p:txBody>
       </p:sp>
@@ -12559,6 +12158,13 @@
   <p:clrMapOvr>
     <a:masterClrMapping/>
   </p:clrMapOvr>
+  <p:timing>
+    <p:tnLst>
+      <p:par>
+        <p:cTn id="1" dur="indefinite" restart="never" nodeType="tmRoot"/>
+      </p:par>
+    </p:tnLst>
+  </p:timing>
 </p:sld>
 </file>
 
@@ -12595,9 +12201,10 @@
           <a:lstStyle/>
           <a:p>
             <a:r>
-              <a:rPr lang="en-IN" dirty="0"/>
+              <a:rPr lang="en-IN" dirty="0" smtClean="0"/>
               <a:t>Ridge Regression</a:t>
             </a:r>
+            <a:endParaRPr lang="en-IN" dirty="0"/>
           </a:p>
         </p:txBody>
       </p:sp>
@@ -12617,33 +12224,33 @@
           <a:lstStyle/>
           <a:p>
             <a:r>
-              <a:rPr lang="en-IN" dirty="0"/>
+              <a:rPr lang="en-IN" dirty="0" smtClean="0"/>
               <a:t>L2 regularization technique</a:t>
             </a:r>
           </a:p>
           <a:p>
             <a:r>
-              <a:rPr lang="en-IN" dirty="0"/>
+              <a:rPr lang="en-IN" dirty="0" smtClean="0"/>
               <a:t>Reduce coefficients</a:t>
             </a:r>
           </a:p>
           <a:p>
             <a:r>
-              <a:rPr lang="en-IN" dirty="0"/>
+              <a:rPr lang="en-IN" dirty="0" smtClean="0"/>
               <a:t>Reduce model complexity</a:t>
             </a:r>
           </a:p>
           <a:p>
             <a:r>
-              <a:rPr lang="en-IN" dirty="0"/>
+              <a:rPr lang="en-IN" dirty="0" smtClean="0"/>
               <a:t>Prevent </a:t>
             </a:r>
             <a:r>
-              <a:rPr lang="en-IN" dirty="0" err="1"/>
+              <a:rPr lang="en-IN" dirty="0" err="1" smtClean="0"/>
               <a:t>multicollinearity</a:t>
             </a:r>
             <a:r>
-              <a:rPr lang="en-IN" dirty="0"/>
+              <a:rPr lang="en-IN" dirty="0" smtClean="0"/>
               <a:t> </a:t>
             </a:r>
           </a:p>
@@ -12654,6 +12261,13 @@
   <p:clrMapOvr>
     <a:masterClrMapping/>
   </p:clrMapOvr>
+  <p:timing>
+    <p:tnLst>
+      <p:par>
+        <p:cTn id="1" dur="indefinite" restart="never" nodeType="tmRoot"/>
+      </p:par>
+    </p:tnLst>
+  </p:timing>
 </p:sld>
 </file>
 
@@ -12690,9 +12304,10 @@
           <a:lstStyle/>
           <a:p>
             <a:r>
-              <a:rPr lang="en-IN" dirty="0"/>
+              <a:rPr lang="en-IN" dirty="0" smtClean="0"/>
               <a:t>Elastic Net Regression</a:t>
             </a:r>
+            <a:endParaRPr lang="en-IN" dirty="0"/>
           </a:p>
         </p:txBody>
       </p:sp>
@@ -12712,9 +12327,10 @@
           <a:lstStyle/>
           <a:p>
             <a:r>
-              <a:rPr lang="en-IN" dirty="0"/>
+              <a:rPr lang="en-IN" dirty="0" smtClean="0"/>
               <a:t>L1 and L2 regularization technique</a:t>
             </a:r>
+            <a:endParaRPr lang="en-IN" dirty="0"/>
           </a:p>
         </p:txBody>
       </p:sp>
@@ -12748,7 +12364,7 @@
           <p:cNvPr id="2" name="Title 1">
             <a:extLst>
               <a:ext uri="{FF2B5EF4-FFF2-40B4-BE49-F238E27FC236}">
-                <a16:creationId xmlns:a16="http://schemas.microsoft.com/office/drawing/2014/main" id="{9EDF2053-84B8-00D1-D398-C905CCFCE5BC}"/>
+                <a16:creationId xmlns="" xmlns:a16="http://schemas.microsoft.com/office/drawing/2014/main" id="{9EDF2053-84B8-00D1-D398-C905CCFCE5BC}"/>
               </a:ext>
             </a:extLst>
           </p:cNvPr>
@@ -12776,7 +12392,7 @@
           <p:cNvPr id="4" name="Text Box 10">
             <a:extLst>
               <a:ext uri="{FF2B5EF4-FFF2-40B4-BE49-F238E27FC236}">
-                <a16:creationId xmlns:a16="http://schemas.microsoft.com/office/drawing/2014/main" id="{B82EF61E-94BA-0C39-0400-E0D8FAB1D765}"/>
+                <a16:creationId xmlns="" xmlns:a16="http://schemas.microsoft.com/office/drawing/2014/main" id="{B82EF61E-94BA-0C39-0400-E0D8FAB1D765}"/>
               </a:ext>
             </a:extLst>
           </p:cNvPr>
@@ -12845,7 +12461,7 @@
           <p:cNvPr id="6" name="Picture 5">
             <a:extLst>
               <a:ext uri="{FF2B5EF4-FFF2-40B4-BE49-F238E27FC236}">
-                <a16:creationId xmlns:a16="http://schemas.microsoft.com/office/drawing/2014/main" id="{CCD7382C-8964-AC6D-D726-8F774177DEE7}"/>
+                <a16:creationId xmlns="" xmlns:a16="http://schemas.microsoft.com/office/drawing/2014/main" id="{CCD7382C-8964-AC6D-D726-8F774177DEE7}"/>
               </a:ext>
             </a:extLst>
           </p:cNvPr>
@@ -12858,7 +12474,7 @@
           <a:blip r:embed="rId2">
             <a:extLst>
               <a:ext uri="{28A0092B-C50C-407E-A947-70E740481C1C}">
-                <a14:useLocalDpi xmlns:a14="http://schemas.microsoft.com/office/drawing/2010/main" val="0"/>
+                <a14:useLocalDpi xmlns="" xmlns:a14="http://schemas.microsoft.com/office/drawing/2010/main" val="0"/>
               </a:ext>
             </a:extLst>
           </a:blip>
@@ -12879,7 +12495,7 @@
     </p:spTree>
     <p:extLst>
       <p:ext uri="{BB962C8B-B14F-4D97-AF65-F5344CB8AC3E}">
-        <p14:creationId xmlns:p14="http://schemas.microsoft.com/office/powerpoint/2010/main" val="2512492936"/>
+        <p14:creationId xmlns="" xmlns:p14="http://schemas.microsoft.com/office/powerpoint/2010/main" val="2512492936"/>
       </p:ext>
     </p:extLst>
   </p:cSld>
@@ -13044,7 +12660,7 @@
     </p:spTree>
     <p:extLst>
       <p:ext uri="{BB962C8B-B14F-4D97-AF65-F5344CB8AC3E}">
-        <p14:creationId xmlns:p14="http://schemas.microsoft.com/office/powerpoint/2010/main" val="3445439315"/>
+        <p14:creationId xmlns="" xmlns:p14="http://schemas.microsoft.com/office/powerpoint/2010/main" val="3445439315"/>
       </p:ext>
     </p:extLst>
   </p:cSld>
@@ -13181,7 +12797,7 @@
     </p:spTree>
     <p:extLst>
       <p:ext uri="{BB962C8B-B14F-4D97-AF65-F5344CB8AC3E}">
-        <p14:creationId xmlns:p14="http://schemas.microsoft.com/office/powerpoint/2010/main" val="2912760412"/>
+        <p14:creationId xmlns="" xmlns:p14="http://schemas.microsoft.com/office/powerpoint/2010/main" val="2912760412"/>
       </p:ext>
     </p:extLst>
   </p:cSld>
@@ -13226,9 +12842,10 @@
           <a:lstStyle/>
           <a:p>
             <a:r>
-              <a:rPr lang="en-US" dirty="0"/>
+              <a:rPr lang="en-US" dirty="0" smtClean="0"/>
               <a:t>Applications</a:t>
             </a:r>
+            <a:endParaRPr lang="en-US" dirty="0"/>
           </a:p>
         </p:txBody>
       </p:sp>
@@ -13253,23 +12870,23 @@
           <a:lstStyle/>
           <a:p>
             <a:r>
-              <a:rPr lang="en-US" dirty="0"/>
+              <a:rPr lang="en-US" dirty="0" smtClean="0"/>
               <a:t>Binary classification</a:t>
             </a:r>
           </a:p>
           <a:p>
             <a:r>
-              <a:rPr lang="en-IN" dirty="0"/>
+              <a:rPr lang="en-IN" dirty="0" smtClean="0"/>
               <a:t>Positive class and negative class</a:t>
             </a:r>
-            <a:endParaRPr lang="en-US" dirty="0"/>
+            <a:endParaRPr lang="en-US" dirty="0" smtClean="0"/>
           </a:p>
           <a:p>
             <a:pPr lvl="1"/>
-            <a:endParaRPr lang="en-US" dirty="0"/>
-          </a:p>
-          <a:p>
-            <a:endParaRPr lang="en-US" dirty="0"/>
+            <a:endParaRPr lang="en-US" dirty="0" smtClean="0"/>
+          </a:p>
+          <a:p>
+            <a:endParaRPr lang="en-US" dirty="0" smtClean="0"/>
           </a:p>
           <a:p>
             <a:pPr lvl="1"/>
@@ -13282,6 +12899,13 @@
   <p:clrMapOvr>
     <a:masterClrMapping/>
   </p:clrMapOvr>
+  <p:timing>
+    <p:tnLst>
+      <p:par>
+        <p:cTn id="1" dur="indefinite" restart="never" nodeType="tmRoot"/>
+      </p:par>
+    </p:tnLst>
+  </p:timing>
 </p:sld>
 </file>
 
@@ -13318,9 +12942,10 @@
           <a:lstStyle/>
           <a:p>
             <a:r>
-              <a:rPr lang="en-US" dirty="0"/>
+              <a:rPr lang="en-US" dirty="0" smtClean="0"/>
               <a:t>Advantages</a:t>
             </a:r>
+            <a:endParaRPr lang="en-US" dirty="0"/>
           </a:p>
         </p:txBody>
       </p:sp>
@@ -13342,31 +12967,31 @@
           <a:lstStyle/>
           <a:p>
             <a:r>
-              <a:rPr lang="en-IN" dirty="0"/>
+              <a:rPr lang="en-IN" dirty="0" smtClean="0"/>
               <a:t>Easy to implement and interpret</a:t>
             </a:r>
           </a:p>
           <a:p>
             <a:r>
-              <a:rPr lang="en-IN" dirty="0"/>
+              <a:rPr lang="en-IN" dirty="0" smtClean="0"/>
               <a:t>Efficient to train</a:t>
             </a:r>
           </a:p>
           <a:p>
             <a:r>
-              <a:rPr lang="en-IN" dirty="0"/>
+              <a:rPr lang="en-IN" dirty="0" smtClean="0"/>
               <a:t>No assumptions about distributions of classes</a:t>
             </a:r>
           </a:p>
           <a:p>
             <a:r>
-              <a:rPr lang="en-IN" dirty="0"/>
+              <a:rPr lang="en-IN" dirty="0" smtClean="0"/>
               <a:t>Can be extended to multiple classes</a:t>
             </a:r>
           </a:p>
           <a:p>
             <a:r>
-              <a:rPr lang="en-IN" dirty="0"/>
+              <a:rPr lang="en-IN" dirty="0" smtClean="0"/>
               <a:t>Good accuracy for linearly separable dataset</a:t>
             </a:r>
             <a:endParaRPr lang="en-US" dirty="0"/>
@@ -13378,6 +13003,13 @@
   <p:clrMapOvr>
     <a:masterClrMapping/>
   </p:clrMapOvr>
+  <p:timing>
+    <p:tnLst>
+      <p:par>
+        <p:cTn id="1" dur="indefinite" restart="never" nodeType="tmRoot"/>
+      </p:par>
+    </p:tnLst>
+  </p:timing>
 </p:sld>
 </file>
 
@@ -13414,9 +13046,10 @@
           <a:lstStyle/>
           <a:p>
             <a:r>
-              <a:rPr lang="en-US" dirty="0"/>
+              <a:rPr lang="en-US" dirty="0" smtClean="0"/>
               <a:t>Disadvantages</a:t>
             </a:r>
+            <a:endParaRPr lang="en-US" dirty="0"/>
           </a:p>
         </p:txBody>
       </p:sp>
@@ -13438,47 +13071,47 @@
           <a:lstStyle/>
           <a:p>
             <a:r>
-              <a:rPr lang="en-US" dirty="0" err="1"/>
+              <a:rPr lang="en-US" dirty="0" err="1" smtClean="0"/>
               <a:t>Overfit</a:t>
             </a:r>
             <a:r>
-              <a:rPr lang="en-US" dirty="0"/>
+              <a:rPr lang="en-US" dirty="0" smtClean="0"/>
               <a:t> for small dataset</a:t>
             </a:r>
           </a:p>
           <a:p>
             <a:r>
-              <a:rPr lang="en-US" dirty="0"/>
+              <a:rPr lang="en-US" dirty="0" smtClean="0"/>
               <a:t>Construct linear boundaries</a:t>
             </a:r>
           </a:p>
           <a:p>
             <a:r>
-              <a:rPr lang="en-IN" dirty="0"/>
+              <a:rPr lang="en-IN" dirty="0" smtClean="0"/>
               <a:t>Assumption of linearity </a:t>
             </a:r>
           </a:p>
           <a:p>
             <a:pPr lvl="1"/>
             <a:r>
-              <a:rPr lang="en-IN" dirty="0"/>
+              <a:rPr lang="en-IN" dirty="0" smtClean="0"/>
               <a:t>Independent variables</a:t>
             </a:r>
           </a:p>
           <a:p>
             <a:pPr lvl="1"/>
             <a:r>
-              <a:rPr lang="en-IN" dirty="0"/>
+              <a:rPr lang="en-IN" dirty="0" smtClean="0"/>
               <a:t>Dependent variables</a:t>
             </a:r>
           </a:p>
           <a:p>
             <a:r>
-              <a:rPr lang="en-IN"/>
+              <a:rPr lang="en-IN" smtClean="0"/>
               <a:t>Cannot solve non </a:t>
             </a:r>
             <a:r>
-              <a:rPr lang="en-IN" dirty="0"/>
+              <a:rPr lang="en-IN" dirty="0" smtClean="0"/>
               <a:t>linear problems</a:t>
             </a:r>
           </a:p>
@@ -13489,6 +13122,13 @@
   <p:clrMapOvr>
     <a:masterClrMapping/>
   </p:clrMapOvr>
+  <p:timing>
+    <p:tnLst>
+      <p:par>
+        <p:cTn id="1" dur="indefinite" restart="never" nodeType="tmRoot"/>
+      </p:par>
+    </p:tnLst>
+  </p:timing>
 </p:sld>
 </file>
 
@@ -13527,9 +13167,10 @@
           <a:lstStyle/>
           <a:p>
             <a:r>
-              <a:rPr lang="en-US" dirty="0"/>
+              <a:rPr lang="en-US" dirty="0" smtClean="0"/>
               <a:t>Binary Classification </a:t>
             </a:r>
+            <a:endParaRPr lang="en-US" dirty="0"/>
           </a:p>
         </p:txBody>
       </p:sp>
@@ -13549,16 +13190,17 @@
           <a:lstStyle/>
           <a:p>
             <a:r>
-              <a:rPr lang="en-US" dirty="0"/>
+              <a:rPr lang="en-US" dirty="0" smtClean="0"/>
               <a:t>Classify elements of given set into two groups</a:t>
             </a:r>
           </a:p>
           <a:p>
             <a:pPr lvl="1"/>
             <a:r>
-              <a:rPr lang="en-US" dirty="0"/>
+              <a:rPr lang="en-US" dirty="0" smtClean="0"/>
               <a:t>Classify dog and non-dog images</a:t>
             </a:r>
+            <a:endParaRPr lang="en-US" dirty="0"/>
           </a:p>
         </p:txBody>
       </p:sp>
@@ -13624,9 +13266,10 @@
             <a:p>
               <a:pPr algn="ctr"/>
               <a:r>
-                <a:rPr lang="en-US" sz="2400" b="1" dirty="0"/>
+                <a:rPr lang="en-US" sz="2400" b="1" dirty="0" smtClean="0"/>
                 <a:t>Dog</a:t>
               </a:r>
+              <a:endParaRPr lang="en-US" sz="2400" b="1" dirty="0"/>
             </a:p>
           </p:txBody>
         </p:sp>
@@ -13693,9 +13336,10 @@
             <a:p>
               <a:pPr algn="ctr"/>
               <a:r>
-                <a:rPr lang="en-US" sz="2400" b="1" dirty="0"/>
+                <a:rPr lang="en-US" sz="2400" b="1" dirty="0" smtClean="0"/>
                 <a:t>Non-dog</a:t>
               </a:r>
+              <a:endParaRPr lang="en-US" sz="2400" b="1" dirty="0"/>
             </a:p>
           </p:txBody>
         </p:sp>
@@ -13745,7 +13389,7 @@
               <a:t>Image </a:t>
             </a:r>
             <a:r>
-              <a:rPr lang="en-US" sz="1600" b="1" dirty="0" err="1">
+              <a:rPr lang="en-US" sz="1600" b="1" dirty="0" err="1" smtClean="0">
                 <a:solidFill>
                   <a:srgbClr val="FF0000"/>
                 </a:solidFill>
@@ -13753,13 +13397,18 @@
               <a:t>ack</a:t>
             </a:r>
             <a:r>
-              <a:rPr lang="en-US" sz="1600" b="1" dirty="0">
+              <a:rPr lang="en-US" sz="1600" b="1" dirty="0" smtClean="0">
                 <a:solidFill>
                   <a:srgbClr val="FF0000"/>
                 </a:solidFill>
               </a:rPr>
               <a:t> – Google</a:t>
             </a:r>
+            <a:endParaRPr lang="en-US" sz="1600" b="1" dirty="0">
+              <a:solidFill>
+                <a:srgbClr val="FF0000"/>
+              </a:solidFill>
+            </a:endParaRPr>
           </a:p>
         </p:txBody>
       </p:sp>
@@ -13768,6 +13417,13 @@
   <p:clrMapOvr>
     <a:masterClrMapping/>
   </p:clrMapOvr>
+  <p:timing>
+    <p:tnLst>
+      <p:par>
+        <p:cTn id="1" dur="indefinite" restart="never" nodeType="tmRoot"/>
+      </p:par>
+    </p:tnLst>
+  </p:timing>
 </p:sld>
 </file>
 
@@ -13804,9 +13460,10 @@
           <a:lstStyle/>
           <a:p>
             <a:r>
-              <a:rPr lang="en-US" dirty="0"/>
+              <a:rPr lang="en-US" dirty="0" smtClean="0"/>
               <a:t>Questions?</a:t>
             </a:r>
+            <a:endParaRPr lang="en-US" dirty="0"/>
           </a:p>
         </p:txBody>
       </p:sp>
@@ -13826,9 +13483,10 @@
           <a:lstStyle/>
           <a:p>
             <a:r>
-              <a:rPr lang="en-US" dirty="0"/>
+              <a:rPr lang="en-US" dirty="0" smtClean="0"/>
               <a:t>Thank you</a:t>
             </a:r>
+            <a:endParaRPr lang="en-US" dirty="0"/>
           </a:p>
         </p:txBody>
       </p:sp>
@@ -13837,6 +13495,13 @@
   <p:clrMapOvr>
     <a:masterClrMapping/>
   </p:clrMapOvr>
+  <p:timing>
+    <p:tnLst>
+      <p:par>
+        <p:cTn id="1" dur="indefinite" restart="never" nodeType="tmRoot"/>
+      </p:par>
+    </p:tnLst>
+  </p:timing>
 </p:sld>
 </file>
 
@@ -13875,9 +13540,10 @@
           <a:lstStyle/>
           <a:p>
             <a:r>
-              <a:rPr lang="en-US" dirty="0"/>
+              <a:rPr lang="en-US" dirty="0" smtClean="0"/>
               <a:t>Sigmoid Function</a:t>
             </a:r>
+            <a:endParaRPr lang="en-US" dirty="0"/>
           </a:p>
         </p:txBody>
       </p:sp>
@@ -13895,59 +13561,9 @@
         </p:xfrm>
         <a:graphic>
           <a:graphicData uri="http://schemas.openxmlformats.org/presentationml/2006/ole">
-            <mc:AlternateContent xmlns:mc="http://schemas.openxmlformats.org/markup-compatibility/2006">
-              <mc:Choice xmlns:v="urn:schemas-microsoft-com:vml" Requires="v">
-                <p:oleObj spid="_x0000_s27650" name="Equation" r:id="rId2" imgW="876240" imgH="393480" progId="Equation.3">
-                  <p:embed/>
-                </p:oleObj>
-              </mc:Choice>
-              <mc:Fallback>
-                <p:oleObj name="Equation" r:id="rId2" imgW="876240" imgH="393480" progId="Equation.3">
-                  <p:embed/>
-                  <p:pic>
-                    <p:nvPicPr>
-                      <p:cNvPr id="0" name="Picture 2"/>
-                      <p:cNvPicPr>
-                        <a:picLocks noChangeAspect="1" noChangeArrowheads="1"/>
-                      </p:cNvPicPr>
-                      <p:nvPr/>
-                    </p:nvPicPr>
-                    <p:blipFill>
-                      <a:blip r:embed="rId3">
-                        <a:extLst>
-                          <a:ext uri="{28A0092B-C50C-407E-A947-70E740481C1C}">
-                            <a14:useLocalDpi xmlns:a14="http://schemas.microsoft.com/office/drawing/2010/main" val="0"/>
-                          </a:ext>
-                        </a:extLst>
-                      </a:blip>
-                      <a:srcRect/>
-                      <a:stretch>
-                        <a:fillRect/>
-                      </a:stretch>
-                    </p:blipFill>
-                    <p:spPr bwMode="auto">
-                      <a:xfrm>
-                        <a:off x="3505200" y="5027612"/>
-                        <a:ext cx="1684337" cy="763588"/>
-                      </a:xfrm>
-                      <a:prstGeom prst="rect">
-                        <a:avLst/>
-                      </a:prstGeom>
-                      <a:noFill/>
-                      <a:extLst>
-                        <a:ext uri="{909E8E84-426E-40DD-AFC4-6F175D3DCCD1}">
-                          <a14:hiddenFill xmlns:a14="http://schemas.microsoft.com/office/drawing/2010/main">
-                            <a:solidFill>
-                              <a:srgbClr val="FFFFFF"/>
-                            </a:solidFill>
-                          </a14:hiddenFill>
-                        </a:ext>
-                      </a:extLst>
-                    </p:spPr>
-                  </p:pic>
-                </p:oleObj>
-              </mc:Fallback>
-            </mc:AlternateContent>
+            <p:oleObj spid="_x0000_s27650" name="Equation" r:id="rId3" imgW="876240" imgH="393480" progId="Equation.3">
+              <p:embed/>
+            </p:oleObj>
           </a:graphicData>
         </a:graphic>
       </p:graphicFrame>
@@ -13983,6 +13599,13 @@
   <p:clrMapOvr>
     <a:masterClrMapping/>
   </p:clrMapOvr>
+  <p:timing>
+    <p:tnLst>
+      <p:par>
+        <p:cTn id="1" dur="indefinite" restart="never" nodeType="tmRoot"/>
+      </p:par>
+    </p:tnLst>
+  </p:timing>
 </p:sld>
 </file>
 
@@ -14021,9 +13644,10 @@
           <a:lstStyle/>
           <a:p>
             <a:r>
-              <a:rPr lang="en-US" dirty="0"/>
+              <a:rPr lang="en-US" dirty="0" smtClean="0"/>
               <a:t>Sigmoid Function</a:t>
             </a:r>
+            <a:endParaRPr lang="en-US" dirty="0"/>
           </a:p>
         </p:txBody>
       </p:sp>
@@ -14043,33 +13667,34 @@
           <a:lstStyle/>
           <a:p>
             <a:r>
-              <a:rPr lang="el-GR" dirty="0"/>
+              <a:rPr lang="el-GR" dirty="0" smtClean="0"/>
               <a:t>σ</a:t>
             </a:r>
             <a:r>
-              <a:rPr lang="en-US" dirty="0"/>
+              <a:rPr lang="en-US" dirty="0" smtClean="0"/>
               <a:t>(Z) ~ 1 – For Z &gt;&gt; 0 </a:t>
             </a:r>
           </a:p>
           <a:p>
             <a:r>
-              <a:rPr lang="el-GR" dirty="0"/>
+              <a:rPr lang="el-GR" dirty="0" smtClean="0"/>
               <a:t>σ</a:t>
             </a:r>
             <a:r>
-              <a:rPr lang="en-US" dirty="0"/>
+              <a:rPr lang="en-US" dirty="0" smtClean="0"/>
               <a:t>(Z) ~ 0 – For Z &lt;&lt; 0 </a:t>
             </a:r>
           </a:p>
           <a:p>
             <a:r>
-              <a:rPr lang="el-GR" dirty="0"/>
+              <a:rPr lang="el-GR" dirty="0" smtClean="0"/>
               <a:t>σ</a:t>
             </a:r>
             <a:r>
-              <a:rPr lang="en-US" dirty="0"/>
+              <a:rPr lang="en-US" dirty="0" smtClean="0"/>
               <a:t>(Z) = 0.5 – For Z = 0</a:t>
             </a:r>
+            <a:endParaRPr lang="en-US" dirty="0"/>
           </a:p>
         </p:txBody>
       </p:sp>
@@ -14082,7 +13707,7 @@
           <p:nvPr>
             <p:extLst>
               <p:ext uri="{D42A27DB-BD31-4B8C-83A1-F6EECF244321}">
-                <p14:modId xmlns:p14="http://schemas.microsoft.com/office/powerpoint/2010/main" val="3926379348"/>
+                <p14:modId xmlns="" xmlns:p14="http://schemas.microsoft.com/office/powerpoint/2010/main" val="3926379348"/>
               </p:ext>
             </p:extLst>
           </p:nvPr>
@@ -14101,14 +13726,14 @@
                 <a:gridCol w="1447800">
                   <a:extLst>
                     <a:ext uri="{9D8B030D-6E8A-4147-A177-3AD203B41FA5}">
-                      <a16:colId xmlns:a16="http://schemas.microsoft.com/office/drawing/2014/main" val="20000"/>
+                      <a16:colId xmlns="" xmlns:a16="http://schemas.microsoft.com/office/drawing/2014/main" val="20000"/>
                     </a:ext>
                   </a:extLst>
                 </a:gridCol>
                 <a:gridCol w="1447800">
                   <a:extLst>
                     <a:ext uri="{9D8B030D-6E8A-4147-A177-3AD203B41FA5}">
-                      <a16:colId xmlns:a16="http://schemas.microsoft.com/office/drawing/2014/main" val="20001"/>
+                      <a16:colId xmlns="" xmlns:a16="http://schemas.microsoft.com/office/drawing/2014/main" val="20001"/>
                     </a:ext>
                   </a:extLst>
                 </a:gridCol>
@@ -14121,9 +13746,10 @@
                     <a:p>
                       <a:pPr algn="ctr"/>
                       <a:r>
-                        <a:rPr lang="en-US" b="1" dirty="0"/>
+                        <a:rPr lang="en-US" b="1" dirty="0" smtClean="0"/>
                         <a:t>Z</a:t>
                       </a:r>
+                      <a:endParaRPr lang="en-US" b="1" dirty="0"/>
                     </a:p>
                   </a:txBody>
                   <a:tcPr/>
@@ -14135,20 +13761,21 @@
                     <a:p>
                       <a:pPr algn="ctr"/>
                       <a:r>
-                        <a:rPr lang="el-GR" b="1" dirty="0"/>
+                        <a:rPr lang="el-GR" b="1" dirty="0" smtClean="0"/>
                         <a:t>σ(</a:t>
                       </a:r>
                       <a:r>
-                        <a:rPr lang="en-US" b="1" dirty="0"/>
+                        <a:rPr lang="en-US" b="1" dirty="0" smtClean="0"/>
                         <a:t>Z)</a:t>
                       </a:r>
+                      <a:endParaRPr lang="en-US" b="1" dirty="0"/>
                     </a:p>
                   </a:txBody>
                   <a:tcPr/>
                 </a:tc>
                 <a:extLst>
                   <a:ext uri="{0D108BD9-81ED-4DB2-BD59-A6C34878D82A}">
-                    <a16:rowId xmlns:a16="http://schemas.microsoft.com/office/drawing/2014/main" val="10000"/>
+                    <a16:rowId xmlns="" xmlns:a16="http://schemas.microsoft.com/office/drawing/2014/main" val="10000"/>
                   </a:ext>
                 </a:extLst>
               </a:tr>
@@ -14174,16 +13801,17 @@
                     <a:p>
                       <a:pPr algn="ctr"/>
                       <a:r>
-                        <a:rPr lang="en-US" dirty="0"/>
+                        <a:rPr lang="en-US" dirty="0" smtClean="0"/>
                         <a:t>0.12</a:t>
                       </a:r>
+                      <a:endParaRPr lang="en-US" dirty="0"/>
                     </a:p>
                   </a:txBody>
                   <a:tcPr/>
                 </a:tc>
                 <a:extLst>
                   <a:ext uri="{0D108BD9-81ED-4DB2-BD59-A6C34878D82A}">
-                    <a16:rowId xmlns:a16="http://schemas.microsoft.com/office/drawing/2014/main" val="10001"/>
+                    <a16:rowId xmlns="" xmlns:a16="http://schemas.microsoft.com/office/drawing/2014/main" val="10001"/>
                   </a:ext>
                 </a:extLst>
               </a:tr>
@@ -14209,16 +13837,17 @@
                     <a:p>
                       <a:pPr algn="ctr"/>
                       <a:r>
-                        <a:rPr lang="en-US" dirty="0"/>
+                        <a:rPr lang="en-US" dirty="0" smtClean="0"/>
                         <a:t>0.18</a:t>
                       </a:r>
+                      <a:endParaRPr lang="en-US" dirty="0"/>
                     </a:p>
                   </a:txBody>
                   <a:tcPr/>
                 </a:tc>
                 <a:extLst>
                   <a:ext uri="{0D108BD9-81ED-4DB2-BD59-A6C34878D82A}">
-                    <a16:rowId xmlns:a16="http://schemas.microsoft.com/office/drawing/2014/main" val="10002"/>
+                    <a16:rowId xmlns="" xmlns:a16="http://schemas.microsoft.com/office/drawing/2014/main" val="10002"/>
                   </a:ext>
                 </a:extLst>
               </a:tr>
@@ -14244,16 +13873,17 @@
                     <a:p>
                       <a:pPr algn="ctr"/>
                       <a:r>
-                        <a:rPr lang="en-US" dirty="0"/>
+                        <a:rPr lang="en-US" dirty="0" smtClean="0"/>
                         <a:t>0.27</a:t>
                       </a:r>
+                      <a:endParaRPr lang="en-US" dirty="0"/>
                     </a:p>
                   </a:txBody>
                   <a:tcPr/>
                 </a:tc>
                 <a:extLst>
                   <a:ext uri="{0D108BD9-81ED-4DB2-BD59-A6C34878D82A}">
-                    <a16:rowId xmlns:a16="http://schemas.microsoft.com/office/drawing/2014/main" val="10003"/>
+                    <a16:rowId xmlns="" xmlns:a16="http://schemas.microsoft.com/office/drawing/2014/main" val="10003"/>
                   </a:ext>
                 </a:extLst>
               </a:tr>
@@ -14265,9 +13895,10 @@
                     <a:p>
                       <a:pPr algn="ctr"/>
                       <a:r>
-                        <a:rPr lang="en-US" b="0" dirty="0"/>
+                        <a:rPr lang="en-US" b="0" dirty="0" smtClean="0"/>
                         <a:t>-0.5</a:t>
                       </a:r>
+                      <a:endParaRPr lang="en-US" b="0" dirty="0"/>
                     </a:p>
                   </a:txBody>
                   <a:tcPr/>
@@ -14279,16 +13910,17 @@
                     <a:p>
                       <a:pPr algn="ctr"/>
                       <a:r>
-                        <a:rPr lang="en-US" dirty="0"/>
+                        <a:rPr lang="en-US" dirty="0" smtClean="0"/>
                         <a:t>0.38</a:t>
                       </a:r>
+                      <a:endParaRPr lang="en-US" dirty="0"/>
                     </a:p>
                   </a:txBody>
                   <a:tcPr/>
                 </a:tc>
                 <a:extLst>
                   <a:ext uri="{0D108BD9-81ED-4DB2-BD59-A6C34878D82A}">
-                    <a16:rowId xmlns:a16="http://schemas.microsoft.com/office/drawing/2014/main" val="10004"/>
+                    <a16:rowId xmlns="" xmlns:a16="http://schemas.microsoft.com/office/drawing/2014/main" val="10004"/>
                   </a:ext>
                 </a:extLst>
               </a:tr>
@@ -14314,16 +13946,17 @@
                     <a:p>
                       <a:pPr algn="ctr"/>
                       <a:r>
-                        <a:rPr lang="en-US" dirty="0"/>
+                        <a:rPr lang="en-US" dirty="0" smtClean="0"/>
                         <a:t>0.50</a:t>
                       </a:r>
+                      <a:endParaRPr lang="en-US" dirty="0"/>
                     </a:p>
                   </a:txBody>
                   <a:tcPr/>
                 </a:tc>
                 <a:extLst>
                   <a:ext uri="{0D108BD9-81ED-4DB2-BD59-A6C34878D82A}">
-                    <a16:rowId xmlns:a16="http://schemas.microsoft.com/office/drawing/2014/main" val="10005"/>
+                    <a16:rowId xmlns="" xmlns:a16="http://schemas.microsoft.com/office/drawing/2014/main" val="10005"/>
                   </a:ext>
                 </a:extLst>
               </a:tr>
@@ -14335,9 +13968,10 @@
                     <a:p>
                       <a:pPr algn="ctr"/>
                       <a:r>
-                        <a:rPr lang="en-US" b="0" dirty="0"/>
+                        <a:rPr lang="en-US" b="0" dirty="0" smtClean="0"/>
                         <a:t>0.5</a:t>
                       </a:r>
+                      <a:endParaRPr lang="en-US" b="0" dirty="0"/>
                     </a:p>
                   </a:txBody>
                   <a:tcPr/>
@@ -14349,16 +13983,17 @@
                     <a:p>
                       <a:pPr algn="ctr"/>
                       <a:r>
-                        <a:rPr lang="en-US" dirty="0"/>
+                        <a:rPr lang="en-US" dirty="0" smtClean="0"/>
                         <a:t>0.62</a:t>
                       </a:r>
+                      <a:endParaRPr lang="en-US" dirty="0"/>
                     </a:p>
                   </a:txBody>
                   <a:tcPr/>
                 </a:tc>
                 <a:extLst>
                   <a:ext uri="{0D108BD9-81ED-4DB2-BD59-A6C34878D82A}">
-                    <a16:rowId xmlns:a16="http://schemas.microsoft.com/office/drawing/2014/main" val="10006"/>
+                    <a16:rowId xmlns="" xmlns:a16="http://schemas.microsoft.com/office/drawing/2014/main" val="10006"/>
                   </a:ext>
                 </a:extLst>
               </a:tr>
@@ -14384,16 +14019,17 @@
                     <a:p>
                       <a:pPr algn="ctr"/>
                       <a:r>
-                        <a:rPr lang="en-US" dirty="0"/>
+                        <a:rPr lang="en-US" dirty="0" smtClean="0"/>
                         <a:t>0.73</a:t>
                       </a:r>
+                      <a:endParaRPr lang="en-US" dirty="0"/>
                     </a:p>
                   </a:txBody>
                   <a:tcPr/>
                 </a:tc>
                 <a:extLst>
                   <a:ext uri="{0D108BD9-81ED-4DB2-BD59-A6C34878D82A}">
-                    <a16:rowId xmlns:a16="http://schemas.microsoft.com/office/drawing/2014/main" val="10007"/>
+                    <a16:rowId xmlns="" xmlns:a16="http://schemas.microsoft.com/office/drawing/2014/main" val="10007"/>
                   </a:ext>
                 </a:extLst>
               </a:tr>
@@ -14419,16 +14055,17 @@
                     <a:p>
                       <a:pPr algn="ctr"/>
                       <a:r>
-                        <a:rPr lang="en-US" dirty="0"/>
+                        <a:rPr lang="en-US" dirty="0" smtClean="0"/>
                         <a:t>0.82</a:t>
                       </a:r>
+                      <a:endParaRPr lang="en-US" dirty="0"/>
                     </a:p>
                   </a:txBody>
                   <a:tcPr/>
                 </a:tc>
                 <a:extLst>
                   <a:ext uri="{0D108BD9-81ED-4DB2-BD59-A6C34878D82A}">
-                    <a16:rowId xmlns:a16="http://schemas.microsoft.com/office/drawing/2014/main" val="10008"/>
+                    <a16:rowId xmlns="" xmlns:a16="http://schemas.microsoft.com/office/drawing/2014/main" val="10008"/>
                   </a:ext>
                 </a:extLst>
               </a:tr>
@@ -14454,16 +14091,17 @@
                     <a:p>
                       <a:pPr algn="ctr"/>
                       <a:r>
-                        <a:rPr lang="en-US" dirty="0"/>
+                        <a:rPr lang="en-US" dirty="0" smtClean="0"/>
                         <a:t>0.88</a:t>
                       </a:r>
+                      <a:endParaRPr lang="en-US" dirty="0"/>
                     </a:p>
                   </a:txBody>
                   <a:tcPr/>
                 </a:tc>
                 <a:extLst>
                   <a:ext uri="{0D108BD9-81ED-4DB2-BD59-A6C34878D82A}">
-                    <a16:rowId xmlns:a16="http://schemas.microsoft.com/office/drawing/2014/main" val="10009"/>
+                    <a16:rowId xmlns="" xmlns:a16="http://schemas.microsoft.com/office/drawing/2014/main" val="10009"/>
                   </a:ext>
                 </a:extLst>
               </a:tr>
@@ -14476,6 +14114,13 @@
   <p:clrMapOvr>
     <a:masterClrMapping/>
   </p:clrMapOvr>
+  <p:timing>
+    <p:tnLst>
+      <p:par>
+        <p:cTn id="1" dur="indefinite" restart="never" nodeType="tmRoot"/>
+      </p:par>
+    </p:tnLst>
+  </p:timing>
 </p:sld>
 </file>
 
@@ -14514,9 +14159,10 @@
           <a:lstStyle/>
           <a:p>
             <a:r>
-              <a:rPr lang="en-US" dirty="0"/>
+              <a:rPr lang="en-US" dirty="0" smtClean="0"/>
               <a:t>Logistic Regression</a:t>
             </a:r>
+            <a:endParaRPr lang="en-US" dirty="0"/>
           </a:p>
         </p:txBody>
       </p:sp>
@@ -14536,60 +14182,60 @@
           <a:lstStyle/>
           <a:p>
             <a:r>
-              <a:rPr lang="en-US" dirty="0"/>
+              <a:rPr lang="en-US" dirty="0" smtClean="0"/>
               <a:t>Input – X  </a:t>
             </a:r>
           </a:p>
           <a:p>
             <a:pPr lvl="1"/>
             <a:r>
-              <a:rPr lang="en-US" dirty="0"/>
+              <a:rPr lang="en-US" dirty="0" smtClean="0"/>
               <a:t>Vector</a:t>
             </a:r>
           </a:p>
           <a:p>
             <a:pPr lvl="1"/>
             <a:r>
-              <a:rPr lang="en-US" dirty="0"/>
+              <a:rPr lang="en-US" dirty="0" smtClean="0"/>
               <a:t>X </a:t>
             </a:r>
             <a:r>
-              <a:rPr lang="el-GR" dirty="0"/>
+              <a:rPr lang="el-GR" dirty="0" smtClean="0"/>
               <a:t>ε</a:t>
             </a:r>
             <a:r>
-              <a:rPr lang="en-US" dirty="0"/>
+              <a:rPr lang="en-US" dirty="0" smtClean="0"/>
               <a:t> R</a:t>
             </a:r>
           </a:p>
           <a:p>
             <a:pPr lvl="1"/>
             <a:r>
-              <a:rPr lang="en-US" dirty="0"/>
+              <a:rPr lang="en-US" dirty="0" smtClean="0"/>
               <a:t>Dimension – n</a:t>
             </a:r>
             <a:r>
-              <a:rPr lang="en-US" baseline="-25000" dirty="0"/>
+              <a:rPr lang="en-US" baseline="-25000" dirty="0" smtClean="0"/>
               <a:t>X </a:t>
             </a:r>
           </a:p>
           <a:p>
             <a:r>
-              <a:rPr lang="en-US" dirty="0"/>
+              <a:rPr lang="en-US" dirty="0" smtClean="0"/>
               <a:t>Output – ŷ </a:t>
             </a:r>
           </a:p>
           <a:p>
             <a:pPr lvl="1"/>
             <a:r>
-              <a:rPr lang="en-US" dirty="0"/>
+              <a:rPr lang="en-US" dirty="0" smtClean="0"/>
               <a:t>Scalar</a:t>
             </a:r>
           </a:p>
           <a:p>
             <a:pPr lvl="1"/>
             <a:r>
-              <a:rPr lang="en-US" dirty="0"/>
+              <a:rPr lang="en-US" dirty="0" smtClean="0"/>
               <a:t>0 &lt;= ŷ &lt;= 1.0</a:t>
             </a:r>
           </a:p>
@@ -14604,6 +14250,13 @@
   <p:clrMapOvr>
     <a:masterClrMapping/>
   </p:clrMapOvr>
+  <p:timing>
+    <p:tnLst>
+      <p:par>
+        <p:cTn id="1" dur="indefinite" restart="never" nodeType="tmRoot"/>
+      </p:par>
+    </p:tnLst>
+  </p:timing>
 </p:sld>
 </file>
 
@@ -14642,9 +14295,10 @@
           <a:lstStyle/>
           <a:p>
             <a:r>
-              <a:rPr lang="en-US" dirty="0"/>
+              <a:rPr lang="en-US" dirty="0" smtClean="0"/>
               <a:t>Linear Regression</a:t>
             </a:r>
+            <a:endParaRPr lang="en-US" dirty="0"/>
           </a:p>
         </p:txBody>
       </p:sp>
@@ -14666,82 +14320,82 @@
           <a:lstStyle/>
           <a:p>
             <a:r>
-              <a:rPr lang="en-US" dirty="0"/>
+              <a:rPr lang="en-US" dirty="0" smtClean="0"/>
               <a:t>Weights – W  </a:t>
             </a:r>
           </a:p>
           <a:p>
             <a:pPr lvl="1"/>
             <a:r>
-              <a:rPr lang="en-US" dirty="0"/>
+              <a:rPr lang="en-US" dirty="0" smtClean="0"/>
               <a:t>Vector</a:t>
             </a:r>
           </a:p>
           <a:p>
             <a:pPr lvl="1"/>
             <a:r>
-              <a:rPr lang="en-US" dirty="0"/>
+              <a:rPr lang="en-US" dirty="0" smtClean="0"/>
               <a:t>W </a:t>
             </a:r>
             <a:r>
-              <a:rPr lang="el-GR" dirty="0"/>
+              <a:rPr lang="el-GR" dirty="0" smtClean="0"/>
               <a:t>ε</a:t>
             </a:r>
             <a:r>
-              <a:rPr lang="en-US" dirty="0"/>
+              <a:rPr lang="en-US" dirty="0" smtClean="0"/>
               <a:t> R</a:t>
             </a:r>
           </a:p>
           <a:p>
             <a:pPr lvl="1"/>
             <a:r>
-              <a:rPr lang="en-US" dirty="0"/>
+              <a:rPr lang="en-US" dirty="0" smtClean="0"/>
               <a:t>Dimension – n</a:t>
             </a:r>
             <a:r>
-              <a:rPr lang="en-US" baseline="-25000" dirty="0"/>
+              <a:rPr lang="en-US" baseline="-25000" dirty="0" smtClean="0"/>
               <a:t>X </a:t>
             </a:r>
           </a:p>
           <a:p>
             <a:r>
-              <a:rPr lang="en-US" dirty="0"/>
+              <a:rPr lang="en-US" dirty="0" smtClean="0"/>
               <a:t>Bias – b  </a:t>
             </a:r>
           </a:p>
           <a:p>
             <a:pPr lvl="1"/>
             <a:r>
-              <a:rPr lang="en-US" dirty="0"/>
+              <a:rPr lang="en-US" dirty="0" smtClean="0"/>
               <a:t>Scalar</a:t>
             </a:r>
           </a:p>
           <a:p>
             <a:pPr lvl="1"/>
             <a:r>
-              <a:rPr lang="en-US" dirty="0"/>
+              <a:rPr lang="en-US" dirty="0" smtClean="0"/>
               <a:t>b </a:t>
             </a:r>
             <a:r>
-              <a:rPr lang="el-GR" dirty="0"/>
+              <a:rPr lang="el-GR" dirty="0" smtClean="0"/>
               <a:t>ε </a:t>
             </a:r>
             <a:r>
-              <a:rPr lang="en-US" dirty="0"/>
+              <a:rPr lang="en-US" dirty="0" smtClean="0"/>
               <a:t>R</a:t>
             </a:r>
           </a:p>
           <a:p>
             <a:r>
-              <a:rPr lang="en-US" dirty="0"/>
+              <a:rPr lang="en-US" dirty="0" smtClean="0"/>
               <a:t>y = W</a:t>
             </a:r>
             <a:r>
-              <a:rPr lang="en-US" baseline="30000" dirty="0"/>
+              <a:rPr lang="en-US" baseline="30000" dirty="0" smtClean="0"/>
               <a:t>T</a:t>
             </a:r>
             <a:r>
-              <a:rPr lang="en-US" dirty="0"/>
+              <a:rPr lang="en-US" dirty="0" smtClean="0"/>
               <a:t>X + b</a:t>
             </a:r>
             <a:endParaRPr lang="en-US" baseline="-25000" dirty="0"/>
@@ -14753,6 +14407,13 @@
   <p:clrMapOvr>
     <a:masterClrMapping/>
   </p:clrMapOvr>
+  <p:timing>
+    <p:tnLst>
+      <p:par>
+        <p:cTn id="1" dur="indefinite" restart="never" nodeType="tmRoot"/>
+      </p:par>
+    </p:tnLst>
+  </p:timing>
 </p:sld>
 </file>
 
@@ -14791,9 +14452,10 @@
           <a:lstStyle/>
           <a:p>
             <a:r>
-              <a:rPr lang="en-US" dirty="0"/>
+              <a:rPr lang="en-US" dirty="0" smtClean="0"/>
               <a:t>Logistic Regression</a:t>
             </a:r>
+            <a:endParaRPr lang="en-US" dirty="0"/>
           </a:p>
         </p:txBody>
       </p:sp>
@@ -14815,82 +14477,82 @@
           <a:lstStyle/>
           <a:p>
             <a:r>
-              <a:rPr lang="en-US" dirty="0"/>
+              <a:rPr lang="en-US" dirty="0" smtClean="0"/>
               <a:t>Weights – W  </a:t>
             </a:r>
           </a:p>
           <a:p>
             <a:pPr lvl="1"/>
             <a:r>
-              <a:rPr lang="en-US" dirty="0"/>
+              <a:rPr lang="en-US" dirty="0" smtClean="0"/>
               <a:t>Vector</a:t>
             </a:r>
           </a:p>
           <a:p>
             <a:pPr lvl="1"/>
             <a:r>
-              <a:rPr lang="en-US" dirty="0"/>
+              <a:rPr lang="en-US" dirty="0" smtClean="0"/>
               <a:t>W </a:t>
             </a:r>
             <a:r>
-              <a:rPr lang="el-GR" dirty="0"/>
+              <a:rPr lang="el-GR" dirty="0" smtClean="0"/>
               <a:t>ε</a:t>
             </a:r>
             <a:r>
-              <a:rPr lang="en-US" dirty="0"/>
+              <a:rPr lang="en-US" dirty="0" smtClean="0"/>
               <a:t> R</a:t>
             </a:r>
           </a:p>
           <a:p>
             <a:pPr lvl="1"/>
             <a:r>
-              <a:rPr lang="en-US" dirty="0"/>
+              <a:rPr lang="en-US" dirty="0" smtClean="0"/>
               <a:t>Dimension – n</a:t>
             </a:r>
             <a:r>
-              <a:rPr lang="en-US" baseline="-25000" dirty="0"/>
+              <a:rPr lang="en-US" baseline="-25000" dirty="0" smtClean="0"/>
               <a:t>X </a:t>
             </a:r>
           </a:p>
           <a:p>
             <a:r>
-              <a:rPr lang="en-US" dirty="0"/>
+              <a:rPr lang="en-US" dirty="0" smtClean="0"/>
               <a:t>Bias – b  </a:t>
             </a:r>
           </a:p>
           <a:p>
             <a:pPr lvl="1"/>
             <a:r>
-              <a:rPr lang="en-US" dirty="0"/>
+              <a:rPr lang="en-US" dirty="0" smtClean="0"/>
               <a:t>Scalar</a:t>
             </a:r>
           </a:p>
           <a:p>
             <a:pPr lvl="1"/>
             <a:r>
-              <a:rPr lang="en-US" dirty="0"/>
+              <a:rPr lang="en-US" dirty="0" smtClean="0"/>
               <a:t>b </a:t>
             </a:r>
             <a:r>
-              <a:rPr lang="el-GR" dirty="0"/>
+              <a:rPr lang="el-GR" dirty="0" smtClean="0"/>
               <a:t>ε </a:t>
             </a:r>
             <a:r>
-              <a:rPr lang="en-US" dirty="0"/>
+              <a:rPr lang="en-US" dirty="0" smtClean="0"/>
               <a:t>R</a:t>
             </a:r>
           </a:p>
           <a:p>
             <a:r>
-              <a:rPr lang="en-US" dirty="0"/>
+              <a:rPr lang="en-US" dirty="0" smtClean="0"/>
               <a:t>y = W</a:t>
             </a:r>
             <a:r>
-              <a:rPr lang="en-US" baseline="30000" dirty="0"/>
+              <a:rPr lang="en-US" baseline="30000" dirty="0" smtClean="0"/>
               <a:t>T</a:t>
             </a:r>
             <a:r>
-              <a:rPr lang="en-US" dirty="0"/>
+              <a:rPr lang="en-US" dirty="0" smtClean="0"/>
               <a:t>X + b</a:t>
             </a:r>
             <a:endParaRPr lang="en-US" baseline="-25000" dirty="0"/>
@@ -14937,6 +14599,13 @@
   <p:clrMapOvr>
     <a:masterClrMapping/>
   </p:clrMapOvr>
+  <p:timing>
+    <p:tnLst>
+      <p:par>
+        <p:cTn id="1" dur="indefinite" restart="never" nodeType="tmRoot"/>
+      </p:par>
+    </p:tnLst>
+  </p:timing>
 </p:sld>
 </file>
 

--- a/MachineLearning/LogisticRegression/LogisticRegression.pptx
+++ b/MachineLearning/LogisticRegression/LogisticRegression.pptx
@@ -50,7 +50,7 @@
     <p:sldId id="269" r:id="rId41"/>
   </p:sldIdLst>
   <p:sldSz cx="9144000" cy="6858000" type="screen4x3"/>
-  <p:notesSz cx="6858000" cy="9144000"/>
+  <p:notesSz cx="9144000" cy="6858000"/>
   <p:defaultTextStyle>
     <a:defPPr>
       <a:defRPr lang="en-US"/>
@@ -184,7 +184,7 @@
         <p:spPr>
           <a:xfrm>
             <a:off x="0" y="0"/>
-            <a:ext cx="2971800" cy="457200"/>
+            <a:ext cx="3962400" cy="342900"/>
           </a:xfrm>
           <a:prstGeom prst="rect">
             <a:avLst/>
@@ -214,8 +214,8 @@
         </p:nvSpPr>
         <p:spPr>
           <a:xfrm>
-            <a:off x="3884613" y="0"/>
-            <a:ext cx="2971800" cy="457200"/>
+            <a:off x="5179484" y="0"/>
+            <a:ext cx="3962400" cy="342900"/>
           </a:xfrm>
           <a:prstGeom prst="rect">
             <a:avLst/>
@@ -250,8 +250,8 @@
         </p:nvSpPr>
         <p:spPr>
           <a:xfrm>
-            <a:off x="1143000" y="685800"/>
-            <a:ext cx="4572000" cy="3429000"/>
+            <a:off x="2857500" y="514350"/>
+            <a:ext cx="3429000" cy="2571750"/>
           </a:xfrm>
           <a:prstGeom prst="rect">
             <a:avLst/>
@@ -283,8 +283,8 @@
         </p:nvSpPr>
         <p:spPr>
           <a:xfrm>
-            <a:off x="685800" y="4343400"/>
-            <a:ext cx="5486400" cy="4114800"/>
+            <a:off x="914400" y="3257550"/>
+            <a:ext cx="7315200" cy="3086100"/>
           </a:xfrm>
           <a:prstGeom prst="rect">
             <a:avLst/>
@@ -345,8 +345,8 @@
         </p:nvSpPr>
         <p:spPr>
           <a:xfrm>
-            <a:off x="0" y="8685213"/>
-            <a:ext cx="2971800" cy="457200"/>
+            <a:off x="0" y="6513910"/>
+            <a:ext cx="3962400" cy="342900"/>
           </a:xfrm>
           <a:prstGeom prst="rect">
             <a:avLst/>
@@ -376,8 +376,8 @@
         </p:nvSpPr>
         <p:spPr>
           <a:xfrm>
-            <a:off x="3884613" y="8685213"/>
-            <a:ext cx="2971800" cy="457200"/>
+            <a:off x="5179484" y="6513910"/>
+            <a:ext cx="3962400" cy="342900"/>
           </a:xfrm>
           <a:prstGeom prst="rect">
             <a:avLst/>
@@ -6420,26 +6420,21 @@
           <a:p>
             <a:r>
               <a:rPr lang="en-US" dirty="0" smtClean="0"/>
-              <a:t>Supervised </a:t>
-            </a:r>
-            <a:r>
-              <a:rPr lang="en-US" dirty="0" smtClean="0"/>
-              <a:t>learning – </a:t>
-            </a:r>
-            <a:r>
-              <a:rPr lang="en-US" dirty="0" smtClean="0"/>
-              <a:t>Binary classification </a:t>
-            </a:r>
-            <a:endParaRPr lang="en-US" dirty="0" smtClean="0"/>
-          </a:p>
-          <a:p>
-            <a:r>
-              <a:rPr lang="en-US" dirty="0" smtClean="0"/>
-              <a:t>Sigmoid </a:t>
-            </a:r>
-            <a:r>
-              <a:rPr lang="en-US" dirty="0" smtClean="0"/>
-              <a:t>function</a:t>
+              <a:t>Supervised learning </a:t>
+            </a:r>
+            <a:r>
+              <a:rPr lang="en-US" dirty="0" smtClean="0"/>
+              <a:t>– Binary </a:t>
+            </a:r>
+            <a:r>
+              <a:rPr lang="en-US" dirty="0" smtClean="0"/>
+              <a:t>classification </a:t>
+            </a:r>
+          </a:p>
+          <a:p>
+            <a:r>
+              <a:rPr lang="en-US" dirty="0" smtClean="0"/>
+              <a:t>Sigmoid function</a:t>
             </a:r>
           </a:p>
           <a:p>
@@ -6447,16 +6442,11 @@
               <a:rPr lang="en-US" dirty="0" smtClean="0"/>
               <a:t>Logistic regression</a:t>
             </a:r>
-            <a:endParaRPr lang="en-US" dirty="0" smtClean="0"/>
-          </a:p>
-          <a:p>
-            <a:r>
-              <a:rPr lang="en-US" dirty="0" smtClean="0"/>
-              <a:t>Gradient </a:t>
-            </a:r>
-            <a:r>
-              <a:rPr lang="en-US" dirty="0" smtClean="0"/>
-              <a:t>descent</a:t>
+          </a:p>
+          <a:p>
+            <a:r>
+              <a:rPr lang="en-US" dirty="0" smtClean="0"/>
+              <a:t>Gradient descent</a:t>
             </a:r>
           </a:p>
           <a:p>
@@ -6468,11 +6458,7 @@
           <a:p>
             <a:r>
               <a:rPr lang="en-IN" dirty="0" smtClean="0"/>
-              <a:t>Confusion </a:t>
-            </a:r>
-            <a:r>
-              <a:rPr lang="en-IN" dirty="0" smtClean="0"/>
-              <a:t>matrix</a:t>
+              <a:t>Confusion matrix</a:t>
             </a:r>
             <a:endParaRPr lang="en-US" dirty="0" smtClean="0"/>
           </a:p>
@@ -12364,7 +12350,7 @@
           <p:cNvPr id="2" name="Title 1">
             <a:extLst>
               <a:ext uri="{FF2B5EF4-FFF2-40B4-BE49-F238E27FC236}">
-                <a16:creationId xmlns="" xmlns:a16="http://schemas.microsoft.com/office/drawing/2014/main" id="{9EDF2053-84B8-00D1-D398-C905CCFCE5BC}"/>
+                <a16:creationId xmlns:a16="http://schemas.microsoft.com/office/drawing/2014/main" xmlns="" id="{9EDF2053-84B8-00D1-D398-C905CCFCE5BC}"/>
               </a:ext>
             </a:extLst>
           </p:cNvPr>
@@ -12392,7 +12378,7 @@
           <p:cNvPr id="4" name="Text Box 10">
             <a:extLst>
               <a:ext uri="{FF2B5EF4-FFF2-40B4-BE49-F238E27FC236}">
-                <a16:creationId xmlns="" xmlns:a16="http://schemas.microsoft.com/office/drawing/2014/main" id="{B82EF61E-94BA-0C39-0400-E0D8FAB1D765}"/>
+                <a16:creationId xmlns:a16="http://schemas.microsoft.com/office/drawing/2014/main" xmlns="" id="{B82EF61E-94BA-0C39-0400-E0D8FAB1D765}"/>
               </a:ext>
             </a:extLst>
           </p:cNvPr>
@@ -12461,7 +12447,7 @@
           <p:cNvPr id="6" name="Picture 5">
             <a:extLst>
               <a:ext uri="{FF2B5EF4-FFF2-40B4-BE49-F238E27FC236}">
-                <a16:creationId xmlns="" xmlns:a16="http://schemas.microsoft.com/office/drawing/2014/main" id="{CCD7382C-8964-AC6D-D726-8F774177DEE7}"/>
+                <a16:creationId xmlns:a16="http://schemas.microsoft.com/office/drawing/2014/main" xmlns="" id="{CCD7382C-8964-AC6D-D726-8F774177DEE7}"/>
               </a:ext>
             </a:extLst>
           </p:cNvPr>
@@ -12474,7 +12460,7 @@
           <a:blip r:embed="rId2">
             <a:extLst>
               <a:ext uri="{28A0092B-C50C-407E-A947-70E740481C1C}">
-                <a14:useLocalDpi xmlns="" xmlns:a14="http://schemas.microsoft.com/office/drawing/2010/main" val="0"/>
+                <a14:useLocalDpi xmlns:a14="http://schemas.microsoft.com/office/drawing/2010/main" xmlns="" val="0"/>
               </a:ext>
             </a:extLst>
           </a:blip>
@@ -12495,7 +12481,7 @@
     </p:spTree>
     <p:extLst>
       <p:ext uri="{BB962C8B-B14F-4D97-AF65-F5344CB8AC3E}">
-        <p14:creationId xmlns="" xmlns:p14="http://schemas.microsoft.com/office/powerpoint/2010/main" val="2512492936"/>
+        <p14:creationId xmlns:p14="http://schemas.microsoft.com/office/powerpoint/2010/main" xmlns="" val="2512492936"/>
       </p:ext>
     </p:extLst>
   </p:cSld>
@@ -12660,7 +12646,7 @@
     </p:spTree>
     <p:extLst>
       <p:ext uri="{BB962C8B-B14F-4D97-AF65-F5344CB8AC3E}">
-        <p14:creationId xmlns="" xmlns:p14="http://schemas.microsoft.com/office/powerpoint/2010/main" val="3445439315"/>
+        <p14:creationId xmlns:p14="http://schemas.microsoft.com/office/powerpoint/2010/main" xmlns="" val="3445439315"/>
       </p:ext>
     </p:extLst>
   </p:cSld>
@@ -12797,7 +12783,7 @@
     </p:spTree>
     <p:extLst>
       <p:ext uri="{BB962C8B-B14F-4D97-AF65-F5344CB8AC3E}">
-        <p14:creationId xmlns="" xmlns:p14="http://schemas.microsoft.com/office/powerpoint/2010/main" val="2912760412"/>
+        <p14:creationId xmlns:p14="http://schemas.microsoft.com/office/powerpoint/2010/main" xmlns="" val="2912760412"/>
       </p:ext>
     </p:extLst>
   </p:cSld>
@@ -13707,7 +13693,7 @@
           <p:nvPr>
             <p:extLst>
               <p:ext uri="{D42A27DB-BD31-4B8C-83A1-F6EECF244321}">
-                <p14:modId xmlns="" xmlns:p14="http://schemas.microsoft.com/office/powerpoint/2010/main" val="3926379348"/>
+                <p14:modId xmlns:p14="http://schemas.microsoft.com/office/powerpoint/2010/main" xmlns="" val="3926379348"/>
               </p:ext>
             </p:extLst>
           </p:nvPr>
@@ -13726,14 +13712,14 @@
                 <a:gridCol w="1447800">
                   <a:extLst>
                     <a:ext uri="{9D8B030D-6E8A-4147-A177-3AD203B41FA5}">
-                      <a16:colId xmlns="" xmlns:a16="http://schemas.microsoft.com/office/drawing/2014/main" val="20000"/>
+                      <a16:colId xmlns:a16="http://schemas.microsoft.com/office/drawing/2014/main" xmlns="" val="20000"/>
                     </a:ext>
                   </a:extLst>
                 </a:gridCol>
                 <a:gridCol w="1447800">
                   <a:extLst>
                     <a:ext uri="{9D8B030D-6E8A-4147-A177-3AD203B41FA5}">
-                      <a16:colId xmlns="" xmlns:a16="http://schemas.microsoft.com/office/drawing/2014/main" val="20001"/>
+                      <a16:colId xmlns:a16="http://schemas.microsoft.com/office/drawing/2014/main" xmlns="" val="20001"/>
                     </a:ext>
                   </a:extLst>
                 </a:gridCol>
@@ -13775,7 +13761,7 @@
                 </a:tc>
                 <a:extLst>
                   <a:ext uri="{0D108BD9-81ED-4DB2-BD59-A6C34878D82A}">
-                    <a16:rowId xmlns="" xmlns:a16="http://schemas.microsoft.com/office/drawing/2014/main" val="10000"/>
+                    <a16:rowId xmlns:a16="http://schemas.microsoft.com/office/drawing/2014/main" xmlns="" val="10000"/>
                   </a:ext>
                 </a:extLst>
               </a:tr>
@@ -13811,7 +13797,7 @@
                 </a:tc>
                 <a:extLst>
                   <a:ext uri="{0D108BD9-81ED-4DB2-BD59-A6C34878D82A}">
-                    <a16:rowId xmlns="" xmlns:a16="http://schemas.microsoft.com/office/drawing/2014/main" val="10001"/>
+                    <a16:rowId xmlns:a16="http://schemas.microsoft.com/office/drawing/2014/main" xmlns="" val="10001"/>
                   </a:ext>
                 </a:extLst>
               </a:tr>
@@ -13847,7 +13833,7 @@
                 </a:tc>
                 <a:extLst>
                   <a:ext uri="{0D108BD9-81ED-4DB2-BD59-A6C34878D82A}">
-                    <a16:rowId xmlns="" xmlns:a16="http://schemas.microsoft.com/office/drawing/2014/main" val="10002"/>
+                    <a16:rowId xmlns:a16="http://schemas.microsoft.com/office/drawing/2014/main" xmlns="" val="10002"/>
                   </a:ext>
                 </a:extLst>
               </a:tr>
@@ -13883,7 +13869,7 @@
                 </a:tc>
                 <a:extLst>
                   <a:ext uri="{0D108BD9-81ED-4DB2-BD59-A6C34878D82A}">
-                    <a16:rowId xmlns="" xmlns:a16="http://schemas.microsoft.com/office/drawing/2014/main" val="10003"/>
+                    <a16:rowId xmlns:a16="http://schemas.microsoft.com/office/drawing/2014/main" xmlns="" val="10003"/>
                   </a:ext>
                 </a:extLst>
               </a:tr>
@@ -13920,7 +13906,7 @@
                 </a:tc>
                 <a:extLst>
                   <a:ext uri="{0D108BD9-81ED-4DB2-BD59-A6C34878D82A}">
-                    <a16:rowId xmlns="" xmlns:a16="http://schemas.microsoft.com/office/drawing/2014/main" val="10004"/>
+                    <a16:rowId xmlns:a16="http://schemas.microsoft.com/office/drawing/2014/main" xmlns="" val="10004"/>
                   </a:ext>
                 </a:extLst>
               </a:tr>
@@ -13956,7 +13942,7 @@
                 </a:tc>
                 <a:extLst>
                   <a:ext uri="{0D108BD9-81ED-4DB2-BD59-A6C34878D82A}">
-                    <a16:rowId xmlns="" xmlns:a16="http://schemas.microsoft.com/office/drawing/2014/main" val="10005"/>
+                    <a16:rowId xmlns:a16="http://schemas.microsoft.com/office/drawing/2014/main" xmlns="" val="10005"/>
                   </a:ext>
                 </a:extLst>
               </a:tr>
@@ -13993,7 +13979,7 @@
                 </a:tc>
                 <a:extLst>
                   <a:ext uri="{0D108BD9-81ED-4DB2-BD59-A6C34878D82A}">
-                    <a16:rowId xmlns="" xmlns:a16="http://schemas.microsoft.com/office/drawing/2014/main" val="10006"/>
+                    <a16:rowId xmlns:a16="http://schemas.microsoft.com/office/drawing/2014/main" xmlns="" val="10006"/>
                   </a:ext>
                 </a:extLst>
               </a:tr>
@@ -14029,7 +14015,7 @@
                 </a:tc>
                 <a:extLst>
                   <a:ext uri="{0D108BD9-81ED-4DB2-BD59-A6C34878D82A}">
-                    <a16:rowId xmlns="" xmlns:a16="http://schemas.microsoft.com/office/drawing/2014/main" val="10007"/>
+                    <a16:rowId xmlns:a16="http://schemas.microsoft.com/office/drawing/2014/main" xmlns="" val="10007"/>
                   </a:ext>
                 </a:extLst>
               </a:tr>
@@ -14065,7 +14051,7 @@
                 </a:tc>
                 <a:extLst>
                   <a:ext uri="{0D108BD9-81ED-4DB2-BD59-A6C34878D82A}">
-                    <a16:rowId xmlns="" xmlns:a16="http://schemas.microsoft.com/office/drawing/2014/main" val="10008"/>
+                    <a16:rowId xmlns:a16="http://schemas.microsoft.com/office/drawing/2014/main" xmlns="" val="10008"/>
                   </a:ext>
                 </a:extLst>
               </a:tr>
@@ -14101,7 +14087,7 @@
                 </a:tc>
                 <a:extLst>
                   <a:ext uri="{0D108BD9-81ED-4DB2-BD59-A6C34878D82A}">
-                    <a16:rowId xmlns="" xmlns:a16="http://schemas.microsoft.com/office/drawing/2014/main" val="10009"/>
+                    <a16:rowId xmlns:a16="http://schemas.microsoft.com/office/drawing/2014/main" xmlns="" val="10009"/>
                   </a:ext>
                 </a:extLst>
               </a:tr>

--- a/MachineLearning/LogisticRegression/LogisticRegression.pptx
+++ b/MachineLearning/LogisticRegression/LogisticRegression.pptx
@@ -232,7 +232,7 @@
             <a:fld id="{98BFDCCA-FFB9-49F6-B56E-F6432283D67C}" type="datetimeFigureOut">
               <a:rPr lang="en-US" smtClean="0"/>
               <a:pPr/>
-              <a:t>2/6/2023</a:t>
+              <a:t>2/9/2023</a:t>
             </a:fld>
             <a:endParaRPr lang="en-US"/>
           </a:p>
@@ -680,7 +680,7 @@
             <a:fld id="{9099FEDA-6AC3-495C-A467-2B0399D71BB7}" type="datetimeFigureOut">
               <a:rPr lang="en-US" smtClean="0"/>
               <a:pPr/>
-              <a:t>2/6/2023</a:t>
+              <a:t>2/9/2023</a:t>
             </a:fld>
             <a:endParaRPr lang="en-US"/>
           </a:p>
@@ -847,7 +847,7 @@
             <a:fld id="{9099FEDA-6AC3-495C-A467-2B0399D71BB7}" type="datetimeFigureOut">
               <a:rPr lang="en-US" smtClean="0"/>
               <a:pPr/>
-              <a:t>2/6/2023</a:t>
+              <a:t>2/9/2023</a:t>
             </a:fld>
             <a:endParaRPr lang="en-US"/>
           </a:p>
@@ -1024,7 +1024,7 @@
             <a:fld id="{9099FEDA-6AC3-495C-A467-2B0399D71BB7}" type="datetimeFigureOut">
               <a:rPr lang="en-US" smtClean="0"/>
               <a:pPr/>
-              <a:t>2/6/2023</a:t>
+              <a:t>2/9/2023</a:t>
             </a:fld>
             <a:endParaRPr lang="en-US"/>
           </a:p>
@@ -1191,7 +1191,7 @@
             <a:fld id="{9099FEDA-6AC3-495C-A467-2B0399D71BB7}" type="datetimeFigureOut">
               <a:rPr lang="en-US" smtClean="0"/>
               <a:pPr/>
-              <a:t>2/6/2023</a:t>
+              <a:t>2/9/2023</a:t>
             </a:fld>
             <a:endParaRPr lang="en-US"/>
           </a:p>
@@ -1434,7 +1434,7 @@
             <a:fld id="{9099FEDA-6AC3-495C-A467-2B0399D71BB7}" type="datetimeFigureOut">
               <a:rPr lang="en-US" smtClean="0"/>
               <a:pPr/>
-              <a:t>2/6/2023</a:t>
+              <a:t>2/9/2023</a:t>
             </a:fld>
             <a:endParaRPr lang="en-US"/>
           </a:p>
@@ -1719,7 +1719,7 @@
             <a:fld id="{9099FEDA-6AC3-495C-A467-2B0399D71BB7}" type="datetimeFigureOut">
               <a:rPr lang="en-US" smtClean="0"/>
               <a:pPr/>
-              <a:t>2/6/2023</a:t>
+              <a:t>2/9/2023</a:t>
             </a:fld>
             <a:endParaRPr lang="en-US"/>
           </a:p>
@@ -2138,7 +2138,7 @@
             <a:fld id="{9099FEDA-6AC3-495C-A467-2B0399D71BB7}" type="datetimeFigureOut">
               <a:rPr lang="en-US" smtClean="0"/>
               <a:pPr/>
-              <a:t>2/6/2023</a:t>
+              <a:t>2/9/2023</a:t>
             </a:fld>
             <a:endParaRPr lang="en-US"/>
           </a:p>
@@ -2253,7 +2253,7 @@
             <a:fld id="{9099FEDA-6AC3-495C-A467-2B0399D71BB7}" type="datetimeFigureOut">
               <a:rPr lang="en-US" smtClean="0"/>
               <a:pPr/>
-              <a:t>2/6/2023</a:t>
+              <a:t>2/9/2023</a:t>
             </a:fld>
             <a:endParaRPr lang="en-US"/>
           </a:p>
@@ -2345,7 +2345,7 @@
             <a:fld id="{9099FEDA-6AC3-495C-A467-2B0399D71BB7}" type="datetimeFigureOut">
               <a:rPr lang="en-US" smtClean="0"/>
               <a:pPr/>
-              <a:t>2/6/2023</a:t>
+              <a:t>2/9/2023</a:t>
             </a:fld>
             <a:endParaRPr lang="en-US"/>
           </a:p>
@@ -2619,7 +2619,7 @@
             <a:fld id="{9099FEDA-6AC3-495C-A467-2B0399D71BB7}" type="datetimeFigureOut">
               <a:rPr lang="en-US" smtClean="0"/>
               <a:pPr/>
-              <a:t>2/6/2023</a:t>
+              <a:t>2/9/2023</a:t>
             </a:fld>
             <a:endParaRPr lang="en-US"/>
           </a:p>
@@ -2869,7 +2869,7 @@
             <a:fld id="{9099FEDA-6AC3-495C-A467-2B0399D71BB7}" type="datetimeFigureOut">
               <a:rPr lang="en-US" smtClean="0"/>
               <a:pPr/>
-              <a:t>2/6/2023</a:t>
+              <a:t>2/9/2023</a:t>
             </a:fld>
             <a:endParaRPr lang="en-US"/>
           </a:p>
@@ -3079,7 +3079,7 @@
             <a:fld id="{9099FEDA-6AC3-495C-A467-2B0399D71BB7}" type="datetimeFigureOut">
               <a:rPr lang="en-US" smtClean="0"/>
               <a:pPr/>
-              <a:t>2/6/2023</a:t>
+              <a:t>2/9/2023</a:t>
             </a:fld>
             <a:endParaRPr lang="en-US"/>
           </a:p>
@@ -6420,15 +6420,7 @@
           <a:p>
             <a:r>
               <a:rPr lang="en-US" dirty="0" smtClean="0"/>
-              <a:t>Supervised learning </a:t>
-            </a:r>
-            <a:r>
-              <a:rPr lang="en-US" dirty="0" smtClean="0"/>
-              <a:t>– Binary </a:t>
-            </a:r>
-            <a:r>
-              <a:rPr lang="en-US" dirty="0" smtClean="0"/>
-              <a:t>classification </a:t>
+              <a:t>Supervised learning – Binary classification </a:t>
             </a:r>
           </a:p>
           <a:p>
@@ -12350,7 +12342,7 @@
           <p:cNvPr id="2" name="Title 1">
             <a:extLst>
               <a:ext uri="{FF2B5EF4-FFF2-40B4-BE49-F238E27FC236}">
-                <a16:creationId xmlns:a16="http://schemas.microsoft.com/office/drawing/2014/main" xmlns="" id="{9EDF2053-84B8-00D1-D398-C905CCFCE5BC}"/>
+                <a16:creationId xmlns="" xmlns:a16="http://schemas.microsoft.com/office/drawing/2014/main" id="{9EDF2053-84B8-00D1-D398-C905CCFCE5BC}"/>
               </a:ext>
             </a:extLst>
           </p:cNvPr>
@@ -12378,7 +12370,7 @@
           <p:cNvPr id="4" name="Text Box 10">
             <a:extLst>
               <a:ext uri="{FF2B5EF4-FFF2-40B4-BE49-F238E27FC236}">
-                <a16:creationId xmlns:a16="http://schemas.microsoft.com/office/drawing/2014/main" xmlns="" id="{B82EF61E-94BA-0C39-0400-E0D8FAB1D765}"/>
+                <a16:creationId xmlns="" xmlns:a16="http://schemas.microsoft.com/office/drawing/2014/main" id="{B82EF61E-94BA-0C39-0400-E0D8FAB1D765}"/>
               </a:ext>
             </a:extLst>
           </p:cNvPr>
@@ -12447,7 +12439,7 @@
           <p:cNvPr id="6" name="Picture 5">
             <a:extLst>
               <a:ext uri="{FF2B5EF4-FFF2-40B4-BE49-F238E27FC236}">
-                <a16:creationId xmlns:a16="http://schemas.microsoft.com/office/drawing/2014/main" xmlns="" id="{CCD7382C-8964-AC6D-D726-8F774177DEE7}"/>
+                <a16:creationId xmlns="" xmlns:a16="http://schemas.microsoft.com/office/drawing/2014/main" id="{CCD7382C-8964-AC6D-D726-8F774177DEE7}"/>
               </a:ext>
             </a:extLst>
           </p:cNvPr>
@@ -12460,7 +12452,7 @@
           <a:blip r:embed="rId2">
             <a:extLst>
               <a:ext uri="{28A0092B-C50C-407E-A947-70E740481C1C}">
-                <a14:useLocalDpi xmlns:a14="http://schemas.microsoft.com/office/drawing/2010/main" xmlns="" val="0"/>
+                <a14:useLocalDpi xmlns="" xmlns:a14="http://schemas.microsoft.com/office/drawing/2010/main" val="0"/>
               </a:ext>
             </a:extLst>
           </a:blip>
@@ -12481,7 +12473,7 @@
     </p:spTree>
     <p:extLst>
       <p:ext uri="{BB962C8B-B14F-4D97-AF65-F5344CB8AC3E}">
-        <p14:creationId xmlns:p14="http://schemas.microsoft.com/office/powerpoint/2010/main" xmlns="" val="2512492936"/>
+        <p14:creationId xmlns="" xmlns:p14="http://schemas.microsoft.com/office/powerpoint/2010/main" val="2512492936"/>
       </p:ext>
     </p:extLst>
   </p:cSld>
@@ -12646,7 +12638,7 @@
     </p:spTree>
     <p:extLst>
       <p:ext uri="{BB962C8B-B14F-4D97-AF65-F5344CB8AC3E}">
-        <p14:creationId xmlns:p14="http://schemas.microsoft.com/office/powerpoint/2010/main" xmlns="" val="3445439315"/>
+        <p14:creationId xmlns="" xmlns:p14="http://schemas.microsoft.com/office/powerpoint/2010/main" val="3445439315"/>
       </p:ext>
     </p:extLst>
   </p:cSld>
@@ -12783,7 +12775,7 @@
     </p:spTree>
     <p:extLst>
       <p:ext uri="{BB962C8B-B14F-4D97-AF65-F5344CB8AC3E}">
-        <p14:creationId xmlns:p14="http://schemas.microsoft.com/office/powerpoint/2010/main" xmlns="" val="2912760412"/>
+        <p14:creationId xmlns="" xmlns:p14="http://schemas.microsoft.com/office/powerpoint/2010/main" val="2912760412"/>
       </p:ext>
     </p:extLst>
   </p:cSld>
@@ -13693,7 +13685,7 @@
           <p:nvPr>
             <p:extLst>
               <p:ext uri="{D42A27DB-BD31-4B8C-83A1-F6EECF244321}">
-                <p14:modId xmlns:p14="http://schemas.microsoft.com/office/powerpoint/2010/main" xmlns="" val="3926379348"/>
+                <p14:modId xmlns="" xmlns:p14="http://schemas.microsoft.com/office/powerpoint/2010/main" val="3926379348"/>
               </p:ext>
             </p:extLst>
           </p:nvPr>
@@ -13712,14 +13704,14 @@
                 <a:gridCol w="1447800">
                   <a:extLst>
                     <a:ext uri="{9D8B030D-6E8A-4147-A177-3AD203B41FA5}">
-                      <a16:colId xmlns:a16="http://schemas.microsoft.com/office/drawing/2014/main" xmlns="" val="20000"/>
+                      <a16:colId xmlns="" xmlns:a16="http://schemas.microsoft.com/office/drawing/2014/main" val="20000"/>
                     </a:ext>
                   </a:extLst>
                 </a:gridCol>
                 <a:gridCol w="1447800">
                   <a:extLst>
                     <a:ext uri="{9D8B030D-6E8A-4147-A177-3AD203B41FA5}">
-                      <a16:colId xmlns:a16="http://schemas.microsoft.com/office/drawing/2014/main" xmlns="" val="20001"/>
+                      <a16:colId xmlns="" xmlns:a16="http://schemas.microsoft.com/office/drawing/2014/main" val="20001"/>
                     </a:ext>
                   </a:extLst>
                 </a:gridCol>
@@ -13761,7 +13753,7 @@
                 </a:tc>
                 <a:extLst>
                   <a:ext uri="{0D108BD9-81ED-4DB2-BD59-A6C34878D82A}">
-                    <a16:rowId xmlns:a16="http://schemas.microsoft.com/office/drawing/2014/main" xmlns="" val="10000"/>
+                    <a16:rowId xmlns="" xmlns:a16="http://schemas.microsoft.com/office/drawing/2014/main" val="10000"/>
                   </a:ext>
                 </a:extLst>
               </a:tr>
@@ -13797,7 +13789,7 @@
                 </a:tc>
                 <a:extLst>
                   <a:ext uri="{0D108BD9-81ED-4DB2-BD59-A6C34878D82A}">
-                    <a16:rowId xmlns:a16="http://schemas.microsoft.com/office/drawing/2014/main" xmlns="" val="10001"/>
+                    <a16:rowId xmlns="" xmlns:a16="http://schemas.microsoft.com/office/drawing/2014/main" val="10001"/>
                   </a:ext>
                 </a:extLst>
               </a:tr>
@@ -13833,7 +13825,7 @@
                 </a:tc>
                 <a:extLst>
                   <a:ext uri="{0D108BD9-81ED-4DB2-BD59-A6C34878D82A}">
-                    <a16:rowId xmlns:a16="http://schemas.microsoft.com/office/drawing/2014/main" xmlns="" val="10002"/>
+                    <a16:rowId xmlns="" xmlns:a16="http://schemas.microsoft.com/office/drawing/2014/main" val="10002"/>
                   </a:ext>
                 </a:extLst>
               </a:tr>
@@ -13869,7 +13861,7 @@
                 </a:tc>
                 <a:extLst>
                   <a:ext uri="{0D108BD9-81ED-4DB2-BD59-A6C34878D82A}">
-                    <a16:rowId xmlns:a16="http://schemas.microsoft.com/office/drawing/2014/main" xmlns="" val="10003"/>
+                    <a16:rowId xmlns="" xmlns:a16="http://schemas.microsoft.com/office/drawing/2014/main" val="10003"/>
                   </a:ext>
                 </a:extLst>
               </a:tr>
@@ -13906,7 +13898,7 @@
                 </a:tc>
                 <a:extLst>
                   <a:ext uri="{0D108BD9-81ED-4DB2-BD59-A6C34878D82A}">
-                    <a16:rowId xmlns:a16="http://schemas.microsoft.com/office/drawing/2014/main" xmlns="" val="10004"/>
+                    <a16:rowId xmlns="" xmlns:a16="http://schemas.microsoft.com/office/drawing/2014/main" val="10004"/>
                   </a:ext>
                 </a:extLst>
               </a:tr>
@@ -13942,7 +13934,7 @@
                 </a:tc>
                 <a:extLst>
                   <a:ext uri="{0D108BD9-81ED-4DB2-BD59-A6C34878D82A}">
-                    <a16:rowId xmlns:a16="http://schemas.microsoft.com/office/drawing/2014/main" xmlns="" val="10005"/>
+                    <a16:rowId xmlns="" xmlns:a16="http://schemas.microsoft.com/office/drawing/2014/main" val="10005"/>
                   </a:ext>
                 </a:extLst>
               </a:tr>
@@ -13979,7 +13971,7 @@
                 </a:tc>
                 <a:extLst>
                   <a:ext uri="{0D108BD9-81ED-4DB2-BD59-A6C34878D82A}">
-                    <a16:rowId xmlns:a16="http://schemas.microsoft.com/office/drawing/2014/main" xmlns="" val="10006"/>
+                    <a16:rowId xmlns="" xmlns:a16="http://schemas.microsoft.com/office/drawing/2014/main" val="10006"/>
                   </a:ext>
                 </a:extLst>
               </a:tr>
@@ -14015,7 +14007,7 @@
                 </a:tc>
                 <a:extLst>
                   <a:ext uri="{0D108BD9-81ED-4DB2-BD59-A6C34878D82A}">
-                    <a16:rowId xmlns:a16="http://schemas.microsoft.com/office/drawing/2014/main" xmlns="" val="10007"/>
+                    <a16:rowId xmlns="" xmlns:a16="http://schemas.microsoft.com/office/drawing/2014/main" val="10007"/>
                   </a:ext>
                 </a:extLst>
               </a:tr>
@@ -14051,7 +14043,7 @@
                 </a:tc>
                 <a:extLst>
                   <a:ext uri="{0D108BD9-81ED-4DB2-BD59-A6C34878D82A}">
-                    <a16:rowId xmlns:a16="http://schemas.microsoft.com/office/drawing/2014/main" xmlns="" val="10008"/>
+                    <a16:rowId xmlns="" xmlns:a16="http://schemas.microsoft.com/office/drawing/2014/main" val="10008"/>
                   </a:ext>
                 </a:extLst>
               </a:tr>
@@ -14087,7 +14079,7 @@
                 </a:tc>
                 <a:extLst>
                   <a:ext uri="{0D108BD9-81ED-4DB2-BD59-A6C34878D82A}">
-                    <a16:rowId xmlns:a16="http://schemas.microsoft.com/office/drawing/2014/main" xmlns="" val="10009"/>
+                    <a16:rowId xmlns="" xmlns:a16="http://schemas.microsoft.com/office/drawing/2014/main" val="10009"/>
                   </a:ext>
                 </a:extLst>
               </a:tr>
